--- a/doc/联通公务车管理系统.pptx
+++ b/doc/联通公务车管理系统.pptx
@@ -5,29 +5,32 @@
     <p:sldMasterId id="2147483648" r:id="rId1"/>
   </p:sldMasterIdLst>
   <p:notesMasterIdLst>
-    <p:notesMasterId r:id="rId19"/>
+    <p:notesMasterId r:id="rId22"/>
   </p:notesMasterIdLst>
   <p:handoutMasterIdLst>
-    <p:handoutMasterId r:id="rId20"/>
+    <p:handoutMasterId r:id="rId23"/>
   </p:handoutMasterIdLst>
   <p:sldIdLst>
     <p:sldId id="256" r:id="rId2"/>
-    <p:sldId id="264" r:id="rId3"/>
-    <p:sldId id="265" r:id="rId4"/>
-    <p:sldId id="266" r:id="rId5"/>
-    <p:sldId id="268" r:id="rId6"/>
-    <p:sldId id="269" r:id="rId7"/>
+    <p:sldId id="281" r:id="rId3"/>
+    <p:sldId id="264" r:id="rId4"/>
+    <p:sldId id="265" r:id="rId5"/>
+    <p:sldId id="266" r:id="rId6"/>
+    <p:sldId id="268" r:id="rId7"/>
     <p:sldId id="267" r:id="rId8"/>
     <p:sldId id="272" r:id="rId9"/>
     <p:sldId id="280" r:id="rId10"/>
     <p:sldId id="270" r:id="rId11"/>
     <p:sldId id="271" r:id="rId12"/>
     <p:sldId id="277" r:id="rId13"/>
-    <p:sldId id="273" r:id="rId14"/>
-    <p:sldId id="274" r:id="rId15"/>
-    <p:sldId id="276" r:id="rId16"/>
-    <p:sldId id="275" r:id="rId17"/>
-    <p:sldId id="279" r:id="rId18"/>
+    <p:sldId id="274" r:id="rId14"/>
+    <p:sldId id="269" r:id="rId15"/>
+    <p:sldId id="283" r:id="rId16"/>
+    <p:sldId id="273" r:id="rId17"/>
+    <p:sldId id="285" r:id="rId18"/>
+    <p:sldId id="276" r:id="rId19"/>
+    <p:sldId id="275" r:id="rId20"/>
+    <p:sldId id="279" r:id="rId21"/>
   </p:sldIdLst>
   <p:sldSz cx="12192000" cy="6858000"/>
   <p:notesSz cx="6797675" cy="9929813"/>
@@ -158,7 +161,7 @@
   </p:defaultTextStyle>
   <p:extLst>
     <p:ext uri="{EFAFB233-063F-42B5-8137-9DF3F51BA10A}">
-      <p15:sldGuideLst xmlns:p15="http://schemas.microsoft.com/office/powerpoint/2012/main" xmlns="">
+      <p15:sldGuideLst xmlns:p15="http://schemas.microsoft.com/office/powerpoint/2012/main">
         <p15:guide id="1" orient="horz" pos="2160">
           <p15:clr>
             <a:srgbClr val="A4A3A4"/>
@@ -172,7 +175,7 @@
       </p15:sldGuideLst>
     </p:ext>
     <p:ext uri="{2D200454-40CA-4A62-9FC3-DE9A4176ACB9}">
-      <p15:notesGuideLst xmlns:p15="http://schemas.microsoft.com/office/powerpoint/2012/main" xmlns="">
+      <p15:notesGuideLst xmlns:p15="http://schemas.microsoft.com/office/powerpoint/2012/main">
         <p15:guide id="1" orient="horz" pos="2880">
           <p15:clr>
             <a:srgbClr val="A4A3A4"/>
@@ -311,7 +314,7 @@
               <a:pPr>
                 <a:defRPr/>
               </a:pPr>
-              <a:t>2019-9-5</a:t>
+              <a:t>2019/9/7</a:t>
             </a:fld>
             <a:endParaRPr lang="zh-CN" altLang="en-US"/>
           </a:p>
@@ -531,7 +534,7 @@
               <a:pPr>
                 <a:defRPr/>
               </a:pPr>
-              <a:t>2019-9-5</a:t>
+              <a:t>2019/9/7</a:t>
             </a:fld>
             <a:endParaRPr lang="zh-CN" altLang="en-US"/>
           </a:p>
@@ -975,6 +978,96 @@
       </p:grpSpPr>
       <p:sp>
         <p:nvSpPr>
+          <p:cNvPr id="2" name="幻灯片图像占位符 1"/>
+          <p:cNvSpPr>
+            <a:spLocks noGrp="1" noRot="1" noChangeAspect="1"/>
+          </p:cNvSpPr>
+          <p:nvPr>
+            <p:ph type="sldImg"/>
+          </p:nvPr>
+        </p:nvSpPr>
+        <p:spPr/>
+      </p:sp>
+      <p:sp>
+        <p:nvSpPr>
+          <p:cNvPr id="3" name="备注占位符 2"/>
+          <p:cNvSpPr>
+            <a:spLocks noGrp="1"/>
+          </p:cNvSpPr>
+          <p:nvPr>
+            <p:ph type="body" idx="1"/>
+          </p:nvPr>
+        </p:nvSpPr>
+        <p:spPr/>
+        <p:txBody>
+          <a:bodyPr/>
+          <a:lstStyle/>
+          <a:p>
+            <a:endParaRPr kumimoji="1" lang="zh-CN" altLang="en-US" dirty="0"/>
+          </a:p>
+        </p:txBody>
+      </p:sp>
+      <p:sp>
+        <p:nvSpPr>
+          <p:cNvPr id="4" name="灯片编号占位符 3"/>
+          <p:cNvSpPr>
+            <a:spLocks noGrp="1"/>
+          </p:cNvSpPr>
+          <p:nvPr>
+            <p:ph type="sldNum" sz="quarter" idx="5"/>
+          </p:nvPr>
+        </p:nvSpPr>
+        <p:spPr/>
+        <p:txBody>
+          <a:bodyPr/>
+          <a:lstStyle/>
+          <a:p>
+            <a:pPr>
+              <a:defRPr/>
+            </a:pPr>
+            <a:fld id="{70BA8E35-B8E9-4701-9675-ECED45D5DBEE}" type="slidenum">
+              <a:rPr lang="zh-CN" altLang="en-US" smtClean="0"/>
+              <a:pPr>
+                <a:defRPr/>
+              </a:pPr>
+              <a:t>1</a:t>
+            </a:fld>
+            <a:endParaRPr lang="en-US" altLang="zh-CN"/>
+          </a:p>
+        </p:txBody>
+      </p:sp>
+    </p:spTree>
+    <p:extLst>
+      <p:ext uri="{BB962C8B-B14F-4D97-AF65-F5344CB8AC3E}">
+        <p14:creationId xmlns:p14="http://schemas.microsoft.com/office/powerpoint/2010/main" val="2950661839"/>
+      </p:ext>
+    </p:extLst>
+  </p:cSld>
+  <p:clrMapOvr>
+    <a:masterClrMapping/>
+  </p:clrMapOvr>
+</p:notes>
+</file>
+
+<file path=ppt/notesSlides/notesSlide3.xml><?xml version="1.0" encoding="utf-8"?>
+<p:notes xmlns:a="http://schemas.openxmlformats.org/drawingml/2006/main" xmlns:r="http://schemas.openxmlformats.org/officeDocument/2006/relationships" xmlns:p="http://schemas.openxmlformats.org/presentationml/2006/main">
+  <p:cSld>
+    <p:spTree>
+      <p:nvGrpSpPr>
+        <p:cNvPr id="1" name=""/>
+        <p:cNvGrpSpPr/>
+        <p:nvPr/>
+      </p:nvGrpSpPr>
+      <p:grpSpPr>
+        <a:xfrm>
+          <a:off x="0" y="0"/>
+          <a:ext cx="0" cy="0"/>
+          <a:chOff x="0" y="0"/>
+          <a:chExt cx="0" cy="0"/>
+        </a:xfrm>
+      </p:grpSpPr>
+      <p:sp>
+        <p:nvSpPr>
           <p:cNvPr id="8194" name="Rectangle 2"/>
           <p:cNvSpPr>
             <a:spLocks noGrp="1" noRot="1" noChangeAspect="1" noChangeArrowheads="1" noTextEdit="1"/>
@@ -1056,7 +1149,97 @@
 </p:notes>
 </file>
 
-<file path=ppt/notesSlides/notesSlide3.xml><?xml version="1.0" encoding="utf-8"?>
+<file path=ppt/notesSlides/notesSlide4.xml><?xml version="1.0" encoding="utf-8"?>
+<p:notes xmlns:a="http://schemas.openxmlformats.org/drawingml/2006/main" xmlns:r="http://schemas.openxmlformats.org/officeDocument/2006/relationships" xmlns:p="http://schemas.openxmlformats.org/presentationml/2006/main">
+  <p:cSld>
+    <p:spTree>
+      <p:nvGrpSpPr>
+        <p:cNvPr id="1" name=""/>
+        <p:cNvGrpSpPr/>
+        <p:nvPr/>
+      </p:nvGrpSpPr>
+      <p:grpSpPr>
+        <a:xfrm>
+          <a:off x="0" y="0"/>
+          <a:ext cx="0" cy="0"/>
+          <a:chOff x="0" y="0"/>
+          <a:chExt cx="0" cy="0"/>
+        </a:xfrm>
+      </p:grpSpPr>
+      <p:sp>
+        <p:nvSpPr>
+          <p:cNvPr id="2" name="幻灯片图像占位符 1"/>
+          <p:cNvSpPr>
+            <a:spLocks noGrp="1" noRot="1" noChangeAspect="1"/>
+          </p:cNvSpPr>
+          <p:nvPr>
+            <p:ph type="sldImg"/>
+          </p:nvPr>
+        </p:nvSpPr>
+        <p:spPr/>
+      </p:sp>
+      <p:sp>
+        <p:nvSpPr>
+          <p:cNvPr id="3" name="备注占位符 2"/>
+          <p:cNvSpPr>
+            <a:spLocks noGrp="1"/>
+          </p:cNvSpPr>
+          <p:nvPr>
+            <p:ph type="body" idx="1"/>
+          </p:nvPr>
+        </p:nvSpPr>
+        <p:spPr/>
+        <p:txBody>
+          <a:bodyPr/>
+          <a:lstStyle/>
+          <a:p>
+            <a:endParaRPr kumimoji="1" lang="zh-CN" altLang="en-US" dirty="0"/>
+          </a:p>
+        </p:txBody>
+      </p:sp>
+      <p:sp>
+        <p:nvSpPr>
+          <p:cNvPr id="4" name="灯片编号占位符 3"/>
+          <p:cNvSpPr>
+            <a:spLocks noGrp="1"/>
+          </p:cNvSpPr>
+          <p:nvPr>
+            <p:ph type="sldNum" sz="quarter" idx="5"/>
+          </p:nvPr>
+        </p:nvSpPr>
+        <p:spPr/>
+        <p:txBody>
+          <a:bodyPr/>
+          <a:lstStyle/>
+          <a:p>
+            <a:pPr>
+              <a:defRPr/>
+            </a:pPr>
+            <a:fld id="{70BA8E35-B8E9-4701-9675-ECED45D5DBEE}" type="slidenum">
+              <a:rPr lang="zh-CN" altLang="en-US" smtClean="0"/>
+              <a:pPr>
+                <a:defRPr/>
+              </a:pPr>
+              <a:t>10</a:t>
+            </a:fld>
+            <a:endParaRPr lang="en-US" altLang="zh-CN"/>
+          </a:p>
+        </p:txBody>
+      </p:sp>
+    </p:spTree>
+    <p:extLst>
+      <p:ext uri="{BB962C8B-B14F-4D97-AF65-F5344CB8AC3E}">
+        <p14:creationId xmlns:p14="http://schemas.microsoft.com/office/powerpoint/2010/main" val="335028652"/>
+      </p:ext>
+    </p:extLst>
+  </p:cSld>
+  <p:clrMapOvr>
+    <a:masterClrMapping/>
+  </p:clrMapOvr>
+</p:notes>
+</file>
+
+<file path=ppt/notesSlides/notesSlide5.xml><?xml version="1.0" encoding="utf-8"?>
 <p:notes xmlns:a="http://schemas.openxmlformats.org/drawingml/2006/main" xmlns:r="http://schemas.openxmlformats.org/officeDocument/2006/relationships" xmlns:p="http://schemas.openxmlformats.org/presentationml/2006/main">
   <p:cSld>
     <p:spTree>
@@ -2772,8 +2955,8 @@
         </p:nvSpPr>
         <p:spPr bwMode="auto">
           <a:xfrm>
-            <a:off x="1524000" y="5572125"/>
-            <a:ext cx="9144000" cy="407291"/>
+            <a:off x="9696400" y="4532060"/>
+            <a:ext cx="2952328" cy="627288"/>
           </a:xfrm>
           <a:prstGeom prst="rect">
             <a:avLst/>
@@ -2803,7 +2986,7 @@
           </a:extLst>
         </p:spPr>
         <p:txBody>
-          <a:bodyPr>
+          <a:bodyPr wrap="square">
             <a:spAutoFit/>
           </a:bodyPr>
           <a:lstStyle>
@@ -2954,21 +3137,24 @@
               <a:spcBef>
                 <a:spcPct val="0"/>
               </a:spcBef>
-              <a:buFontTx/>
               <a:buNone/>
             </a:pPr>
             <a:r>
-              <a:rPr lang="zh-CN" altLang="en-US" sz="2000" b="1" dirty="0" smtClean="0">
+              <a:rPr lang="zh-CN" altLang="en-US" sz="3600" b="1" dirty="0">
                 <a:solidFill>
                   <a:srgbClr val="000000"/>
                 </a:solidFill>
+                <a:latin typeface="KaiTi" panose="02010609060101010101" pitchFamily="49" charset="-122"/>
+                <a:ea typeface="KaiTi" panose="02010609060101010101" pitchFamily="49" charset="-122"/>
               </a:rPr>
               <a:t>第六组</a:t>
             </a:r>
-            <a:endParaRPr lang="zh-CN" altLang="en-US" sz="2000" b="1" dirty="0">
+            <a:endParaRPr lang="en-US" altLang="zh-CN" sz="3600" b="1" dirty="0">
               <a:solidFill>
                 <a:srgbClr val="000000"/>
               </a:solidFill>
+              <a:latin typeface="KaiTi" panose="02010609060101010101" pitchFamily="49" charset="-122"/>
+              <a:ea typeface="KaiTi" panose="02010609060101010101" pitchFamily="49" charset="-122"/>
             </a:endParaRPr>
           </a:p>
         </p:txBody>
@@ -3182,8 +3368,8 @@
         </p:nvSpPr>
         <p:spPr>
           <a:xfrm>
-            <a:off x="2803606" y="2706647"/>
-            <a:ext cx="8604448" cy="1200329"/>
+            <a:off x="1438475" y="2532509"/>
+            <a:ext cx="9315049" cy="1569660"/>
           </a:xfrm>
           <a:prstGeom prst="rect">
             <a:avLst/>
@@ -3196,23 +3382,110 @@
           </a:bodyPr>
           <a:lstStyle/>
           <a:p>
-            <a:r>
-              <a:rPr lang="zh-CN" altLang="en-US" sz="7200" b="1" dirty="0" smtClean="0">
+            <a:pPr algn="ctr"/>
+            <a:r>
+              <a:rPr lang="zh-CN" altLang="en-US" sz="9600" b="1" dirty="0">
                 <a:solidFill>
                   <a:schemeClr val="bg1"/>
                 </a:solidFill>
-                <a:latin typeface="+mj-ea"/>
-                <a:ea typeface="+mj-ea"/>
+                <a:latin typeface="KaiTi" panose="02010609060101010101" pitchFamily="49" charset="-122"/>
+                <a:ea typeface="KaiTi" panose="02010609060101010101" pitchFamily="49" charset="-122"/>
               </a:rPr>
               <a:t>公务车管理系统</a:t>
             </a:r>
-            <a:endParaRPr lang="zh-CN" altLang="en-US" sz="7200" b="1" dirty="0">
+          </a:p>
+        </p:txBody>
+      </p:sp>
+      <p:sp>
+        <p:nvSpPr>
+          <p:cNvPr id="4" name="矩形 3">
+            <a:extLst>
+              <a:ext uri="{FF2B5EF4-FFF2-40B4-BE49-F238E27FC236}">
+                <a16:creationId xmlns:a16="http://schemas.microsoft.com/office/drawing/2014/main" id="{3B1A7482-BEA1-B74C-B7B6-458DBCF70D96}"/>
+              </a:ext>
+            </a:extLst>
+          </p:cNvPr>
+          <p:cNvSpPr/>
+          <p:nvPr/>
+        </p:nvSpPr>
+        <p:spPr>
+          <a:xfrm>
+            <a:off x="7007424" y="5589239"/>
+            <a:ext cx="5184576" cy="1066639"/>
+          </a:xfrm>
+          <a:prstGeom prst="rect">
+            <a:avLst/>
+          </a:prstGeom>
+        </p:spPr>
+        <p:txBody>
+          <a:bodyPr wrap="square">
+            <a:spAutoFit/>
+          </a:bodyPr>
+          <a:lstStyle/>
+          <a:p>
+            <a:pPr eaLnBrk="1" hangingPunct="1">
+              <a:lnSpc>
+                <a:spcPct val="110000"/>
+              </a:lnSpc>
+            </a:pPr>
+            <a:r>
+              <a:rPr lang="zh-CN" altLang="en-US" sz="2000" dirty="0">
+                <a:solidFill>
+                  <a:srgbClr val="000000"/>
+                </a:solidFill>
+                <a:latin typeface="KaiTi" panose="02010609060101010101" pitchFamily="49" charset="-122"/>
+                <a:ea typeface="KaiTi" panose="02010609060101010101" pitchFamily="49" charset="-122"/>
+              </a:rPr>
+              <a:t>组长：罗夕</a:t>
+            </a:r>
+            <a:endParaRPr lang="en-US" altLang="zh-CN" sz="2000" dirty="0">
               <a:solidFill>
-                <a:schemeClr val="bg1"/>
+                <a:srgbClr val="000000"/>
               </a:solidFill>
-              <a:latin typeface="+mj-ea"/>
-              <a:ea typeface="+mj-ea"/>
+              <a:latin typeface="KaiTi" panose="02010609060101010101" pitchFamily="49" charset="-122"/>
+              <a:ea typeface="KaiTi" panose="02010609060101010101" pitchFamily="49" charset="-122"/>
             </a:endParaRPr>
+          </a:p>
+          <a:p>
+            <a:pPr eaLnBrk="1" hangingPunct="1">
+              <a:lnSpc>
+                <a:spcPct val="110000"/>
+              </a:lnSpc>
+            </a:pPr>
+            <a:r>
+              <a:rPr lang="zh-CN" altLang="en-US" sz="2000" dirty="0">
+                <a:solidFill>
+                  <a:srgbClr val="000000"/>
+                </a:solidFill>
+                <a:latin typeface="KaiTi" panose="02010609060101010101" pitchFamily="49" charset="-122"/>
+                <a:ea typeface="KaiTi" panose="02010609060101010101" pitchFamily="49" charset="-122"/>
+              </a:rPr>
+              <a:t>组员：冯宣祯、张雨佳、吴佳辉</a:t>
+            </a:r>
+            <a:endParaRPr lang="en-US" altLang="zh-CN" sz="2000" dirty="0">
+              <a:solidFill>
+                <a:srgbClr val="000000"/>
+              </a:solidFill>
+              <a:latin typeface="KaiTi" panose="02010609060101010101" pitchFamily="49" charset="-122"/>
+              <a:ea typeface="KaiTi" panose="02010609060101010101" pitchFamily="49" charset="-122"/>
+            </a:endParaRPr>
+          </a:p>
+          <a:p>
+            <a:pPr eaLnBrk="1" hangingPunct="1">
+              <a:lnSpc>
+                <a:spcPct val="110000"/>
+              </a:lnSpc>
+            </a:pPr>
+            <a:r>
+              <a:rPr lang="zh-CN" altLang="en-US" sz="2000" dirty="0">
+                <a:solidFill>
+                  <a:srgbClr val="000000"/>
+                </a:solidFill>
+                <a:latin typeface="KaiTi" panose="02010609060101010101" pitchFamily="49" charset="-122"/>
+                <a:ea typeface="KaiTi" panose="02010609060101010101" pitchFamily="49" charset="-122"/>
+              </a:rPr>
+              <a:t>      姜栋煜、张强、张晔、张涛、杨鹏真</a:t>
+            </a:r>
           </a:p>
         </p:txBody>
       </p:sp>
@@ -3407,7 +3680,7 @@
         <p:spPr>
           <a:xfrm>
             <a:off x="263352" y="211287"/>
-            <a:ext cx="4824536" cy="769441"/>
+            <a:ext cx="6840760" cy="769441"/>
           </a:xfrm>
           <a:prstGeom prst="rect">
             <a:avLst/>
@@ -3421,16 +3694,26 @@
           <a:lstStyle/>
           <a:p>
             <a:r>
-              <a:rPr lang="zh-CN" altLang="en-US" sz="4400" b="1" dirty="0" smtClean="0">
-                <a:latin typeface="楷体" pitchFamily="49" charset="-122"/>
-                <a:ea typeface="楷体" pitchFamily="49" charset="-122"/>
-              </a:rPr>
-              <a:t>系统功能</a:t>
-            </a:r>
-            <a:endParaRPr lang="zh-CN" altLang="en-US" sz="4400" b="1" dirty="0">
-              <a:latin typeface="楷体" pitchFamily="49" charset="-122"/>
-              <a:ea typeface="楷体" pitchFamily="49" charset="-122"/>
-            </a:endParaRPr>
+              <a:rPr lang="zh-CN" altLang="en-US" sz="4400" b="1" dirty="0">
+                <a:latin typeface="楷体" pitchFamily="49" charset="-122"/>
+                <a:ea typeface="楷体" pitchFamily="49" charset="-122"/>
+              </a:rPr>
+              <a:t>功能介绍 </a:t>
+            </a:r>
+            <a:r>
+              <a:rPr lang="en-US" altLang="zh-CN" sz="4400" b="1" dirty="0">
+                <a:latin typeface="楷体" pitchFamily="49" charset="-122"/>
+                <a:ea typeface="楷体" pitchFamily="49" charset="-122"/>
+              </a:rPr>
+              <a:t>--</a:t>
+            </a:r>
+            <a:r>
+              <a:rPr lang="zh-CN" altLang="en-US" sz="4400" b="1" dirty="0">
+                <a:latin typeface="楷体" pitchFamily="49" charset="-122"/>
+                <a:ea typeface="楷体" pitchFamily="49" charset="-122"/>
+              </a:rPr>
+              <a:t> 系统功能</a:t>
+            </a:r>
           </a:p>
         </p:txBody>
       </p:sp>
@@ -3456,20 +3739,20 @@
           <a:lstStyle/>
           <a:p>
             <a:r>
-              <a:rPr lang="zh-CN" altLang="en-US" sz="3200" b="1" dirty="0" smtClean="0">
+              <a:rPr lang="zh-CN" altLang="en-US" sz="3200" b="1" dirty="0">
                 <a:latin typeface="楷体" pitchFamily="49" charset="-122"/>
                 <a:ea typeface="楷体" pitchFamily="49" charset="-122"/>
               </a:rPr>
               <a:t>一、</a:t>
             </a:r>
             <a:r>
-              <a:rPr lang="zh-CN" altLang="zh-CN" sz="3200" b="1" dirty="0" smtClean="0">
+              <a:rPr lang="zh-CN" altLang="zh-CN" sz="3200" b="1" dirty="0">
                 <a:latin typeface="楷体" pitchFamily="49" charset="-122"/>
                 <a:ea typeface="楷体" pitchFamily="49" charset="-122"/>
               </a:rPr>
               <a:t>信息管理</a:t>
             </a:r>
-            <a:endParaRPr lang="en-US" altLang="zh-CN" sz="3200" b="1" dirty="0" smtClean="0">
+            <a:endParaRPr lang="en-US" altLang="zh-CN" sz="3200" b="1" dirty="0">
               <a:latin typeface="楷体" pitchFamily="49" charset="-122"/>
               <a:ea typeface="楷体" pitchFamily="49" charset="-122"/>
             </a:endParaRPr>
@@ -3481,25 +3764,11 @@
               </a:spcBef>
             </a:pPr>
             <a:r>
-              <a:rPr lang="zh-CN" altLang="en-US" sz="2800" dirty="0" smtClean="0">
-                <a:latin typeface="楷体" pitchFamily="49" charset="-122"/>
-                <a:ea typeface="楷体" pitchFamily="49" charset="-122"/>
-              </a:rPr>
-              <a:t>    包括</a:t>
-            </a:r>
-            <a:r>
               <a:rPr lang="zh-CN" altLang="en-US" sz="2800" dirty="0">
                 <a:latin typeface="楷体" pitchFamily="49" charset="-122"/>
                 <a:ea typeface="楷体" pitchFamily="49" charset="-122"/>
               </a:rPr>
-              <a:t>车型管理、车辆管理、车辆记录三个子</a:t>
-            </a:r>
-            <a:r>
-              <a:rPr lang="zh-CN" altLang="en-US" sz="2800" dirty="0" smtClean="0">
-                <a:latin typeface="楷体" pitchFamily="49" charset="-122"/>
-                <a:ea typeface="楷体" pitchFamily="49" charset="-122"/>
-              </a:rPr>
-              <a:t>模块。</a:t>
+              <a:t>    包括车型管理、车辆管理、车辆记录三个子模块。</a:t>
             </a:r>
             <a:endParaRPr lang="zh-CN" altLang="zh-CN" sz="2800" dirty="0">
               <a:latin typeface="楷体" pitchFamily="49" charset="-122"/>
@@ -3513,14 +3782,14 @@
               </a:spcBef>
             </a:pPr>
             <a:r>
-              <a:rPr lang="en-US" altLang="zh-CN" sz="2800" dirty="0" smtClean="0">
+              <a:rPr lang="en-US" altLang="zh-CN" sz="2800" dirty="0">
                 <a:latin typeface="楷体" pitchFamily="49" charset="-122"/>
                 <a:ea typeface="楷体" pitchFamily="49" charset="-122"/>
               </a:rPr>
               <a:t>   </a:t>
             </a:r>
             <a:r>
-              <a:rPr lang="zh-CN" altLang="zh-CN" sz="2800" dirty="0" smtClean="0">
+              <a:rPr lang="zh-CN" altLang="zh-CN" sz="2800" dirty="0">
                 <a:latin typeface="楷体" pitchFamily="49" charset="-122"/>
                 <a:ea typeface="楷体" pitchFamily="49" charset="-122"/>
               </a:rPr>
@@ -3541,7 +3810,7 @@
               <a:t>）</a:t>
             </a:r>
             <a:r>
-              <a:rPr lang="zh-CN" altLang="en-US" sz="2800" b="1" dirty="0" smtClean="0">
+              <a:rPr lang="zh-CN" altLang="en-US" sz="2800" b="1" dirty="0">
                 <a:solidFill>
                   <a:srgbClr val="FF0000"/>
                 </a:solidFill>
@@ -3551,20 +3820,20 @@
               <a:t>车型管理</a:t>
             </a:r>
             <a:r>
-              <a:rPr lang="en-US" altLang="zh-CN" sz="2800" dirty="0" smtClean="0">
+              <a:rPr lang="en-US" altLang="zh-CN" sz="2800" dirty="0">
                 <a:latin typeface="楷体" pitchFamily="49" charset="-122"/>
                 <a:ea typeface="楷体" pitchFamily="49" charset="-122"/>
               </a:rPr>
               <a:t>—</a:t>
             </a:r>
             <a:r>
-              <a:rPr lang="zh-CN" altLang="en-US" sz="2800" dirty="0" smtClean="0">
+              <a:rPr lang="zh-CN" altLang="en-US" sz="2800" dirty="0">
                 <a:latin typeface="楷体" pitchFamily="49" charset="-122"/>
                 <a:ea typeface="楷体" pitchFamily="49" charset="-122"/>
               </a:rPr>
               <a:t>单位购入车辆车型的基础信息管理</a:t>
             </a:r>
-            <a:endParaRPr lang="en-US" altLang="zh-CN" sz="2800" dirty="0" smtClean="0">
+            <a:endParaRPr lang="en-US" altLang="zh-CN" sz="2800" dirty="0">
               <a:latin typeface="楷体" pitchFamily="49" charset="-122"/>
               <a:ea typeface="楷体" pitchFamily="49" charset="-122"/>
             </a:endParaRPr>
@@ -3576,20 +3845,20 @@
               </a:spcBef>
             </a:pPr>
             <a:r>
-              <a:rPr lang="en-US" altLang="zh-CN" sz="2800" dirty="0" smtClean="0">
+              <a:rPr lang="en-US" altLang="zh-CN" sz="2800" dirty="0">
                 <a:latin typeface="楷体" pitchFamily="49" charset="-122"/>
                 <a:ea typeface="楷体" pitchFamily="49" charset="-122"/>
               </a:rPr>
               <a:t>    	</a:t>
             </a:r>
             <a:r>
-              <a:rPr lang="zh-CN" altLang="en-US" sz="2400" dirty="0" smtClean="0">
+              <a:rPr lang="zh-CN" altLang="en-US" sz="2400" dirty="0">
                 <a:latin typeface="楷体" pitchFamily="49" charset="-122"/>
                 <a:ea typeface="楷体" pitchFamily="49" charset="-122"/>
               </a:rPr>
               <a:t>车型信息包括：品牌类型、汽车排量、购入价格、购入日期、燃油类型、   </a:t>
             </a:r>
-            <a:endParaRPr lang="en-US" altLang="zh-CN" sz="2400" dirty="0" smtClean="0">
+            <a:endParaRPr lang="en-US" altLang="zh-CN" sz="2400" dirty="0">
               <a:latin typeface="楷体" pitchFamily="49" charset="-122"/>
               <a:ea typeface="楷体" pitchFamily="49" charset="-122"/>
             </a:endParaRPr>
@@ -3605,23 +3874,16 @@
                 <a:latin typeface="楷体" pitchFamily="49" charset="-122"/>
                 <a:ea typeface="楷体" pitchFamily="49" charset="-122"/>
               </a:rPr>
-              <a:t> </a:t>
-            </a:r>
-            <a:r>
-              <a:rPr lang="en-US" altLang="zh-CN" sz="2400" dirty="0" smtClean="0">
-                <a:latin typeface="楷体" pitchFamily="49" charset="-122"/>
-                <a:ea typeface="楷体" pitchFamily="49" charset="-122"/>
-              </a:rPr>
-              <a:t>                   </a:t>
-            </a:r>
-            <a:r>
-              <a:rPr lang="zh-CN" altLang="en-US" sz="2400" dirty="0" smtClean="0">
+              <a:t>                    </a:t>
+            </a:r>
+            <a:r>
+              <a:rPr lang="zh-CN" altLang="en-US" sz="2400" dirty="0">
                 <a:latin typeface="楷体" pitchFamily="49" charset="-122"/>
                 <a:ea typeface="楷体" pitchFamily="49" charset="-122"/>
               </a:rPr>
               <a:t>车座数；</a:t>
             </a:r>
-            <a:endParaRPr lang="en-US" altLang="zh-CN" sz="2400" dirty="0" smtClean="0">
+            <a:endParaRPr lang="en-US" altLang="zh-CN" sz="2400" dirty="0">
               <a:latin typeface="楷体" pitchFamily="49" charset="-122"/>
               <a:ea typeface="楷体" pitchFamily="49" charset="-122"/>
             </a:endParaRPr>
@@ -3633,35 +3895,35 @@
               </a:spcBef>
             </a:pPr>
             <a:r>
-              <a:rPr lang="en-US" altLang="zh-CN" sz="2800" dirty="0" smtClean="0">
+              <a:rPr lang="en-US" altLang="zh-CN" sz="2800" dirty="0">
                 <a:latin typeface="楷体" pitchFamily="49" charset="-122"/>
                 <a:ea typeface="楷体" pitchFamily="49" charset="-122"/>
               </a:rPr>
               <a:t>   </a:t>
             </a:r>
             <a:r>
-              <a:rPr lang="zh-CN" altLang="zh-CN" sz="2800" dirty="0" smtClean="0">
+              <a:rPr lang="zh-CN" altLang="zh-CN" sz="2800" dirty="0">
                 <a:latin typeface="楷体" pitchFamily="49" charset="-122"/>
                 <a:ea typeface="楷体" pitchFamily="49" charset="-122"/>
               </a:rPr>
               <a:t>（</a:t>
             </a:r>
             <a:r>
-              <a:rPr lang="en-US" altLang="zh-CN" sz="2800" dirty="0" smtClean="0">
+              <a:rPr lang="en-US" altLang="zh-CN" sz="2800" dirty="0">
                 <a:latin typeface="楷体" pitchFamily="49" charset="-122"/>
                 <a:ea typeface="楷体" pitchFamily="49" charset="-122"/>
               </a:rPr>
               <a:t>2</a:t>
             </a:r>
             <a:r>
-              <a:rPr lang="zh-CN" altLang="zh-CN" sz="2800" dirty="0" smtClean="0">
+              <a:rPr lang="zh-CN" altLang="zh-CN" sz="2800" dirty="0">
                 <a:latin typeface="楷体" pitchFamily="49" charset="-122"/>
                 <a:ea typeface="楷体" pitchFamily="49" charset="-122"/>
               </a:rPr>
               <a:t>）</a:t>
             </a:r>
             <a:r>
-              <a:rPr lang="zh-CN" altLang="en-US" sz="2800" b="1" dirty="0" smtClean="0">
+              <a:rPr lang="zh-CN" altLang="en-US" sz="2800" b="1" dirty="0">
                 <a:solidFill>
                   <a:srgbClr val="FF0000"/>
                 </a:solidFill>
@@ -3671,20 +3933,20 @@
               <a:t>车辆管理</a:t>
             </a:r>
             <a:r>
-              <a:rPr lang="en-US" altLang="zh-CN" sz="2800" dirty="0" smtClean="0">
+              <a:rPr lang="en-US" altLang="zh-CN" sz="2800" dirty="0">
                 <a:latin typeface="楷体" pitchFamily="49" charset="-122"/>
                 <a:ea typeface="楷体" pitchFamily="49" charset="-122"/>
               </a:rPr>
               <a:t>—</a:t>
             </a:r>
             <a:r>
-              <a:rPr lang="zh-CN" altLang="en-US" sz="2800" dirty="0" smtClean="0">
+              <a:rPr lang="zh-CN" altLang="en-US" sz="2800" dirty="0">
                 <a:latin typeface="楷体" pitchFamily="49" charset="-122"/>
                 <a:ea typeface="楷体" pitchFamily="49" charset="-122"/>
               </a:rPr>
               <a:t>投入使用车辆的相关信息管理</a:t>
             </a:r>
-            <a:endParaRPr lang="en-US" altLang="zh-CN" sz="2800" dirty="0" smtClean="0">
+            <a:endParaRPr lang="en-US" altLang="zh-CN" sz="2800" dirty="0">
               <a:latin typeface="楷体" pitchFamily="49" charset="-122"/>
               <a:ea typeface="楷体" pitchFamily="49" charset="-122"/>
             </a:endParaRPr>
@@ -3696,48 +3958,20 @@
               </a:spcBef>
             </a:pPr>
             <a:r>
-              <a:rPr lang="en-US" altLang="zh-CN" sz="2800" dirty="0" smtClean="0">
+              <a:rPr lang="en-US" altLang="zh-CN" sz="2800" dirty="0">
                 <a:latin typeface="楷体" pitchFamily="49" charset="-122"/>
                 <a:ea typeface="楷体" pitchFamily="49" charset="-122"/>
               </a:rPr>
               <a:t>     </a:t>
             </a:r>
             <a:r>
-              <a:rPr lang="zh-CN" altLang="en-US" sz="2400" dirty="0" smtClean="0">
-                <a:latin typeface="楷体" pitchFamily="49" charset="-122"/>
-                <a:ea typeface="楷体" pitchFamily="49" charset="-122"/>
-              </a:rPr>
-              <a:t>车辆信息包括：品牌类型、车牌</a:t>
-            </a:r>
-            <a:r>
               <a:rPr lang="zh-CN" altLang="en-US" sz="2400" dirty="0">
                 <a:latin typeface="楷体" pitchFamily="49" charset="-122"/>
                 <a:ea typeface="楷体" pitchFamily="49" charset="-122"/>
               </a:rPr>
-              <a:t>号</a:t>
-            </a:r>
-            <a:r>
-              <a:rPr lang="zh-CN" altLang="en-US" sz="2400" dirty="0" smtClean="0">
-                <a:latin typeface="楷体" pitchFamily="49" charset="-122"/>
-                <a:ea typeface="楷体" pitchFamily="49" charset="-122"/>
-              </a:rPr>
-              <a:t>、投入日期、</a:t>
-            </a:r>
-            <a:r>
-              <a:rPr lang="zh-CN" altLang="en-US" sz="2400" dirty="0">
-                <a:latin typeface="楷体" pitchFamily="49" charset="-122"/>
-                <a:ea typeface="楷体" pitchFamily="49" charset="-122"/>
-              </a:rPr>
-              <a:t>车辆状态（使用中、</a:t>
-            </a:r>
-            <a:r>
-              <a:rPr lang="zh-CN" altLang="en-US" sz="2400" dirty="0" smtClean="0">
-                <a:latin typeface="楷体" pitchFamily="49" charset="-122"/>
-                <a:ea typeface="楷体" pitchFamily="49" charset="-122"/>
-              </a:rPr>
-              <a:t>维修</a:t>
-            </a:r>
-            <a:endParaRPr lang="en-US" altLang="zh-CN" sz="2400" dirty="0" smtClean="0">
+              <a:t>车辆信息包括：品牌类型、车牌号、投入日期、车辆状态（使用中、维修</a:t>
+            </a:r>
+            <a:endParaRPr lang="en-US" altLang="zh-CN" sz="2400" dirty="0">
               <a:latin typeface="楷体" pitchFamily="49" charset="-122"/>
               <a:ea typeface="楷体" pitchFamily="49" charset="-122"/>
             </a:endParaRPr>
@@ -3753,35 +3987,14 @@
                 <a:latin typeface="楷体" pitchFamily="49" charset="-122"/>
                 <a:ea typeface="楷体" pitchFamily="49" charset="-122"/>
               </a:rPr>
-              <a:t> </a:t>
-            </a:r>
-            <a:r>
-              <a:rPr lang="en-US" altLang="zh-CN" sz="2400" dirty="0" smtClean="0">
-                <a:latin typeface="楷体" pitchFamily="49" charset="-122"/>
-                <a:ea typeface="楷体" pitchFamily="49" charset="-122"/>
-              </a:rPr>
-              <a:t>                   </a:t>
-            </a:r>
-            <a:r>
-              <a:rPr lang="zh-CN" altLang="en-US" sz="2400" dirty="0" smtClean="0">
-                <a:latin typeface="楷体" pitchFamily="49" charset="-122"/>
-                <a:ea typeface="楷体" pitchFamily="49" charset="-122"/>
-              </a:rPr>
-              <a:t>中</a:t>
+              <a:t>                    </a:t>
             </a:r>
             <a:r>
               <a:rPr lang="zh-CN" altLang="en-US" sz="2400" dirty="0">
                 <a:latin typeface="楷体" pitchFamily="49" charset="-122"/>
                 <a:ea typeface="楷体" pitchFamily="49" charset="-122"/>
               </a:rPr>
-              <a:t>、空闲）</a:t>
-            </a:r>
-            <a:r>
-              <a:rPr lang="zh-CN" altLang="en-US" sz="2400" dirty="0" smtClean="0">
-                <a:latin typeface="楷体" pitchFamily="49" charset="-122"/>
-                <a:ea typeface="楷体" pitchFamily="49" charset="-122"/>
-              </a:rPr>
-              <a:t>、车辆用图（班车、公车）；</a:t>
+              <a:t>中、空闲）、车辆用图（班车、公车）；</a:t>
             </a:r>
             <a:endParaRPr lang="en-US" altLang="zh-CN" sz="2400" dirty="0">
               <a:latin typeface="楷体" pitchFamily="49" charset="-122"/>
@@ -3795,35 +4008,35 @@
               </a:spcBef>
             </a:pPr>
             <a:r>
-              <a:rPr lang="en-US" altLang="zh-CN" sz="2800" dirty="0" smtClean="0">
+              <a:rPr lang="en-US" altLang="zh-CN" sz="2800" dirty="0">
                 <a:latin typeface="楷体" pitchFamily="49" charset="-122"/>
                 <a:ea typeface="楷体" pitchFamily="49" charset="-122"/>
               </a:rPr>
               <a:t>   </a:t>
             </a:r>
             <a:r>
-              <a:rPr lang="zh-CN" altLang="zh-CN" sz="2800" dirty="0" smtClean="0">
+              <a:rPr lang="zh-CN" altLang="zh-CN" sz="2800" dirty="0">
                 <a:latin typeface="楷体" pitchFamily="49" charset="-122"/>
                 <a:ea typeface="楷体" pitchFamily="49" charset="-122"/>
               </a:rPr>
               <a:t>（</a:t>
             </a:r>
             <a:r>
-              <a:rPr lang="en-US" altLang="zh-CN" sz="2800" dirty="0" smtClean="0">
+              <a:rPr lang="en-US" altLang="zh-CN" sz="2800" dirty="0">
                 <a:latin typeface="楷体" pitchFamily="49" charset="-122"/>
                 <a:ea typeface="楷体" pitchFamily="49" charset="-122"/>
               </a:rPr>
               <a:t>3</a:t>
             </a:r>
             <a:r>
-              <a:rPr lang="zh-CN" altLang="zh-CN" sz="2800" dirty="0" smtClean="0">
+              <a:rPr lang="zh-CN" altLang="zh-CN" sz="2800" dirty="0">
                 <a:latin typeface="楷体" pitchFamily="49" charset="-122"/>
                 <a:ea typeface="楷体" pitchFamily="49" charset="-122"/>
               </a:rPr>
               <a:t>）</a:t>
             </a:r>
             <a:r>
-              <a:rPr lang="zh-CN" altLang="en-US" sz="2800" b="1" dirty="0" smtClean="0">
+              <a:rPr lang="zh-CN" altLang="en-US" sz="2800" b="1" dirty="0">
                 <a:solidFill>
                   <a:srgbClr val="FF0000"/>
                 </a:solidFill>
@@ -3833,34 +4046,20 @@
               <a:t>车辆记录管理</a:t>
             </a:r>
             <a:r>
-              <a:rPr lang="en-US" altLang="zh-CN" sz="2800" dirty="0" smtClean="0">
+              <a:rPr lang="en-US" altLang="zh-CN" sz="2800" dirty="0">
                 <a:latin typeface="楷体" pitchFamily="49" charset="-122"/>
                 <a:ea typeface="楷体" pitchFamily="49" charset="-122"/>
               </a:rPr>
               <a:t>—</a:t>
             </a:r>
             <a:r>
-              <a:rPr lang="zh-CN" altLang="en-US" sz="2800" dirty="0" smtClean="0">
-                <a:latin typeface="楷体" pitchFamily="49" charset="-122"/>
-                <a:ea typeface="楷体" pitchFamily="49" charset="-122"/>
-              </a:rPr>
-              <a:t>车辆的加油、维修、</a:t>
-            </a:r>
-            <a:r>
               <a:rPr lang="zh-CN" altLang="en-US" sz="2800" dirty="0">
                 <a:latin typeface="楷体" pitchFamily="49" charset="-122"/>
                 <a:ea typeface="楷体" pitchFamily="49" charset="-122"/>
               </a:rPr>
-              <a:t>违章</a:t>
-            </a:r>
-            <a:r>
-              <a:rPr lang="zh-CN" altLang="en-US" sz="2800" dirty="0" smtClean="0">
-                <a:latin typeface="楷体" pitchFamily="49" charset="-122"/>
-                <a:ea typeface="楷体" pitchFamily="49" charset="-122"/>
-              </a:rPr>
-              <a:t>记录信息管理。</a:t>
-            </a:r>
-            <a:endParaRPr lang="en-US" altLang="zh-CN" sz="2800" dirty="0" smtClean="0">
+              <a:t>车辆的加油、维修、违章记录信息管理。</a:t>
+            </a:r>
+            <a:endParaRPr lang="en-US" altLang="zh-CN" sz="2800" dirty="0">
               <a:latin typeface="楷体" pitchFamily="49" charset="-122"/>
               <a:ea typeface="楷体" pitchFamily="49" charset="-122"/>
             </a:endParaRPr>
@@ -3872,49 +4071,35 @@
               </a:spcBef>
             </a:pPr>
             <a:r>
-              <a:rPr lang="en-US" altLang="zh-CN" sz="2800" dirty="0" smtClean="0">
+              <a:rPr lang="en-US" altLang="zh-CN" sz="2800" dirty="0">
                 <a:latin typeface="楷体" pitchFamily="49" charset="-122"/>
                 <a:ea typeface="楷体" pitchFamily="49" charset="-122"/>
               </a:rPr>
               <a:t>	</a:t>
             </a:r>
             <a:r>
-              <a:rPr lang="zh-CN" altLang="en-US" sz="2400" dirty="0" smtClean="0">
+              <a:rPr lang="zh-CN" altLang="en-US" sz="2400" dirty="0">
                 <a:latin typeface="楷体" pitchFamily="49" charset="-122"/>
                 <a:ea typeface="楷体" pitchFamily="49" charset="-122"/>
               </a:rPr>
               <a:t>车辆记录信息包括</a:t>
             </a:r>
             <a:r>
-              <a:rPr lang="zh-CN" altLang="zh-CN" sz="2400" dirty="0" smtClean="0">
-                <a:latin typeface="楷体" pitchFamily="49" charset="-122"/>
-                <a:ea typeface="楷体" pitchFamily="49" charset="-122"/>
-              </a:rPr>
-              <a:t>车牌</a:t>
-            </a:r>
-            <a:r>
               <a:rPr lang="zh-CN" altLang="zh-CN" sz="2400" dirty="0">
                 <a:latin typeface="楷体" pitchFamily="49" charset="-122"/>
                 <a:ea typeface="楷体" pitchFamily="49" charset="-122"/>
               </a:rPr>
-              <a:t>号</a:t>
-            </a:r>
-            <a:r>
-              <a:rPr lang="zh-CN" altLang="zh-CN" sz="2400" dirty="0" smtClean="0">
-                <a:latin typeface="楷体" pitchFamily="49" charset="-122"/>
-                <a:ea typeface="楷体" pitchFamily="49" charset="-122"/>
-              </a:rPr>
-              <a:t>、</a:t>
-            </a:r>
-            <a:r>
-              <a:rPr lang="zh-CN" altLang="en-US" sz="2400" dirty="0" smtClean="0">
+              <a:t>车牌号、</a:t>
+            </a:r>
+            <a:r>
+              <a:rPr lang="zh-CN" altLang="en-US" sz="2400" dirty="0">
                 <a:latin typeface="楷体" pitchFamily="49" charset="-122"/>
                 <a:ea typeface="楷体" pitchFamily="49" charset="-122"/>
               </a:rPr>
               <a:t>责任人、事件时间、花费、备注信息</a:t>
             </a:r>
             <a:r>
-              <a:rPr lang="zh-CN" altLang="zh-CN" sz="2400" dirty="0" smtClean="0">
+              <a:rPr lang="zh-CN" altLang="zh-CN" sz="2400" dirty="0">
                 <a:latin typeface="楷体" pitchFamily="49" charset="-122"/>
                 <a:ea typeface="楷体" pitchFamily="49" charset="-122"/>
               </a:rPr>
@@ -4001,13 +4186,6 @@
   <p:clrMapOvr>
     <a:masterClrMapping/>
   </p:clrMapOvr>
-  <p:timing>
-    <p:tnLst>
-      <p:par>
-        <p:cTn id="1" dur="indefinite" restart="never" nodeType="tmRoot"/>
-      </p:par>
-    </p:tnLst>
-  </p:timing>
 </p:sld>
 </file>
 
@@ -4080,7 +4258,7 @@
             <p:nvPr/>
           </p:nvPicPr>
           <p:blipFill>
-            <a:blip r:embed="rId2">
+            <a:blip r:embed="rId3">
               <a:extLst>
                 <a:ext uri="{28A0092B-C50C-407E-A947-70E740481C1C}">
                   <a14:useLocalDpi xmlns:a14="http://schemas.microsoft.com/office/drawing/2010/main" val="0"/>
@@ -4144,7 +4322,7 @@
             <p:nvPr/>
           </p:nvPicPr>
           <p:blipFill>
-            <a:blip r:embed="rId3">
+            <a:blip r:embed="rId4">
               <a:extLst>
                 <a:ext uri="{28A0092B-C50C-407E-A947-70E740481C1C}">
                   <a14:useLocalDpi xmlns:a14="http://schemas.microsoft.com/office/drawing/2010/main" val="0"/>
@@ -4208,7 +4386,7 @@
             <p:nvPr/>
           </p:nvPicPr>
           <p:blipFill>
-            <a:blip r:embed="rId4">
+            <a:blip r:embed="rId5">
               <a:extLst>
                 <a:ext uri="{28A0092B-C50C-407E-A947-70E740481C1C}">
                   <a14:useLocalDpi xmlns:a14="http://schemas.microsoft.com/office/drawing/2010/main" val="0"/>
@@ -4272,7 +4450,7 @@
             <p:nvPr/>
           </p:nvPicPr>
           <p:blipFill>
-            <a:blip r:embed="rId5">
+            <a:blip r:embed="rId6">
               <a:extLst>
                 <a:ext uri="{28A0092B-C50C-407E-A947-70E740481C1C}">
                   <a14:useLocalDpi xmlns:a14="http://schemas.microsoft.com/office/drawing/2010/main" val="0"/>
@@ -4336,7 +4514,7 @@
             <p:nvPr/>
           </p:nvPicPr>
           <p:blipFill>
-            <a:blip r:embed="rId6">
+            <a:blip r:embed="rId7">
               <a:extLst>
                 <a:ext uri="{28A0092B-C50C-407E-A947-70E740481C1C}">
                   <a14:useLocalDpi xmlns:a14="http://schemas.microsoft.com/office/drawing/2010/main" val="0"/>
@@ -4394,42 +4572,6 @@
       </p:grpSp>
       <p:sp>
         <p:nvSpPr>
-          <p:cNvPr id="9" name="TextBox 8"/>
-          <p:cNvSpPr txBox="1"/>
-          <p:nvPr/>
-        </p:nvSpPr>
-        <p:spPr>
-          <a:xfrm>
-            <a:off x="263352" y="211287"/>
-            <a:ext cx="4824536" cy="769441"/>
-          </a:xfrm>
-          <a:prstGeom prst="rect">
-            <a:avLst/>
-          </a:prstGeom>
-          <a:noFill/>
-        </p:spPr>
-        <p:txBody>
-          <a:bodyPr wrap="square" rtlCol="0">
-            <a:spAutoFit/>
-          </a:bodyPr>
-          <a:lstStyle/>
-          <a:p>
-            <a:r>
-              <a:rPr lang="zh-CN" altLang="en-US" sz="4400" b="1" dirty="0" smtClean="0">
-                <a:latin typeface="楷体" pitchFamily="49" charset="-122"/>
-                <a:ea typeface="楷体" pitchFamily="49" charset="-122"/>
-              </a:rPr>
-              <a:t>系统功能</a:t>
-            </a:r>
-            <a:endParaRPr lang="zh-CN" altLang="en-US" sz="4400" b="1" dirty="0">
-              <a:latin typeface="楷体" pitchFamily="49" charset="-122"/>
-              <a:ea typeface="楷体" pitchFamily="49" charset="-122"/>
-            </a:endParaRPr>
-          </a:p>
-        </p:txBody>
-      </p:sp>
-      <p:sp>
-        <p:nvSpPr>
           <p:cNvPr id="4" name="矩形 3"/>
           <p:cNvSpPr/>
           <p:nvPr/>
@@ -4508,14 +4650,14 @@
               <a:t>	</a:t>
             </a:r>
             <a:r>
-              <a:rPr lang="zh-CN" altLang="zh-CN" sz="2600" dirty="0" smtClean="0">
+              <a:rPr lang="zh-CN" altLang="zh-CN" sz="2600" dirty="0">
                 <a:latin typeface="楷体" pitchFamily="49" charset="-122"/>
                 <a:ea typeface="楷体" pitchFamily="49" charset="-122"/>
               </a:rPr>
               <a:t>单位人员</a:t>
             </a:r>
             <a:r>
-              <a:rPr lang="zh-CN" altLang="en-US" sz="2600" dirty="0" smtClean="0">
+              <a:rPr lang="zh-CN" altLang="en-US" sz="2600" dirty="0">
                 <a:latin typeface="楷体" pitchFamily="49" charset="-122"/>
                 <a:ea typeface="楷体" pitchFamily="49" charset="-122"/>
               </a:rPr>
@@ -4533,7 +4675,7 @@
               </a:spcBef>
             </a:pPr>
             <a:r>
-              <a:rPr lang="zh-CN" altLang="zh-CN" sz="2600" dirty="0" smtClean="0">
+              <a:rPr lang="zh-CN" altLang="zh-CN" sz="2600" dirty="0">
                 <a:latin typeface="楷体" pitchFamily="49" charset="-122"/>
                 <a:ea typeface="楷体" pitchFamily="49" charset="-122"/>
               </a:rPr>
@@ -4558,14 +4700,7 @@
                 <a:latin typeface="楷体" pitchFamily="49" charset="-122"/>
                 <a:ea typeface="楷体" pitchFamily="49" charset="-122"/>
               </a:rPr>
-              <a:t>用车</a:t>
-            </a:r>
-            <a:r>
-              <a:rPr lang="zh-CN" altLang="en-US" sz="2600" dirty="0" smtClean="0">
-                <a:latin typeface="楷体" pitchFamily="49" charset="-122"/>
-                <a:ea typeface="楷体" pitchFamily="49" charset="-122"/>
-              </a:rPr>
-              <a:t>审批</a:t>
+              <a:t>用车审批</a:t>
             </a:r>
             <a:endParaRPr lang="en-US" altLang="zh-CN" sz="2600" dirty="0">
               <a:latin typeface="楷体" pitchFamily="49" charset="-122"/>
@@ -4582,8 +4717,8 @@
         </p:nvSpPr>
         <p:spPr>
           <a:xfrm>
-            <a:off x="404304" y="3933056"/>
-            <a:ext cx="10087940" cy="2508379"/>
+            <a:off x="423961" y="3707784"/>
+            <a:ext cx="12028401" cy="2908489"/>
           </a:xfrm>
           <a:prstGeom prst="rect">
             <a:avLst/>
@@ -4622,25 +4757,32 @@
               </a:spcBef>
             </a:pPr>
             <a:r>
-              <a:rPr lang="en-US" altLang="zh-CN" sz="2600" dirty="0" smtClean="0">
+              <a:rPr lang="en-US" altLang="zh-CN" sz="2600" dirty="0">
                 <a:latin typeface="楷体" pitchFamily="49" charset="-122"/>
                 <a:ea typeface="楷体" pitchFamily="49" charset="-122"/>
               </a:rPr>
               <a:t>    </a:t>
             </a:r>
             <a:r>
-              <a:rPr lang="zh-CN" altLang="zh-CN" sz="2600" dirty="0" smtClean="0">
-                <a:latin typeface="楷体" pitchFamily="49" charset="-122"/>
-                <a:ea typeface="楷体" pitchFamily="49" charset="-122"/>
-              </a:rPr>
-              <a:t>对</a:t>
-            </a:r>
-            <a:r>
               <a:rPr lang="zh-CN" altLang="zh-CN" sz="2600" dirty="0">
                 <a:latin typeface="楷体" pitchFamily="49" charset="-122"/>
                 <a:ea typeface="楷体" pitchFamily="49" charset="-122"/>
               </a:rPr>
-              <a:t>系统内的基础数据进行查询、汇总和分析。对车辆油耗、总体运行费用、进行统计和分析，可以生成各种常见的报表。</a:t>
+              <a:t>对系统内的基础数据进行查询、汇总和分析。对车</a:t>
+            </a:r>
+            <a:r>
+              <a:rPr lang="zh-CN" altLang="en-US" sz="2600" dirty="0">
+                <a:latin typeface="楷体" pitchFamily="49" charset="-122"/>
+                <a:ea typeface="楷体" pitchFamily="49" charset="-122"/>
+              </a:rPr>
+              <a:t>型使用率、预约人员、违章人员、每月预约车辆、车辆加油维修违章的</a:t>
+            </a:r>
+            <a:r>
+              <a:rPr lang="zh-CN" altLang="zh-CN" sz="2600" dirty="0">
+                <a:latin typeface="楷体" pitchFamily="49" charset="-122"/>
+                <a:ea typeface="楷体" pitchFamily="49" charset="-122"/>
+              </a:rPr>
+              <a:t>统计和分析，可以生成各种常见的报表。</a:t>
             </a:r>
           </a:p>
           <a:p>
@@ -4671,70 +4813,28 @@
               </a:spcBef>
             </a:pPr>
             <a:r>
-              <a:rPr lang="en-US" altLang="zh-CN" sz="2600" dirty="0" smtClean="0">
+              <a:rPr lang="en-US" altLang="zh-CN" sz="2600" dirty="0">
                 <a:latin typeface="楷体" pitchFamily="49" charset="-122"/>
                 <a:ea typeface="楷体" pitchFamily="49" charset="-122"/>
               </a:rPr>
               <a:t>    </a:t>
             </a:r>
             <a:r>
-              <a:rPr lang="zh-CN" altLang="zh-CN" sz="2600" dirty="0" smtClean="0">
-                <a:latin typeface="楷体" pitchFamily="49" charset="-122"/>
-                <a:ea typeface="楷体" pitchFamily="49" charset="-122"/>
-              </a:rPr>
-              <a:t>系统</a:t>
-            </a:r>
-            <a:r>
               <a:rPr lang="zh-CN" altLang="zh-CN" sz="2600" dirty="0">
                 <a:latin typeface="楷体" pitchFamily="49" charset="-122"/>
                 <a:ea typeface="楷体" pitchFamily="49" charset="-122"/>
               </a:rPr>
-              <a:t>设置包括：</a:t>
-            </a:r>
-            <a:r>
-              <a:rPr lang="zh-CN" altLang="zh-CN" sz="2600" dirty="0" smtClean="0">
-                <a:latin typeface="楷体" pitchFamily="49" charset="-122"/>
-                <a:ea typeface="楷体" pitchFamily="49" charset="-122"/>
-              </a:rPr>
-              <a:t>用户</a:t>
-            </a:r>
-            <a:r>
-              <a:rPr lang="zh-CN" altLang="en-US" sz="2600" dirty="0" smtClean="0">
-                <a:latin typeface="楷体" pitchFamily="49" charset="-122"/>
-                <a:ea typeface="楷体" pitchFamily="49" charset="-122"/>
-              </a:rPr>
-              <a:t>信息</a:t>
-            </a:r>
-            <a:r>
-              <a:rPr lang="zh-CN" altLang="zh-CN" sz="2600" dirty="0" smtClean="0">
-                <a:latin typeface="楷体" pitchFamily="49" charset="-122"/>
-                <a:ea typeface="楷体" pitchFamily="49" charset="-122"/>
-              </a:rPr>
-              <a:t>管理、</a:t>
-            </a:r>
-            <a:r>
-              <a:rPr lang="zh-CN" altLang="zh-CN" sz="2600" dirty="0">
-                <a:latin typeface="楷体" pitchFamily="49" charset="-122"/>
-                <a:ea typeface="楷体" pitchFamily="49" charset="-122"/>
-              </a:rPr>
-              <a:t>角色</a:t>
-            </a:r>
-            <a:r>
-              <a:rPr lang="zh-CN" altLang="zh-CN" sz="2600" dirty="0" smtClean="0">
-                <a:latin typeface="楷体" pitchFamily="49" charset="-122"/>
-                <a:ea typeface="楷体" pitchFamily="49" charset="-122"/>
-              </a:rPr>
-              <a:t>管理</a:t>
-            </a:r>
-            <a:r>
-              <a:rPr lang="zh-CN" altLang="en-US" sz="2600" dirty="0" smtClean="0">
+              <a:t>系统设置：用户管理、角色管理</a:t>
+            </a:r>
+            <a:r>
+              <a:rPr lang="zh-CN" altLang="en-US" sz="2600" dirty="0">
                 <a:latin typeface="楷体" pitchFamily="49" charset="-122"/>
                 <a:ea typeface="楷体" pitchFamily="49" charset="-122"/>
               </a:rPr>
               <a:t>（普通用户</a:t>
             </a:r>
             <a:r>
-              <a:rPr lang="en-US" altLang="zh-CN" sz="2600" dirty="0" smtClean="0">
+              <a:rPr lang="en-US" altLang="zh-CN" sz="2600" dirty="0">
                 <a:latin typeface="楷体" pitchFamily="49" charset="-122"/>
                 <a:ea typeface="楷体" pitchFamily="49" charset="-122"/>
               </a:rPr>
@@ -4745,16 +4845,89 @@
                 <a:latin typeface="楷体" pitchFamily="49" charset="-122"/>
                 <a:ea typeface="楷体" pitchFamily="49" charset="-122"/>
               </a:rPr>
+              <a:t>审核员</a:t>
+            </a:r>
+            <a:r>
+              <a:rPr lang="en-US" altLang="zh-CN" sz="2600" dirty="0">
+                <a:latin typeface="楷体" pitchFamily="49" charset="-122"/>
+                <a:ea typeface="楷体" pitchFamily="49" charset="-122"/>
+              </a:rPr>
+              <a:t>/</a:t>
+            </a:r>
+            <a:r>
+              <a:rPr lang="zh-CN" altLang="en-US" sz="2600" dirty="0">
+                <a:latin typeface="楷体" pitchFamily="49" charset="-122"/>
+                <a:ea typeface="楷体" pitchFamily="49" charset="-122"/>
+              </a:rPr>
               <a:t>管理员</a:t>
             </a:r>
             <a:r>
-              <a:rPr lang="zh-CN" altLang="en-US" sz="2600" dirty="0" smtClean="0">
-                <a:latin typeface="楷体" pitchFamily="49" charset="-122"/>
-                <a:ea typeface="楷体" pitchFamily="49" charset="-122"/>
-              </a:rPr>
-              <a:t>）</a:t>
+              <a:rPr lang="en-US" altLang="zh-CN" sz="2600" dirty="0">
+                <a:latin typeface="楷体" pitchFamily="49" charset="-122"/>
+                <a:ea typeface="楷体" pitchFamily="49" charset="-122"/>
+              </a:rPr>
+              <a:t>/</a:t>
+            </a:r>
+            <a:r>
+              <a:rPr lang="zh-CN" altLang="en-US" sz="2600" dirty="0">
+                <a:latin typeface="楷体" pitchFamily="49" charset="-122"/>
+                <a:ea typeface="楷体" pitchFamily="49" charset="-122"/>
+              </a:rPr>
+              <a:t>超级管理员）</a:t>
             </a:r>
             <a:endParaRPr lang="zh-CN" altLang="en-US" sz="2600" dirty="0"/>
+          </a:p>
+        </p:txBody>
+      </p:sp>
+      <p:sp>
+        <p:nvSpPr>
+          <p:cNvPr id="12" name="TextBox 3">
+            <a:extLst>
+              <a:ext uri="{FF2B5EF4-FFF2-40B4-BE49-F238E27FC236}">
+                <a16:creationId xmlns:a16="http://schemas.microsoft.com/office/drawing/2014/main" id="{3446890C-54B4-304B-B379-71D948915F26}"/>
+              </a:ext>
+            </a:extLst>
+          </p:cNvPr>
+          <p:cNvSpPr txBox="1"/>
+          <p:nvPr/>
+        </p:nvSpPr>
+        <p:spPr>
+          <a:xfrm>
+            <a:off x="263352" y="211287"/>
+            <a:ext cx="6840760" cy="769441"/>
+          </a:xfrm>
+          <a:prstGeom prst="rect">
+            <a:avLst/>
+          </a:prstGeom>
+          <a:noFill/>
+        </p:spPr>
+        <p:txBody>
+          <a:bodyPr wrap="square" rtlCol="0">
+            <a:spAutoFit/>
+          </a:bodyPr>
+          <a:lstStyle/>
+          <a:p>
+            <a:r>
+              <a:rPr lang="zh-CN" altLang="en-US" sz="4400" b="1" dirty="0">
+                <a:latin typeface="楷体" pitchFamily="49" charset="-122"/>
+                <a:ea typeface="楷体" pitchFamily="49" charset="-122"/>
+              </a:rPr>
+              <a:t>功能介绍 </a:t>
+            </a:r>
+            <a:r>
+              <a:rPr lang="en-US" altLang="zh-CN" sz="4400" b="1" dirty="0">
+                <a:latin typeface="楷体" pitchFamily="49" charset="-122"/>
+                <a:ea typeface="楷体" pitchFamily="49" charset="-122"/>
+              </a:rPr>
+              <a:t>--</a:t>
+            </a:r>
+            <a:r>
+              <a:rPr lang="zh-CN" altLang="en-US" sz="4400" b="1" dirty="0">
+                <a:latin typeface="楷体" pitchFamily="49" charset="-122"/>
+                <a:ea typeface="楷体" pitchFamily="49" charset="-122"/>
+              </a:rPr>
+              <a:t> 系统功能</a:t>
+            </a:r>
           </a:p>
         </p:txBody>
       </p:sp>
@@ -4768,13 +4941,6 @@
   <p:clrMapOvr>
     <a:masterClrMapping/>
   </p:clrMapOvr>
-  <p:timing>
-    <p:tnLst>
-      <p:par>
-        <p:cTn id="1" dur="indefinite" restart="never" nodeType="tmRoot"/>
-      </p:par>
-    </p:tnLst>
-  </p:timing>
 </p:sld>
 </file>
 
@@ -4848,14 +5014,20 @@
       </p:sp>
       <p:sp>
         <p:nvSpPr>
-          <p:cNvPr id="4" name="TextBox 3"/>
+          <p:cNvPr id="5" name="TextBox 3">
+            <a:extLst>
+              <a:ext uri="{FF2B5EF4-FFF2-40B4-BE49-F238E27FC236}">
+                <a16:creationId xmlns:a16="http://schemas.microsoft.com/office/drawing/2014/main" id="{384ADE1A-1101-F242-B113-958B1D04F3D0}"/>
+              </a:ext>
+            </a:extLst>
+          </p:cNvPr>
           <p:cNvSpPr txBox="1"/>
           <p:nvPr/>
         </p:nvSpPr>
         <p:spPr>
           <a:xfrm>
             <a:off x="263352" y="211287"/>
-            <a:ext cx="4824536" cy="769441"/>
+            <a:ext cx="6840760" cy="769441"/>
           </a:xfrm>
           <a:prstGeom prst="rect">
             <a:avLst/>
@@ -4869,16 +5041,26 @@
           <a:lstStyle/>
           <a:p>
             <a:r>
-              <a:rPr lang="zh-CN" altLang="en-US" sz="4400" b="1" dirty="0" smtClean="0">
-                <a:latin typeface="楷体" pitchFamily="49" charset="-122"/>
-                <a:ea typeface="楷体" pitchFamily="49" charset="-122"/>
-              </a:rPr>
-              <a:t>系统框架</a:t>
-            </a:r>
-            <a:endParaRPr lang="zh-CN" altLang="en-US" sz="4400" b="1" dirty="0">
-              <a:latin typeface="楷体" pitchFamily="49" charset="-122"/>
-              <a:ea typeface="楷体" pitchFamily="49" charset="-122"/>
-            </a:endParaRPr>
+              <a:rPr lang="zh-CN" altLang="en-US" sz="4400" b="1" dirty="0">
+                <a:latin typeface="楷体" pitchFamily="49" charset="-122"/>
+                <a:ea typeface="楷体" pitchFamily="49" charset="-122"/>
+              </a:rPr>
+              <a:t>功能介绍 </a:t>
+            </a:r>
+            <a:r>
+              <a:rPr lang="en-US" altLang="zh-CN" sz="4400" b="1" dirty="0">
+                <a:latin typeface="楷体" pitchFamily="49" charset="-122"/>
+                <a:ea typeface="楷体" pitchFamily="49" charset="-122"/>
+              </a:rPr>
+              <a:t>--</a:t>
+            </a:r>
+            <a:r>
+              <a:rPr lang="zh-CN" altLang="en-US" sz="4400" b="1" dirty="0">
+                <a:latin typeface="楷体" pitchFamily="49" charset="-122"/>
+                <a:ea typeface="楷体" pitchFamily="49" charset="-122"/>
+              </a:rPr>
+              <a:t> 系统框架</a:t>
+            </a:r>
           </a:p>
         </p:txBody>
       </p:sp>
@@ -4941,228 +5123,6 @@
           </a:p>
         </p:txBody>
       </p:sp>
-      <p:pic>
-        <p:nvPicPr>
-          <p:cNvPr id="4" name="Picture 2"/>
-          <p:cNvPicPr>
-            <a:picLocks noChangeAspect="1" noChangeArrowheads="1"/>
-          </p:cNvPicPr>
-          <p:nvPr/>
-        </p:nvPicPr>
-        <p:blipFill>
-          <a:blip r:embed="rId2">
-            <a:extLst>
-              <a:ext uri="{28A0092B-C50C-407E-A947-70E740481C1C}">
-                <a14:useLocalDpi xmlns:a14="http://schemas.microsoft.com/office/drawing/2010/main" val="0"/>
-              </a:ext>
-            </a:extLst>
-          </a:blip>
-          <a:srcRect/>
-          <a:stretch>
-            <a:fillRect/>
-          </a:stretch>
-        </p:blipFill>
-        <p:spPr bwMode="auto">
-          <a:xfrm>
-            <a:off x="935405" y="2567087"/>
-            <a:ext cx="2880320" cy="2758318"/>
-          </a:xfrm>
-          <a:prstGeom prst="rect">
-            <a:avLst/>
-          </a:prstGeom>
-          <a:noFill/>
-          <a:ln>
-            <a:noFill/>
-          </a:ln>
-          <a:effectLst/>
-          <a:extLst>
-            <a:ext uri="{909E8E84-426E-40DD-AFC4-6F175D3DCCD1}">
-              <a14:hiddenFill xmlns:a14="http://schemas.microsoft.com/office/drawing/2010/main">
-                <a:solidFill>
-                  <a:schemeClr val="accent1"/>
-                </a:solidFill>
-              </a14:hiddenFill>
-            </a:ext>
-            <a:ext uri="{91240B29-F687-4F45-9708-019B960494DF}">
-              <a14:hiddenLine xmlns:a14="http://schemas.microsoft.com/office/drawing/2010/main" w="9525">
-                <a:solidFill>
-                  <a:schemeClr val="tx1"/>
-                </a:solidFill>
-                <a:miter lim="800000"/>
-                <a:headEnd/>
-                <a:tailEnd/>
-              </a14:hiddenLine>
-            </a:ext>
-            <a:ext uri="{AF507438-7753-43E0-B8FC-AC1667EBCBE1}">
-              <a14:hiddenEffects xmlns:a14="http://schemas.microsoft.com/office/drawing/2010/main">
-                <a:effectLst>
-                  <a:outerShdw dist="35921" dir="2700000" algn="ctr" rotWithShape="0">
-                    <a:schemeClr val="bg2"/>
-                  </a:outerShdw>
-                </a:effectLst>
-              </a14:hiddenEffects>
-            </a:ext>
-          </a:extLst>
-        </p:spPr>
-      </p:pic>
-      <p:grpSp>
-        <p:nvGrpSpPr>
-          <p:cNvPr id="6" name="组合 5"/>
-          <p:cNvGrpSpPr/>
-          <p:nvPr/>
-        </p:nvGrpSpPr>
-        <p:grpSpPr>
-          <a:xfrm>
-            <a:off x="5039489" y="3142573"/>
-            <a:ext cx="5688632" cy="923330"/>
-            <a:chOff x="5519936" y="3153742"/>
-            <a:chExt cx="5688632" cy="923330"/>
-          </a:xfrm>
-        </p:grpSpPr>
-        <p:sp>
-          <p:nvSpPr>
-            <p:cNvPr id="3" name="TextBox 2"/>
-            <p:cNvSpPr txBox="1"/>
-            <p:nvPr/>
-          </p:nvSpPr>
-          <p:spPr>
-            <a:xfrm>
-              <a:off x="6384032" y="3153742"/>
-              <a:ext cx="4824536" cy="923330"/>
-            </a:xfrm>
-            <a:prstGeom prst="rect">
-              <a:avLst/>
-            </a:prstGeom>
-            <a:noFill/>
-          </p:spPr>
-          <p:txBody>
-            <a:bodyPr wrap="square" rtlCol="0">
-              <a:spAutoFit/>
-            </a:bodyPr>
-            <a:lstStyle/>
-            <a:p>
-              <a:r>
-                <a:rPr lang="zh-CN" altLang="en-US" sz="5400" b="1" dirty="0" smtClean="0">
-                  <a:latin typeface="楷体" pitchFamily="49" charset="-122"/>
-                  <a:ea typeface="楷体" pitchFamily="49" charset="-122"/>
-                </a:rPr>
-                <a:t>运行环境</a:t>
-              </a:r>
-              <a:endParaRPr lang="zh-CN" altLang="en-US" sz="5400" b="1" dirty="0">
-                <a:latin typeface="楷体" pitchFamily="49" charset="-122"/>
-                <a:ea typeface="楷体" pitchFamily="49" charset="-122"/>
-              </a:endParaRPr>
-            </a:p>
-          </p:txBody>
-        </p:sp>
-        <p:sp>
-          <p:nvSpPr>
-            <p:cNvPr id="5" name="六角星 4"/>
-            <p:cNvSpPr/>
-            <p:nvPr/>
-          </p:nvSpPr>
-          <p:spPr>
-            <a:xfrm>
-              <a:off x="5519936" y="3356992"/>
-              <a:ext cx="576064" cy="600423"/>
-            </a:xfrm>
-            <a:prstGeom prst="star6">
-              <a:avLst/>
-            </a:prstGeom>
-            <a:solidFill>
-              <a:srgbClr val="C00000"/>
-            </a:solidFill>
-            <a:ln>
-              <a:solidFill>
-                <a:srgbClr val="C00000"/>
-              </a:solidFill>
-            </a:ln>
-          </p:spPr>
-          <p:style>
-            <a:lnRef idx="2">
-              <a:schemeClr val="accent1">
-                <a:shade val="50000"/>
-              </a:schemeClr>
-            </a:lnRef>
-            <a:fillRef idx="1">
-              <a:schemeClr val="accent1"/>
-            </a:fillRef>
-            <a:effectRef idx="0">
-              <a:schemeClr val="accent1"/>
-            </a:effectRef>
-            <a:fontRef idx="minor">
-              <a:schemeClr val="lt1"/>
-            </a:fontRef>
-          </p:style>
-          <p:txBody>
-            <a:bodyPr rtlCol="0" anchor="ctr"/>
-            <a:lstStyle/>
-            <a:p>
-              <a:pPr algn="ctr"/>
-              <a:endParaRPr lang="zh-CN" altLang="en-US"/>
-            </a:p>
-          </p:txBody>
-        </p:sp>
-      </p:grpSp>
-    </p:spTree>
-    <p:extLst>
-      <p:ext uri="{BB962C8B-B14F-4D97-AF65-F5344CB8AC3E}">
-        <p14:creationId xmlns:p14="http://schemas.microsoft.com/office/powerpoint/2010/main" val="1663193984"/>
-      </p:ext>
-    </p:extLst>
-  </p:cSld>
-  <p:clrMapOvr>
-    <a:masterClrMapping/>
-  </p:clrMapOvr>
-</p:sld>
-</file>
-
-<file path=ppt/slides/slide14.xml><?xml version="1.0" encoding="utf-8"?>
-<p:sld xmlns:a="http://schemas.openxmlformats.org/drawingml/2006/main" xmlns:r="http://schemas.openxmlformats.org/officeDocument/2006/relationships" xmlns:p="http://schemas.openxmlformats.org/presentationml/2006/main">
-  <p:cSld>
-    <p:spTree>
-      <p:nvGrpSpPr>
-        <p:cNvPr id="1" name=""/>
-        <p:cNvGrpSpPr/>
-        <p:nvPr/>
-      </p:nvGrpSpPr>
-      <p:grpSpPr>
-        <a:xfrm>
-          <a:off x="0" y="0"/>
-          <a:ext cx="0" cy="0"/>
-          <a:chOff x="0" y="0"/>
-          <a:chExt cx="0" cy="0"/>
-        </a:xfrm>
-      </p:grpSpPr>
-      <p:sp>
-        <p:nvSpPr>
-          <p:cNvPr id="2" name="灯片编号占位符 1"/>
-          <p:cNvSpPr>
-            <a:spLocks noGrp="1"/>
-          </p:cNvSpPr>
-          <p:nvPr>
-            <p:ph type="sldNum" sz="quarter" idx="10"/>
-          </p:nvPr>
-        </p:nvSpPr>
-        <p:spPr/>
-        <p:txBody>
-          <a:bodyPr/>
-          <a:lstStyle/>
-          <a:p>
-            <a:pPr>
-              <a:defRPr/>
-            </a:pPr>
-            <a:fld id="{37D1B2BE-3309-4792-8BE6-AC30C5FAF2D2}" type="slidenum">
-              <a:rPr lang="zh-CN" altLang="en-US" smtClean="0"/>
-              <a:pPr>
-                <a:defRPr/>
-              </a:pPr>
-              <a:t>13</a:t>
-            </a:fld>
-            <a:endParaRPr lang="en-US" altLang="zh-CN"/>
-          </a:p>
-        </p:txBody>
-      </p:sp>
       <p:graphicFrame>
         <p:nvGraphicFramePr>
           <p:cNvPr id="3" name="表格 2"/>
@@ -5188,8 +5148,20 @@
                 <a:tableStyleId>{16D9F66E-5EB9-4882-86FB-DCBF35E3C3E4}</a:tableStyleId>
               </a:tblPr>
               <a:tblGrid>
-                <a:gridCol w="1875838"/>
-                <a:gridCol w="5324962"/>
+                <a:gridCol w="1875838">
+                  <a:extLst>
+                    <a:ext uri="{9D8B030D-6E8A-4147-A177-3AD203B41FA5}">
+                      <a16:colId xmlns:a16="http://schemas.microsoft.com/office/drawing/2014/main" val="20000"/>
+                    </a:ext>
+                  </a:extLst>
+                </a:gridCol>
+                <a:gridCol w="5324962">
+                  <a:extLst>
+                    <a:ext uri="{9D8B030D-6E8A-4147-A177-3AD203B41FA5}">
+                      <a16:colId xmlns:a16="http://schemas.microsoft.com/office/drawing/2014/main" val="20001"/>
+                    </a:ext>
+                  </a:extLst>
+                </a:gridCol>
               </a:tblGrid>
               <a:tr h="432049">
                 <a:tc>
@@ -5271,6 +5243,11 @@
                   </a:txBody>
                   <a:tcPr marL="68580" marR="68580" marT="0" marB="0"/>
                 </a:tc>
+                <a:extLst>
+                  <a:ext uri="{0D108BD9-81ED-4DB2-BD59-A6C34878D82A}">
+                    <a16:rowId xmlns:a16="http://schemas.microsoft.com/office/drawing/2014/main" val="10000"/>
+                  </a:ext>
+                </a:extLst>
               </a:tr>
               <a:tr h="432048">
                 <a:tc>
@@ -5343,6 +5320,11 @@
                   </a:txBody>
                   <a:tcPr marL="68580" marR="68580" marT="0" marB="0"/>
                 </a:tc>
+                <a:extLst>
+                  <a:ext uri="{0D108BD9-81ED-4DB2-BD59-A6C34878D82A}">
+                    <a16:rowId xmlns:a16="http://schemas.microsoft.com/office/drawing/2014/main" val="10001"/>
+                  </a:ext>
+                </a:extLst>
               </a:tr>
               <a:tr h="432048">
                 <a:tc>
@@ -5442,6 +5424,11 @@
                   </a:txBody>
                   <a:tcPr marL="68580" marR="68580" marT="0" marB="0"/>
                 </a:tc>
+                <a:extLst>
+                  <a:ext uri="{0D108BD9-81ED-4DB2-BD59-A6C34878D82A}">
+                    <a16:rowId xmlns:a16="http://schemas.microsoft.com/office/drawing/2014/main" val="10002"/>
+                  </a:ext>
+                </a:extLst>
               </a:tr>
             </a:tbl>
           </a:graphicData>
@@ -5477,17 +5464,10 @@
                 <a:latin typeface="楷体" pitchFamily="49" charset="-122"/>
                 <a:ea typeface="楷体" pitchFamily="49" charset="-122"/>
               </a:rPr>
-              <a:t>前端开发</a:t>
-            </a:r>
-            <a:r>
-              <a:rPr lang="zh-CN" altLang="zh-CN" sz="3200" b="1" dirty="0" smtClean="0">
-                <a:latin typeface="楷体" pitchFamily="49" charset="-122"/>
-                <a:ea typeface="楷体" pitchFamily="49" charset="-122"/>
-              </a:rPr>
-              <a:t>环境</a:t>
-            </a:r>
-            <a:r>
-              <a:rPr lang="zh-CN" altLang="en-US" sz="3200" b="1" dirty="0" smtClean="0">
+              <a:t>前端开发环境</a:t>
+            </a:r>
+            <a:r>
+              <a:rPr lang="zh-CN" altLang="en-US" sz="3200" b="1" dirty="0">
                 <a:latin typeface="楷体" pitchFamily="49" charset="-122"/>
                 <a:ea typeface="楷体" pitchFamily="49" charset="-122"/>
               </a:rPr>
@@ -5526,35 +5506,21 @@
               <a:buChar char="•"/>
             </a:pPr>
             <a:r>
-              <a:rPr lang="zh-CN" altLang="en-US" sz="3200" b="1" dirty="0" smtClean="0">
+              <a:rPr lang="zh-CN" altLang="en-US" sz="3200" b="1" dirty="0">
                 <a:latin typeface="楷体" pitchFamily="49" charset="-122"/>
                 <a:ea typeface="楷体" pitchFamily="49" charset="-122"/>
               </a:rPr>
               <a:t>后</a:t>
             </a:r>
             <a:r>
-              <a:rPr lang="zh-CN" altLang="zh-CN" sz="3200" b="1" dirty="0" smtClean="0">
-                <a:latin typeface="楷体" pitchFamily="49" charset="-122"/>
-                <a:ea typeface="楷体" pitchFamily="49" charset="-122"/>
-              </a:rPr>
-              <a:t>端</a:t>
-            </a:r>
-            <a:r>
               <a:rPr lang="zh-CN" altLang="zh-CN" sz="3200" b="1" dirty="0">
                 <a:latin typeface="楷体" pitchFamily="49" charset="-122"/>
                 <a:ea typeface="楷体" pitchFamily="49" charset="-122"/>
               </a:rPr>
-              <a:t>开发</a:t>
-            </a:r>
-            <a:r>
-              <a:rPr lang="zh-CN" altLang="zh-CN" sz="3200" b="1" dirty="0" smtClean="0">
-                <a:latin typeface="楷体" pitchFamily="49" charset="-122"/>
-                <a:ea typeface="楷体" pitchFamily="49" charset="-122"/>
-              </a:rPr>
-              <a:t>环境</a:t>
-            </a:r>
-            <a:r>
-              <a:rPr lang="zh-CN" altLang="en-US" sz="3200" b="1" dirty="0" smtClean="0">
+              <a:t>端开发环境</a:t>
+            </a:r>
+            <a:r>
+              <a:rPr lang="zh-CN" altLang="en-US" sz="3200" b="1" dirty="0">
                 <a:latin typeface="楷体" pitchFamily="49" charset="-122"/>
                 <a:ea typeface="楷体" pitchFamily="49" charset="-122"/>
               </a:rPr>
@@ -5592,8 +5558,20 @@
                 <a:tableStyleId>{16D9F66E-5EB9-4882-86FB-DCBF35E3C3E4}</a:tableStyleId>
               </a:tblPr>
               <a:tblGrid>
-                <a:gridCol w="3240360"/>
-                <a:gridCol w="5760640"/>
+                <a:gridCol w="3240360">
+                  <a:extLst>
+                    <a:ext uri="{9D8B030D-6E8A-4147-A177-3AD203B41FA5}">
+                      <a16:colId xmlns:a16="http://schemas.microsoft.com/office/drawing/2014/main" val="20000"/>
+                    </a:ext>
+                  </a:extLst>
+                </a:gridCol>
+                <a:gridCol w="5760640">
+                  <a:extLst>
+                    <a:ext uri="{9D8B030D-6E8A-4147-A177-3AD203B41FA5}">
+                      <a16:colId xmlns:a16="http://schemas.microsoft.com/office/drawing/2014/main" val="20001"/>
+                    </a:ext>
+                  </a:extLst>
+                </a:gridCol>
               </a:tblGrid>
               <a:tr h="0">
                 <a:tc>
@@ -5660,6 +5638,11 @@
                   </a:txBody>
                   <a:tcPr marL="68580" marR="68580" marT="0" marB="0"/>
                 </a:tc>
+                <a:extLst>
+                  <a:ext uri="{0D108BD9-81ED-4DB2-BD59-A6C34878D82A}">
+                    <a16:rowId xmlns:a16="http://schemas.microsoft.com/office/drawing/2014/main" val="10000"/>
+                  </a:ext>
+                </a:extLst>
               </a:tr>
               <a:tr h="0">
                 <a:tc>
@@ -5726,6 +5709,11 @@
                   </a:txBody>
                   <a:tcPr marL="68580" marR="68580" marT="0" marB="0"/>
                 </a:tc>
+                <a:extLst>
+                  <a:ext uri="{0D108BD9-81ED-4DB2-BD59-A6C34878D82A}">
+                    <a16:rowId xmlns:a16="http://schemas.microsoft.com/office/drawing/2014/main" val="10001"/>
+                  </a:ext>
+                </a:extLst>
               </a:tr>
               <a:tr h="295275">
                 <a:tc>
@@ -5792,6 +5780,11 @@
                   </a:txBody>
                   <a:tcPr marL="68580" marR="68580" marT="0" marB="0"/>
                 </a:tc>
+                <a:extLst>
+                  <a:ext uri="{0D108BD9-81ED-4DB2-BD59-A6C34878D82A}">
+                    <a16:rowId xmlns:a16="http://schemas.microsoft.com/office/drawing/2014/main" val="10002"/>
+                  </a:ext>
+                </a:extLst>
               </a:tr>
               <a:tr h="295275">
                 <a:tc>
@@ -5858,6 +5851,11 @@
                   </a:txBody>
                   <a:tcPr marL="68580" marR="68580" marT="0" marB="0"/>
                 </a:tc>
+                <a:extLst>
+                  <a:ext uri="{0D108BD9-81ED-4DB2-BD59-A6C34878D82A}">
+                    <a16:rowId xmlns:a16="http://schemas.microsoft.com/office/drawing/2014/main" val="10003"/>
+                  </a:ext>
+                </a:extLst>
               </a:tr>
               <a:tr h="295275">
                 <a:tc>
@@ -5924,6 +5922,11 @@
                   </a:txBody>
                   <a:tcPr marL="68580" marR="68580" marT="0" marB="0"/>
                 </a:tc>
+                <a:extLst>
+                  <a:ext uri="{0D108BD9-81ED-4DB2-BD59-A6C34878D82A}">
+                    <a16:rowId xmlns:a16="http://schemas.microsoft.com/office/drawing/2014/main" val="10004"/>
+                  </a:ext>
+                </a:extLst>
               </a:tr>
               <a:tr h="0">
                 <a:tc>
@@ -5990,6 +5993,11 @@
                   </a:txBody>
                   <a:tcPr marL="68580" marR="68580" marT="0" marB="0"/>
                 </a:tc>
+                <a:extLst>
+                  <a:ext uri="{0D108BD9-81ED-4DB2-BD59-A6C34878D82A}">
+                    <a16:rowId xmlns:a16="http://schemas.microsoft.com/office/drawing/2014/main" val="10005"/>
+                  </a:ext>
+                </a:extLst>
               </a:tr>
               <a:tr h="0">
                 <a:tc>
@@ -6056,6 +6064,11 @@
                   </a:txBody>
                   <a:tcPr marL="68580" marR="68580" marT="0" marB="0"/>
                 </a:tc>
+                <a:extLst>
+                  <a:ext uri="{0D108BD9-81ED-4DB2-BD59-A6C34878D82A}">
+                    <a16:rowId xmlns:a16="http://schemas.microsoft.com/office/drawing/2014/main" val="10006"/>
+                  </a:ext>
+                </a:extLst>
               </a:tr>
             </a:tbl>
           </a:graphicData>
@@ -6063,14 +6076,20 @@
       </p:graphicFrame>
       <p:sp>
         <p:nvSpPr>
-          <p:cNvPr id="9" name="TextBox 8"/>
+          <p:cNvPr id="10" name="TextBox 3">
+            <a:extLst>
+              <a:ext uri="{FF2B5EF4-FFF2-40B4-BE49-F238E27FC236}">
+                <a16:creationId xmlns:a16="http://schemas.microsoft.com/office/drawing/2014/main" id="{8FD757EE-4FE4-FF4F-B20F-4F0A0CBC7327}"/>
+              </a:ext>
+            </a:extLst>
+          </p:cNvPr>
           <p:cNvSpPr txBox="1"/>
           <p:nvPr/>
         </p:nvSpPr>
         <p:spPr>
           <a:xfrm>
             <a:off x="263352" y="211287"/>
-            <a:ext cx="4824536" cy="769441"/>
+            <a:ext cx="6840760" cy="769441"/>
           </a:xfrm>
           <a:prstGeom prst="rect">
             <a:avLst/>
@@ -6084,16 +6103,26 @@
           <a:lstStyle/>
           <a:p>
             <a:r>
-              <a:rPr lang="zh-CN" altLang="en-US" sz="4400" b="1" dirty="0" smtClean="0">
-                <a:latin typeface="楷体" pitchFamily="49" charset="-122"/>
-                <a:ea typeface="楷体" pitchFamily="49" charset="-122"/>
-              </a:rPr>
-              <a:t>运行环境</a:t>
-            </a:r>
-            <a:endParaRPr lang="zh-CN" altLang="en-US" sz="4400" b="1" dirty="0">
-              <a:latin typeface="楷体" pitchFamily="49" charset="-122"/>
-              <a:ea typeface="楷体" pitchFamily="49" charset="-122"/>
-            </a:endParaRPr>
+              <a:rPr lang="zh-CN" altLang="en-US" sz="4400" b="1" dirty="0">
+                <a:latin typeface="楷体" pitchFamily="49" charset="-122"/>
+                <a:ea typeface="楷体" pitchFamily="49" charset="-122"/>
+              </a:rPr>
+              <a:t>功能介绍 </a:t>
+            </a:r>
+            <a:r>
+              <a:rPr lang="en-US" altLang="zh-CN" sz="4400" b="1" dirty="0">
+                <a:latin typeface="楷体" pitchFamily="49" charset="-122"/>
+                <a:ea typeface="楷体" pitchFamily="49" charset="-122"/>
+              </a:rPr>
+              <a:t>--</a:t>
+            </a:r>
+            <a:r>
+              <a:rPr lang="zh-CN" altLang="en-US" sz="4400" b="1" dirty="0">
+                <a:latin typeface="楷体" pitchFamily="49" charset="-122"/>
+                <a:ea typeface="楷体" pitchFamily="49" charset="-122"/>
+              </a:rPr>
+              <a:t> 系统环境</a:t>
+            </a:r>
           </a:p>
         </p:txBody>
       </p:sp>
@@ -6110,7 +6139,7 @@
 </p:sld>
 </file>
 
-<file path=ppt/slides/slide15.xml><?xml version="1.0" encoding="utf-8"?>
+<file path=ppt/slides/slide14.xml><?xml version="1.0" encoding="utf-8"?>
 <p:sld xmlns:a="http://schemas.openxmlformats.org/drawingml/2006/main" xmlns:r="http://schemas.openxmlformats.org/officeDocument/2006/relationships" xmlns:p="http://schemas.openxmlformats.org/presentationml/2006/main">
   <p:cSld>
     <p:spTree>
@@ -6150,7 +6179,7 @@
               <a:pPr>
                 <a:defRPr/>
               </a:pPr>
-              <a:t>14</a:t>
+              <a:t>13</a:t>
             </a:fld>
             <a:endParaRPr lang="en-US" altLang="zh-CN"/>
           </a:p>
@@ -6257,16 +6286,1752 @@
             <a:lstStyle/>
             <a:p>
               <a:r>
-                <a:rPr lang="zh-CN" altLang="en-US" sz="5400" b="1" dirty="0" smtClean="0">
+                <a:rPr lang="zh-CN" altLang="en-US" sz="5400" b="1" dirty="0">
+                  <a:latin typeface="楷体" pitchFamily="49" charset="-122"/>
+                  <a:ea typeface="楷体" pitchFamily="49" charset="-122"/>
+                </a:rPr>
+                <a:t>问题解决 </a:t>
+              </a:r>
+            </a:p>
+          </p:txBody>
+        </p:sp>
+        <p:sp>
+          <p:nvSpPr>
+            <p:cNvPr id="5" name="六角星 4"/>
+            <p:cNvSpPr/>
+            <p:nvPr/>
+          </p:nvSpPr>
+          <p:spPr>
+            <a:xfrm>
+              <a:off x="5519936" y="3356992"/>
+              <a:ext cx="576064" cy="600423"/>
+            </a:xfrm>
+            <a:prstGeom prst="star6">
+              <a:avLst/>
+            </a:prstGeom>
+            <a:solidFill>
+              <a:srgbClr val="C00000"/>
+            </a:solidFill>
+            <a:ln>
+              <a:solidFill>
+                <a:srgbClr val="C00000"/>
+              </a:solidFill>
+            </a:ln>
+          </p:spPr>
+          <p:style>
+            <a:lnRef idx="2">
+              <a:schemeClr val="accent1">
+                <a:shade val="50000"/>
+              </a:schemeClr>
+            </a:lnRef>
+            <a:fillRef idx="1">
+              <a:schemeClr val="accent1"/>
+            </a:fillRef>
+            <a:effectRef idx="0">
+              <a:schemeClr val="accent1"/>
+            </a:effectRef>
+            <a:fontRef idx="minor">
+              <a:schemeClr val="lt1"/>
+            </a:fontRef>
+          </p:style>
+          <p:txBody>
+            <a:bodyPr rtlCol="0" anchor="ctr"/>
+            <a:lstStyle/>
+            <a:p>
+              <a:pPr algn="ctr"/>
+              <a:endParaRPr lang="zh-CN" altLang="en-US"/>
+            </a:p>
+          </p:txBody>
+        </p:sp>
+      </p:grpSp>
+    </p:spTree>
+    <p:extLst>
+      <p:ext uri="{BB962C8B-B14F-4D97-AF65-F5344CB8AC3E}">
+        <p14:creationId xmlns:p14="http://schemas.microsoft.com/office/powerpoint/2010/main" val="3395951677"/>
+      </p:ext>
+    </p:extLst>
+  </p:cSld>
+  <p:clrMapOvr>
+    <a:masterClrMapping/>
+  </p:clrMapOvr>
+</p:sld>
+</file>
+
+<file path=ppt/slides/slide15.xml><?xml version="1.0" encoding="utf-8"?>
+<p:sld xmlns:a="http://schemas.openxmlformats.org/drawingml/2006/main" xmlns:r="http://schemas.openxmlformats.org/officeDocument/2006/relationships" xmlns:p="http://schemas.openxmlformats.org/presentationml/2006/main">
+  <p:cSld>
+    <p:spTree>
+      <p:nvGrpSpPr>
+        <p:cNvPr id="1" name=""/>
+        <p:cNvGrpSpPr/>
+        <p:nvPr/>
+      </p:nvGrpSpPr>
+      <p:grpSpPr>
+        <a:xfrm>
+          <a:off x="0" y="0"/>
+          <a:ext cx="0" cy="0"/>
+          <a:chOff x="0" y="0"/>
+          <a:chExt cx="0" cy="0"/>
+        </a:xfrm>
+      </p:grpSpPr>
+      <p:sp>
+        <p:nvSpPr>
+          <p:cNvPr id="2" name="灯片编号占位符 1"/>
+          <p:cNvSpPr>
+            <a:spLocks noGrp="1"/>
+          </p:cNvSpPr>
+          <p:nvPr>
+            <p:ph type="sldNum" sz="quarter" idx="10"/>
+          </p:nvPr>
+        </p:nvSpPr>
+        <p:spPr/>
+        <p:txBody>
+          <a:bodyPr/>
+          <a:lstStyle/>
+          <a:p>
+            <a:pPr>
+              <a:defRPr/>
+            </a:pPr>
+            <a:fld id="{37D1B2BE-3309-4792-8BE6-AC30C5FAF2D2}" type="slidenum">
+              <a:rPr lang="zh-CN" altLang="en-US" smtClean="0"/>
+              <a:pPr>
+                <a:defRPr/>
+              </a:pPr>
+              <a:t>14</a:t>
+            </a:fld>
+            <a:endParaRPr lang="en-US" altLang="zh-CN"/>
+          </a:p>
+        </p:txBody>
+      </p:sp>
+      <p:sp>
+        <p:nvSpPr>
+          <p:cNvPr id="6" name="矩形 5"/>
+          <p:cNvSpPr/>
+          <p:nvPr/>
+        </p:nvSpPr>
+        <p:spPr>
+          <a:xfrm>
+            <a:off x="973393" y="1155895"/>
+            <a:ext cx="1882247" cy="584775"/>
+          </a:xfrm>
+          <a:prstGeom prst="rect">
+            <a:avLst/>
+          </a:prstGeom>
+        </p:spPr>
+        <p:txBody>
+          <a:bodyPr wrap="none">
+            <a:spAutoFit/>
+          </a:bodyPr>
+          <a:lstStyle/>
+          <a:p>
+            <a:pPr marL="457200" indent="-457200">
+              <a:buFont typeface="Wingdings" pitchFamily="2" charset="2"/>
+              <a:buChar char="Ø"/>
+            </a:pPr>
+            <a:r>
+              <a:rPr lang="zh-CN" altLang="en-US" sz="3200" b="1" dirty="0">
+                <a:solidFill>
+                  <a:srgbClr val="D81E20"/>
+                </a:solidFill>
+                <a:latin typeface="楷体" pitchFamily="49" charset="-122"/>
+                <a:ea typeface="楷体" pitchFamily="49" charset="-122"/>
+              </a:rPr>
+              <a:t>开发：</a:t>
+            </a:r>
+            <a:endParaRPr lang="zh-CN" altLang="zh-CN" sz="3200" dirty="0">
+              <a:solidFill>
+                <a:srgbClr val="D81E20"/>
+              </a:solidFill>
+              <a:latin typeface="楷体" pitchFamily="49" charset="-122"/>
+              <a:ea typeface="楷体" pitchFamily="49" charset="-122"/>
+            </a:endParaRPr>
+          </a:p>
+        </p:txBody>
+      </p:sp>
+      <p:sp>
+        <p:nvSpPr>
+          <p:cNvPr id="9" name="TextBox 8"/>
+          <p:cNvSpPr txBox="1"/>
+          <p:nvPr/>
+        </p:nvSpPr>
+        <p:spPr>
+          <a:xfrm>
+            <a:off x="263352" y="211287"/>
+            <a:ext cx="4824536" cy="769441"/>
+          </a:xfrm>
+          <a:prstGeom prst="rect">
+            <a:avLst/>
+          </a:prstGeom>
+          <a:noFill/>
+        </p:spPr>
+        <p:txBody>
+          <a:bodyPr wrap="square" rtlCol="0">
+            <a:spAutoFit/>
+          </a:bodyPr>
+          <a:lstStyle/>
+          <a:p>
+            <a:r>
+              <a:rPr lang="zh-CN" altLang="en-US" sz="4400" b="1" dirty="0">
+                <a:latin typeface="楷体" pitchFamily="49" charset="-122"/>
+                <a:ea typeface="楷体" pitchFamily="49" charset="-122"/>
+              </a:rPr>
+              <a:t>问题解决</a:t>
+            </a:r>
+          </a:p>
+        </p:txBody>
+      </p:sp>
+      <p:sp>
+        <p:nvSpPr>
+          <p:cNvPr id="4" name="文本框 3">
+            <a:extLst>
+              <a:ext uri="{FF2B5EF4-FFF2-40B4-BE49-F238E27FC236}">
+                <a16:creationId xmlns:a16="http://schemas.microsoft.com/office/drawing/2014/main" id="{718DD48F-9463-6C46-AC12-E410B1F8DF15}"/>
+              </a:ext>
+            </a:extLst>
+          </p:cNvPr>
+          <p:cNvSpPr txBox="1"/>
+          <p:nvPr/>
+        </p:nvSpPr>
+        <p:spPr>
+          <a:xfrm>
+            <a:off x="1453567" y="1722146"/>
+            <a:ext cx="8640960" cy="2242409"/>
+          </a:xfrm>
+          <a:prstGeom prst="rect">
+            <a:avLst/>
+          </a:prstGeom>
+          <a:noFill/>
+        </p:spPr>
+        <p:txBody>
+          <a:bodyPr wrap="square" rtlCol="0">
+            <a:spAutoFit/>
+          </a:bodyPr>
+          <a:lstStyle/>
+          <a:p>
+            <a:pPr marL="285750" indent="-285750">
+              <a:lnSpc>
+                <a:spcPct val="150000"/>
+              </a:lnSpc>
+              <a:buFont typeface="Wingdings" pitchFamily="2" charset="2"/>
+              <a:buChar char="ü"/>
+            </a:pPr>
+            <a:r>
+              <a:rPr kumimoji="1" lang="zh-CN" altLang="en-US" sz="2400" b="1" dirty="0">
+                <a:latin typeface="KaiTi" panose="02010609060101010101" pitchFamily="49" charset="-122"/>
+                <a:ea typeface="KaiTi" panose="02010609060101010101" pitchFamily="49" charset="-122"/>
+              </a:rPr>
+              <a:t>前端请求函数同步异步问题</a:t>
+            </a:r>
+            <a:endParaRPr kumimoji="1" lang="en-US" altLang="zh-CN" sz="2400" b="1" dirty="0">
+              <a:latin typeface="KaiTi" panose="02010609060101010101" pitchFamily="49" charset="-122"/>
+              <a:ea typeface="KaiTi" panose="02010609060101010101" pitchFamily="49" charset="-122"/>
+            </a:endParaRPr>
+          </a:p>
+          <a:p>
+            <a:pPr marL="285750" indent="-285750">
+              <a:lnSpc>
+                <a:spcPct val="150000"/>
+              </a:lnSpc>
+              <a:buFont typeface="Wingdings" pitchFamily="2" charset="2"/>
+              <a:buChar char="ü"/>
+            </a:pPr>
+            <a:r>
+              <a:rPr kumimoji="1" lang="en-US" altLang="zh-CN" sz="2400" b="1" dirty="0" err="1">
+                <a:latin typeface="KaiTi" panose="02010609060101010101" pitchFamily="49" charset="-122"/>
+                <a:ea typeface="KaiTi" panose="02010609060101010101" pitchFamily="49" charset="-122"/>
+              </a:rPr>
+              <a:t>MyBatis</a:t>
+            </a:r>
+            <a:r>
+              <a:rPr kumimoji="1" lang="zh-CN" altLang="en-US" sz="2400" b="1" dirty="0">
+                <a:latin typeface="KaiTi" panose="02010609060101010101" pitchFamily="49" charset="-122"/>
+                <a:ea typeface="KaiTi" panose="02010609060101010101" pitchFamily="49" charset="-122"/>
+              </a:rPr>
+              <a:t> 多参数查询，参数识别问题</a:t>
+            </a:r>
+            <a:endParaRPr kumimoji="1" lang="en-US" altLang="zh-CN" sz="2400" b="1" dirty="0">
+              <a:latin typeface="KaiTi" panose="02010609060101010101" pitchFamily="49" charset="-122"/>
+              <a:ea typeface="KaiTi" panose="02010609060101010101" pitchFamily="49" charset="-122"/>
+            </a:endParaRPr>
+          </a:p>
+          <a:p>
+            <a:pPr marL="285750" indent="-285750">
+              <a:lnSpc>
+                <a:spcPct val="150000"/>
+              </a:lnSpc>
+              <a:buFont typeface="Wingdings" pitchFamily="2" charset="2"/>
+              <a:buChar char="ü"/>
+            </a:pPr>
+            <a:r>
+              <a:rPr kumimoji="1" lang="zh-CN" altLang="en-US" sz="2400" b="1" dirty="0">
+                <a:latin typeface="KaiTi" panose="02010609060101010101" pitchFamily="49" charset="-122"/>
+                <a:ea typeface="KaiTi" panose="02010609060101010101" pitchFamily="49" charset="-122"/>
+              </a:rPr>
+              <a:t>代码异常处理不完善问题，测试依赖严重</a:t>
+            </a:r>
+            <a:endParaRPr kumimoji="1" lang="en-US" altLang="zh-CN" sz="2400" b="1" dirty="0">
+              <a:latin typeface="KaiTi" panose="02010609060101010101" pitchFamily="49" charset="-122"/>
+              <a:ea typeface="KaiTi" panose="02010609060101010101" pitchFamily="49" charset="-122"/>
+            </a:endParaRPr>
+          </a:p>
+          <a:p>
+            <a:pPr marL="285750" indent="-285750">
+              <a:lnSpc>
+                <a:spcPct val="150000"/>
+              </a:lnSpc>
+              <a:buFont typeface="Wingdings" pitchFamily="2" charset="2"/>
+              <a:buChar char="ü"/>
+            </a:pPr>
+            <a:r>
+              <a:rPr kumimoji="1" lang="en-US" altLang="zh-CN" sz="2400" b="1" dirty="0">
+                <a:latin typeface="KaiTi" panose="02010609060101010101" pitchFamily="49" charset="-122"/>
+                <a:ea typeface="KaiTi" panose="02010609060101010101" pitchFamily="49" charset="-122"/>
+              </a:rPr>
+              <a:t>MySQL</a:t>
+            </a:r>
+            <a:r>
+              <a:rPr kumimoji="1" lang="zh-CN" altLang="en-US" sz="2400" b="1" dirty="0">
+                <a:latin typeface="KaiTi" panose="02010609060101010101" pitchFamily="49" charset="-122"/>
+                <a:ea typeface="KaiTi" panose="02010609060101010101" pitchFamily="49" charset="-122"/>
+              </a:rPr>
+              <a:t> 字符集问题，插入中文乱码</a:t>
+            </a:r>
+          </a:p>
+        </p:txBody>
+      </p:sp>
+      <p:sp>
+        <p:nvSpPr>
+          <p:cNvPr id="10" name="矩形 9">
+            <a:extLst>
+              <a:ext uri="{FF2B5EF4-FFF2-40B4-BE49-F238E27FC236}">
+                <a16:creationId xmlns:a16="http://schemas.microsoft.com/office/drawing/2014/main" id="{E27800E7-6383-454A-836F-80D63BB487A2}"/>
+              </a:ext>
+            </a:extLst>
+          </p:cNvPr>
+          <p:cNvSpPr/>
+          <p:nvPr/>
+        </p:nvSpPr>
+        <p:spPr>
+          <a:xfrm>
+            <a:off x="973392" y="4033686"/>
+            <a:ext cx="1882247" cy="584775"/>
+          </a:xfrm>
+          <a:prstGeom prst="rect">
+            <a:avLst/>
+          </a:prstGeom>
+        </p:spPr>
+        <p:txBody>
+          <a:bodyPr wrap="none">
+            <a:spAutoFit/>
+          </a:bodyPr>
+          <a:lstStyle/>
+          <a:p>
+            <a:pPr marL="457200" indent="-457200">
+              <a:buFont typeface="Wingdings" pitchFamily="2" charset="2"/>
+              <a:buChar char="Ø"/>
+            </a:pPr>
+            <a:r>
+              <a:rPr lang="zh-CN" altLang="en-US" sz="3200" b="1" dirty="0">
+                <a:solidFill>
+                  <a:srgbClr val="D81E20"/>
+                </a:solidFill>
+                <a:latin typeface="楷体" pitchFamily="49" charset="-122"/>
+                <a:ea typeface="楷体" pitchFamily="49" charset="-122"/>
+              </a:rPr>
+              <a:t>其他：</a:t>
+            </a:r>
+            <a:endParaRPr lang="zh-CN" altLang="zh-CN" sz="3200" dirty="0">
+              <a:solidFill>
+                <a:srgbClr val="D81E20"/>
+              </a:solidFill>
+              <a:latin typeface="楷体" pitchFamily="49" charset="-122"/>
+              <a:ea typeface="楷体" pitchFamily="49" charset="-122"/>
+            </a:endParaRPr>
+          </a:p>
+        </p:txBody>
+      </p:sp>
+      <p:sp>
+        <p:nvSpPr>
+          <p:cNvPr id="11" name="文本框 10">
+            <a:extLst>
+              <a:ext uri="{FF2B5EF4-FFF2-40B4-BE49-F238E27FC236}">
+                <a16:creationId xmlns:a16="http://schemas.microsoft.com/office/drawing/2014/main" id="{6BC26A2E-0D95-1F4D-BAC9-7EA59B30E1A2}"/>
+              </a:ext>
+            </a:extLst>
+          </p:cNvPr>
+          <p:cNvSpPr txBox="1"/>
+          <p:nvPr/>
+        </p:nvSpPr>
+        <p:spPr>
+          <a:xfrm>
+            <a:off x="1453567" y="4780128"/>
+            <a:ext cx="8640960" cy="1134413"/>
+          </a:xfrm>
+          <a:prstGeom prst="rect">
+            <a:avLst/>
+          </a:prstGeom>
+          <a:noFill/>
+        </p:spPr>
+        <p:txBody>
+          <a:bodyPr wrap="square" rtlCol="0">
+            <a:spAutoFit/>
+          </a:bodyPr>
+          <a:lstStyle/>
+          <a:p>
+            <a:pPr marL="285750" indent="-285750">
+              <a:lnSpc>
+                <a:spcPct val="150000"/>
+              </a:lnSpc>
+              <a:buFont typeface="Wingdings" pitchFamily="2" charset="2"/>
+              <a:buChar char="ü"/>
+            </a:pPr>
+            <a:r>
+              <a:rPr kumimoji="1" lang="zh-CN" altLang="en-US" sz="2400" b="1" dirty="0">
+                <a:latin typeface="KaiTi" panose="02010609060101010101" pitchFamily="49" charset="-122"/>
+                <a:ea typeface="KaiTi" panose="02010609060101010101" pitchFamily="49" charset="-122"/>
+              </a:rPr>
+              <a:t>接口文档未提前沟通，导致修改频繁</a:t>
+            </a:r>
+            <a:endParaRPr kumimoji="1" lang="en-US" altLang="zh-CN" sz="2400" b="1" dirty="0">
+              <a:latin typeface="KaiTi" panose="02010609060101010101" pitchFamily="49" charset="-122"/>
+              <a:ea typeface="KaiTi" panose="02010609060101010101" pitchFamily="49" charset="-122"/>
+            </a:endParaRPr>
+          </a:p>
+          <a:p>
+            <a:pPr marL="285750" indent="-285750">
+              <a:lnSpc>
+                <a:spcPct val="150000"/>
+              </a:lnSpc>
+              <a:buFont typeface="Wingdings" pitchFamily="2" charset="2"/>
+              <a:buChar char="ü"/>
+            </a:pPr>
+            <a:r>
+              <a:rPr kumimoji="1" lang="zh-CN" altLang="en-US" sz="2400" b="1" dirty="0">
+                <a:latin typeface="KaiTi" panose="02010609060101010101" pitchFamily="49" charset="-122"/>
+                <a:ea typeface="KaiTi" panose="02010609060101010101" pitchFamily="49" charset="-122"/>
+              </a:rPr>
+              <a:t>相关开发经验缺少的问题</a:t>
+            </a:r>
+          </a:p>
+        </p:txBody>
+      </p:sp>
+      <p:grpSp>
+        <p:nvGrpSpPr>
+          <p:cNvPr id="13" name="组合 12">
+            <a:extLst>
+              <a:ext uri="{FF2B5EF4-FFF2-40B4-BE49-F238E27FC236}">
+                <a16:creationId xmlns:a16="http://schemas.microsoft.com/office/drawing/2014/main" id="{013266DF-BA64-3F4A-84C7-E1DA6A291599}"/>
+              </a:ext>
+            </a:extLst>
+          </p:cNvPr>
+          <p:cNvGrpSpPr/>
+          <p:nvPr/>
+        </p:nvGrpSpPr>
+        <p:grpSpPr>
+          <a:xfrm>
+            <a:off x="8616280" y="1360627"/>
+            <a:ext cx="3378431" cy="2388194"/>
+            <a:chOff x="6183830" y="1459683"/>
+            <a:chExt cx="5216801" cy="3421894"/>
+          </a:xfrm>
+        </p:grpSpPr>
+        <p:pic>
+          <p:nvPicPr>
+            <p:cNvPr id="14" name="Picture 2">
+              <a:extLst>
+                <a:ext uri="{FF2B5EF4-FFF2-40B4-BE49-F238E27FC236}">
+                  <a16:creationId xmlns:a16="http://schemas.microsoft.com/office/drawing/2014/main" id="{105C140D-9F6E-3548-8B9C-A7ACB6E0175B}"/>
+                </a:ext>
+              </a:extLst>
+            </p:cNvPr>
+            <p:cNvPicPr>
+              <a:picLocks noChangeAspect="1" noChangeArrowheads="1"/>
+            </p:cNvPicPr>
+            <p:nvPr/>
+          </p:nvPicPr>
+          <p:blipFill>
+            <a:blip r:embed="rId2">
+              <a:extLst>
+                <a:ext uri="{28A0092B-C50C-407E-A947-70E740481C1C}">
+                  <a14:useLocalDpi xmlns:a14="http://schemas.microsoft.com/office/drawing/2010/main" val="0"/>
+                </a:ext>
+              </a:extLst>
+            </a:blip>
+            <a:srcRect/>
+            <a:stretch>
+              <a:fillRect/>
+            </a:stretch>
+          </p:blipFill>
+          <p:spPr bwMode="auto">
+            <a:xfrm>
+              <a:off x="8459696" y="1459683"/>
+              <a:ext cx="1447800" cy="1228725"/>
+            </a:xfrm>
+            <a:prstGeom prst="rect">
+              <a:avLst/>
+            </a:prstGeom>
+            <a:noFill/>
+            <a:ln>
+              <a:noFill/>
+            </a:ln>
+            <a:effectLst/>
+            <a:extLst>
+              <a:ext uri="{909E8E84-426E-40DD-AFC4-6F175D3DCCD1}">
+                <a14:hiddenFill xmlns:a14="http://schemas.microsoft.com/office/drawing/2010/main">
+                  <a:solidFill>
+                    <a:schemeClr val="accent1"/>
+                  </a:solidFill>
+                </a14:hiddenFill>
+              </a:ext>
+              <a:ext uri="{91240B29-F687-4F45-9708-019B960494DF}">
+                <a14:hiddenLine xmlns:a14="http://schemas.microsoft.com/office/drawing/2010/main" w="9525">
+                  <a:solidFill>
+                    <a:schemeClr val="tx1"/>
+                  </a:solidFill>
+                  <a:miter lim="800000"/>
+                  <a:headEnd/>
+                  <a:tailEnd/>
+                </a14:hiddenLine>
+              </a:ext>
+              <a:ext uri="{AF507438-7753-43E0-B8FC-AC1667EBCBE1}">
+                <a14:hiddenEffects xmlns:a14="http://schemas.microsoft.com/office/drawing/2010/main">
+                  <a:effectLst>
+                    <a:outerShdw dist="35921" dir="2700000" algn="ctr" rotWithShape="0">
+                      <a:schemeClr val="bg2"/>
+                    </a:outerShdw>
+                  </a:effectLst>
+                </a14:hiddenEffects>
+              </a:ext>
+            </a:extLst>
+          </p:spPr>
+        </p:pic>
+        <p:pic>
+          <p:nvPicPr>
+            <p:cNvPr id="15" name="Picture 3">
+              <a:extLst>
+                <a:ext uri="{FF2B5EF4-FFF2-40B4-BE49-F238E27FC236}">
+                  <a16:creationId xmlns:a16="http://schemas.microsoft.com/office/drawing/2014/main" id="{992FB916-87AC-D24B-A49D-97EE0C2E48C5}"/>
+                </a:ext>
+              </a:extLst>
+            </p:cNvPr>
+            <p:cNvPicPr>
+              <a:picLocks noChangeAspect="1" noChangeArrowheads="1"/>
+            </p:cNvPicPr>
+            <p:nvPr/>
+          </p:nvPicPr>
+          <p:blipFill>
+            <a:blip r:embed="rId3">
+              <a:extLst>
+                <a:ext uri="{28A0092B-C50C-407E-A947-70E740481C1C}">
+                  <a14:useLocalDpi xmlns:a14="http://schemas.microsoft.com/office/drawing/2010/main" val="0"/>
+                </a:ext>
+              </a:extLst>
+            </a:blip>
+            <a:srcRect/>
+            <a:stretch>
+              <a:fillRect/>
+            </a:stretch>
+          </p:blipFill>
+          <p:spPr bwMode="auto">
+            <a:xfrm>
+              <a:off x="9400381" y="2382589"/>
+              <a:ext cx="2000250" cy="1228725"/>
+            </a:xfrm>
+            <a:prstGeom prst="rect">
+              <a:avLst/>
+            </a:prstGeom>
+            <a:noFill/>
+            <a:ln>
+              <a:noFill/>
+            </a:ln>
+            <a:effectLst/>
+            <a:extLst>
+              <a:ext uri="{909E8E84-426E-40DD-AFC4-6F175D3DCCD1}">
+                <a14:hiddenFill xmlns:a14="http://schemas.microsoft.com/office/drawing/2010/main">
+                  <a:solidFill>
+                    <a:schemeClr val="accent1"/>
+                  </a:solidFill>
+                </a14:hiddenFill>
+              </a:ext>
+              <a:ext uri="{91240B29-F687-4F45-9708-019B960494DF}">
+                <a14:hiddenLine xmlns:a14="http://schemas.microsoft.com/office/drawing/2010/main" w="9525">
+                  <a:solidFill>
+                    <a:schemeClr val="tx1"/>
+                  </a:solidFill>
+                  <a:miter lim="800000"/>
+                  <a:headEnd/>
+                  <a:tailEnd/>
+                </a14:hiddenLine>
+              </a:ext>
+              <a:ext uri="{AF507438-7753-43E0-B8FC-AC1667EBCBE1}">
+                <a14:hiddenEffects xmlns:a14="http://schemas.microsoft.com/office/drawing/2010/main">
+                  <a:effectLst>
+                    <a:outerShdw dist="35921" dir="2700000" algn="ctr" rotWithShape="0">
+                      <a:schemeClr val="bg2"/>
+                    </a:outerShdw>
+                  </a:effectLst>
+                </a14:hiddenEffects>
+              </a:ext>
+            </a:extLst>
+          </p:spPr>
+        </p:pic>
+        <p:pic>
+          <p:nvPicPr>
+            <p:cNvPr id="16" name="Picture 4">
+              <a:extLst>
+                <a:ext uri="{FF2B5EF4-FFF2-40B4-BE49-F238E27FC236}">
+                  <a16:creationId xmlns:a16="http://schemas.microsoft.com/office/drawing/2014/main" id="{1CDC3A42-F2C1-D441-A27A-FB5319CE61DD}"/>
+                </a:ext>
+              </a:extLst>
+            </p:cNvPr>
+            <p:cNvPicPr>
+              <a:picLocks noChangeAspect="1" noChangeArrowheads="1"/>
+            </p:cNvPicPr>
+            <p:nvPr/>
+          </p:nvPicPr>
+          <p:blipFill>
+            <a:blip r:embed="rId4">
+              <a:extLst>
+                <a:ext uri="{28A0092B-C50C-407E-A947-70E740481C1C}">
+                  <a14:useLocalDpi xmlns:a14="http://schemas.microsoft.com/office/drawing/2010/main" val="0"/>
+                </a:ext>
+              </a:extLst>
+            </a:blip>
+            <a:srcRect/>
+            <a:stretch>
+              <a:fillRect/>
+            </a:stretch>
+          </p:blipFill>
+          <p:spPr bwMode="auto">
+            <a:xfrm>
+              <a:off x="7698456" y="2670818"/>
+              <a:ext cx="1933576" cy="1152524"/>
+            </a:xfrm>
+            <a:prstGeom prst="rect">
+              <a:avLst/>
+            </a:prstGeom>
+            <a:noFill/>
+            <a:ln>
+              <a:noFill/>
+            </a:ln>
+            <a:effectLst/>
+            <a:extLst>
+              <a:ext uri="{909E8E84-426E-40DD-AFC4-6F175D3DCCD1}">
+                <a14:hiddenFill xmlns:a14="http://schemas.microsoft.com/office/drawing/2010/main">
+                  <a:solidFill>
+                    <a:schemeClr val="accent1"/>
+                  </a:solidFill>
+                </a14:hiddenFill>
+              </a:ext>
+              <a:ext uri="{91240B29-F687-4F45-9708-019B960494DF}">
+                <a14:hiddenLine xmlns:a14="http://schemas.microsoft.com/office/drawing/2010/main" w="9525">
+                  <a:solidFill>
+                    <a:schemeClr val="tx1"/>
+                  </a:solidFill>
+                  <a:miter lim="800000"/>
+                  <a:headEnd/>
+                  <a:tailEnd/>
+                </a14:hiddenLine>
+              </a:ext>
+              <a:ext uri="{AF507438-7753-43E0-B8FC-AC1667EBCBE1}">
+                <a14:hiddenEffects xmlns:a14="http://schemas.microsoft.com/office/drawing/2010/main">
+                  <a:effectLst>
+                    <a:outerShdw dist="35921" dir="2700000" algn="ctr" rotWithShape="0">
+                      <a:schemeClr val="bg2"/>
+                    </a:outerShdw>
+                  </a:effectLst>
+                </a14:hiddenEffects>
+              </a:ext>
+            </a:extLst>
+          </p:spPr>
+        </p:pic>
+        <p:pic>
+          <p:nvPicPr>
+            <p:cNvPr id="17" name="Picture 5">
+              <a:extLst>
+                <a:ext uri="{FF2B5EF4-FFF2-40B4-BE49-F238E27FC236}">
+                  <a16:creationId xmlns:a16="http://schemas.microsoft.com/office/drawing/2014/main" id="{21A3671E-1187-9048-843E-9CC3271B8E6C}"/>
+                </a:ext>
+              </a:extLst>
+            </p:cNvPr>
+            <p:cNvPicPr>
+              <a:picLocks noChangeAspect="1" noChangeArrowheads="1"/>
+            </p:cNvPicPr>
+            <p:nvPr/>
+          </p:nvPicPr>
+          <p:blipFill>
+            <a:blip r:embed="rId5">
+              <a:extLst>
+                <a:ext uri="{28A0092B-C50C-407E-A947-70E740481C1C}">
+                  <a14:useLocalDpi xmlns:a14="http://schemas.microsoft.com/office/drawing/2010/main" val="0"/>
+                </a:ext>
+              </a:extLst>
+            </a:blip>
+            <a:srcRect/>
+            <a:stretch>
+              <a:fillRect/>
+            </a:stretch>
+          </p:blipFill>
+          <p:spPr bwMode="auto">
+            <a:xfrm>
+              <a:off x="6183830" y="2143417"/>
+              <a:ext cx="1800225" cy="1390650"/>
+            </a:xfrm>
+            <a:prstGeom prst="rect">
+              <a:avLst/>
+            </a:prstGeom>
+            <a:noFill/>
+            <a:ln>
+              <a:noFill/>
+            </a:ln>
+            <a:effectLst/>
+            <a:extLst>
+              <a:ext uri="{909E8E84-426E-40DD-AFC4-6F175D3DCCD1}">
+                <a14:hiddenFill xmlns:a14="http://schemas.microsoft.com/office/drawing/2010/main">
+                  <a:solidFill>
+                    <a:schemeClr val="accent1"/>
+                  </a:solidFill>
+                </a14:hiddenFill>
+              </a:ext>
+              <a:ext uri="{91240B29-F687-4F45-9708-019B960494DF}">
+                <a14:hiddenLine xmlns:a14="http://schemas.microsoft.com/office/drawing/2010/main" w="9525">
+                  <a:solidFill>
+                    <a:schemeClr val="tx1"/>
+                  </a:solidFill>
+                  <a:miter lim="800000"/>
+                  <a:headEnd/>
+                  <a:tailEnd/>
+                </a14:hiddenLine>
+              </a:ext>
+              <a:ext uri="{AF507438-7753-43E0-B8FC-AC1667EBCBE1}">
+                <a14:hiddenEffects xmlns:a14="http://schemas.microsoft.com/office/drawing/2010/main">
+                  <a:effectLst>
+                    <a:outerShdw dist="35921" dir="2700000" algn="ctr" rotWithShape="0">
+                      <a:schemeClr val="bg2"/>
+                    </a:outerShdw>
+                  </a:effectLst>
+                </a14:hiddenEffects>
+              </a:ext>
+            </a:extLst>
+          </p:spPr>
+        </p:pic>
+        <p:pic>
+          <p:nvPicPr>
+            <p:cNvPr id="18" name="Picture 2">
+              <a:extLst>
+                <a:ext uri="{FF2B5EF4-FFF2-40B4-BE49-F238E27FC236}">
+                  <a16:creationId xmlns:a16="http://schemas.microsoft.com/office/drawing/2014/main" id="{2A009DE2-D14E-3848-B6AF-CB23B0E50C79}"/>
+                </a:ext>
+              </a:extLst>
+            </p:cNvPr>
+            <p:cNvPicPr>
+              <a:picLocks noChangeAspect="1" noChangeArrowheads="1"/>
+            </p:cNvPicPr>
+            <p:nvPr/>
+          </p:nvPicPr>
+          <p:blipFill>
+            <a:blip r:embed="rId6">
+              <a:extLst>
+                <a:ext uri="{28A0092B-C50C-407E-A947-70E740481C1C}">
+                  <a14:useLocalDpi xmlns:a14="http://schemas.microsoft.com/office/drawing/2010/main" val="0"/>
+                </a:ext>
+              </a:extLst>
+            </a:blip>
+            <a:srcRect/>
+            <a:stretch>
+              <a:fillRect/>
+            </a:stretch>
+          </p:blipFill>
+          <p:spPr bwMode="auto">
+            <a:xfrm>
+              <a:off x="7527006" y="3738577"/>
+              <a:ext cx="2276475" cy="1143000"/>
+            </a:xfrm>
+            <a:prstGeom prst="rect">
+              <a:avLst/>
+            </a:prstGeom>
+            <a:noFill/>
+            <a:ln>
+              <a:noFill/>
+            </a:ln>
+            <a:effectLst/>
+            <a:extLst>
+              <a:ext uri="{909E8E84-426E-40DD-AFC4-6F175D3DCCD1}">
+                <a14:hiddenFill xmlns:a14="http://schemas.microsoft.com/office/drawing/2010/main">
+                  <a:solidFill>
+                    <a:schemeClr val="accent1"/>
+                  </a:solidFill>
+                </a14:hiddenFill>
+              </a:ext>
+              <a:ext uri="{91240B29-F687-4F45-9708-019B960494DF}">
+                <a14:hiddenLine xmlns:a14="http://schemas.microsoft.com/office/drawing/2010/main" w="9525">
+                  <a:solidFill>
+                    <a:schemeClr val="tx1"/>
+                  </a:solidFill>
+                  <a:miter lim="800000"/>
+                  <a:headEnd/>
+                  <a:tailEnd/>
+                </a14:hiddenLine>
+              </a:ext>
+              <a:ext uri="{AF507438-7753-43E0-B8FC-AC1667EBCBE1}">
+                <a14:hiddenEffects xmlns:a14="http://schemas.microsoft.com/office/drawing/2010/main">
+                  <a:effectLst>
+                    <a:outerShdw dist="35921" dir="2700000" algn="ctr" rotWithShape="0">
+                      <a:schemeClr val="bg2"/>
+                    </a:outerShdw>
+                  </a:effectLst>
+                </a14:hiddenEffects>
+              </a:ext>
+            </a:extLst>
+          </p:spPr>
+        </p:pic>
+      </p:grpSp>
+    </p:spTree>
+    <p:extLst>
+      <p:ext uri="{BB962C8B-B14F-4D97-AF65-F5344CB8AC3E}">
+        <p14:creationId xmlns:p14="http://schemas.microsoft.com/office/powerpoint/2010/main" val="4271881056"/>
+      </p:ext>
+    </p:extLst>
+  </p:cSld>
+  <p:clrMapOvr>
+    <a:masterClrMapping/>
+  </p:clrMapOvr>
+</p:sld>
+</file>
+
+<file path=ppt/slides/slide16.xml><?xml version="1.0" encoding="utf-8"?>
+<p:sld xmlns:a="http://schemas.openxmlformats.org/drawingml/2006/main" xmlns:r="http://schemas.openxmlformats.org/officeDocument/2006/relationships" xmlns:p="http://schemas.openxmlformats.org/presentationml/2006/main">
+  <p:cSld>
+    <p:spTree>
+      <p:nvGrpSpPr>
+        <p:cNvPr id="1" name=""/>
+        <p:cNvGrpSpPr/>
+        <p:nvPr/>
+      </p:nvGrpSpPr>
+      <p:grpSpPr>
+        <a:xfrm>
+          <a:off x="0" y="0"/>
+          <a:ext cx="0" cy="0"/>
+          <a:chOff x="0" y="0"/>
+          <a:chExt cx="0" cy="0"/>
+        </a:xfrm>
+      </p:grpSpPr>
+      <p:sp>
+        <p:nvSpPr>
+          <p:cNvPr id="2" name="灯片编号占位符 1"/>
+          <p:cNvSpPr>
+            <a:spLocks noGrp="1"/>
+          </p:cNvSpPr>
+          <p:nvPr>
+            <p:ph type="sldNum" sz="quarter" idx="10"/>
+          </p:nvPr>
+        </p:nvSpPr>
+        <p:spPr/>
+        <p:txBody>
+          <a:bodyPr/>
+          <a:lstStyle/>
+          <a:p>
+            <a:pPr>
+              <a:defRPr/>
+            </a:pPr>
+            <a:fld id="{37D1B2BE-3309-4792-8BE6-AC30C5FAF2D2}" type="slidenum">
+              <a:rPr lang="zh-CN" altLang="en-US" smtClean="0"/>
+              <a:pPr>
+                <a:defRPr/>
+              </a:pPr>
+              <a:t>15</a:t>
+            </a:fld>
+            <a:endParaRPr lang="en-US" altLang="zh-CN"/>
+          </a:p>
+        </p:txBody>
+      </p:sp>
+      <p:pic>
+        <p:nvPicPr>
+          <p:cNvPr id="4" name="Picture 2"/>
+          <p:cNvPicPr>
+            <a:picLocks noChangeAspect="1" noChangeArrowheads="1"/>
+          </p:cNvPicPr>
+          <p:nvPr/>
+        </p:nvPicPr>
+        <p:blipFill>
+          <a:blip r:embed="rId2">
+            <a:extLst>
+              <a:ext uri="{28A0092B-C50C-407E-A947-70E740481C1C}">
+                <a14:useLocalDpi xmlns:a14="http://schemas.microsoft.com/office/drawing/2010/main" val="0"/>
+              </a:ext>
+            </a:extLst>
+          </a:blip>
+          <a:srcRect/>
+          <a:stretch>
+            <a:fillRect/>
+          </a:stretch>
+        </p:blipFill>
+        <p:spPr bwMode="auto">
+          <a:xfrm>
+            <a:off x="935405" y="2567087"/>
+            <a:ext cx="2880320" cy="2758318"/>
+          </a:xfrm>
+          <a:prstGeom prst="rect">
+            <a:avLst/>
+          </a:prstGeom>
+          <a:noFill/>
+          <a:ln>
+            <a:noFill/>
+          </a:ln>
+          <a:effectLst/>
+          <a:extLst>
+            <a:ext uri="{909E8E84-426E-40DD-AFC4-6F175D3DCCD1}">
+              <a14:hiddenFill xmlns:a14="http://schemas.microsoft.com/office/drawing/2010/main">
+                <a:solidFill>
+                  <a:schemeClr val="accent1"/>
+                </a:solidFill>
+              </a14:hiddenFill>
+            </a:ext>
+            <a:ext uri="{91240B29-F687-4F45-9708-019B960494DF}">
+              <a14:hiddenLine xmlns:a14="http://schemas.microsoft.com/office/drawing/2010/main" w="9525">
+                <a:solidFill>
+                  <a:schemeClr val="tx1"/>
+                </a:solidFill>
+                <a:miter lim="800000"/>
+                <a:headEnd/>
+                <a:tailEnd/>
+              </a14:hiddenLine>
+            </a:ext>
+            <a:ext uri="{AF507438-7753-43E0-B8FC-AC1667EBCBE1}">
+              <a14:hiddenEffects xmlns:a14="http://schemas.microsoft.com/office/drawing/2010/main">
+                <a:effectLst>
+                  <a:outerShdw dist="35921" dir="2700000" algn="ctr" rotWithShape="0">
+                    <a:schemeClr val="bg2"/>
+                  </a:outerShdw>
+                </a:effectLst>
+              </a14:hiddenEffects>
+            </a:ext>
+          </a:extLst>
+        </p:spPr>
+      </p:pic>
+      <p:grpSp>
+        <p:nvGrpSpPr>
+          <p:cNvPr id="6" name="组合 5"/>
+          <p:cNvGrpSpPr/>
+          <p:nvPr/>
+        </p:nvGrpSpPr>
+        <p:grpSpPr>
+          <a:xfrm>
+            <a:off x="5039489" y="3142573"/>
+            <a:ext cx="5688632" cy="923330"/>
+            <a:chOff x="5519936" y="3153742"/>
+            <a:chExt cx="5688632" cy="923330"/>
+          </a:xfrm>
+        </p:grpSpPr>
+        <p:sp>
+          <p:nvSpPr>
+            <p:cNvPr id="3" name="TextBox 2"/>
+            <p:cNvSpPr txBox="1"/>
+            <p:nvPr/>
+          </p:nvSpPr>
+          <p:spPr>
+            <a:xfrm>
+              <a:off x="6384032" y="3153742"/>
+              <a:ext cx="4824536" cy="923330"/>
+            </a:xfrm>
+            <a:prstGeom prst="rect">
+              <a:avLst/>
+            </a:prstGeom>
+            <a:noFill/>
+          </p:spPr>
+          <p:txBody>
+            <a:bodyPr wrap="square" rtlCol="0">
+              <a:spAutoFit/>
+            </a:bodyPr>
+            <a:lstStyle/>
+            <a:p>
+              <a:r>
+                <a:rPr lang="zh-CN" altLang="en-US" sz="5400" b="1" dirty="0">
+                  <a:latin typeface="楷体" pitchFamily="49" charset="-122"/>
+                  <a:ea typeface="楷体" pitchFamily="49" charset="-122"/>
+                </a:rPr>
+                <a:t>项目亮点</a:t>
+              </a:r>
+            </a:p>
+          </p:txBody>
+        </p:sp>
+        <p:sp>
+          <p:nvSpPr>
+            <p:cNvPr id="5" name="六角星 4"/>
+            <p:cNvSpPr/>
+            <p:nvPr/>
+          </p:nvSpPr>
+          <p:spPr>
+            <a:xfrm>
+              <a:off x="5519936" y="3356992"/>
+              <a:ext cx="576064" cy="600423"/>
+            </a:xfrm>
+            <a:prstGeom prst="star6">
+              <a:avLst/>
+            </a:prstGeom>
+            <a:solidFill>
+              <a:srgbClr val="C00000"/>
+            </a:solidFill>
+            <a:ln>
+              <a:solidFill>
+                <a:srgbClr val="C00000"/>
+              </a:solidFill>
+            </a:ln>
+          </p:spPr>
+          <p:style>
+            <a:lnRef idx="2">
+              <a:schemeClr val="accent1">
+                <a:shade val="50000"/>
+              </a:schemeClr>
+            </a:lnRef>
+            <a:fillRef idx="1">
+              <a:schemeClr val="accent1"/>
+            </a:fillRef>
+            <a:effectRef idx="0">
+              <a:schemeClr val="accent1"/>
+            </a:effectRef>
+            <a:fontRef idx="minor">
+              <a:schemeClr val="lt1"/>
+            </a:fontRef>
+          </p:style>
+          <p:txBody>
+            <a:bodyPr rtlCol="0" anchor="ctr"/>
+            <a:lstStyle/>
+            <a:p>
+              <a:pPr algn="ctr"/>
+              <a:endParaRPr lang="zh-CN" altLang="en-US"/>
+            </a:p>
+          </p:txBody>
+        </p:sp>
+      </p:grpSp>
+    </p:spTree>
+    <p:extLst>
+      <p:ext uri="{BB962C8B-B14F-4D97-AF65-F5344CB8AC3E}">
+        <p14:creationId xmlns:p14="http://schemas.microsoft.com/office/powerpoint/2010/main" val="1663193984"/>
+      </p:ext>
+    </p:extLst>
+  </p:cSld>
+  <p:clrMapOvr>
+    <a:masterClrMapping/>
+  </p:clrMapOvr>
+</p:sld>
+</file>
+
+<file path=ppt/slides/slide17.xml><?xml version="1.0" encoding="utf-8"?>
+<p:sld xmlns:a="http://schemas.openxmlformats.org/drawingml/2006/main" xmlns:r="http://schemas.openxmlformats.org/officeDocument/2006/relationships" xmlns:p="http://schemas.openxmlformats.org/presentationml/2006/main">
+  <p:cSld>
+    <p:spTree>
+      <p:nvGrpSpPr>
+        <p:cNvPr id="1" name=""/>
+        <p:cNvGrpSpPr/>
+        <p:nvPr/>
+      </p:nvGrpSpPr>
+      <p:grpSpPr>
+        <a:xfrm>
+          <a:off x="0" y="0"/>
+          <a:ext cx="0" cy="0"/>
+          <a:chOff x="0" y="0"/>
+          <a:chExt cx="0" cy="0"/>
+        </a:xfrm>
+      </p:grpSpPr>
+      <p:sp>
+        <p:nvSpPr>
+          <p:cNvPr id="2" name="灯片编号占位符 1"/>
+          <p:cNvSpPr>
+            <a:spLocks noGrp="1"/>
+          </p:cNvSpPr>
+          <p:nvPr>
+            <p:ph type="sldNum" sz="quarter" idx="10"/>
+          </p:nvPr>
+        </p:nvSpPr>
+        <p:spPr/>
+        <p:txBody>
+          <a:bodyPr/>
+          <a:lstStyle/>
+          <a:p>
+            <a:pPr>
+              <a:defRPr/>
+            </a:pPr>
+            <a:fld id="{37D1B2BE-3309-4792-8BE6-AC30C5FAF2D2}" type="slidenum">
+              <a:rPr lang="zh-CN" altLang="en-US" smtClean="0"/>
+              <a:pPr>
+                <a:defRPr/>
+              </a:pPr>
+              <a:t>16</a:t>
+            </a:fld>
+            <a:endParaRPr lang="en-US" altLang="zh-CN"/>
+          </a:p>
+        </p:txBody>
+      </p:sp>
+      <p:sp>
+        <p:nvSpPr>
+          <p:cNvPr id="6" name="矩形 5"/>
+          <p:cNvSpPr/>
+          <p:nvPr/>
+        </p:nvSpPr>
+        <p:spPr>
+          <a:xfrm>
+            <a:off x="695400" y="1960840"/>
+            <a:ext cx="10817150" cy="952184"/>
+          </a:xfrm>
+          <a:prstGeom prst="rect">
+            <a:avLst/>
+          </a:prstGeom>
+        </p:spPr>
+        <p:txBody>
+          <a:bodyPr wrap="square">
+            <a:spAutoFit/>
+          </a:bodyPr>
+          <a:lstStyle/>
+          <a:p>
+            <a:pPr marL="457200" indent="-457200">
+              <a:lnSpc>
+                <a:spcPct val="125000"/>
+              </a:lnSpc>
+              <a:buFont typeface="Arial" panose="020B0604020202020204" pitchFamily="34" charset="0"/>
+              <a:buChar char="•"/>
+            </a:pPr>
+            <a:r>
+              <a:rPr lang="zh-CN" altLang="en-US" sz="2400" b="1" dirty="0">
+                <a:latin typeface="楷体" pitchFamily="49" charset="-122"/>
+                <a:ea typeface="楷体" pitchFamily="49" charset="-122"/>
+              </a:rPr>
+              <a:t>公车申请操作便捷，直接拖拽车辆到日历即可，使用不同颜色区分车辆。</a:t>
+            </a:r>
+            <a:endParaRPr lang="en-US" altLang="zh-CN" sz="2400" b="1" dirty="0">
+              <a:latin typeface="楷体" pitchFamily="49" charset="-122"/>
+              <a:ea typeface="楷体" pitchFamily="49" charset="-122"/>
+            </a:endParaRPr>
+          </a:p>
+          <a:p>
+            <a:pPr marL="457200" indent="-457200">
+              <a:lnSpc>
+                <a:spcPct val="125000"/>
+              </a:lnSpc>
+              <a:buFont typeface="Arial" panose="020B0604020202020204" pitchFamily="34" charset="0"/>
+              <a:buChar char="•"/>
+            </a:pPr>
+            <a:r>
+              <a:rPr lang="zh-CN" altLang="en-US" sz="2400" b="1" dirty="0">
+                <a:latin typeface="楷体" pitchFamily="49" charset="-122"/>
+                <a:ea typeface="楷体" pitchFamily="49" charset="-122"/>
+              </a:rPr>
+              <a:t>统计分析清晰明了，方便提醒相关人员车辆更换、提醒用户违章情况等。</a:t>
+            </a:r>
+            <a:endParaRPr lang="zh-CN" altLang="en-US" sz="2800" b="1" dirty="0">
+              <a:latin typeface="楷体" pitchFamily="49" charset="-122"/>
+              <a:ea typeface="楷体" pitchFamily="49" charset="-122"/>
+            </a:endParaRPr>
+          </a:p>
+        </p:txBody>
+      </p:sp>
+      <p:sp>
+        <p:nvSpPr>
+          <p:cNvPr id="9" name="TextBox 8"/>
+          <p:cNvSpPr txBox="1"/>
+          <p:nvPr/>
+        </p:nvSpPr>
+        <p:spPr>
+          <a:xfrm>
+            <a:off x="263352" y="211287"/>
+            <a:ext cx="4824536" cy="769441"/>
+          </a:xfrm>
+          <a:prstGeom prst="rect">
+            <a:avLst/>
+          </a:prstGeom>
+          <a:noFill/>
+        </p:spPr>
+        <p:txBody>
+          <a:bodyPr wrap="square" rtlCol="0">
+            <a:spAutoFit/>
+          </a:bodyPr>
+          <a:lstStyle/>
+          <a:p>
+            <a:r>
+              <a:rPr lang="zh-CN" altLang="en-US" sz="4400" b="1" dirty="0">
+                <a:latin typeface="楷体" pitchFamily="49" charset="-122"/>
+                <a:ea typeface="楷体" pitchFamily="49" charset="-122"/>
+              </a:rPr>
+              <a:t>项目亮点</a:t>
+            </a:r>
+          </a:p>
+        </p:txBody>
+      </p:sp>
+      <p:sp>
+        <p:nvSpPr>
+          <p:cNvPr id="4" name="文本框 3">
+            <a:extLst>
+              <a:ext uri="{FF2B5EF4-FFF2-40B4-BE49-F238E27FC236}">
+                <a16:creationId xmlns:a16="http://schemas.microsoft.com/office/drawing/2014/main" id="{E05EFCF7-B6F2-5648-836F-5BE30AE5BB68}"/>
+              </a:ext>
+            </a:extLst>
+          </p:cNvPr>
+          <p:cNvSpPr txBox="1"/>
+          <p:nvPr/>
+        </p:nvSpPr>
+        <p:spPr>
+          <a:xfrm>
+            <a:off x="695400" y="3717032"/>
+            <a:ext cx="10817150" cy="2798843"/>
+          </a:xfrm>
+          <a:prstGeom prst="rect">
+            <a:avLst/>
+          </a:prstGeom>
+          <a:noFill/>
+        </p:spPr>
+        <p:txBody>
+          <a:bodyPr wrap="square" rtlCol="0">
+            <a:spAutoFit/>
+          </a:bodyPr>
+          <a:lstStyle/>
+          <a:p>
+            <a:pPr marL="457200" indent="-457200">
+              <a:lnSpc>
+                <a:spcPct val="125000"/>
+              </a:lnSpc>
+              <a:buFont typeface="Arial" panose="020B0604020202020204" pitchFamily="34" charset="0"/>
+              <a:buChar char="•"/>
+            </a:pPr>
+            <a:r>
+              <a:rPr lang="en-US" altLang="zh-CN" sz="2400" b="1" dirty="0">
+                <a:latin typeface="Times New Roman" panose="02020603050405020304" pitchFamily="18" charset="0"/>
+                <a:ea typeface="KaiTi" panose="02010609060101010101" pitchFamily="49" charset="-122"/>
+                <a:cs typeface="Times New Roman" panose="02020603050405020304" pitchFamily="18" charset="0"/>
+              </a:rPr>
+              <a:t>MD5</a:t>
+            </a:r>
+            <a:r>
+              <a:rPr lang="zh-CN" altLang="en-US" sz="2400" b="1" dirty="0">
+                <a:latin typeface="KaiTi" panose="02010609060101010101" pitchFamily="49" charset="-122"/>
+                <a:ea typeface="KaiTi" panose="02010609060101010101" pitchFamily="49" charset="-122"/>
+              </a:rPr>
+              <a:t>密码校验，保证用户信息的安全性；</a:t>
+            </a:r>
+          </a:p>
+          <a:p>
+            <a:pPr marL="457200" indent="-457200">
+              <a:lnSpc>
+                <a:spcPct val="125000"/>
+              </a:lnSpc>
+              <a:buFont typeface="Arial" panose="020B0604020202020204" pitchFamily="34" charset="0"/>
+              <a:buChar char="•"/>
+            </a:pPr>
+            <a:r>
+              <a:rPr lang="zh-CN" altLang="en-US" sz="2400" b="1" dirty="0">
+                <a:latin typeface="KaiTi" panose="02010609060101010101" pitchFamily="49" charset="-122"/>
+                <a:ea typeface="KaiTi" panose="02010609060101010101" pitchFamily="49" charset="-122"/>
+              </a:rPr>
+              <a:t>前后端分离，使用</a:t>
+            </a:r>
+            <a:r>
+              <a:rPr lang="en-US" altLang="zh-CN" sz="2400" b="1" dirty="0" err="1">
+                <a:latin typeface="Times New Roman" panose="02020603050405020304" pitchFamily="18" charset="0"/>
+                <a:ea typeface="KaiTi" panose="02010609060101010101" pitchFamily="49" charset="-122"/>
+                <a:cs typeface="Times New Roman" panose="02020603050405020304" pitchFamily="18" charset="0"/>
+              </a:rPr>
+              <a:t>Cors</a:t>
+            </a:r>
+            <a:r>
+              <a:rPr lang="zh-CN" altLang="en-US" sz="2400" b="1" dirty="0">
+                <a:latin typeface="KaiTi" panose="02010609060101010101" pitchFamily="49" charset="-122"/>
+                <a:ea typeface="KaiTi" panose="02010609060101010101" pitchFamily="49" charset="-122"/>
+              </a:rPr>
+              <a:t>解决跨域问题；</a:t>
+            </a:r>
+            <a:endParaRPr lang="en-US" altLang="zh-CN" sz="2400" b="1" dirty="0">
+              <a:latin typeface="KaiTi" panose="02010609060101010101" pitchFamily="49" charset="-122"/>
+              <a:ea typeface="KaiTi" panose="02010609060101010101" pitchFamily="49" charset="-122"/>
+            </a:endParaRPr>
+          </a:p>
+          <a:p>
+            <a:pPr marL="457200" indent="-457200">
+              <a:lnSpc>
+                <a:spcPct val="125000"/>
+              </a:lnSpc>
+              <a:buFont typeface="Arial" panose="020B0604020202020204" pitchFamily="34" charset="0"/>
+              <a:buChar char="•"/>
+            </a:pPr>
+            <a:r>
+              <a:rPr lang="zh-CN" altLang="en-US" sz="2400" b="1" dirty="0">
+                <a:latin typeface="KaiTi" panose="02010609060101010101" pitchFamily="49" charset="-122"/>
+                <a:ea typeface="KaiTi" panose="02010609060101010101" pitchFamily="49" charset="-122"/>
+              </a:rPr>
+              <a:t>前端采用</a:t>
+            </a:r>
+            <a:r>
+              <a:rPr lang="en-US" altLang="zh-CN" sz="2400" b="1" dirty="0">
+                <a:latin typeface="Times New Roman" panose="02020603050405020304" pitchFamily="18" charset="0"/>
+                <a:ea typeface="KaiTi" panose="02010609060101010101" pitchFamily="49" charset="-122"/>
+                <a:cs typeface="Times New Roman" panose="02020603050405020304" pitchFamily="18" charset="0"/>
+              </a:rPr>
+              <a:t>Angular 4 + TypeScript</a:t>
+            </a:r>
+            <a:r>
+              <a:rPr lang="zh-CN" altLang="en-US" sz="2400" b="1" dirty="0">
+                <a:latin typeface="KaiTi" panose="02010609060101010101" pitchFamily="49" charset="-122"/>
+                <a:ea typeface="KaiTi" panose="02010609060101010101" pitchFamily="49" charset="-122"/>
+              </a:rPr>
+              <a:t>，适用于大型企业应用；</a:t>
+            </a:r>
+            <a:endParaRPr lang="en-US" altLang="zh-CN" sz="2400" b="1" dirty="0">
+              <a:latin typeface="KaiTi" panose="02010609060101010101" pitchFamily="49" charset="-122"/>
+              <a:ea typeface="KaiTi" panose="02010609060101010101" pitchFamily="49" charset="-122"/>
+            </a:endParaRPr>
+          </a:p>
+          <a:p>
+            <a:pPr marL="457200" indent="-457200">
+              <a:lnSpc>
+                <a:spcPct val="125000"/>
+              </a:lnSpc>
+              <a:buFont typeface="Arial" panose="020B0604020202020204" pitchFamily="34" charset="0"/>
+              <a:buChar char="•"/>
+            </a:pPr>
+            <a:r>
+              <a:rPr lang="zh-CN" altLang="en-US" sz="2400" b="1" dirty="0">
+                <a:latin typeface="KaiTi" panose="02010609060101010101" pitchFamily="49" charset="-122"/>
+                <a:ea typeface="KaiTi" panose="02010609060101010101" pitchFamily="49" charset="-122"/>
+              </a:rPr>
+              <a:t>后端采用</a:t>
+            </a:r>
+            <a:r>
+              <a:rPr lang="en-US" altLang="zh-CN" sz="2400" b="1" dirty="0">
+                <a:latin typeface="Times New Roman" panose="02020603050405020304" pitchFamily="18" charset="0"/>
+                <a:ea typeface="KaiTi" panose="02010609060101010101" pitchFamily="49" charset="-122"/>
+                <a:cs typeface="Times New Roman" panose="02020603050405020304" pitchFamily="18" charset="0"/>
+              </a:rPr>
+              <a:t>SpringBoot</a:t>
+            </a:r>
+            <a:r>
+              <a:rPr lang="zh-CN" altLang="en-US" sz="2400" b="1" dirty="0">
+                <a:latin typeface="Times New Roman" panose="02020603050405020304" pitchFamily="18" charset="0"/>
+                <a:ea typeface="KaiTi" panose="02010609060101010101" pitchFamily="49" charset="-122"/>
+                <a:cs typeface="Times New Roman" panose="02020603050405020304" pitchFamily="18" charset="0"/>
+              </a:rPr>
+              <a:t> </a:t>
+            </a:r>
+            <a:r>
+              <a:rPr lang="en-US" altLang="zh-CN" sz="2400" b="1" dirty="0">
+                <a:latin typeface="Times New Roman" panose="02020603050405020304" pitchFamily="18" charset="0"/>
+                <a:ea typeface="KaiTi" panose="02010609060101010101" pitchFamily="49" charset="-122"/>
+                <a:cs typeface="Times New Roman" panose="02020603050405020304" pitchFamily="18" charset="0"/>
+              </a:rPr>
+              <a:t>+</a:t>
+            </a:r>
+            <a:r>
+              <a:rPr lang="zh-CN" altLang="en-US" sz="2400" b="1" dirty="0">
+                <a:latin typeface="Times New Roman" panose="02020603050405020304" pitchFamily="18" charset="0"/>
+                <a:ea typeface="KaiTi" panose="02010609060101010101" pitchFamily="49" charset="-122"/>
+                <a:cs typeface="Times New Roman" panose="02020603050405020304" pitchFamily="18" charset="0"/>
+              </a:rPr>
+              <a:t> </a:t>
+            </a:r>
+            <a:r>
+              <a:rPr lang="en-US" altLang="zh-CN" sz="2400" b="1" dirty="0">
+                <a:latin typeface="Times New Roman" panose="02020603050405020304" pitchFamily="18" charset="0"/>
+                <a:ea typeface="KaiTi" panose="02010609060101010101" pitchFamily="49" charset="-122"/>
+                <a:cs typeface="Times New Roman" panose="02020603050405020304" pitchFamily="18" charset="0"/>
+              </a:rPr>
+              <a:t>MyBatis</a:t>
+            </a:r>
+            <a:r>
+              <a:rPr lang="zh-CN" altLang="en-US" sz="2400" b="1" dirty="0">
+                <a:latin typeface="Times New Roman" panose="02020603050405020304" pitchFamily="18" charset="0"/>
+                <a:ea typeface="KaiTi" panose="02010609060101010101" pitchFamily="49" charset="-122"/>
+                <a:cs typeface="Times New Roman" panose="02020603050405020304" pitchFamily="18" charset="0"/>
+              </a:rPr>
+              <a:t> </a:t>
+            </a:r>
+            <a:r>
+              <a:rPr lang="en-US" altLang="zh-CN" sz="2400" b="1" dirty="0">
+                <a:latin typeface="Times New Roman" panose="02020603050405020304" pitchFamily="18" charset="0"/>
+                <a:ea typeface="KaiTi" panose="02010609060101010101" pitchFamily="49" charset="-122"/>
+                <a:cs typeface="Times New Roman" panose="02020603050405020304" pitchFamily="18" charset="0"/>
+              </a:rPr>
+              <a:t>+</a:t>
+            </a:r>
+            <a:r>
+              <a:rPr lang="zh-CN" altLang="en-US" sz="2400" b="1" dirty="0">
+                <a:latin typeface="Times New Roman" panose="02020603050405020304" pitchFamily="18" charset="0"/>
+                <a:ea typeface="KaiTi" panose="02010609060101010101" pitchFamily="49" charset="-122"/>
+                <a:cs typeface="Times New Roman" panose="02020603050405020304" pitchFamily="18" charset="0"/>
+              </a:rPr>
+              <a:t> </a:t>
+            </a:r>
+            <a:r>
+              <a:rPr lang="en-US" altLang="zh-CN" sz="2400" b="1" dirty="0">
+                <a:latin typeface="Times New Roman" panose="02020603050405020304" pitchFamily="18" charset="0"/>
+                <a:ea typeface="KaiTi" panose="02010609060101010101" pitchFamily="49" charset="-122"/>
+                <a:cs typeface="Times New Roman" panose="02020603050405020304" pitchFamily="18" charset="0"/>
+              </a:rPr>
+              <a:t>MySQL</a:t>
+            </a:r>
+            <a:r>
+              <a:rPr lang="zh-CN" altLang="en-US" sz="2400" b="1" dirty="0">
+                <a:latin typeface="KaiTi" panose="02010609060101010101" pitchFamily="49" charset="-122"/>
+                <a:ea typeface="KaiTi" panose="02010609060101010101" pitchFamily="49" charset="-122"/>
+              </a:rPr>
+              <a:t>，易于配置和扩展；</a:t>
+            </a:r>
+          </a:p>
+          <a:p>
+            <a:pPr marL="457200" indent="-457200">
+              <a:lnSpc>
+                <a:spcPct val="125000"/>
+              </a:lnSpc>
+              <a:buFont typeface="Arial" panose="020B0604020202020204" pitchFamily="34" charset="0"/>
+              <a:buChar char="•"/>
+            </a:pPr>
+            <a:r>
+              <a:rPr lang="zh-CN" altLang="en-US" sz="2400" b="1" dirty="0">
+                <a:latin typeface="KaiTi" panose="02010609060101010101" pitchFamily="49" charset="-122"/>
+                <a:ea typeface="KaiTi" panose="02010609060101010101" pitchFamily="49" charset="-122"/>
+              </a:rPr>
+              <a:t>使用</a:t>
+            </a:r>
+            <a:r>
+              <a:rPr lang="en-US" altLang="zh-CN" sz="2400" b="1" dirty="0">
+                <a:latin typeface="Times New Roman" panose="02020603050405020304" pitchFamily="18" charset="0"/>
+                <a:ea typeface="KaiTi" panose="02010609060101010101" pitchFamily="49" charset="-122"/>
+                <a:cs typeface="Times New Roman" panose="02020603050405020304" pitchFamily="18" charset="0"/>
+              </a:rPr>
+              <a:t>Shiro</a:t>
+            </a:r>
+            <a:r>
+              <a:rPr lang="zh-CN" altLang="en-US" sz="2400" b="1" dirty="0">
+                <a:latin typeface="KaiTi" panose="02010609060101010101" pitchFamily="49" charset="-122"/>
+                <a:ea typeface="KaiTi" panose="02010609060101010101" pitchFamily="49" charset="-122"/>
+              </a:rPr>
+              <a:t>进行权限控制，不同权限的用户只能查看自己拥有权限的页面，避免用户越权操作。</a:t>
+            </a:r>
+          </a:p>
+        </p:txBody>
+      </p:sp>
+      <p:sp>
+        <p:nvSpPr>
+          <p:cNvPr id="5" name="文本框 4">
+            <a:extLst>
+              <a:ext uri="{FF2B5EF4-FFF2-40B4-BE49-F238E27FC236}">
+                <a16:creationId xmlns:a16="http://schemas.microsoft.com/office/drawing/2014/main" id="{5129B236-6AE1-6843-8B26-A93C69C8BB38}"/>
+              </a:ext>
+            </a:extLst>
+          </p:cNvPr>
+          <p:cNvSpPr txBox="1"/>
+          <p:nvPr/>
+        </p:nvSpPr>
+        <p:spPr>
+          <a:xfrm>
+            <a:off x="263352" y="1287633"/>
+            <a:ext cx="2808312" cy="523220"/>
+          </a:xfrm>
+          <a:prstGeom prst="rect">
+            <a:avLst/>
+          </a:prstGeom>
+          <a:noFill/>
+        </p:spPr>
+        <p:txBody>
+          <a:bodyPr wrap="square" rtlCol="0">
+            <a:spAutoFit/>
+          </a:bodyPr>
+          <a:lstStyle/>
+          <a:p>
+            <a:pPr marL="457200" indent="-457200">
+              <a:buFont typeface="Wingdings" pitchFamily="2" charset="2"/>
+              <a:buChar char="Ø"/>
+            </a:pPr>
+            <a:r>
+              <a:rPr kumimoji="1" lang="zh-CN" altLang="en-US" sz="2800" b="1" dirty="0">
+                <a:solidFill>
+                  <a:srgbClr val="D81E20"/>
+                </a:solidFill>
+                <a:latin typeface="KaiTi" panose="02010609060101010101" pitchFamily="49" charset="-122"/>
+                <a:ea typeface="KaiTi" panose="02010609060101010101" pitchFamily="49" charset="-122"/>
+              </a:rPr>
+              <a:t>功能亮点：</a:t>
+            </a:r>
+          </a:p>
+        </p:txBody>
+      </p:sp>
+      <p:sp>
+        <p:nvSpPr>
+          <p:cNvPr id="10" name="文本框 9">
+            <a:extLst>
+              <a:ext uri="{FF2B5EF4-FFF2-40B4-BE49-F238E27FC236}">
+                <a16:creationId xmlns:a16="http://schemas.microsoft.com/office/drawing/2014/main" id="{1EFE3D4D-BC3E-3E42-AF18-1479DA01584A}"/>
+              </a:ext>
+            </a:extLst>
+          </p:cNvPr>
+          <p:cNvSpPr txBox="1"/>
+          <p:nvPr/>
+        </p:nvSpPr>
+        <p:spPr>
+          <a:xfrm>
+            <a:off x="263352" y="3075429"/>
+            <a:ext cx="2520280" cy="523220"/>
+          </a:xfrm>
+          <a:prstGeom prst="rect">
+            <a:avLst/>
+          </a:prstGeom>
+          <a:noFill/>
+        </p:spPr>
+        <p:txBody>
+          <a:bodyPr wrap="square" rtlCol="0">
+            <a:spAutoFit/>
+          </a:bodyPr>
+          <a:lstStyle/>
+          <a:p>
+            <a:pPr marL="457200" indent="-457200">
+              <a:buFont typeface="Wingdings" pitchFamily="2" charset="2"/>
+              <a:buChar char="Ø"/>
+            </a:pPr>
+            <a:r>
+              <a:rPr kumimoji="1" lang="zh-CN" altLang="en-US" sz="2800" b="1" dirty="0">
+                <a:solidFill>
+                  <a:srgbClr val="D81E20"/>
+                </a:solidFill>
+                <a:latin typeface="KaiTi" panose="02010609060101010101" pitchFamily="49" charset="-122"/>
+                <a:ea typeface="KaiTi" panose="02010609060101010101" pitchFamily="49" charset="-122"/>
+              </a:rPr>
+              <a:t>技术亮点：</a:t>
+            </a:r>
+          </a:p>
+        </p:txBody>
+      </p:sp>
+      <p:pic>
+        <p:nvPicPr>
+          <p:cNvPr id="13" name="Picture 2">
+            <a:extLst>
+              <a:ext uri="{FF2B5EF4-FFF2-40B4-BE49-F238E27FC236}">
+                <a16:creationId xmlns:a16="http://schemas.microsoft.com/office/drawing/2014/main" id="{5772759C-F11D-6249-9263-D5E798F55F2F}"/>
+              </a:ext>
+            </a:extLst>
+          </p:cNvPr>
+          <p:cNvPicPr>
+            <a:picLocks noChangeAspect="1" noChangeArrowheads="1"/>
+          </p:cNvPicPr>
+          <p:nvPr/>
+        </p:nvPicPr>
+        <p:blipFill>
+          <a:blip r:embed="rId2">
+            <a:extLst>
+              <a:ext uri="{28A0092B-C50C-407E-A947-70E740481C1C}">
+                <a14:useLocalDpi xmlns:a14="http://schemas.microsoft.com/office/drawing/2010/main" val="0"/>
+              </a:ext>
+            </a:extLst>
+          </a:blip>
+          <a:srcRect/>
+          <a:stretch>
+            <a:fillRect/>
+          </a:stretch>
+        </p:blipFill>
+        <p:spPr bwMode="auto">
+          <a:xfrm>
+            <a:off x="8976320" y="6022579"/>
+            <a:ext cx="1474259" cy="797718"/>
+          </a:xfrm>
+          <a:prstGeom prst="rect">
+            <a:avLst/>
+          </a:prstGeom>
+          <a:noFill/>
+          <a:ln>
+            <a:noFill/>
+          </a:ln>
+          <a:effectLst/>
+          <a:extLst>
+            <a:ext uri="{909E8E84-426E-40DD-AFC4-6F175D3DCCD1}">
+              <a14:hiddenFill xmlns:a14="http://schemas.microsoft.com/office/drawing/2010/main">
+                <a:solidFill>
+                  <a:schemeClr val="accent1"/>
+                </a:solidFill>
+              </a14:hiddenFill>
+            </a:ext>
+            <a:ext uri="{91240B29-F687-4F45-9708-019B960494DF}">
+              <a14:hiddenLine xmlns:a14="http://schemas.microsoft.com/office/drawing/2010/main" w="9525">
+                <a:solidFill>
+                  <a:schemeClr val="tx1"/>
+                </a:solidFill>
+                <a:miter lim="800000"/>
+                <a:headEnd/>
+                <a:tailEnd/>
+              </a14:hiddenLine>
+            </a:ext>
+            <a:ext uri="{AF507438-7753-43E0-B8FC-AC1667EBCBE1}">
+              <a14:hiddenEffects xmlns:a14="http://schemas.microsoft.com/office/drawing/2010/main">
+                <a:effectLst>
+                  <a:outerShdw dist="35921" dir="2700000" algn="ctr" rotWithShape="0">
+                    <a:schemeClr val="bg2"/>
+                  </a:outerShdw>
+                </a:effectLst>
+              </a14:hiddenEffects>
+            </a:ext>
+          </a:extLst>
+        </p:spPr>
+      </p:pic>
+    </p:spTree>
+    <p:extLst>
+      <p:ext uri="{BB962C8B-B14F-4D97-AF65-F5344CB8AC3E}">
+        <p14:creationId xmlns:p14="http://schemas.microsoft.com/office/powerpoint/2010/main" val="4251886097"/>
+      </p:ext>
+    </p:extLst>
+  </p:cSld>
+  <p:clrMapOvr>
+    <a:masterClrMapping/>
+  </p:clrMapOvr>
+</p:sld>
+</file>
+
+<file path=ppt/slides/slide18.xml><?xml version="1.0" encoding="utf-8"?>
+<p:sld xmlns:a="http://schemas.openxmlformats.org/drawingml/2006/main" xmlns:r="http://schemas.openxmlformats.org/officeDocument/2006/relationships" xmlns:p="http://schemas.openxmlformats.org/presentationml/2006/main">
+  <p:cSld>
+    <p:spTree>
+      <p:nvGrpSpPr>
+        <p:cNvPr id="1" name=""/>
+        <p:cNvGrpSpPr/>
+        <p:nvPr/>
+      </p:nvGrpSpPr>
+      <p:grpSpPr>
+        <a:xfrm>
+          <a:off x="0" y="0"/>
+          <a:ext cx="0" cy="0"/>
+          <a:chOff x="0" y="0"/>
+          <a:chExt cx="0" cy="0"/>
+        </a:xfrm>
+      </p:grpSpPr>
+      <p:sp>
+        <p:nvSpPr>
+          <p:cNvPr id="2" name="灯片编号占位符 1"/>
+          <p:cNvSpPr>
+            <a:spLocks noGrp="1"/>
+          </p:cNvSpPr>
+          <p:nvPr>
+            <p:ph type="sldNum" sz="quarter" idx="10"/>
+          </p:nvPr>
+        </p:nvSpPr>
+        <p:spPr/>
+        <p:txBody>
+          <a:bodyPr/>
+          <a:lstStyle/>
+          <a:p>
+            <a:pPr>
+              <a:defRPr/>
+            </a:pPr>
+            <a:fld id="{37D1B2BE-3309-4792-8BE6-AC30C5FAF2D2}" type="slidenum">
+              <a:rPr lang="zh-CN" altLang="en-US" smtClean="0"/>
+              <a:pPr>
+                <a:defRPr/>
+              </a:pPr>
+              <a:t>17</a:t>
+            </a:fld>
+            <a:endParaRPr lang="en-US" altLang="zh-CN"/>
+          </a:p>
+        </p:txBody>
+      </p:sp>
+      <p:pic>
+        <p:nvPicPr>
+          <p:cNvPr id="4" name="Picture 2"/>
+          <p:cNvPicPr>
+            <a:picLocks noChangeAspect="1" noChangeArrowheads="1"/>
+          </p:cNvPicPr>
+          <p:nvPr/>
+        </p:nvPicPr>
+        <p:blipFill>
+          <a:blip r:embed="rId2">
+            <a:extLst>
+              <a:ext uri="{28A0092B-C50C-407E-A947-70E740481C1C}">
+                <a14:useLocalDpi xmlns:a14="http://schemas.microsoft.com/office/drawing/2010/main" val="0"/>
+              </a:ext>
+            </a:extLst>
+          </a:blip>
+          <a:srcRect/>
+          <a:stretch>
+            <a:fillRect/>
+          </a:stretch>
+        </p:blipFill>
+        <p:spPr bwMode="auto">
+          <a:xfrm>
+            <a:off x="935405" y="2567087"/>
+            <a:ext cx="2880320" cy="2758318"/>
+          </a:xfrm>
+          <a:prstGeom prst="rect">
+            <a:avLst/>
+          </a:prstGeom>
+          <a:noFill/>
+          <a:ln>
+            <a:noFill/>
+          </a:ln>
+          <a:effectLst/>
+          <a:extLst>
+            <a:ext uri="{909E8E84-426E-40DD-AFC4-6F175D3DCCD1}">
+              <a14:hiddenFill xmlns:a14="http://schemas.microsoft.com/office/drawing/2010/main">
+                <a:solidFill>
+                  <a:schemeClr val="accent1"/>
+                </a:solidFill>
+              </a14:hiddenFill>
+            </a:ext>
+            <a:ext uri="{91240B29-F687-4F45-9708-019B960494DF}">
+              <a14:hiddenLine xmlns:a14="http://schemas.microsoft.com/office/drawing/2010/main" w="9525">
+                <a:solidFill>
+                  <a:schemeClr val="tx1"/>
+                </a:solidFill>
+                <a:miter lim="800000"/>
+                <a:headEnd/>
+                <a:tailEnd/>
+              </a14:hiddenLine>
+            </a:ext>
+            <a:ext uri="{AF507438-7753-43E0-B8FC-AC1667EBCBE1}">
+              <a14:hiddenEffects xmlns:a14="http://schemas.microsoft.com/office/drawing/2010/main">
+                <a:effectLst>
+                  <a:outerShdw dist="35921" dir="2700000" algn="ctr" rotWithShape="0">
+                    <a:schemeClr val="bg2"/>
+                  </a:outerShdw>
+                </a:effectLst>
+              </a14:hiddenEffects>
+            </a:ext>
+          </a:extLst>
+        </p:spPr>
+      </p:pic>
+      <p:grpSp>
+        <p:nvGrpSpPr>
+          <p:cNvPr id="6" name="组合 5"/>
+          <p:cNvGrpSpPr/>
+          <p:nvPr/>
+        </p:nvGrpSpPr>
+        <p:grpSpPr>
+          <a:xfrm>
+            <a:off x="5039489" y="3142573"/>
+            <a:ext cx="5688632" cy="923330"/>
+            <a:chOff x="5519936" y="3153742"/>
+            <a:chExt cx="5688632" cy="923330"/>
+          </a:xfrm>
+        </p:grpSpPr>
+        <p:sp>
+          <p:nvSpPr>
+            <p:cNvPr id="3" name="TextBox 2"/>
+            <p:cNvSpPr txBox="1"/>
+            <p:nvPr/>
+          </p:nvSpPr>
+          <p:spPr>
+            <a:xfrm>
+              <a:off x="6384032" y="3153742"/>
+              <a:ext cx="4824536" cy="923330"/>
+            </a:xfrm>
+            <a:prstGeom prst="rect">
+              <a:avLst/>
+            </a:prstGeom>
+            <a:noFill/>
+          </p:spPr>
+          <p:txBody>
+            <a:bodyPr wrap="square" rtlCol="0">
+              <a:spAutoFit/>
+            </a:bodyPr>
+            <a:lstStyle/>
+            <a:p>
+              <a:r>
+                <a:rPr lang="zh-CN" altLang="en-US" sz="5400" b="1" dirty="0">
                   <a:latin typeface="楷体" pitchFamily="49" charset="-122"/>
                   <a:ea typeface="楷体" pitchFamily="49" charset="-122"/>
                 </a:rPr>
                 <a:t>结果展示</a:t>
               </a:r>
-              <a:endParaRPr lang="zh-CN" altLang="en-US" sz="5400" b="1" dirty="0">
-                <a:latin typeface="楷体" pitchFamily="49" charset="-122"/>
-                <a:ea typeface="楷体" pitchFamily="49" charset="-122"/>
-              </a:endParaRPr>
             </a:p>
           </p:txBody>
         </p:sp>
@@ -6332,7 +8097,7 @@
 </p:sld>
 </file>
 
-<file path=ppt/slides/slide16.xml><?xml version="1.0" encoding="utf-8"?>
+<file path=ppt/slides/slide19.xml><?xml version="1.0" encoding="utf-8"?>
 <p:sld xmlns:a="http://schemas.openxmlformats.org/drawingml/2006/main" xmlns:r="http://schemas.openxmlformats.org/officeDocument/2006/relationships" xmlns:p="http://schemas.openxmlformats.org/presentationml/2006/main">
   <p:cSld>
     <p:spTree>
@@ -6372,7 +8137,7 @@
               <a:pPr>
                 <a:defRPr/>
               </a:pPr>
-              <a:t>15</a:t>
+              <a:t>18</a:t>
             </a:fld>
             <a:endParaRPr lang="en-US" altLang="zh-CN"/>
           </a:p>
@@ -6391,7 +8156,851 @@
 </p:sld>
 </file>
 
-<file path=ppt/slides/slide17.xml><?xml version="1.0" encoding="utf-8"?>
+<file path=ppt/slides/slide2.xml><?xml version="1.0" encoding="utf-8"?>
+<p:sld xmlns:a="http://schemas.openxmlformats.org/drawingml/2006/main" xmlns:r="http://schemas.openxmlformats.org/officeDocument/2006/relationships" xmlns:p="http://schemas.openxmlformats.org/presentationml/2006/main">
+  <p:cSld>
+    <p:spTree>
+      <p:nvGrpSpPr>
+        <p:cNvPr id="1" name=""/>
+        <p:cNvGrpSpPr/>
+        <p:nvPr/>
+      </p:nvGrpSpPr>
+      <p:grpSpPr>
+        <a:xfrm>
+          <a:off x="0" y="0"/>
+          <a:ext cx="0" cy="0"/>
+          <a:chOff x="0" y="0"/>
+          <a:chExt cx="0" cy="0"/>
+        </a:xfrm>
+      </p:grpSpPr>
+      <p:sp>
+        <p:nvSpPr>
+          <p:cNvPr id="2" name="灯片编号占位符 1"/>
+          <p:cNvSpPr>
+            <a:spLocks noGrp="1"/>
+          </p:cNvSpPr>
+          <p:nvPr>
+            <p:ph type="sldNum" sz="quarter" idx="10"/>
+          </p:nvPr>
+        </p:nvSpPr>
+        <p:spPr/>
+        <p:txBody>
+          <a:bodyPr/>
+          <a:lstStyle/>
+          <a:p>
+            <a:pPr>
+              <a:defRPr/>
+            </a:pPr>
+            <a:fld id="{37D1B2BE-3309-4792-8BE6-AC30C5FAF2D2}" type="slidenum">
+              <a:rPr lang="zh-CN" altLang="en-US" smtClean="0"/>
+              <a:pPr>
+                <a:defRPr/>
+              </a:pPr>
+              <a:t>1</a:t>
+            </a:fld>
+            <a:endParaRPr lang="en-US" altLang="zh-CN"/>
+          </a:p>
+        </p:txBody>
+      </p:sp>
+      <p:pic>
+        <p:nvPicPr>
+          <p:cNvPr id="2050" name="Picture 2"/>
+          <p:cNvPicPr>
+            <a:picLocks noChangeAspect="1" noChangeArrowheads="1"/>
+          </p:cNvPicPr>
+          <p:nvPr/>
+        </p:nvPicPr>
+        <p:blipFill>
+          <a:blip r:embed="rId3">
+            <a:extLst>
+              <a:ext uri="{28A0092B-C50C-407E-A947-70E740481C1C}">
+                <a14:useLocalDpi xmlns:a14="http://schemas.microsoft.com/office/drawing/2010/main" val="0"/>
+              </a:ext>
+            </a:extLst>
+          </a:blip>
+          <a:srcRect/>
+          <a:stretch>
+            <a:fillRect/>
+          </a:stretch>
+        </p:blipFill>
+        <p:spPr bwMode="auto">
+          <a:xfrm>
+            <a:off x="3101" y="5715000"/>
+            <a:ext cx="2276475" cy="1143000"/>
+          </a:xfrm>
+          <a:prstGeom prst="rect">
+            <a:avLst/>
+          </a:prstGeom>
+          <a:noFill/>
+          <a:ln>
+            <a:noFill/>
+          </a:ln>
+          <a:effectLst/>
+          <a:extLst>
+            <a:ext uri="{909E8E84-426E-40DD-AFC4-6F175D3DCCD1}">
+              <a14:hiddenFill xmlns:a14="http://schemas.microsoft.com/office/drawing/2010/main">
+                <a:solidFill>
+                  <a:schemeClr val="accent1"/>
+                </a:solidFill>
+              </a14:hiddenFill>
+            </a:ext>
+            <a:ext uri="{91240B29-F687-4F45-9708-019B960494DF}">
+              <a14:hiddenLine xmlns:a14="http://schemas.microsoft.com/office/drawing/2010/main" w="9525">
+                <a:solidFill>
+                  <a:schemeClr val="tx1"/>
+                </a:solidFill>
+                <a:miter lim="800000"/>
+                <a:headEnd/>
+                <a:tailEnd/>
+              </a14:hiddenLine>
+            </a:ext>
+            <a:ext uri="{AF507438-7753-43E0-B8FC-AC1667EBCBE1}">
+              <a14:hiddenEffects xmlns:a14="http://schemas.microsoft.com/office/drawing/2010/main">
+                <a:effectLst>
+                  <a:outerShdw dist="35921" dir="2700000" algn="ctr" rotWithShape="0">
+                    <a:schemeClr val="bg2"/>
+                  </a:outerShdw>
+                </a:effectLst>
+              </a14:hiddenEffects>
+            </a:ext>
+          </a:extLst>
+        </p:spPr>
+      </p:pic>
+      <p:sp>
+        <p:nvSpPr>
+          <p:cNvPr id="5" name="TextBox 4"/>
+          <p:cNvSpPr txBox="1"/>
+          <p:nvPr/>
+        </p:nvSpPr>
+        <p:spPr>
+          <a:xfrm>
+            <a:off x="335360" y="124776"/>
+            <a:ext cx="4824536" cy="769441"/>
+          </a:xfrm>
+          <a:prstGeom prst="rect">
+            <a:avLst/>
+          </a:prstGeom>
+          <a:noFill/>
+        </p:spPr>
+        <p:txBody>
+          <a:bodyPr wrap="square" rtlCol="0">
+            <a:spAutoFit/>
+          </a:bodyPr>
+          <a:lstStyle/>
+          <a:p>
+            <a:r>
+              <a:rPr lang="zh-CN" altLang="en-US" sz="4400" b="1" dirty="0">
+                <a:latin typeface="楷体" pitchFamily="49" charset="-122"/>
+                <a:ea typeface="楷体" pitchFamily="49" charset="-122"/>
+              </a:rPr>
+              <a:t>成员分工 </a:t>
+            </a:r>
+          </a:p>
+        </p:txBody>
+      </p:sp>
+      <p:sp>
+        <p:nvSpPr>
+          <p:cNvPr id="6" name="矩形 5"/>
+          <p:cNvSpPr/>
+          <p:nvPr/>
+        </p:nvSpPr>
+        <p:spPr>
+          <a:xfrm>
+            <a:off x="2609992" y="3343632"/>
+            <a:ext cx="8892988" cy="523220"/>
+          </a:xfrm>
+          <a:prstGeom prst="rect">
+            <a:avLst/>
+          </a:prstGeom>
+        </p:spPr>
+        <p:txBody>
+          <a:bodyPr wrap="square">
+            <a:spAutoFit/>
+          </a:bodyPr>
+          <a:lstStyle/>
+          <a:p>
+            <a:pPr eaLnBrk="1">
+              <a:spcBef>
+                <a:spcPts val="600"/>
+              </a:spcBef>
+            </a:pPr>
+            <a:r>
+              <a:rPr lang="en-US" altLang="zh-CN" sz="2800" dirty="0">
+                <a:latin typeface="Times New Roman" pitchFamily="18" charset="0"/>
+                <a:ea typeface="楷体" pitchFamily="49" charset="-122"/>
+                <a:cs typeface="Times New Roman" pitchFamily="18" charset="0"/>
+              </a:rPr>
+              <a:t>        </a:t>
+            </a:r>
+          </a:p>
+        </p:txBody>
+      </p:sp>
+      <p:graphicFrame>
+        <p:nvGraphicFramePr>
+          <p:cNvPr id="7" name="表格 6">
+            <a:extLst>
+              <a:ext uri="{FF2B5EF4-FFF2-40B4-BE49-F238E27FC236}">
+                <a16:creationId xmlns:a16="http://schemas.microsoft.com/office/drawing/2014/main" id="{8FA40F43-3D3A-4541-9A01-10044D6E1A2F}"/>
+              </a:ext>
+            </a:extLst>
+          </p:cNvPr>
+          <p:cNvGraphicFramePr>
+            <a:graphicFrameLocks noGrp="1"/>
+          </p:cNvGraphicFramePr>
+          <p:nvPr>
+            <p:extLst>
+              <p:ext uri="{D42A27DB-BD31-4B8C-83A1-F6EECF244321}">
+                <p14:modId xmlns:p14="http://schemas.microsoft.com/office/powerpoint/2010/main" val="3611163439"/>
+              </p:ext>
+            </p:extLst>
+          </p:nvPr>
+        </p:nvGraphicFramePr>
+        <p:xfrm>
+          <a:off x="1649506" y="1517510"/>
+          <a:ext cx="8892988" cy="4197490"/>
+        </p:xfrm>
+        <a:graphic>
+          <a:graphicData uri="http://schemas.openxmlformats.org/drawingml/2006/table">
+            <a:tbl>
+              <a:tblPr firstRow="1" bandRow="1">
+                <a:tableStyleId>{21E4AEA4-8DFA-4A89-87EB-49C32662AFE0}</a:tableStyleId>
+              </a:tblPr>
+              <a:tblGrid>
+                <a:gridCol w="4446494">
+                  <a:extLst>
+                    <a:ext uri="{9D8B030D-6E8A-4147-A177-3AD203B41FA5}">
+                      <a16:colId xmlns:a16="http://schemas.microsoft.com/office/drawing/2014/main" val="3880790938"/>
+                    </a:ext>
+                  </a:extLst>
+                </a:gridCol>
+                <a:gridCol w="4446494">
+                  <a:extLst>
+                    <a:ext uri="{9D8B030D-6E8A-4147-A177-3AD203B41FA5}">
+                      <a16:colId xmlns:a16="http://schemas.microsoft.com/office/drawing/2014/main" val="2026744605"/>
+                    </a:ext>
+                  </a:extLst>
+                </a:gridCol>
+              </a:tblGrid>
+              <a:tr h="455450">
+                <a:tc>
+                  <a:txBody>
+                    <a:bodyPr/>
+                    <a:lstStyle/>
+                    <a:p>
+                      <a:pPr lvl="1" algn="l"/>
+                      <a:r>
+                        <a:rPr lang="zh-CN" altLang="en-US" sz="2800" dirty="0">
+                          <a:latin typeface="KaiTi" panose="02010609060101010101" pitchFamily="49" charset="-122"/>
+                          <a:ea typeface="KaiTi" panose="02010609060101010101" pitchFamily="49" charset="-122"/>
+                        </a:rPr>
+                        <a:t>项目分工</a:t>
+                      </a:r>
+                    </a:p>
+                  </a:txBody>
+                  <a:tcPr anchor="ctr"/>
+                </a:tc>
+                <a:tc>
+                  <a:txBody>
+                    <a:bodyPr/>
+                    <a:lstStyle/>
+                    <a:p>
+                      <a:pPr lvl="1" algn="l"/>
+                      <a:r>
+                        <a:rPr lang="zh-CN" altLang="en-US" sz="2800" dirty="0">
+                          <a:latin typeface="KaiTi" panose="02010609060101010101" pitchFamily="49" charset="-122"/>
+                          <a:ea typeface="KaiTi" panose="02010609060101010101" pitchFamily="49" charset="-122"/>
+                        </a:rPr>
+                        <a:t>负责人</a:t>
+                      </a:r>
+                    </a:p>
+                  </a:txBody>
+                  <a:tcPr anchor="ctr"/>
+                </a:tc>
+                <a:extLst>
+                  <a:ext uri="{0D108BD9-81ED-4DB2-BD59-A6C34878D82A}">
+                    <a16:rowId xmlns:a16="http://schemas.microsoft.com/office/drawing/2014/main" val="4123803227"/>
+                  </a:ext>
+                </a:extLst>
+              </a:tr>
+              <a:tr h="455450">
+                <a:tc>
+                  <a:txBody>
+                    <a:bodyPr/>
+                    <a:lstStyle/>
+                    <a:p>
+                      <a:pPr marL="457200" marR="0" lvl="1" indent="0" algn="l" defTabSz="914400" rtl="0" eaLnBrk="1" fontAlgn="auto" latinLnBrk="0" hangingPunct="1">
+                        <a:lnSpc>
+                          <a:spcPct val="100000"/>
+                        </a:lnSpc>
+                        <a:spcBef>
+                          <a:spcPts val="0"/>
+                        </a:spcBef>
+                        <a:spcAft>
+                          <a:spcPts val="0"/>
+                        </a:spcAft>
+                        <a:buClrTx/>
+                        <a:buSzTx/>
+                        <a:buFontTx/>
+                        <a:buNone/>
+                        <a:tabLst/>
+                        <a:defRPr/>
+                      </a:pPr>
+                      <a:r>
+                        <a:rPr lang="zh-CN" altLang="en-US" sz="2000" dirty="0">
+                          <a:latin typeface="KaiTi" panose="02010609060101010101" pitchFamily="49" charset="-122"/>
+                          <a:ea typeface="KaiTi" panose="02010609060101010101" pitchFamily="49" charset="-122"/>
+                        </a:rPr>
+                        <a:t>需求整理 </a:t>
+                      </a:r>
+                    </a:p>
+                  </a:txBody>
+                  <a:tcPr anchor="ctr"/>
+                </a:tc>
+                <a:tc>
+                  <a:txBody>
+                    <a:bodyPr/>
+                    <a:lstStyle/>
+                    <a:p>
+                      <a:pPr marL="457200" marR="0" lvl="1" indent="0" algn="l" defTabSz="914400" rtl="0" eaLnBrk="1" fontAlgn="auto" latinLnBrk="0" hangingPunct="1">
+                        <a:lnSpc>
+                          <a:spcPct val="100000"/>
+                        </a:lnSpc>
+                        <a:spcBef>
+                          <a:spcPts val="0"/>
+                        </a:spcBef>
+                        <a:spcAft>
+                          <a:spcPts val="0"/>
+                        </a:spcAft>
+                        <a:buClrTx/>
+                        <a:buSzTx/>
+                        <a:buFontTx/>
+                        <a:buNone/>
+                        <a:tabLst/>
+                        <a:defRPr/>
+                      </a:pPr>
+                      <a:r>
+                        <a:rPr lang="zh-CN" altLang="en-US" sz="2000" dirty="0">
+                          <a:latin typeface="KaiTi" panose="02010609060101010101" pitchFamily="49" charset="-122"/>
+                          <a:ea typeface="KaiTi" panose="02010609060101010101" pitchFamily="49" charset="-122"/>
+                        </a:rPr>
+                        <a:t>张雨佳、吴佳辉、杨鹏真 </a:t>
+                      </a:r>
+                    </a:p>
+                  </a:txBody>
+                  <a:tcPr anchor="ctr"/>
+                </a:tc>
+                <a:extLst>
+                  <a:ext uri="{0D108BD9-81ED-4DB2-BD59-A6C34878D82A}">
+                    <a16:rowId xmlns:a16="http://schemas.microsoft.com/office/drawing/2014/main" val="83822534"/>
+                  </a:ext>
+                </a:extLst>
+              </a:tr>
+              <a:tr h="455450">
+                <a:tc>
+                  <a:txBody>
+                    <a:bodyPr/>
+                    <a:lstStyle/>
+                    <a:p>
+                      <a:pPr marL="457200" marR="0" lvl="1" indent="0" algn="l" defTabSz="914400" rtl="0" eaLnBrk="1" fontAlgn="auto" latinLnBrk="0" hangingPunct="1">
+                        <a:lnSpc>
+                          <a:spcPct val="100000"/>
+                        </a:lnSpc>
+                        <a:spcBef>
+                          <a:spcPts val="0"/>
+                        </a:spcBef>
+                        <a:spcAft>
+                          <a:spcPts val="0"/>
+                        </a:spcAft>
+                        <a:buClrTx/>
+                        <a:buSzTx/>
+                        <a:buFontTx/>
+                        <a:buNone/>
+                        <a:tabLst/>
+                        <a:defRPr/>
+                      </a:pPr>
+                      <a:r>
+                        <a:rPr lang="zh-CN" altLang="en-US" sz="2000" dirty="0">
+                          <a:latin typeface="KaiTi" panose="02010609060101010101" pitchFamily="49" charset="-122"/>
+                          <a:ea typeface="KaiTi" panose="02010609060101010101" pitchFamily="49" charset="-122"/>
+                        </a:rPr>
+                        <a:t>前后端开发框架搭建</a:t>
+                      </a:r>
+                      <a:endParaRPr lang="en-US" altLang="zh-CN" sz="2000" dirty="0">
+                        <a:latin typeface="KaiTi" panose="02010609060101010101" pitchFamily="49" charset="-122"/>
+                        <a:ea typeface="KaiTi" panose="02010609060101010101" pitchFamily="49" charset="-122"/>
+                      </a:endParaRPr>
+                    </a:p>
+                    <a:p>
+                      <a:pPr marL="457200" marR="0" lvl="1" indent="0" algn="l" defTabSz="914400" rtl="0" eaLnBrk="1" fontAlgn="auto" latinLnBrk="0" hangingPunct="1">
+                        <a:lnSpc>
+                          <a:spcPct val="100000"/>
+                        </a:lnSpc>
+                        <a:spcBef>
+                          <a:spcPts val="0"/>
+                        </a:spcBef>
+                        <a:spcAft>
+                          <a:spcPts val="0"/>
+                        </a:spcAft>
+                        <a:buClrTx/>
+                        <a:buSzTx/>
+                        <a:buFontTx/>
+                        <a:buNone/>
+                        <a:tabLst/>
+                        <a:defRPr/>
+                      </a:pPr>
+                      <a:r>
+                        <a:rPr lang="zh-CN" altLang="en-US" sz="2000" dirty="0">
+                          <a:latin typeface="KaiTi" panose="02010609060101010101" pitchFamily="49" charset="-122"/>
+                          <a:ea typeface="KaiTi" panose="02010609060101010101" pitchFamily="49" charset="-122"/>
+                        </a:rPr>
+                        <a:t>登录模块、系统管理、统计分析</a:t>
+                      </a:r>
+                    </a:p>
+                  </a:txBody>
+                  <a:tcPr anchor="ctr"/>
+                </a:tc>
+                <a:tc>
+                  <a:txBody>
+                    <a:bodyPr/>
+                    <a:lstStyle/>
+                    <a:p>
+                      <a:pPr lvl="1" algn="l"/>
+                      <a:r>
+                        <a:rPr lang="zh-CN" altLang="en-US" sz="2000" dirty="0">
+                          <a:latin typeface="KaiTi" panose="02010609060101010101" pitchFamily="49" charset="-122"/>
+                          <a:ea typeface="KaiTi" panose="02010609060101010101" pitchFamily="49" charset="-122"/>
+                        </a:rPr>
+                        <a:t>前端：罗  夕   后端：姜栋煜</a:t>
+                      </a:r>
+                    </a:p>
+                  </a:txBody>
+                  <a:tcPr anchor="ctr"/>
+                </a:tc>
+                <a:extLst>
+                  <a:ext uri="{0D108BD9-81ED-4DB2-BD59-A6C34878D82A}">
+                    <a16:rowId xmlns:a16="http://schemas.microsoft.com/office/drawing/2014/main" val="1720342350"/>
+                  </a:ext>
+                </a:extLst>
+              </a:tr>
+              <a:tr h="455450">
+                <a:tc>
+                  <a:txBody>
+                    <a:bodyPr/>
+                    <a:lstStyle/>
+                    <a:p>
+                      <a:pPr marL="457200" marR="0" lvl="1" indent="0" algn="l" defTabSz="914400" rtl="0" eaLnBrk="1" fontAlgn="auto" latinLnBrk="0" hangingPunct="1">
+                        <a:lnSpc>
+                          <a:spcPct val="100000"/>
+                        </a:lnSpc>
+                        <a:spcBef>
+                          <a:spcPts val="0"/>
+                        </a:spcBef>
+                        <a:spcAft>
+                          <a:spcPts val="0"/>
+                        </a:spcAft>
+                        <a:buClrTx/>
+                        <a:buSzTx/>
+                        <a:buFontTx/>
+                        <a:buNone/>
+                        <a:tabLst/>
+                        <a:defRPr/>
+                      </a:pPr>
+                      <a:r>
+                        <a:rPr lang="zh-CN" altLang="en-US" sz="2000" dirty="0">
+                          <a:latin typeface="KaiTi" panose="02010609060101010101" pitchFamily="49" charset="-122"/>
+                          <a:ea typeface="KaiTi" panose="02010609060101010101" pitchFamily="49" charset="-122"/>
+                        </a:rPr>
+                        <a:t>信息管理</a:t>
+                      </a:r>
+                      <a:r>
+                        <a:rPr lang="en-US" altLang="zh-CN" sz="2000" dirty="0">
+                          <a:latin typeface="KaiTi" panose="02010609060101010101" pitchFamily="49" charset="-122"/>
+                          <a:ea typeface="KaiTi" panose="02010609060101010101" pitchFamily="49" charset="-122"/>
+                        </a:rPr>
+                        <a:t>—</a:t>
+                      </a:r>
+                      <a:r>
+                        <a:rPr lang="zh-CN" altLang="en-US" sz="2000" dirty="0">
+                          <a:latin typeface="KaiTi" panose="02010609060101010101" pitchFamily="49" charset="-122"/>
+                          <a:ea typeface="KaiTi" panose="02010609060101010101" pitchFamily="49" charset="-122"/>
+                        </a:rPr>
+                        <a:t>车型管理 </a:t>
+                      </a:r>
+                    </a:p>
+                  </a:txBody>
+                  <a:tcPr anchor="ctr"/>
+                </a:tc>
+                <a:tc>
+                  <a:txBody>
+                    <a:bodyPr/>
+                    <a:lstStyle/>
+                    <a:p>
+                      <a:pPr marL="457200" marR="0" lvl="1" indent="0" algn="l" defTabSz="914400" rtl="0" eaLnBrk="1" fontAlgn="auto" latinLnBrk="0" hangingPunct="1">
+                        <a:lnSpc>
+                          <a:spcPct val="100000"/>
+                        </a:lnSpc>
+                        <a:spcBef>
+                          <a:spcPts val="0"/>
+                        </a:spcBef>
+                        <a:spcAft>
+                          <a:spcPts val="0"/>
+                        </a:spcAft>
+                        <a:buClrTx/>
+                        <a:buSzTx/>
+                        <a:buFontTx/>
+                        <a:buNone/>
+                        <a:tabLst/>
+                        <a:defRPr/>
+                      </a:pPr>
+                      <a:r>
+                        <a:rPr lang="zh-CN" altLang="en-US" sz="2000" dirty="0">
+                          <a:latin typeface="KaiTi" panose="02010609060101010101" pitchFamily="49" charset="-122"/>
+                          <a:ea typeface="KaiTi" panose="02010609060101010101" pitchFamily="49" charset="-122"/>
+                        </a:rPr>
+                        <a:t>前端：张雨佳   后端：张涛</a:t>
+                      </a:r>
+                    </a:p>
+                  </a:txBody>
+                  <a:tcPr anchor="ctr"/>
+                </a:tc>
+                <a:extLst>
+                  <a:ext uri="{0D108BD9-81ED-4DB2-BD59-A6C34878D82A}">
+                    <a16:rowId xmlns:a16="http://schemas.microsoft.com/office/drawing/2014/main" val="2572190902"/>
+                  </a:ext>
+                </a:extLst>
+              </a:tr>
+              <a:tr h="455450">
+                <a:tc>
+                  <a:txBody>
+                    <a:bodyPr/>
+                    <a:lstStyle/>
+                    <a:p>
+                      <a:pPr marL="457200" marR="0" lvl="1" indent="0" algn="l" defTabSz="914400" rtl="0" eaLnBrk="1" fontAlgn="auto" latinLnBrk="0" hangingPunct="1">
+                        <a:lnSpc>
+                          <a:spcPct val="100000"/>
+                        </a:lnSpc>
+                        <a:spcBef>
+                          <a:spcPts val="0"/>
+                        </a:spcBef>
+                        <a:spcAft>
+                          <a:spcPts val="0"/>
+                        </a:spcAft>
+                        <a:buClrTx/>
+                        <a:buSzTx/>
+                        <a:buFontTx/>
+                        <a:buNone/>
+                        <a:tabLst/>
+                        <a:defRPr/>
+                      </a:pPr>
+                      <a:r>
+                        <a:rPr lang="zh-CN" altLang="en-US" sz="2000" dirty="0">
+                          <a:latin typeface="KaiTi" panose="02010609060101010101" pitchFamily="49" charset="-122"/>
+                          <a:ea typeface="KaiTi" panose="02010609060101010101" pitchFamily="49" charset="-122"/>
+                        </a:rPr>
+                        <a:t>信息管理</a:t>
+                      </a:r>
+                      <a:r>
+                        <a:rPr lang="en-US" altLang="zh-CN" sz="2000" dirty="0">
+                          <a:latin typeface="KaiTi" panose="02010609060101010101" pitchFamily="49" charset="-122"/>
+                          <a:ea typeface="KaiTi" panose="02010609060101010101" pitchFamily="49" charset="-122"/>
+                        </a:rPr>
+                        <a:t>—</a:t>
+                      </a:r>
+                      <a:r>
+                        <a:rPr lang="zh-CN" altLang="en-US" sz="2000" dirty="0">
+                          <a:latin typeface="KaiTi" panose="02010609060101010101" pitchFamily="49" charset="-122"/>
+                          <a:ea typeface="KaiTi" panose="02010609060101010101" pitchFamily="49" charset="-122"/>
+                        </a:rPr>
+                        <a:t>车辆管理 </a:t>
+                      </a:r>
+                    </a:p>
+                  </a:txBody>
+                  <a:tcPr anchor="ctr"/>
+                </a:tc>
+                <a:tc>
+                  <a:txBody>
+                    <a:bodyPr/>
+                    <a:lstStyle/>
+                    <a:p>
+                      <a:pPr lvl="1" algn="l"/>
+                      <a:r>
+                        <a:rPr lang="zh-CN" altLang="en-US" sz="2000" dirty="0">
+                          <a:latin typeface="KaiTi" panose="02010609060101010101" pitchFamily="49" charset="-122"/>
+                          <a:ea typeface="KaiTi" panose="02010609060101010101" pitchFamily="49" charset="-122"/>
+                        </a:rPr>
+                        <a:t>前端：吴佳辉   后端：张涛</a:t>
+                      </a:r>
+                    </a:p>
+                  </a:txBody>
+                  <a:tcPr anchor="ctr"/>
+                </a:tc>
+                <a:extLst>
+                  <a:ext uri="{0D108BD9-81ED-4DB2-BD59-A6C34878D82A}">
+                    <a16:rowId xmlns:a16="http://schemas.microsoft.com/office/drawing/2014/main" val="1735671653"/>
+                  </a:ext>
+                </a:extLst>
+              </a:tr>
+              <a:tr h="455450">
+                <a:tc>
+                  <a:txBody>
+                    <a:bodyPr/>
+                    <a:lstStyle/>
+                    <a:p>
+                      <a:pPr lvl="1" algn="l"/>
+                      <a:r>
+                        <a:rPr lang="zh-CN" altLang="en-US" sz="2000" dirty="0">
+                          <a:latin typeface="KaiTi" panose="02010609060101010101" pitchFamily="49" charset="-122"/>
+                          <a:ea typeface="KaiTi" panose="02010609060101010101" pitchFamily="49" charset="-122"/>
+                        </a:rPr>
+                        <a:t>信息管理</a:t>
+                      </a:r>
+                      <a:r>
+                        <a:rPr lang="en-US" altLang="zh-CN" sz="2000" dirty="0">
+                          <a:latin typeface="KaiTi" panose="02010609060101010101" pitchFamily="49" charset="-122"/>
+                          <a:ea typeface="KaiTi" panose="02010609060101010101" pitchFamily="49" charset="-122"/>
+                        </a:rPr>
+                        <a:t>—</a:t>
+                      </a:r>
+                      <a:r>
+                        <a:rPr lang="zh-CN" altLang="en-US" sz="2000" dirty="0">
+                          <a:latin typeface="KaiTi" panose="02010609060101010101" pitchFamily="49" charset="-122"/>
+                          <a:ea typeface="KaiTi" panose="02010609060101010101" pitchFamily="49" charset="-122"/>
+                        </a:rPr>
+                        <a:t>车辆记录</a:t>
+                      </a:r>
+                    </a:p>
+                  </a:txBody>
+                  <a:tcPr anchor="ctr"/>
+                </a:tc>
+                <a:tc>
+                  <a:txBody>
+                    <a:bodyPr/>
+                    <a:lstStyle/>
+                    <a:p>
+                      <a:pPr lvl="1" algn="l"/>
+                      <a:r>
+                        <a:rPr lang="zh-CN" altLang="en-US" sz="2000" dirty="0">
+                          <a:latin typeface="KaiTi" panose="02010609060101010101" pitchFamily="49" charset="-122"/>
+                          <a:ea typeface="KaiTi" panose="02010609060101010101" pitchFamily="49" charset="-122"/>
+                        </a:rPr>
+                        <a:t>前端：赵殷豪、罗夕  </a:t>
+                      </a:r>
+                      <a:endParaRPr lang="en-US" altLang="zh-CN" sz="2000" dirty="0">
+                        <a:latin typeface="KaiTi" panose="02010609060101010101" pitchFamily="49" charset="-122"/>
+                        <a:ea typeface="KaiTi" panose="02010609060101010101" pitchFamily="49" charset="-122"/>
+                      </a:endParaRPr>
+                    </a:p>
+                    <a:p>
+                      <a:pPr lvl="1" algn="l"/>
+                      <a:r>
+                        <a:rPr lang="zh-CN" altLang="en-US" sz="2000" dirty="0">
+                          <a:latin typeface="KaiTi" panose="02010609060101010101" pitchFamily="49" charset="-122"/>
+                          <a:ea typeface="KaiTi" panose="02010609060101010101" pitchFamily="49" charset="-122"/>
+                        </a:rPr>
+                        <a:t>后端：杨鹏真、姜栋煜</a:t>
+                      </a:r>
+                    </a:p>
+                  </a:txBody>
+                  <a:tcPr anchor="ctr"/>
+                </a:tc>
+                <a:extLst>
+                  <a:ext uri="{0D108BD9-81ED-4DB2-BD59-A6C34878D82A}">
+                    <a16:rowId xmlns:a16="http://schemas.microsoft.com/office/drawing/2014/main" val="3776068665"/>
+                  </a:ext>
+                </a:extLst>
+              </a:tr>
+              <a:tr h="455450">
+                <a:tc>
+                  <a:txBody>
+                    <a:bodyPr/>
+                    <a:lstStyle/>
+                    <a:p>
+                      <a:pPr marL="457200" marR="0" lvl="1" indent="0" algn="l" defTabSz="914400" rtl="0" eaLnBrk="1" fontAlgn="auto" latinLnBrk="0" hangingPunct="1">
+                        <a:lnSpc>
+                          <a:spcPct val="100000"/>
+                        </a:lnSpc>
+                        <a:spcBef>
+                          <a:spcPts val="0"/>
+                        </a:spcBef>
+                        <a:spcAft>
+                          <a:spcPts val="0"/>
+                        </a:spcAft>
+                        <a:buClrTx/>
+                        <a:buSzTx/>
+                        <a:buFontTx/>
+                        <a:buNone/>
+                        <a:tabLst/>
+                        <a:defRPr/>
+                      </a:pPr>
+                      <a:r>
+                        <a:rPr lang="zh-CN" altLang="en-US" sz="2000" dirty="0">
+                          <a:latin typeface="KaiTi" panose="02010609060101010101" pitchFamily="49" charset="-122"/>
+                          <a:ea typeface="KaiTi" panose="02010609060101010101" pitchFamily="49" charset="-122"/>
+                        </a:rPr>
+                        <a:t>派车任务</a:t>
+                      </a:r>
+                      <a:r>
+                        <a:rPr lang="en-US" altLang="zh-CN" sz="2000" dirty="0">
+                          <a:latin typeface="KaiTi" panose="02010609060101010101" pitchFamily="49" charset="-122"/>
+                          <a:ea typeface="KaiTi" panose="02010609060101010101" pitchFamily="49" charset="-122"/>
+                        </a:rPr>
+                        <a:t>—</a:t>
+                      </a:r>
+                      <a:r>
+                        <a:rPr lang="zh-CN" altLang="en-US" sz="2000" dirty="0">
+                          <a:latin typeface="KaiTi" panose="02010609060101010101" pitchFamily="49" charset="-122"/>
+                          <a:ea typeface="KaiTi" panose="02010609060101010101" pitchFamily="49" charset="-122"/>
+                        </a:rPr>
+                        <a:t>派车申请 </a:t>
+                      </a:r>
+                    </a:p>
+                  </a:txBody>
+                  <a:tcPr anchor="ctr"/>
+                </a:tc>
+                <a:tc>
+                  <a:txBody>
+                    <a:bodyPr/>
+                    <a:lstStyle/>
+                    <a:p>
+                      <a:pPr marL="457200" marR="0" lvl="1" indent="0" algn="l" defTabSz="914400" rtl="0" eaLnBrk="1" fontAlgn="auto" latinLnBrk="0" hangingPunct="1">
+                        <a:lnSpc>
+                          <a:spcPct val="100000"/>
+                        </a:lnSpc>
+                        <a:spcBef>
+                          <a:spcPts val="0"/>
+                        </a:spcBef>
+                        <a:spcAft>
+                          <a:spcPts val="0"/>
+                        </a:spcAft>
+                        <a:buClrTx/>
+                        <a:buSzTx/>
+                        <a:buFontTx/>
+                        <a:buNone/>
+                        <a:tabLst/>
+                        <a:defRPr/>
+                      </a:pPr>
+                      <a:r>
+                        <a:rPr lang="zh-CN" altLang="en-US" sz="2000" dirty="0">
+                          <a:latin typeface="KaiTi" panose="02010609060101010101" pitchFamily="49" charset="-122"/>
+                          <a:ea typeface="KaiTi" panose="02010609060101010101" pitchFamily="49" charset="-122"/>
+                        </a:rPr>
+                        <a:t>前端：冯宣祯   后端：张强</a:t>
+                      </a:r>
+                    </a:p>
+                  </a:txBody>
+                  <a:tcPr anchor="ctr"/>
+                </a:tc>
+                <a:extLst>
+                  <a:ext uri="{0D108BD9-81ED-4DB2-BD59-A6C34878D82A}">
+                    <a16:rowId xmlns:a16="http://schemas.microsoft.com/office/drawing/2014/main" val="1310769863"/>
+                  </a:ext>
+                </a:extLst>
+              </a:tr>
+              <a:tr h="455450">
+                <a:tc>
+                  <a:txBody>
+                    <a:bodyPr/>
+                    <a:lstStyle/>
+                    <a:p>
+                      <a:pPr marL="457200" marR="0" lvl="1" indent="0" algn="l" defTabSz="914400" rtl="0" eaLnBrk="1" fontAlgn="auto" latinLnBrk="0" hangingPunct="1">
+                        <a:lnSpc>
+                          <a:spcPct val="100000"/>
+                        </a:lnSpc>
+                        <a:spcBef>
+                          <a:spcPts val="0"/>
+                        </a:spcBef>
+                        <a:spcAft>
+                          <a:spcPts val="0"/>
+                        </a:spcAft>
+                        <a:buClrTx/>
+                        <a:buSzTx/>
+                        <a:buFontTx/>
+                        <a:buNone/>
+                        <a:tabLst/>
+                        <a:defRPr/>
+                      </a:pPr>
+                      <a:r>
+                        <a:rPr lang="zh-CN" altLang="en-US" sz="2000" dirty="0">
+                          <a:latin typeface="KaiTi" panose="02010609060101010101" pitchFamily="49" charset="-122"/>
+                          <a:ea typeface="KaiTi" panose="02010609060101010101" pitchFamily="49" charset="-122"/>
+                        </a:rPr>
+                        <a:t>派车任务</a:t>
+                      </a:r>
+                      <a:r>
+                        <a:rPr lang="en-US" altLang="zh-CN" sz="2000" dirty="0">
+                          <a:latin typeface="KaiTi" panose="02010609060101010101" pitchFamily="49" charset="-122"/>
+                          <a:ea typeface="KaiTi" panose="02010609060101010101" pitchFamily="49" charset="-122"/>
+                        </a:rPr>
+                        <a:t>—</a:t>
+                      </a:r>
+                      <a:r>
+                        <a:rPr lang="zh-CN" altLang="en-US" sz="2000" dirty="0">
+                          <a:latin typeface="KaiTi" panose="02010609060101010101" pitchFamily="49" charset="-122"/>
+                          <a:ea typeface="KaiTi" panose="02010609060101010101" pitchFamily="49" charset="-122"/>
+                        </a:rPr>
+                        <a:t>派车审批 </a:t>
+                      </a:r>
+                    </a:p>
+                  </a:txBody>
+                  <a:tcPr anchor="ctr"/>
+                </a:tc>
+                <a:tc>
+                  <a:txBody>
+                    <a:bodyPr/>
+                    <a:lstStyle/>
+                    <a:p>
+                      <a:pPr marL="457200" marR="0" lvl="1" indent="0" algn="l" defTabSz="914400" rtl="0" eaLnBrk="1" fontAlgn="auto" latinLnBrk="0" hangingPunct="1">
+                        <a:lnSpc>
+                          <a:spcPct val="100000"/>
+                        </a:lnSpc>
+                        <a:spcBef>
+                          <a:spcPts val="0"/>
+                        </a:spcBef>
+                        <a:spcAft>
+                          <a:spcPts val="0"/>
+                        </a:spcAft>
+                        <a:buClrTx/>
+                        <a:buSzTx/>
+                        <a:buFontTx/>
+                        <a:buNone/>
+                        <a:tabLst/>
+                        <a:defRPr/>
+                      </a:pPr>
+                      <a:r>
+                        <a:rPr lang="zh-CN" altLang="en-US" sz="2000" dirty="0">
+                          <a:latin typeface="KaiTi" panose="02010609060101010101" pitchFamily="49" charset="-122"/>
+                          <a:ea typeface="KaiTi" panose="02010609060101010101" pitchFamily="49" charset="-122"/>
+                        </a:rPr>
+                        <a:t>前端：冯宣祯   后端：张晔</a:t>
+                      </a:r>
+                    </a:p>
+                  </a:txBody>
+                  <a:tcPr anchor="ctr"/>
+                </a:tc>
+                <a:extLst>
+                  <a:ext uri="{0D108BD9-81ED-4DB2-BD59-A6C34878D82A}">
+                    <a16:rowId xmlns:a16="http://schemas.microsoft.com/office/drawing/2014/main" val="3558639837"/>
+                  </a:ext>
+                </a:extLst>
+              </a:tr>
+            </a:tbl>
+          </a:graphicData>
+        </a:graphic>
+      </p:graphicFrame>
+    </p:spTree>
+    <p:extLst>
+      <p:ext uri="{BB962C8B-B14F-4D97-AF65-F5344CB8AC3E}">
+        <p14:creationId xmlns:p14="http://schemas.microsoft.com/office/powerpoint/2010/main" val="2024968063"/>
+      </p:ext>
+    </p:extLst>
+  </p:cSld>
+  <p:clrMapOvr>
+    <a:masterClrMapping/>
+  </p:clrMapOvr>
+</p:sld>
+</file>
+
+<file path=ppt/slides/slide20.xml><?xml version="1.0" encoding="utf-8"?>
 <p:sld xmlns:a="http://schemas.openxmlformats.org/drawingml/2006/main" xmlns:r="http://schemas.openxmlformats.org/officeDocument/2006/relationships" xmlns:p="http://schemas.openxmlformats.org/presentationml/2006/main">
   <p:cSld>
     <p:spTree>
@@ -6617,8 +9226,8 @@
         </p:nvSpPr>
         <p:spPr>
           <a:xfrm>
-            <a:off x="2803606" y="2706647"/>
-            <a:ext cx="8604448" cy="1200329"/>
+            <a:off x="2639616" y="2364680"/>
+            <a:ext cx="8604448" cy="1569660"/>
           </a:xfrm>
           <a:prstGeom prst="rect">
             <a:avLst/>
@@ -6632,32 +9241,15 @@
           <a:lstStyle/>
           <a:p>
             <a:r>
-              <a:rPr lang="zh-CN" altLang="en-US" sz="7200" b="1" dirty="0" smtClean="0">
+              <a:rPr lang="zh-CN" altLang="en-US" sz="9600" b="1" dirty="0">
                 <a:solidFill>
                   <a:schemeClr val="bg1"/>
                 </a:solidFill>
-                <a:latin typeface="+mj-ea"/>
-                <a:ea typeface="+mj-ea"/>
-              </a:rPr>
-              <a:t>谢谢</a:t>
-            </a:r>
-            <a:r>
-              <a:rPr lang="en-US" altLang="zh-CN" sz="7200" b="1" dirty="0" smtClean="0">
-                <a:solidFill>
-                  <a:schemeClr val="bg1"/>
-                </a:solidFill>
-                <a:latin typeface="+mj-ea"/>
-                <a:ea typeface="+mj-ea"/>
-              </a:rPr>
-              <a:t>.</a:t>
-            </a:r>
-            <a:endParaRPr lang="zh-CN" altLang="en-US" sz="7200" b="1" dirty="0">
-              <a:solidFill>
-                <a:schemeClr val="bg1"/>
-              </a:solidFill>
-              <a:latin typeface="+mj-ea"/>
-              <a:ea typeface="+mj-ea"/>
-            </a:endParaRPr>
+                <a:latin typeface="KaiTi" panose="02010609060101010101" pitchFamily="49" charset="-122"/>
+                <a:ea typeface="KaiTi" panose="02010609060101010101" pitchFamily="49" charset="-122"/>
+              </a:rPr>
+              <a:t>谢 谢</a:t>
+            </a:r>
           </a:p>
         </p:txBody>
       </p:sp>
@@ -6674,7 +9266,7 @@
 </p:sld>
 </file>
 
-<file path=ppt/slides/slide2.xml><?xml version="1.0" encoding="utf-8"?>
+<file path=ppt/slides/slide3.xml><?xml version="1.0" encoding="utf-8"?>
 <p:sld xmlns:a="http://schemas.openxmlformats.org/drawingml/2006/main" xmlns:r="http://schemas.openxmlformats.org/officeDocument/2006/relationships" xmlns:p="http://schemas.openxmlformats.org/presentationml/2006/main">
   <p:cSld>
     <p:spTree>
@@ -6714,16 +9306,12 @@
           <a:lstStyle/>
           <a:p>
             <a:r>
-              <a:rPr lang="zh-CN" altLang="en-US" sz="4400" b="1" dirty="0" smtClean="0">
+              <a:rPr lang="zh-CN" altLang="en-US" sz="4400" b="1" dirty="0">
                 <a:latin typeface="+mj-ea"/>
                 <a:ea typeface="+mj-ea"/>
               </a:rPr>
               <a:t>目录</a:t>
             </a:r>
-            <a:endParaRPr lang="zh-CN" altLang="en-US" sz="4400" b="1" dirty="0">
-              <a:latin typeface="+mj-ea"/>
-              <a:ea typeface="+mj-ea"/>
-            </a:endParaRPr>
           </a:p>
         </p:txBody>
       </p:sp>
@@ -7019,16 +9607,12 @@
             <a:lstStyle/>
             <a:p>
               <a:r>
-                <a:rPr lang="zh-CN" altLang="en-US" sz="3600" b="1" dirty="0" smtClean="0">
+                <a:rPr lang="zh-CN" altLang="en-US" sz="3600" b="1" dirty="0">
                   <a:latin typeface="楷体" pitchFamily="49" charset="-122"/>
                   <a:ea typeface="楷体" pitchFamily="49" charset="-122"/>
                 </a:rPr>
-                <a:t>项目背景 </a:t>
+                <a:t>需求分析 </a:t>
               </a:r>
-              <a:endParaRPr lang="zh-CN" altLang="en-US" sz="3600" b="1" dirty="0">
-                <a:latin typeface="楷体" pitchFamily="49" charset="-122"/>
-                <a:ea typeface="楷体" pitchFamily="49" charset="-122"/>
-              </a:endParaRPr>
             </a:p>
           </p:txBody>
         </p:sp>
@@ -7055,16 +9639,12 @@
             <a:lstStyle/>
             <a:p>
               <a:r>
-                <a:rPr lang="zh-CN" altLang="en-US" sz="3600" b="1" dirty="0" smtClean="0">
+                <a:rPr lang="zh-CN" altLang="en-US" sz="3600" b="1" dirty="0">
                   <a:latin typeface="楷体" pitchFamily="49" charset="-122"/>
                   <a:ea typeface="楷体" pitchFamily="49" charset="-122"/>
                 </a:rPr>
-                <a:t>项目介绍</a:t>
+                <a:t>功能介绍</a:t>
               </a:r>
-              <a:endParaRPr lang="zh-CN" altLang="en-US" sz="3600" b="1" dirty="0">
-                <a:latin typeface="楷体" pitchFamily="49" charset="-122"/>
-                <a:ea typeface="楷体" pitchFamily="49" charset="-122"/>
-              </a:endParaRPr>
             </a:p>
           </p:txBody>
         </p:sp>
@@ -7091,18 +9671,11 @@
             <a:lstStyle/>
             <a:p>
               <a:r>
-                <a:rPr lang="zh-CN" altLang="en-US" sz="3600" b="1" dirty="0" smtClean="0">
-                  <a:latin typeface="楷体" pitchFamily="49" charset="-122"/>
-                  <a:ea typeface="楷体" pitchFamily="49" charset="-122"/>
-                </a:rPr>
-                <a:t>功能</a:t>
-              </a:r>
-              <a:r>
                 <a:rPr lang="zh-CN" altLang="en-US" sz="3600" b="1" dirty="0">
                   <a:latin typeface="楷体" pitchFamily="49" charset="-122"/>
                   <a:ea typeface="楷体" pitchFamily="49" charset="-122"/>
                 </a:rPr>
-                <a:t>框架</a:t>
+                <a:t>问题解决</a:t>
               </a:r>
             </a:p>
           </p:txBody>
@@ -7130,16 +9703,12 @@
             <a:lstStyle/>
             <a:p>
               <a:r>
-                <a:rPr lang="zh-CN" altLang="en-US" sz="3600" b="1" dirty="0" smtClean="0">
+                <a:rPr lang="zh-CN" altLang="en-US" sz="3600" b="1" dirty="0">
                   <a:latin typeface="楷体" pitchFamily="49" charset="-122"/>
                   <a:ea typeface="楷体" pitchFamily="49" charset="-122"/>
                 </a:rPr>
-                <a:t>运行环境</a:t>
+                <a:t>项目亮点</a:t>
               </a:r>
-              <a:endParaRPr lang="zh-CN" altLang="en-US" sz="3600" b="1" dirty="0">
-                <a:latin typeface="楷体" pitchFamily="49" charset="-122"/>
-                <a:ea typeface="楷体" pitchFamily="49" charset="-122"/>
-              </a:endParaRPr>
             </a:p>
           </p:txBody>
         </p:sp>
@@ -7166,16 +9735,12 @@
             <a:lstStyle/>
             <a:p>
               <a:r>
-                <a:rPr lang="zh-CN" altLang="en-US" sz="3600" b="1" dirty="0" smtClean="0">
+                <a:rPr lang="zh-CN" altLang="en-US" sz="3600" b="1" dirty="0">
                   <a:latin typeface="楷体" pitchFamily="49" charset="-122"/>
                   <a:ea typeface="楷体" pitchFamily="49" charset="-122"/>
                 </a:rPr>
                 <a:t>结果展示</a:t>
               </a:r>
-              <a:endParaRPr lang="zh-CN" altLang="en-US" sz="3600" b="1" dirty="0">
-                <a:latin typeface="楷体" pitchFamily="49" charset="-122"/>
-                <a:ea typeface="楷体" pitchFamily="49" charset="-122"/>
-              </a:endParaRPr>
             </a:p>
           </p:txBody>
         </p:sp>
@@ -7253,7 +9818,7 @@
 </p:sld>
 </file>
 
-<file path=ppt/slides/slide3.xml><?xml version="1.0" encoding="utf-8"?>
+<file path=ppt/slides/slide4.xml><?xml version="1.0" encoding="utf-8"?>
 <p:sld xmlns:a="http://schemas.openxmlformats.org/drawingml/2006/main" xmlns:r="http://schemas.openxmlformats.org/officeDocument/2006/relationships" xmlns:p="http://schemas.openxmlformats.org/presentationml/2006/main">
   <p:cSld>
     <p:spTree>
@@ -7293,7 +9858,7 @@
               <a:pPr>
                 <a:defRPr/>
               </a:pPr>
-              <a:t>2</a:t>
+              <a:t>3</a:t>
             </a:fld>
             <a:endParaRPr lang="en-US" altLang="zh-CN"/>
           </a:p>
@@ -7400,16 +9965,12 @@
             <a:lstStyle/>
             <a:p>
               <a:r>
-                <a:rPr lang="zh-CN" altLang="en-US" sz="5400" b="1" dirty="0" smtClean="0">
+                <a:rPr lang="zh-CN" altLang="en-US" sz="5400" b="1" dirty="0">
                   <a:latin typeface="楷体" pitchFamily="49" charset="-122"/>
                   <a:ea typeface="楷体" pitchFamily="49" charset="-122"/>
                 </a:rPr>
-                <a:t>项目背景 </a:t>
+                <a:t>需求分析 </a:t>
               </a:r>
-              <a:endParaRPr lang="zh-CN" altLang="en-US" sz="5400" b="1" dirty="0">
-                <a:latin typeface="楷体" pitchFamily="49" charset="-122"/>
-                <a:ea typeface="楷体" pitchFamily="49" charset="-122"/>
-              </a:endParaRPr>
             </a:p>
           </p:txBody>
         </p:sp>
@@ -7475,7 +10036,7 @@
 </p:sld>
 </file>
 
-<file path=ppt/slides/slide4.xml><?xml version="1.0" encoding="utf-8"?>
+<file path=ppt/slides/slide5.xml><?xml version="1.0" encoding="utf-8"?>
 <p:sld xmlns:a="http://schemas.openxmlformats.org/drawingml/2006/main" xmlns:r="http://schemas.openxmlformats.org/officeDocument/2006/relationships" xmlns:p="http://schemas.openxmlformats.org/presentationml/2006/main">
   <p:cSld>
     <p:spTree>
@@ -7515,7 +10076,7 @@
               <a:pPr>
                 <a:defRPr/>
               </a:pPr>
-              <a:t>3</a:t>
+              <a:t>4</a:t>
             </a:fld>
             <a:endParaRPr lang="en-US" altLang="zh-CN"/>
           </a:p>
@@ -7594,7 +10155,7 @@
         <p:spPr>
           <a:xfrm>
             <a:off x="335360" y="124776"/>
-            <a:ext cx="4824536" cy="769441"/>
+            <a:ext cx="6048672" cy="769441"/>
           </a:xfrm>
           <a:prstGeom prst="rect">
             <a:avLst/>
@@ -7608,16 +10169,26 @@
           <a:lstStyle/>
           <a:p>
             <a:r>
-              <a:rPr lang="zh-CN" altLang="en-US" sz="4400" b="1" dirty="0" smtClean="0">
-                <a:latin typeface="楷体" pitchFamily="49" charset="-122"/>
-                <a:ea typeface="楷体" pitchFamily="49" charset="-122"/>
-              </a:rPr>
-              <a:t>项目背景 </a:t>
-            </a:r>
-            <a:endParaRPr lang="zh-CN" altLang="en-US" sz="4400" b="1" dirty="0">
-              <a:latin typeface="楷体" pitchFamily="49" charset="-122"/>
-              <a:ea typeface="楷体" pitchFamily="49" charset="-122"/>
-            </a:endParaRPr>
+              <a:rPr lang="zh-CN" altLang="en-US" sz="4400" b="1" dirty="0">
+                <a:latin typeface="楷体" pitchFamily="49" charset="-122"/>
+                <a:ea typeface="楷体" pitchFamily="49" charset="-122"/>
+              </a:rPr>
+              <a:t>需求分析 </a:t>
+            </a:r>
+            <a:r>
+              <a:rPr lang="en-US" altLang="zh-CN" sz="4400" b="1" dirty="0">
+                <a:latin typeface="楷体" pitchFamily="49" charset="-122"/>
+                <a:ea typeface="楷体" pitchFamily="49" charset="-122"/>
+              </a:rPr>
+              <a:t>--</a:t>
+            </a:r>
+            <a:r>
+              <a:rPr lang="zh-CN" altLang="en-US" sz="4400" b="1" dirty="0">
+                <a:latin typeface="楷体" pitchFamily="49" charset="-122"/>
+                <a:ea typeface="楷体" pitchFamily="49" charset="-122"/>
+              </a:rPr>
+              <a:t> 项目背景 </a:t>
+            </a:r>
           </a:p>
         </p:txBody>
       </p:sp>
@@ -7652,17 +10223,10 @@
                 <a:latin typeface="楷体" pitchFamily="49" charset="-122"/>
                 <a:ea typeface="楷体" pitchFamily="49" charset="-122"/>
               </a:rPr>
-              <a:t> </a:t>
-            </a:r>
-            <a:r>
-              <a:rPr lang="en-US" altLang="zh-CN" sz="2800" dirty="0" smtClean="0">
-                <a:latin typeface="楷体" pitchFamily="49" charset="-122"/>
-                <a:ea typeface="楷体" pitchFamily="49" charset="-122"/>
-              </a:rPr>
-              <a:t>  </a:t>
-            </a:r>
-            <a:r>
-              <a:rPr lang="zh-CN" altLang="en-US" sz="2800" dirty="0" smtClean="0">
+              <a:t>   </a:t>
+            </a:r>
+            <a:r>
+              <a:rPr lang="zh-CN" altLang="en-US" sz="2800" dirty="0">
                 <a:latin typeface="Times New Roman" pitchFamily="18" charset="0"/>
                 <a:ea typeface="楷体" pitchFamily="49" charset="-122"/>
                 <a:cs typeface="Times New Roman" pitchFamily="18" charset="0"/>
@@ -7776,18 +10340,13 @@
               </a:spcBef>
             </a:pPr>
             <a:r>
-              <a:rPr lang="en-US" altLang="zh-CN" sz="2800" dirty="0" smtClean="0">
+              <a:rPr lang="en-US" altLang="zh-CN" sz="2800" dirty="0">
                 <a:latin typeface="Times New Roman" pitchFamily="18" charset="0"/>
                 <a:ea typeface="楷体" pitchFamily="49" charset="-122"/>
                 <a:cs typeface="Times New Roman" pitchFamily="18" charset="0"/>
               </a:rPr>
               <a:t>       </a:t>
             </a:r>
-            <a:endParaRPr lang="en-US" altLang="zh-CN" sz="2800" dirty="0">
-              <a:latin typeface="Times New Roman" pitchFamily="18" charset="0"/>
-              <a:ea typeface="楷体" pitchFamily="49" charset="-122"/>
-              <a:cs typeface="Times New Roman" pitchFamily="18" charset="0"/>
-            </a:endParaRPr>
           </a:p>
         </p:txBody>
       </p:sp>
@@ -7818,7 +10377,7 @@
               </a:spcBef>
             </a:pPr>
             <a:r>
-              <a:rPr lang="en-US" altLang="zh-CN" sz="2800" dirty="0" smtClean="0">
+              <a:rPr lang="en-US" altLang="zh-CN" sz="2800" dirty="0">
                 <a:latin typeface="Times New Roman" pitchFamily="18" charset="0"/>
                 <a:ea typeface="楷体" pitchFamily="49" charset="-122"/>
                 <a:cs typeface="Times New Roman" pitchFamily="18" charset="0"/>
@@ -8008,498 +10567,6 @@
     <p:extLst>
       <p:ext uri="{BB962C8B-B14F-4D97-AF65-F5344CB8AC3E}">
         <p14:creationId xmlns:p14="http://schemas.microsoft.com/office/powerpoint/2010/main" val="954201216"/>
-      </p:ext>
-    </p:extLst>
-  </p:cSld>
-  <p:clrMapOvr>
-    <a:masterClrMapping/>
-  </p:clrMapOvr>
-</p:sld>
-</file>
-
-<file path=ppt/slides/slide5.xml><?xml version="1.0" encoding="utf-8"?>
-<p:sld xmlns:a="http://schemas.openxmlformats.org/drawingml/2006/main" xmlns:r="http://schemas.openxmlformats.org/officeDocument/2006/relationships" xmlns:p="http://schemas.openxmlformats.org/presentationml/2006/main">
-  <p:cSld>
-    <p:spTree>
-      <p:nvGrpSpPr>
-        <p:cNvPr id="1" name=""/>
-        <p:cNvGrpSpPr/>
-        <p:nvPr/>
-      </p:nvGrpSpPr>
-      <p:grpSpPr>
-        <a:xfrm>
-          <a:off x="0" y="0"/>
-          <a:ext cx="0" cy="0"/>
-          <a:chOff x="0" y="0"/>
-          <a:chExt cx="0" cy="0"/>
-        </a:xfrm>
-      </p:grpSpPr>
-      <p:sp>
-        <p:nvSpPr>
-          <p:cNvPr id="2" name="灯片编号占位符 1"/>
-          <p:cNvSpPr>
-            <a:spLocks noGrp="1"/>
-          </p:cNvSpPr>
-          <p:nvPr>
-            <p:ph type="sldNum" sz="quarter" idx="10"/>
-          </p:nvPr>
-        </p:nvSpPr>
-        <p:spPr/>
-        <p:txBody>
-          <a:bodyPr/>
-          <a:lstStyle/>
-          <a:p>
-            <a:pPr>
-              <a:defRPr/>
-            </a:pPr>
-            <a:fld id="{37D1B2BE-3309-4792-8BE6-AC30C5FAF2D2}" type="slidenum">
-              <a:rPr lang="zh-CN" altLang="en-US" smtClean="0"/>
-              <a:pPr>
-                <a:defRPr/>
-              </a:pPr>
-              <a:t>4</a:t>
-            </a:fld>
-            <a:endParaRPr lang="en-US" altLang="zh-CN"/>
-          </a:p>
-        </p:txBody>
-      </p:sp>
-      <p:sp>
-        <p:nvSpPr>
-          <p:cNvPr id="3" name="TextBox 2"/>
-          <p:cNvSpPr txBox="1"/>
-          <p:nvPr/>
-        </p:nvSpPr>
-        <p:spPr>
-          <a:xfrm>
-            <a:off x="335360" y="124776"/>
-            <a:ext cx="4824536" cy="769441"/>
-          </a:xfrm>
-          <a:prstGeom prst="rect">
-            <a:avLst/>
-          </a:prstGeom>
-          <a:noFill/>
-        </p:spPr>
-        <p:txBody>
-          <a:bodyPr wrap="square" rtlCol="0">
-            <a:spAutoFit/>
-          </a:bodyPr>
-          <a:lstStyle/>
-          <a:p>
-            <a:r>
-              <a:rPr lang="zh-CN" altLang="en-US" sz="4400" b="1" dirty="0" smtClean="0">
-                <a:latin typeface="楷体" pitchFamily="49" charset="-122"/>
-                <a:ea typeface="楷体" pitchFamily="49" charset="-122"/>
-              </a:rPr>
-              <a:t>项目背景 </a:t>
-            </a:r>
-            <a:endParaRPr lang="zh-CN" altLang="en-US" sz="4400" b="1" dirty="0">
-              <a:latin typeface="楷体" pitchFamily="49" charset="-122"/>
-              <a:ea typeface="楷体" pitchFamily="49" charset="-122"/>
-            </a:endParaRPr>
-          </a:p>
-        </p:txBody>
-      </p:sp>
-      <p:sp>
-        <p:nvSpPr>
-          <p:cNvPr id="4" name="矩形 3"/>
-          <p:cNvSpPr/>
-          <p:nvPr/>
-        </p:nvSpPr>
-        <p:spPr>
-          <a:xfrm>
-            <a:off x="695400" y="1398255"/>
-            <a:ext cx="10585176" cy="2246769"/>
-          </a:xfrm>
-          <a:prstGeom prst="rect">
-            <a:avLst/>
-          </a:prstGeom>
-        </p:spPr>
-        <p:txBody>
-          <a:bodyPr wrap="square">
-            <a:spAutoFit/>
-          </a:bodyPr>
-          <a:lstStyle/>
-          <a:p>
-            <a:pPr>
-              <a:spcBef>
-                <a:spcPts val="600"/>
-              </a:spcBef>
-            </a:pPr>
-            <a:r>
-              <a:rPr lang="zh-CN" altLang="en-US" sz="2800" dirty="0" smtClean="0">
-                <a:latin typeface="楷体" pitchFamily="49" charset="-122"/>
-                <a:ea typeface="楷体" pitchFamily="49" charset="-122"/>
-                <a:cs typeface="Times New Roman" pitchFamily="18" charset="0"/>
-              </a:rPr>
-              <a:t>     </a:t>
-            </a:r>
-            <a:r>
-              <a:rPr lang="zh-CN" altLang="en-US" sz="2800" u="sng" dirty="0" smtClean="0">
-                <a:latin typeface="楷体" pitchFamily="49" charset="-122"/>
-                <a:ea typeface="楷体" pitchFamily="49" charset="-122"/>
-                <a:cs typeface="Times New Roman" pitchFamily="18" charset="0"/>
-              </a:rPr>
-              <a:t>中央</a:t>
-            </a:r>
-            <a:r>
-              <a:rPr lang="zh-CN" altLang="en-US" sz="2800" u="sng" dirty="0">
-                <a:latin typeface="楷体" pitchFamily="49" charset="-122"/>
-                <a:ea typeface="楷体" pitchFamily="49" charset="-122"/>
-                <a:cs typeface="Times New Roman" pitchFamily="18" charset="0"/>
-              </a:rPr>
-              <a:t>和各级政府</a:t>
-            </a:r>
-            <a:r>
-              <a:rPr lang="zh-CN" altLang="en-US" sz="2800" dirty="0">
-                <a:latin typeface="楷体" pitchFamily="49" charset="-122"/>
-                <a:ea typeface="楷体" pitchFamily="49" charset="-122"/>
-                <a:cs typeface="Times New Roman" pitchFamily="18" charset="0"/>
-              </a:rPr>
-              <a:t>也在针对公务用车不断做出</a:t>
-            </a:r>
-            <a:r>
-              <a:rPr lang="zh-CN" altLang="en-US" sz="2800" u="sng" dirty="0">
-                <a:latin typeface="楷体" pitchFamily="49" charset="-122"/>
-                <a:ea typeface="楷体" pitchFamily="49" charset="-122"/>
-                <a:cs typeface="Times New Roman" pitchFamily="18" charset="0"/>
-              </a:rPr>
-              <a:t>新的规定</a:t>
-            </a:r>
-            <a:r>
-              <a:rPr lang="zh-CN" altLang="en-US" sz="2800" dirty="0">
-                <a:latin typeface="楷体" pitchFamily="49" charset="-122"/>
-                <a:ea typeface="楷体" pitchFamily="49" charset="-122"/>
-                <a:cs typeface="Times New Roman" pitchFamily="18" charset="0"/>
-              </a:rPr>
-              <a:t>，中办</a:t>
-            </a:r>
-            <a:r>
-              <a:rPr lang="en-US" altLang="zh-CN" sz="2800" dirty="0">
-                <a:latin typeface="楷体" pitchFamily="49" charset="-122"/>
-                <a:ea typeface="楷体" pitchFamily="49" charset="-122"/>
-                <a:cs typeface="Times New Roman" pitchFamily="18" charset="0"/>
-              </a:rPr>
-              <a:t>《</a:t>
-            </a:r>
-            <a:r>
-              <a:rPr lang="zh-CN" altLang="en-US" sz="2800" dirty="0">
-                <a:latin typeface="楷体" pitchFamily="49" charset="-122"/>
-                <a:ea typeface="楷体" pitchFamily="49" charset="-122"/>
-                <a:cs typeface="Times New Roman" pitchFamily="18" charset="0"/>
-              </a:rPr>
-              <a:t>党政机关公务用车配备使用管理办法</a:t>
-            </a:r>
-            <a:r>
-              <a:rPr lang="en-US" altLang="zh-CN" sz="2800" dirty="0">
-                <a:latin typeface="楷体" pitchFamily="49" charset="-122"/>
-                <a:ea typeface="楷体" pitchFamily="49" charset="-122"/>
-                <a:cs typeface="Times New Roman" pitchFamily="18" charset="0"/>
-              </a:rPr>
-              <a:t>》</a:t>
-            </a:r>
-            <a:r>
-              <a:rPr lang="zh-CN" altLang="en-US" sz="2800" dirty="0">
-                <a:latin typeface="楷体" pitchFamily="49" charset="-122"/>
-                <a:ea typeface="楷体" pitchFamily="49" charset="-122"/>
-                <a:cs typeface="Times New Roman" pitchFamily="18" charset="0"/>
-              </a:rPr>
-              <a:t>、国务院</a:t>
-            </a:r>
-            <a:r>
-              <a:rPr lang="en-US" altLang="zh-CN" sz="2800" dirty="0">
-                <a:latin typeface="楷体" pitchFamily="49" charset="-122"/>
-                <a:ea typeface="楷体" pitchFamily="49" charset="-122"/>
-                <a:cs typeface="Times New Roman" pitchFamily="18" charset="0"/>
-              </a:rPr>
-              <a:t>《</a:t>
-            </a:r>
-            <a:r>
-              <a:rPr lang="zh-CN" altLang="en-US" sz="2800" dirty="0">
-                <a:latin typeface="楷体" pitchFamily="49" charset="-122"/>
-                <a:ea typeface="楷体" pitchFamily="49" charset="-122"/>
-                <a:cs typeface="Times New Roman" pitchFamily="18" charset="0"/>
-              </a:rPr>
-              <a:t>机关事务管理条例（征求意见稿）</a:t>
-            </a:r>
-            <a:r>
-              <a:rPr lang="en-US" altLang="zh-CN" sz="2800" dirty="0">
-                <a:latin typeface="楷体" pitchFamily="49" charset="-122"/>
-                <a:ea typeface="楷体" pitchFamily="49" charset="-122"/>
-                <a:cs typeface="Times New Roman" pitchFamily="18" charset="0"/>
-              </a:rPr>
-              <a:t>》</a:t>
-            </a:r>
-            <a:r>
-              <a:rPr lang="zh-CN" altLang="en-US" sz="2800" dirty="0">
-                <a:latin typeface="楷体" pitchFamily="49" charset="-122"/>
-                <a:ea typeface="楷体" pitchFamily="49" charset="-122"/>
-                <a:cs typeface="Times New Roman" pitchFamily="18" charset="0"/>
-              </a:rPr>
-              <a:t>、</a:t>
-            </a:r>
-            <a:r>
-              <a:rPr lang="en-US" altLang="zh-CN" sz="2800" dirty="0">
-                <a:latin typeface="楷体" pitchFamily="49" charset="-122"/>
-                <a:ea typeface="楷体" pitchFamily="49" charset="-122"/>
-                <a:cs typeface="Times New Roman" pitchFamily="18" charset="0"/>
-              </a:rPr>
-              <a:t>《</a:t>
-            </a:r>
-            <a:r>
-              <a:rPr lang="zh-CN" altLang="en-US" sz="2800" dirty="0">
-                <a:latin typeface="楷体" pitchFamily="49" charset="-122"/>
-                <a:ea typeface="楷体" pitchFamily="49" charset="-122"/>
-                <a:cs typeface="Times New Roman" pitchFamily="18" charset="0"/>
-              </a:rPr>
-              <a:t>轻型汽车燃料消耗量标示管理规定</a:t>
-            </a:r>
-            <a:r>
-              <a:rPr lang="en-US" altLang="zh-CN" sz="2800" dirty="0">
-                <a:latin typeface="楷体" pitchFamily="49" charset="-122"/>
-                <a:ea typeface="楷体" pitchFamily="49" charset="-122"/>
-                <a:cs typeface="Times New Roman" pitchFamily="18" charset="0"/>
-              </a:rPr>
-              <a:t>》</a:t>
-            </a:r>
-            <a:r>
-              <a:rPr lang="zh-CN" altLang="en-US" sz="2800" dirty="0">
-                <a:latin typeface="楷体" pitchFamily="49" charset="-122"/>
-                <a:ea typeface="楷体" pitchFamily="49" charset="-122"/>
-                <a:cs typeface="Times New Roman" pitchFamily="18" charset="0"/>
-              </a:rPr>
-              <a:t>、</a:t>
-            </a:r>
-            <a:r>
-              <a:rPr lang="en-US" altLang="zh-CN" sz="2800" dirty="0">
-                <a:latin typeface="楷体" pitchFamily="49" charset="-122"/>
-                <a:ea typeface="楷体" pitchFamily="49" charset="-122"/>
-                <a:cs typeface="Times New Roman" pitchFamily="18" charset="0"/>
-              </a:rPr>
-              <a:t>《</a:t>
-            </a:r>
-            <a:r>
-              <a:rPr lang="zh-CN" altLang="en-US" sz="2800" dirty="0">
-                <a:latin typeface="楷体" pitchFamily="49" charset="-122"/>
-                <a:ea typeface="楷体" pitchFamily="49" charset="-122"/>
-                <a:cs typeface="Times New Roman" pitchFamily="18" charset="0"/>
-              </a:rPr>
-              <a:t>乘用车燃料消耗量评价方法及指标</a:t>
-            </a:r>
-            <a:r>
-              <a:rPr lang="en-US" altLang="zh-CN" sz="2800" dirty="0" smtClean="0">
-                <a:latin typeface="楷体" pitchFamily="49" charset="-122"/>
-                <a:ea typeface="楷体" pitchFamily="49" charset="-122"/>
-                <a:cs typeface="Times New Roman" pitchFamily="18" charset="0"/>
-              </a:rPr>
-              <a:t>》</a:t>
-            </a:r>
-            <a:r>
-              <a:rPr lang="zh-CN" altLang="en-US" sz="2800" dirty="0" smtClean="0">
-                <a:latin typeface="楷体" pitchFamily="49" charset="-122"/>
-                <a:ea typeface="楷体" pitchFamily="49" charset="-122"/>
-                <a:cs typeface="Times New Roman" pitchFamily="18" charset="0"/>
-              </a:rPr>
-              <a:t>等</a:t>
-            </a:r>
-            <a:r>
-              <a:rPr lang="zh-CN" altLang="en-US" sz="2800" dirty="0">
-                <a:latin typeface="楷体" pitchFamily="49" charset="-122"/>
-                <a:ea typeface="楷体" pitchFamily="49" charset="-122"/>
-                <a:cs typeface="Times New Roman" pitchFamily="18" charset="0"/>
-              </a:rPr>
-              <a:t>规定不断出台，加大了对公车的配备和燃油消耗、维修保养等方面的硬性控制</a:t>
-            </a:r>
-            <a:r>
-              <a:rPr lang="zh-CN" altLang="en-US" sz="2800" dirty="0" smtClean="0">
-                <a:latin typeface="楷体" pitchFamily="49" charset="-122"/>
-                <a:ea typeface="楷体" pitchFamily="49" charset="-122"/>
-                <a:cs typeface="Times New Roman" pitchFamily="18" charset="0"/>
-              </a:rPr>
-              <a:t>。</a:t>
-            </a:r>
-            <a:endParaRPr lang="en-US" altLang="zh-CN" sz="2800" dirty="0" smtClean="0">
-              <a:latin typeface="楷体" pitchFamily="49" charset="-122"/>
-              <a:ea typeface="楷体" pitchFamily="49" charset="-122"/>
-              <a:cs typeface="Times New Roman" pitchFamily="18" charset="0"/>
-            </a:endParaRPr>
-          </a:p>
-        </p:txBody>
-      </p:sp>
-      <p:pic>
-        <p:nvPicPr>
-          <p:cNvPr id="5" name="Picture 2"/>
-          <p:cNvPicPr>
-            <a:picLocks noChangeAspect="1" noChangeArrowheads="1"/>
-          </p:cNvPicPr>
-          <p:nvPr/>
-        </p:nvPicPr>
-        <p:blipFill>
-          <a:blip r:embed="rId2">
-            <a:extLst>
-              <a:ext uri="{28A0092B-C50C-407E-A947-70E740481C1C}">
-                <a14:useLocalDpi xmlns:a14="http://schemas.microsoft.com/office/drawing/2010/main" val="0"/>
-              </a:ext>
-            </a:extLst>
-          </a:blip>
-          <a:srcRect/>
-          <a:stretch>
-            <a:fillRect/>
-          </a:stretch>
-        </p:blipFill>
-        <p:spPr bwMode="auto">
-          <a:xfrm>
-            <a:off x="620425" y="4760021"/>
-            <a:ext cx="2276475" cy="1143000"/>
-          </a:xfrm>
-          <a:prstGeom prst="rect">
-            <a:avLst/>
-          </a:prstGeom>
-          <a:noFill/>
-          <a:ln>
-            <a:noFill/>
-          </a:ln>
-          <a:effectLst/>
-          <a:extLst>
-            <a:ext uri="{909E8E84-426E-40DD-AFC4-6F175D3DCCD1}">
-              <a14:hiddenFill xmlns:a14="http://schemas.microsoft.com/office/drawing/2010/main">
-                <a:solidFill>
-                  <a:schemeClr val="accent1"/>
-                </a:solidFill>
-              </a14:hiddenFill>
-            </a:ext>
-            <a:ext uri="{91240B29-F687-4F45-9708-019B960494DF}">
-              <a14:hiddenLine xmlns:a14="http://schemas.microsoft.com/office/drawing/2010/main" w="9525">
-                <a:solidFill>
-                  <a:schemeClr val="tx1"/>
-                </a:solidFill>
-                <a:miter lim="800000"/>
-                <a:headEnd/>
-                <a:tailEnd/>
-              </a14:hiddenLine>
-            </a:ext>
-            <a:ext uri="{AF507438-7753-43E0-B8FC-AC1667EBCBE1}">
-              <a14:hiddenEffects xmlns:a14="http://schemas.microsoft.com/office/drawing/2010/main">
-                <a:effectLst>
-                  <a:outerShdw dist="35921" dir="2700000" algn="ctr" rotWithShape="0">
-                    <a:schemeClr val="bg2"/>
-                  </a:outerShdw>
-                </a:effectLst>
-              </a14:hiddenEffects>
-            </a:ext>
-          </a:extLst>
-        </p:spPr>
-      </p:pic>
-      <p:sp>
-        <p:nvSpPr>
-          <p:cNvPr id="6" name="矩形 5"/>
-          <p:cNvSpPr/>
-          <p:nvPr/>
-        </p:nvSpPr>
-        <p:spPr>
-          <a:xfrm>
-            <a:off x="3253176" y="4061390"/>
-            <a:ext cx="8016552" cy="1815882"/>
-          </a:xfrm>
-          <a:prstGeom prst="rect">
-            <a:avLst/>
-          </a:prstGeom>
-        </p:spPr>
-        <p:txBody>
-          <a:bodyPr wrap="square">
-            <a:spAutoFit/>
-          </a:bodyPr>
-          <a:lstStyle/>
-          <a:p>
-            <a:pPr>
-              <a:spcBef>
-                <a:spcPts val="600"/>
-              </a:spcBef>
-            </a:pPr>
-            <a:r>
-              <a:rPr lang="zh-CN" altLang="en-US" sz="2800" dirty="0" smtClean="0">
-                <a:latin typeface="楷体" pitchFamily="49" charset="-122"/>
-                <a:ea typeface="楷体" pitchFamily="49" charset="-122"/>
-                <a:cs typeface="Times New Roman" pitchFamily="18" charset="0"/>
-              </a:rPr>
-              <a:t>    为</a:t>
-            </a:r>
-            <a:r>
-              <a:rPr lang="zh-CN" altLang="en-US" sz="2800" dirty="0">
-                <a:latin typeface="楷体" pitchFamily="49" charset="-122"/>
-                <a:ea typeface="楷体" pitchFamily="49" charset="-122"/>
-                <a:cs typeface="Times New Roman" pitchFamily="18" charset="0"/>
-              </a:rPr>
-              <a:t>加强</a:t>
-            </a:r>
-            <a:r>
-              <a:rPr lang="zh-CN" altLang="en-US" sz="2800" b="1" dirty="0">
-                <a:solidFill>
-                  <a:srgbClr val="FF0000"/>
-                </a:solidFill>
-                <a:latin typeface="楷体" pitchFamily="49" charset="-122"/>
-                <a:ea typeface="楷体" pitchFamily="49" charset="-122"/>
-                <a:cs typeface="Times New Roman" pitchFamily="18" charset="0"/>
-              </a:rPr>
-              <a:t>公车购置及运行费用控制与管理</a:t>
-            </a:r>
-            <a:r>
-              <a:rPr lang="zh-CN" altLang="en-US" sz="2800" dirty="0">
-                <a:latin typeface="楷体" pitchFamily="49" charset="-122"/>
-                <a:ea typeface="楷体" pitchFamily="49" charset="-122"/>
-                <a:cs typeface="Times New Roman" pitchFamily="18" charset="0"/>
-              </a:rPr>
-              <a:t>，使公车运行费用</a:t>
-            </a:r>
-            <a:r>
-              <a:rPr lang="zh-CN" altLang="en-US" sz="2800" dirty="0">
-                <a:solidFill>
-                  <a:srgbClr val="FF0000"/>
-                </a:solidFill>
-                <a:latin typeface="楷体" pitchFamily="49" charset="-122"/>
-                <a:ea typeface="楷体" pitchFamily="49" charset="-122"/>
-                <a:cs typeface="Times New Roman" pitchFamily="18" charset="0"/>
-              </a:rPr>
-              <a:t>更加合理、透明、可控</a:t>
-            </a:r>
-            <a:r>
-              <a:rPr lang="zh-CN" altLang="en-US" sz="2800" dirty="0">
-                <a:latin typeface="楷体" pitchFamily="49" charset="-122"/>
-                <a:ea typeface="楷体" pitchFamily="49" charset="-122"/>
-                <a:cs typeface="Times New Roman" pitchFamily="18" charset="0"/>
-              </a:rPr>
-              <a:t>，使</a:t>
-            </a:r>
-            <a:r>
-              <a:rPr lang="zh-CN" altLang="en-US" sz="2800" dirty="0">
-                <a:solidFill>
-                  <a:srgbClr val="FF0000"/>
-                </a:solidFill>
-                <a:latin typeface="楷体" pitchFamily="49" charset="-122"/>
-                <a:ea typeface="楷体" pitchFamily="49" charset="-122"/>
-                <a:cs typeface="Times New Roman" pitchFamily="18" charset="0"/>
-              </a:rPr>
-              <a:t>各项费用指标能够准确、快速统计分析</a:t>
-            </a:r>
-            <a:r>
-              <a:rPr lang="zh-CN" altLang="en-US" sz="2800" dirty="0">
-                <a:latin typeface="楷体" pitchFamily="49" charset="-122"/>
-                <a:ea typeface="楷体" pitchFamily="49" charset="-122"/>
-                <a:cs typeface="Times New Roman" pitchFamily="18" charset="0"/>
-              </a:rPr>
-              <a:t>，成为各级政府和用车单位迫切需要解决的问题。</a:t>
-            </a:r>
-            <a:endParaRPr lang="zh-CN" altLang="en-US" sz="2800" dirty="0">
-              <a:latin typeface="楷体" pitchFamily="49" charset="-122"/>
-              <a:ea typeface="楷体" pitchFamily="49" charset="-122"/>
-              <a:cs typeface="Times New Roman" pitchFamily="18" charset="0"/>
-            </a:endParaRPr>
-          </a:p>
-        </p:txBody>
-      </p:sp>
-    </p:spTree>
-    <p:extLst>
-      <p:ext uri="{BB962C8B-B14F-4D97-AF65-F5344CB8AC3E}">
-        <p14:creationId xmlns:p14="http://schemas.microsoft.com/office/powerpoint/2010/main" val="1622542153"/>
       </p:ext>
     </p:extLst>
   </p:cSld>
@@ -8555,9 +10622,211 @@
           </a:p>
         </p:txBody>
       </p:sp>
+      <p:sp>
+        <p:nvSpPr>
+          <p:cNvPr id="4" name="矩形 3"/>
+          <p:cNvSpPr/>
+          <p:nvPr/>
+        </p:nvSpPr>
+        <p:spPr>
+          <a:xfrm>
+            <a:off x="695400" y="1398255"/>
+            <a:ext cx="10585176" cy="2246769"/>
+          </a:xfrm>
+          <a:prstGeom prst="rect">
+            <a:avLst/>
+          </a:prstGeom>
+        </p:spPr>
+        <p:txBody>
+          <a:bodyPr wrap="square">
+            <a:spAutoFit/>
+          </a:bodyPr>
+          <a:lstStyle/>
+          <a:p>
+            <a:pPr>
+              <a:spcBef>
+                <a:spcPts val="600"/>
+              </a:spcBef>
+            </a:pPr>
+            <a:r>
+              <a:rPr lang="zh-CN" altLang="en-US" sz="2800" dirty="0">
+                <a:latin typeface="楷体" pitchFamily="49" charset="-122"/>
+                <a:ea typeface="楷体" pitchFamily="49" charset="-122"/>
+                <a:cs typeface="Times New Roman" pitchFamily="18" charset="0"/>
+              </a:rPr>
+              <a:t>     </a:t>
+            </a:r>
+            <a:r>
+              <a:rPr lang="zh-CN" altLang="en-US" sz="2800" u="sng" dirty="0">
+                <a:latin typeface="楷体" pitchFamily="49" charset="-122"/>
+                <a:ea typeface="楷体" pitchFamily="49" charset="-122"/>
+                <a:cs typeface="Times New Roman" pitchFamily="18" charset="0"/>
+              </a:rPr>
+              <a:t>中央和各级政府</a:t>
+            </a:r>
+            <a:r>
+              <a:rPr lang="zh-CN" altLang="en-US" sz="2800" dirty="0">
+                <a:latin typeface="楷体" pitchFamily="49" charset="-122"/>
+                <a:ea typeface="楷体" pitchFamily="49" charset="-122"/>
+                <a:cs typeface="Times New Roman" pitchFamily="18" charset="0"/>
+              </a:rPr>
+              <a:t>也在针对公务用车不断做出</a:t>
+            </a:r>
+            <a:r>
+              <a:rPr lang="zh-CN" altLang="en-US" sz="2800" u="sng" dirty="0">
+                <a:latin typeface="楷体" pitchFamily="49" charset="-122"/>
+                <a:ea typeface="楷体" pitchFamily="49" charset="-122"/>
+                <a:cs typeface="Times New Roman" pitchFamily="18" charset="0"/>
+              </a:rPr>
+              <a:t>新的规定</a:t>
+            </a:r>
+            <a:r>
+              <a:rPr lang="zh-CN" altLang="en-US" sz="2800" dirty="0">
+                <a:latin typeface="楷体" pitchFamily="49" charset="-122"/>
+                <a:ea typeface="楷体" pitchFamily="49" charset="-122"/>
+                <a:cs typeface="Times New Roman" pitchFamily="18" charset="0"/>
+              </a:rPr>
+              <a:t>，中办</a:t>
+            </a:r>
+            <a:r>
+              <a:rPr lang="en-US" altLang="zh-CN" sz="2800" dirty="0">
+                <a:latin typeface="楷体" pitchFamily="49" charset="-122"/>
+                <a:ea typeface="楷体" pitchFamily="49" charset="-122"/>
+                <a:cs typeface="Times New Roman" pitchFamily="18" charset="0"/>
+              </a:rPr>
+              <a:t>《</a:t>
+            </a:r>
+            <a:r>
+              <a:rPr lang="zh-CN" altLang="en-US" sz="2800" dirty="0">
+                <a:latin typeface="楷体" pitchFamily="49" charset="-122"/>
+                <a:ea typeface="楷体" pitchFamily="49" charset="-122"/>
+                <a:cs typeface="Times New Roman" pitchFamily="18" charset="0"/>
+              </a:rPr>
+              <a:t>党政机关公务用车配备使用管理办法</a:t>
+            </a:r>
+            <a:r>
+              <a:rPr lang="en-US" altLang="zh-CN" sz="2800" dirty="0">
+                <a:latin typeface="楷体" pitchFamily="49" charset="-122"/>
+                <a:ea typeface="楷体" pitchFamily="49" charset="-122"/>
+                <a:cs typeface="Times New Roman" pitchFamily="18" charset="0"/>
+              </a:rPr>
+              <a:t>》</a:t>
+            </a:r>
+            <a:r>
+              <a:rPr lang="zh-CN" altLang="en-US" sz="2800" dirty="0">
+                <a:latin typeface="楷体" pitchFamily="49" charset="-122"/>
+                <a:ea typeface="楷体" pitchFamily="49" charset="-122"/>
+                <a:cs typeface="Times New Roman" pitchFamily="18" charset="0"/>
+              </a:rPr>
+              <a:t>、国务院</a:t>
+            </a:r>
+            <a:r>
+              <a:rPr lang="en-US" altLang="zh-CN" sz="2800" dirty="0">
+                <a:latin typeface="楷体" pitchFamily="49" charset="-122"/>
+                <a:ea typeface="楷体" pitchFamily="49" charset="-122"/>
+                <a:cs typeface="Times New Roman" pitchFamily="18" charset="0"/>
+              </a:rPr>
+              <a:t>《</a:t>
+            </a:r>
+            <a:r>
+              <a:rPr lang="zh-CN" altLang="en-US" sz="2800" dirty="0">
+                <a:latin typeface="楷体" pitchFamily="49" charset="-122"/>
+                <a:ea typeface="楷体" pitchFamily="49" charset="-122"/>
+                <a:cs typeface="Times New Roman" pitchFamily="18" charset="0"/>
+              </a:rPr>
+              <a:t>机关事务管理条例（征求意见稿）</a:t>
+            </a:r>
+            <a:r>
+              <a:rPr lang="en-US" altLang="zh-CN" sz="2800" dirty="0">
+                <a:latin typeface="楷体" pitchFamily="49" charset="-122"/>
+                <a:ea typeface="楷体" pitchFamily="49" charset="-122"/>
+                <a:cs typeface="Times New Roman" pitchFamily="18" charset="0"/>
+              </a:rPr>
+              <a:t>》</a:t>
+            </a:r>
+            <a:r>
+              <a:rPr lang="zh-CN" altLang="en-US" sz="2800" dirty="0">
+                <a:latin typeface="楷体" pitchFamily="49" charset="-122"/>
+                <a:ea typeface="楷体" pitchFamily="49" charset="-122"/>
+                <a:cs typeface="Times New Roman" pitchFamily="18" charset="0"/>
+              </a:rPr>
+              <a:t>、</a:t>
+            </a:r>
+            <a:r>
+              <a:rPr lang="en-US" altLang="zh-CN" sz="2800" dirty="0">
+                <a:latin typeface="楷体" pitchFamily="49" charset="-122"/>
+                <a:ea typeface="楷体" pitchFamily="49" charset="-122"/>
+                <a:cs typeface="Times New Roman" pitchFamily="18" charset="0"/>
+              </a:rPr>
+              <a:t>《</a:t>
+            </a:r>
+            <a:r>
+              <a:rPr lang="zh-CN" altLang="en-US" sz="2800" dirty="0">
+                <a:latin typeface="楷体" pitchFamily="49" charset="-122"/>
+                <a:ea typeface="楷体" pitchFamily="49" charset="-122"/>
+                <a:cs typeface="Times New Roman" pitchFamily="18" charset="0"/>
+              </a:rPr>
+              <a:t>轻型汽车燃料消耗量标示管理规定</a:t>
+            </a:r>
+            <a:r>
+              <a:rPr lang="en-US" altLang="zh-CN" sz="2800" dirty="0">
+                <a:latin typeface="楷体" pitchFamily="49" charset="-122"/>
+                <a:ea typeface="楷体" pitchFamily="49" charset="-122"/>
+                <a:cs typeface="Times New Roman" pitchFamily="18" charset="0"/>
+              </a:rPr>
+              <a:t>》</a:t>
+            </a:r>
+            <a:r>
+              <a:rPr lang="zh-CN" altLang="en-US" sz="2800" dirty="0">
+                <a:latin typeface="楷体" pitchFamily="49" charset="-122"/>
+                <a:ea typeface="楷体" pitchFamily="49" charset="-122"/>
+                <a:cs typeface="Times New Roman" pitchFamily="18" charset="0"/>
+              </a:rPr>
+              <a:t>、</a:t>
+            </a:r>
+            <a:r>
+              <a:rPr lang="en-US" altLang="zh-CN" sz="2800" dirty="0">
+                <a:latin typeface="楷体" pitchFamily="49" charset="-122"/>
+                <a:ea typeface="楷体" pitchFamily="49" charset="-122"/>
+                <a:cs typeface="Times New Roman" pitchFamily="18" charset="0"/>
+              </a:rPr>
+              <a:t>《</a:t>
+            </a:r>
+            <a:r>
+              <a:rPr lang="zh-CN" altLang="en-US" sz="2800" dirty="0">
+                <a:latin typeface="楷体" pitchFamily="49" charset="-122"/>
+                <a:ea typeface="楷体" pitchFamily="49" charset="-122"/>
+                <a:cs typeface="Times New Roman" pitchFamily="18" charset="0"/>
+              </a:rPr>
+              <a:t>乘用车燃料消耗量评价方法及指标</a:t>
+            </a:r>
+            <a:r>
+              <a:rPr lang="en-US" altLang="zh-CN" sz="2800" dirty="0">
+                <a:latin typeface="楷体" pitchFamily="49" charset="-122"/>
+                <a:ea typeface="楷体" pitchFamily="49" charset="-122"/>
+                <a:cs typeface="Times New Roman" pitchFamily="18" charset="0"/>
+              </a:rPr>
+              <a:t>》</a:t>
+            </a:r>
+            <a:r>
+              <a:rPr lang="zh-CN" altLang="en-US" sz="2800" dirty="0">
+                <a:latin typeface="楷体" pitchFamily="49" charset="-122"/>
+                <a:ea typeface="楷体" pitchFamily="49" charset="-122"/>
+                <a:cs typeface="Times New Roman" pitchFamily="18" charset="0"/>
+              </a:rPr>
+              <a:t>等规定不断出台，加大了对公车的配备和燃油消耗、维修保养等方面的硬性控制。</a:t>
+            </a:r>
+            <a:endParaRPr lang="en-US" altLang="zh-CN" sz="2800" dirty="0">
+              <a:latin typeface="楷体" pitchFamily="49" charset="-122"/>
+              <a:ea typeface="楷体" pitchFamily="49" charset="-122"/>
+              <a:cs typeface="Times New Roman" pitchFamily="18" charset="0"/>
+            </a:endParaRPr>
+          </a:p>
+        </p:txBody>
+      </p:sp>
       <p:pic>
         <p:nvPicPr>
-          <p:cNvPr id="4" name="Picture 2"/>
+          <p:cNvPr id="5" name="Picture 2"/>
           <p:cNvPicPr>
             <a:picLocks noChangeAspect="1" noChangeArrowheads="1"/>
           </p:cNvPicPr>
@@ -8578,8 +10847,8 @@
         </p:blipFill>
         <p:spPr bwMode="auto">
           <a:xfrm>
-            <a:off x="935405" y="2567087"/>
-            <a:ext cx="2880320" cy="2758318"/>
+            <a:off x="620425" y="4760021"/>
+            <a:ext cx="2276475" cy="1143000"/>
           </a:xfrm>
           <a:prstGeom prst="rect">
             <a:avLst/>
@@ -8619,109 +10888,156 @@
           </a:extLst>
         </p:spPr>
       </p:pic>
-      <p:grpSp>
-        <p:nvGrpSpPr>
-          <p:cNvPr id="6" name="组合 5"/>
-          <p:cNvGrpSpPr/>
+      <p:sp>
+        <p:nvSpPr>
+          <p:cNvPr id="6" name="矩形 5"/>
+          <p:cNvSpPr/>
           <p:nvPr/>
-        </p:nvGrpSpPr>
-        <p:grpSpPr>
+        </p:nvSpPr>
+        <p:spPr>
           <a:xfrm>
-            <a:off x="5039489" y="3142573"/>
-            <a:ext cx="5688632" cy="923330"/>
-            <a:chOff x="5519936" y="3153742"/>
-            <a:chExt cx="5688632" cy="923330"/>
+            <a:off x="3253176" y="4061390"/>
+            <a:ext cx="8016552" cy="1815882"/>
           </a:xfrm>
-        </p:grpSpPr>
-        <p:sp>
-          <p:nvSpPr>
-            <p:cNvPr id="3" name="TextBox 2"/>
-            <p:cNvSpPr txBox="1"/>
-            <p:nvPr/>
-          </p:nvSpPr>
-          <p:spPr>
-            <a:xfrm>
-              <a:off x="6384032" y="3153742"/>
-              <a:ext cx="4824536" cy="923330"/>
-            </a:xfrm>
-            <a:prstGeom prst="rect">
-              <a:avLst/>
-            </a:prstGeom>
-            <a:noFill/>
-          </p:spPr>
-          <p:txBody>
-            <a:bodyPr wrap="square" rtlCol="0">
-              <a:spAutoFit/>
-            </a:bodyPr>
-            <a:lstStyle/>
-            <a:p>
-              <a:r>
-                <a:rPr lang="zh-CN" altLang="en-US" sz="5400" b="1" dirty="0" smtClean="0">
-                  <a:latin typeface="楷体" pitchFamily="49" charset="-122"/>
-                  <a:ea typeface="楷体" pitchFamily="49" charset="-122"/>
-                </a:rPr>
-                <a:t>项目介绍 </a:t>
-              </a:r>
-              <a:endParaRPr lang="zh-CN" altLang="en-US" sz="5400" b="1" dirty="0">
-                <a:latin typeface="楷体" pitchFamily="49" charset="-122"/>
-                <a:ea typeface="楷体" pitchFamily="49" charset="-122"/>
-              </a:endParaRPr>
-            </a:p>
-          </p:txBody>
-        </p:sp>
-        <p:sp>
-          <p:nvSpPr>
-            <p:cNvPr id="5" name="六角星 4"/>
-            <p:cNvSpPr/>
-            <p:nvPr/>
-          </p:nvSpPr>
-          <p:spPr>
-            <a:xfrm>
-              <a:off x="5519936" y="3356992"/>
-              <a:ext cx="576064" cy="600423"/>
-            </a:xfrm>
-            <a:prstGeom prst="star6">
-              <a:avLst/>
-            </a:prstGeom>
-            <a:solidFill>
-              <a:srgbClr val="C00000"/>
-            </a:solidFill>
-            <a:ln>
-              <a:solidFill>
-                <a:srgbClr val="C00000"/>
-              </a:solidFill>
-            </a:ln>
-          </p:spPr>
-          <p:style>
-            <a:lnRef idx="2">
-              <a:schemeClr val="accent1">
-                <a:shade val="50000"/>
-              </a:schemeClr>
-            </a:lnRef>
-            <a:fillRef idx="1">
-              <a:schemeClr val="accent1"/>
-            </a:fillRef>
-            <a:effectRef idx="0">
-              <a:schemeClr val="accent1"/>
-            </a:effectRef>
-            <a:fontRef idx="minor">
-              <a:schemeClr val="lt1"/>
-            </a:fontRef>
-          </p:style>
-          <p:txBody>
-            <a:bodyPr rtlCol="0" anchor="ctr"/>
-            <a:lstStyle/>
-            <a:p>
-              <a:pPr algn="ctr"/>
-              <a:endParaRPr lang="zh-CN" altLang="en-US"/>
-            </a:p>
-          </p:txBody>
-        </p:sp>
-      </p:grpSp>
+          <a:prstGeom prst="rect">
+            <a:avLst/>
+          </a:prstGeom>
+        </p:spPr>
+        <p:txBody>
+          <a:bodyPr wrap="square">
+            <a:spAutoFit/>
+          </a:bodyPr>
+          <a:lstStyle/>
+          <a:p>
+            <a:pPr>
+              <a:spcBef>
+                <a:spcPts val="600"/>
+              </a:spcBef>
+            </a:pPr>
+            <a:r>
+              <a:rPr lang="zh-CN" altLang="en-US" sz="2800" dirty="0">
+                <a:latin typeface="楷体" pitchFamily="49" charset="-122"/>
+                <a:ea typeface="楷体" pitchFamily="49" charset="-122"/>
+                <a:cs typeface="Times New Roman" pitchFamily="18" charset="0"/>
+              </a:rPr>
+              <a:t>    为加强</a:t>
+            </a:r>
+            <a:r>
+              <a:rPr lang="zh-CN" altLang="en-US" sz="2800" b="1" dirty="0">
+                <a:solidFill>
+                  <a:srgbClr val="FF0000"/>
+                </a:solidFill>
+                <a:latin typeface="楷体" pitchFamily="49" charset="-122"/>
+                <a:ea typeface="楷体" pitchFamily="49" charset="-122"/>
+                <a:cs typeface="Times New Roman" pitchFamily="18" charset="0"/>
+              </a:rPr>
+              <a:t>公车购置及运行费用控制与管理</a:t>
+            </a:r>
+            <a:r>
+              <a:rPr lang="zh-CN" altLang="en-US" sz="2800" dirty="0">
+                <a:latin typeface="楷体" pitchFamily="49" charset="-122"/>
+                <a:ea typeface="楷体" pitchFamily="49" charset="-122"/>
+                <a:cs typeface="Times New Roman" pitchFamily="18" charset="0"/>
+              </a:rPr>
+              <a:t>，使公车运行费用</a:t>
+            </a:r>
+            <a:r>
+              <a:rPr lang="zh-CN" altLang="en-US" sz="2800" dirty="0">
+                <a:solidFill>
+                  <a:srgbClr val="FF0000"/>
+                </a:solidFill>
+                <a:latin typeface="楷体" pitchFamily="49" charset="-122"/>
+                <a:ea typeface="楷体" pitchFamily="49" charset="-122"/>
+                <a:cs typeface="Times New Roman" pitchFamily="18" charset="0"/>
+              </a:rPr>
+              <a:t>更加合理、透明、可控</a:t>
+            </a:r>
+            <a:r>
+              <a:rPr lang="zh-CN" altLang="en-US" sz="2800" dirty="0">
+                <a:latin typeface="楷体" pitchFamily="49" charset="-122"/>
+                <a:ea typeface="楷体" pitchFamily="49" charset="-122"/>
+                <a:cs typeface="Times New Roman" pitchFamily="18" charset="0"/>
+              </a:rPr>
+              <a:t>，使</a:t>
+            </a:r>
+            <a:r>
+              <a:rPr lang="zh-CN" altLang="en-US" sz="2800" dirty="0">
+                <a:solidFill>
+                  <a:srgbClr val="FF0000"/>
+                </a:solidFill>
+                <a:latin typeface="楷体" pitchFamily="49" charset="-122"/>
+                <a:ea typeface="楷体" pitchFamily="49" charset="-122"/>
+                <a:cs typeface="Times New Roman" pitchFamily="18" charset="0"/>
+              </a:rPr>
+              <a:t>各项费用指标能够准确、快速统计分析</a:t>
+            </a:r>
+            <a:r>
+              <a:rPr lang="zh-CN" altLang="en-US" sz="2800" dirty="0">
+                <a:latin typeface="楷体" pitchFamily="49" charset="-122"/>
+                <a:ea typeface="楷体" pitchFamily="49" charset="-122"/>
+                <a:cs typeface="Times New Roman" pitchFamily="18" charset="0"/>
+              </a:rPr>
+              <a:t>，成为各级政府和用车单位迫切需要解决的问题。</a:t>
+            </a:r>
+          </a:p>
+        </p:txBody>
+      </p:sp>
+      <p:sp>
+        <p:nvSpPr>
+          <p:cNvPr id="7" name="TextBox 4">
+            <a:extLst>
+              <a:ext uri="{FF2B5EF4-FFF2-40B4-BE49-F238E27FC236}">
+                <a16:creationId xmlns:a16="http://schemas.microsoft.com/office/drawing/2014/main" id="{1B9FD0A4-AD8A-5049-935E-2EC6D56BC589}"/>
+              </a:ext>
+            </a:extLst>
+          </p:cNvPr>
+          <p:cNvSpPr txBox="1"/>
+          <p:nvPr/>
+        </p:nvSpPr>
+        <p:spPr>
+          <a:xfrm>
+            <a:off x="335360" y="124776"/>
+            <a:ext cx="6048672" cy="769441"/>
+          </a:xfrm>
+          <a:prstGeom prst="rect">
+            <a:avLst/>
+          </a:prstGeom>
+          <a:noFill/>
+        </p:spPr>
+        <p:txBody>
+          <a:bodyPr wrap="square" rtlCol="0">
+            <a:spAutoFit/>
+          </a:bodyPr>
+          <a:lstStyle/>
+          <a:p>
+            <a:r>
+              <a:rPr lang="zh-CN" altLang="en-US" sz="4400" b="1" dirty="0">
+                <a:latin typeface="楷体" pitchFamily="49" charset="-122"/>
+                <a:ea typeface="楷体" pitchFamily="49" charset="-122"/>
+              </a:rPr>
+              <a:t>需求分析 </a:t>
+            </a:r>
+            <a:r>
+              <a:rPr lang="en-US" altLang="zh-CN" sz="4400" b="1" dirty="0">
+                <a:latin typeface="楷体" pitchFamily="49" charset="-122"/>
+                <a:ea typeface="楷体" pitchFamily="49" charset="-122"/>
+              </a:rPr>
+              <a:t>--</a:t>
+            </a:r>
+            <a:r>
+              <a:rPr lang="zh-CN" altLang="en-US" sz="4400" b="1" dirty="0">
+                <a:latin typeface="楷体" pitchFamily="49" charset="-122"/>
+                <a:ea typeface="楷体" pitchFamily="49" charset="-122"/>
+              </a:rPr>
+              <a:t> 项目背景 </a:t>
+            </a:r>
+          </a:p>
+        </p:txBody>
+      </p:sp>
     </p:spTree>
     <p:extLst>
       <p:ext uri="{BB962C8B-B14F-4D97-AF65-F5344CB8AC3E}">
-        <p14:creationId xmlns:p14="http://schemas.microsoft.com/office/powerpoint/2010/main" val="3395951677"/>
+        <p14:creationId xmlns:p14="http://schemas.microsoft.com/office/powerpoint/2010/main" val="1622542153"/>
       </p:ext>
     </p:extLst>
   </p:cSld>
@@ -8804,14 +11120,14 @@
               </a:spcBef>
             </a:pPr>
             <a:r>
-              <a:rPr lang="en-US" altLang="zh-CN" sz="2800" dirty="0" smtClean="0">
+              <a:rPr lang="en-US" altLang="zh-CN" sz="2800" dirty="0">
                 <a:latin typeface="楷体" pitchFamily="49" charset="-122"/>
                 <a:ea typeface="楷体" pitchFamily="49" charset="-122"/>
               </a:rPr>
               <a:t>    </a:t>
             </a:r>
             <a:r>
-              <a:rPr lang="zh-CN" altLang="zh-CN" sz="2800" dirty="0" smtClean="0">
+              <a:rPr lang="zh-CN" altLang="zh-CN" sz="2800" dirty="0">
                 <a:latin typeface="楷体" pitchFamily="49" charset="-122"/>
                 <a:ea typeface="楷体" pitchFamily="49" charset="-122"/>
               </a:rPr>
@@ -8845,7 +11161,7 @@
               <a:t>提高企业管理质量</a:t>
             </a:r>
             <a:r>
-              <a:rPr lang="zh-CN" altLang="zh-CN" sz="2800" dirty="0" smtClean="0">
+              <a:rPr lang="zh-CN" altLang="zh-CN" sz="2800" dirty="0">
                 <a:latin typeface="楷体" pitchFamily="49" charset="-122"/>
                 <a:ea typeface="楷体" pitchFamily="49" charset="-122"/>
               </a:rPr>
@@ -8869,83 +11185,62 @@
               <a:t>，</a:t>
             </a:r>
             <a:r>
-              <a:rPr lang="zh-CN" altLang="en-US" sz="2800" dirty="0" smtClean="0">
-                <a:latin typeface="楷体" pitchFamily="49" charset="-122"/>
-                <a:ea typeface="楷体" pitchFamily="49" charset="-122"/>
-              </a:rPr>
-              <a:t>本项目针对联通各公司的公务用车情况设计了一套公务车管理系统，</a:t>
-            </a:r>
-            <a:r>
               <a:rPr lang="zh-CN" altLang="en-US" sz="2800" dirty="0">
                 <a:latin typeface="楷体" pitchFamily="49" charset="-122"/>
                 <a:ea typeface="楷体" pitchFamily="49" charset="-122"/>
               </a:rPr>
-              <a:t>以便</a:t>
-            </a:r>
-            <a:r>
-              <a:rPr lang="zh-CN" altLang="zh-CN" sz="2800" dirty="0" smtClean="0">
+              <a:t>本项目针对联通各公司的公务用车情况设计了一套公务车管理系统，以便</a:t>
+            </a:r>
+            <a:r>
+              <a:rPr lang="zh-CN" altLang="zh-CN" sz="2800" dirty="0">
                 <a:latin typeface="楷体" pitchFamily="49" charset="-122"/>
                 <a:ea typeface="楷体" pitchFamily="49" charset="-122"/>
               </a:rPr>
               <a:t>管理</a:t>
             </a:r>
             <a:r>
-              <a:rPr lang="zh-CN" altLang="en-US" sz="2800" dirty="0" smtClean="0">
+              <a:rPr lang="zh-CN" altLang="en-US" sz="2800" dirty="0">
                 <a:latin typeface="楷体" pitchFamily="49" charset="-122"/>
                 <a:ea typeface="楷体" pitchFamily="49" charset="-122"/>
               </a:rPr>
               <a:t>者和</a:t>
             </a:r>
             <a:r>
-              <a:rPr lang="zh-CN" altLang="zh-CN" sz="2800" dirty="0" smtClean="0">
+              <a:rPr lang="zh-CN" altLang="zh-CN" sz="2800" dirty="0">
                 <a:latin typeface="楷体" pitchFamily="49" charset="-122"/>
                 <a:ea typeface="楷体" pitchFamily="49" charset="-122"/>
               </a:rPr>
               <a:t>使用</a:t>
             </a:r>
             <a:r>
-              <a:rPr lang="zh-CN" altLang="en-US" sz="2800" dirty="0" smtClean="0">
+              <a:rPr lang="zh-CN" altLang="en-US" sz="2800" dirty="0">
                 <a:latin typeface="楷体" pitchFamily="49" charset="-122"/>
                 <a:ea typeface="楷体" pitchFamily="49" charset="-122"/>
               </a:rPr>
               <a:t>者</a:t>
             </a:r>
             <a:r>
-              <a:rPr lang="zh-CN" altLang="zh-CN" sz="2800" dirty="0" smtClean="0">
+              <a:rPr lang="zh-CN" altLang="zh-CN" sz="2800" dirty="0">
                 <a:latin typeface="楷体" pitchFamily="49" charset="-122"/>
                 <a:ea typeface="楷体" pitchFamily="49" charset="-122"/>
               </a:rPr>
               <a:t>及时了解</a:t>
             </a:r>
             <a:r>
-              <a:rPr lang="zh-CN" altLang="en-US" sz="2800" dirty="0" smtClean="0">
+              <a:rPr lang="zh-CN" altLang="en-US" sz="2800" dirty="0">
                 <a:latin typeface="楷体" pitchFamily="49" charset="-122"/>
                 <a:ea typeface="楷体" pitchFamily="49" charset="-122"/>
               </a:rPr>
               <a:t>车辆</a:t>
             </a:r>
             <a:r>
-              <a:rPr lang="zh-CN" altLang="zh-CN" sz="2800" dirty="0" smtClean="0">
-                <a:latin typeface="楷体" pitchFamily="49" charset="-122"/>
-                <a:ea typeface="楷体" pitchFamily="49" charset="-122"/>
-              </a:rPr>
-              <a:t>的</a:t>
-            </a:r>
-            <a:r>
               <a:rPr lang="zh-CN" altLang="zh-CN" sz="2800" dirty="0">
                 <a:latin typeface="楷体" pitchFamily="49" charset="-122"/>
                 <a:ea typeface="楷体" pitchFamily="49" charset="-122"/>
               </a:rPr>
-              <a:t>具体情况，提高车的使用效率减少费用的</a:t>
-            </a:r>
-            <a:r>
-              <a:rPr lang="zh-CN" altLang="zh-CN" sz="2800" dirty="0" smtClean="0">
-                <a:latin typeface="楷体" pitchFamily="49" charset="-122"/>
-                <a:ea typeface="楷体" pitchFamily="49" charset="-122"/>
-              </a:rPr>
-              <a:t>支出。</a:t>
-            </a:r>
-            <a:endParaRPr lang="en-US" altLang="zh-CN" sz="2800" dirty="0" smtClean="0">
+              <a:t>的具体情况，提高车的使用效率减少费用的支出。</a:t>
+            </a:r>
+            <a:endParaRPr lang="en-US" altLang="zh-CN" sz="2800" dirty="0">
               <a:latin typeface="楷体" pitchFamily="49" charset="-122"/>
               <a:ea typeface="楷体" pitchFamily="49" charset="-122"/>
             </a:endParaRPr>
@@ -8956,7 +11251,7 @@
                 <a:spcPts val="600"/>
               </a:spcBef>
             </a:pPr>
-            <a:endParaRPr lang="en-US" altLang="zh-CN" sz="2800" dirty="0" smtClean="0">
+            <a:endParaRPr lang="en-US" altLang="zh-CN" sz="2800" dirty="0">
               <a:latin typeface="楷体" pitchFamily="49" charset="-122"/>
               <a:ea typeface="楷体" pitchFamily="49" charset="-122"/>
             </a:endParaRPr>
@@ -8972,52 +11267,9 @@
                 <a:latin typeface="楷体" pitchFamily="49" charset="-122"/>
                 <a:ea typeface="楷体" pitchFamily="49" charset="-122"/>
               </a:rPr>
-              <a:t> </a:t>
-            </a:r>
-            <a:r>
-              <a:rPr lang="en-US" altLang="zh-CN" sz="2800" dirty="0" smtClean="0">
-                <a:latin typeface="楷体" pitchFamily="49" charset="-122"/>
-                <a:ea typeface="楷体" pitchFamily="49" charset="-122"/>
-              </a:rPr>
-              <a:t>   </a:t>
+              <a:t>    </a:t>
             </a:r>
             <a:endParaRPr lang="zh-CN" altLang="zh-CN" sz="2800" dirty="0">
-              <a:latin typeface="楷体" pitchFamily="49" charset="-122"/>
-              <a:ea typeface="楷体" pitchFamily="49" charset="-122"/>
-            </a:endParaRPr>
-          </a:p>
-        </p:txBody>
-      </p:sp>
-      <p:sp>
-        <p:nvSpPr>
-          <p:cNvPr id="4" name="TextBox 3"/>
-          <p:cNvSpPr txBox="1"/>
-          <p:nvPr/>
-        </p:nvSpPr>
-        <p:spPr>
-          <a:xfrm>
-            <a:off x="263352" y="175802"/>
-            <a:ext cx="4824536" cy="769441"/>
-          </a:xfrm>
-          <a:prstGeom prst="rect">
-            <a:avLst/>
-          </a:prstGeom>
-          <a:noFill/>
-        </p:spPr>
-        <p:txBody>
-          <a:bodyPr wrap="square" rtlCol="0">
-            <a:spAutoFit/>
-          </a:bodyPr>
-          <a:lstStyle/>
-          <a:p>
-            <a:r>
-              <a:rPr lang="zh-CN" altLang="en-US" sz="4400" b="1" dirty="0" smtClean="0">
-                <a:latin typeface="楷体" pitchFamily="49" charset="-122"/>
-                <a:ea typeface="楷体" pitchFamily="49" charset="-122"/>
-              </a:rPr>
-              <a:t>项目介绍 </a:t>
-            </a:r>
-            <a:endParaRPr lang="zh-CN" altLang="en-US" sz="4400" b="1" dirty="0">
               <a:latin typeface="楷体" pitchFamily="49" charset="-122"/>
               <a:ea typeface="楷体" pitchFamily="49" charset="-122"/>
             </a:endParaRPr>
@@ -9115,18 +11367,11 @@
               </a:spcBef>
             </a:pPr>
             <a:r>
-              <a:rPr lang="zh-CN" altLang="en-US" sz="2800" dirty="0" smtClean="0">
-                <a:latin typeface="楷体" pitchFamily="49" charset="-122"/>
-                <a:ea typeface="楷体" pitchFamily="49" charset="-122"/>
-              </a:rPr>
-              <a:t>    本</a:t>
-            </a:r>
-            <a:r>
               <a:rPr lang="zh-CN" altLang="en-US" sz="2800" dirty="0">
                 <a:latin typeface="楷体" pitchFamily="49" charset="-122"/>
                 <a:ea typeface="楷体" pitchFamily="49" charset="-122"/>
               </a:rPr>
-              <a:t>系统旨在为公司员工提供</a:t>
+              <a:t>    本系统旨在为公司员工提供</a:t>
             </a:r>
             <a:r>
               <a:rPr lang="zh-CN" altLang="en-US" sz="2800" b="1" dirty="0">
@@ -9195,28 +11440,14 @@
                 <a:latin typeface="楷体" pitchFamily="49" charset="-122"/>
                 <a:ea typeface="楷体" pitchFamily="49" charset="-122"/>
               </a:rPr>
-              <a:t> </a:t>
-            </a:r>
-            <a:r>
-              <a:rPr lang="en-US" altLang="zh-CN" sz="2800" dirty="0" smtClean="0">
-                <a:latin typeface="楷体" pitchFamily="49" charset="-122"/>
-                <a:ea typeface="楷体" pitchFamily="49" charset="-122"/>
-              </a:rPr>
-              <a:t>   </a:t>
-            </a:r>
-            <a:r>
-              <a:rPr lang="zh-CN" altLang="zh-CN" sz="2800" dirty="0" smtClean="0">
-                <a:latin typeface="楷体" pitchFamily="49" charset="-122"/>
-                <a:ea typeface="楷体" pitchFamily="49" charset="-122"/>
-              </a:rPr>
-              <a:t>本</a:t>
+              <a:t>    </a:t>
             </a:r>
             <a:r>
               <a:rPr lang="zh-CN" altLang="zh-CN" sz="2800" dirty="0">
                 <a:latin typeface="楷体" pitchFamily="49" charset="-122"/>
                 <a:ea typeface="楷体" pitchFamily="49" charset="-122"/>
               </a:rPr>
-              <a:t>项目</a:t>
+              <a:t>本项目</a:t>
             </a:r>
             <a:r>
               <a:rPr lang="zh-CN" altLang="en-US" sz="2800" dirty="0">
@@ -9356,52 +11587,45 @@
                 <a:latin typeface="楷体" pitchFamily="49" charset="-122"/>
                 <a:ea typeface="楷体" pitchFamily="49" charset="-122"/>
               </a:rPr>
-              <a:t>车辆管理信息化、</a:t>
-            </a:r>
-            <a:r>
-              <a:rPr lang="zh-CN" altLang="zh-CN" sz="2800" u="sng" dirty="0" smtClean="0">
-                <a:latin typeface="楷体" pitchFamily="49" charset="-122"/>
-                <a:ea typeface="楷体" pitchFamily="49" charset="-122"/>
-              </a:rPr>
-              <a:t>科学化</a:t>
-            </a:r>
-            <a:r>
-              <a:rPr lang="zh-CN" altLang="en-US" sz="2800" u="sng" dirty="0" smtClean="0">
+              <a:t>车辆管理信息化、科学化</a:t>
+            </a:r>
+            <a:r>
+              <a:rPr lang="zh-CN" altLang="en-US" sz="2800" u="sng" dirty="0">
                 <a:latin typeface="楷体" pitchFamily="49" charset="-122"/>
                 <a:ea typeface="楷体" pitchFamily="49" charset="-122"/>
               </a:rPr>
               <a:t>，</a:t>
             </a:r>
             <a:r>
-              <a:rPr lang="zh-CN" altLang="zh-CN" sz="2800" u="sng" dirty="0" smtClean="0">
+              <a:rPr lang="zh-CN" altLang="zh-CN" sz="2800" u="sng" dirty="0">
                 <a:latin typeface="楷体" pitchFamily="49" charset="-122"/>
                 <a:ea typeface="楷体" pitchFamily="49" charset="-122"/>
               </a:rPr>
               <a:t>规范</a:t>
             </a:r>
             <a:r>
-              <a:rPr lang="zh-CN" altLang="en-US" sz="2800" u="sng" dirty="0" smtClean="0">
+              <a:rPr lang="zh-CN" altLang="en-US" sz="2800" u="sng" dirty="0">
                 <a:latin typeface="楷体" pitchFamily="49" charset="-122"/>
                 <a:ea typeface="楷体" pitchFamily="49" charset="-122"/>
               </a:rPr>
               <a:t>化</a:t>
             </a:r>
             <a:r>
-              <a:rPr lang="zh-CN" altLang="zh-CN" sz="2800" u="sng" dirty="0" smtClean="0">
+              <a:rPr lang="zh-CN" altLang="zh-CN" sz="2800" u="sng" dirty="0">
                 <a:latin typeface="楷体" pitchFamily="49" charset="-122"/>
                 <a:ea typeface="楷体" pitchFamily="49" charset="-122"/>
               </a:rPr>
               <a:t>、高效</a:t>
             </a:r>
             <a:r>
-              <a:rPr lang="zh-CN" altLang="en-US" sz="2800" u="sng" dirty="0" smtClean="0">
+              <a:rPr lang="zh-CN" altLang="en-US" sz="2800" u="sng" dirty="0">
                 <a:latin typeface="楷体" pitchFamily="49" charset="-122"/>
                 <a:ea typeface="楷体" pitchFamily="49" charset="-122"/>
               </a:rPr>
               <a:t>化</a:t>
             </a:r>
             <a:r>
-              <a:rPr lang="zh-CN" altLang="zh-CN" sz="2800" dirty="0" smtClean="0">
+              <a:rPr lang="zh-CN" altLang="zh-CN" sz="2800" dirty="0">
                 <a:latin typeface="楷体" pitchFamily="49" charset="-122"/>
                 <a:ea typeface="楷体" pitchFamily="49" charset="-122"/>
               </a:rPr>
@@ -9429,6 +11653,58 @@
               <a:latin typeface="楷体" pitchFamily="49" charset="-122"/>
               <a:ea typeface="楷体" pitchFamily="49" charset="-122"/>
             </a:endParaRPr>
+          </a:p>
+        </p:txBody>
+      </p:sp>
+      <p:sp>
+        <p:nvSpPr>
+          <p:cNvPr id="7" name="TextBox 4">
+            <a:extLst>
+              <a:ext uri="{FF2B5EF4-FFF2-40B4-BE49-F238E27FC236}">
+                <a16:creationId xmlns:a16="http://schemas.microsoft.com/office/drawing/2014/main" id="{9285E072-0A3C-B842-9E2A-4B55EAC6E2AD}"/>
+              </a:ext>
+            </a:extLst>
+          </p:cNvPr>
+          <p:cNvSpPr txBox="1"/>
+          <p:nvPr/>
+        </p:nvSpPr>
+        <p:spPr>
+          <a:xfrm>
+            <a:off x="335360" y="124776"/>
+            <a:ext cx="6048672" cy="769441"/>
+          </a:xfrm>
+          <a:prstGeom prst="rect">
+            <a:avLst/>
+          </a:prstGeom>
+          <a:noFill/>
+        </p:spPr>
+        <p:txBody>
+          <a:bodyPr wrap="square" rtlCol="0">
+            <a:spAutoFit/>
+          </a:bodyPr>
+          <a:lstStyle/>
+          <a:p>
+            <a:r>
+              <a:rPr lang="zh-CN" altLang="en-US" sz="4400" b="1" dirty="0">
+                <a:latin typeface="楷体" pitchFamily="49" charset="-122"/>
+                <a:ea typeface="楷体" pitchFamily="49" charset="-122"/>
+              </a:rPr>
+              <a:t>需求分析 </a:t>
+            </a:r>
+            <a:r>
+              <a:rPr lang="en-US" altLang="zh-CN" sz="4400" b="1" dirty="0">
+                <a:latin typeface="楷体" pitchFamily="49" charset="-122"/>
+                <a:ea typeface="楷体" pitchFamily="49" charset="-122"/>
+              </a:rPr>
+              <a:t>--</a:t>
+            </a:r>
+            <a:r>
+              <a:rPr lang="zh-CN" altLang="en-US" sz="4400" b="1" dirty="0">
+                <a:latin typeface="楷体" pitchFamily="49" charset="-122"/>
+                <a:ea typeface="楷体" pitchFamily="49" charset="-122"/>
+              </a:rPr>
+              <a:t> 项目介绍 </a:t>
+            </a:r>
           </a:p>
         </p:txBody>
       </p:sp>
@@ -9592,16 +11868,12 @@
             <a:lstStyle/>
             <a:p>
               <a:r>
-                <a:rPr lang="zh-CN" altLang="en-US" sz="5400" b="1" dirty="0" smtClean="0">
+                <a:rPr lang="zh-CN" altLang="en-US" sz="5400" b="1" dirty="0">
                   <a:latin typeface="楷体" pitchFamily="49" charset="-122"/>
                   <a:ea typeface="楷体" pitchFamily="49" charset="-122"/>
                 </a:rPr>
-                <a:t>功能框架</a:t>
+                <a:t>功能介绍</a:t>
               </a:r>
-              <a:endParaRPr lang="zh-CN" altLang="en-US" sz="5400" b="1" dirty="0">
-                <a:latin typeface="楷体" pitchFamily="49" charset="-122"/>
-                <a:ea typeface="楷体" pitchFamily="49" charset="-122"/>
-              </a:endParaRPr>
             </a:p>
           </p:txBody>
         </p:sp>
@@ -9680,13 +11952,13 @@
               <a:buChar char="•"/>
             </a:pPr>
             <a:r>
-              <a:rPr lang="zh-CN" altLang="zh-CN" sz="3200" b="1" dirty="0" smtClean="0">
+              <a:rPr lang="zh-CN" altLang="zh-CN" sz="3200" b="1" dirty="0">
                 <a:latin typeface="楷体" pitchFamily="49" charset="-122"/>
                 <a:ea typeface="楷体" pitchFamily="49" charset="-122"/>
               </a:rPr>
               <a:t>信息管理</a:t>
             </a:r>
-            <a:endParaRPr lang="en-US" altLang="zh-CN" sz="3200" b="1" dirty="0" smtClean="0">
+            <a:endParaRPr lang="en-US" altLang="zh-CN" sz="3200" b="1" dirty="0">
               <a:latin typeface="楷体" pitchFamily="49" charset="-122"/>
               <a:ea typeface="楷体" pitchFamily="49" charset="-122"/>
             </a:endParaRPr>
@@ -9697,27 +11969,13 @@
               <a:buChar char="•"/>
             </a:pPr>
             <a:r>
-              <a:rPr lang="zh-CN" altLang="en-US" sz="3200" b="1" dirty="0" smtClean="0">
-                <a:latin typeface="楷体" pitchFamily="49" charset="-122"/>
-                <a:ea typeface="楷体" pitchFamily="49" charset="-122"/>
-              </a:rPr>
-              <a:t>派</a:t>
-            </a:r>
-            <a:r>
               <a:rPr lang="zh-CN" altLang="en-US" sz="3200" b="1" dirty="0">
                 <a:latin typeface="楷体" pitchFamily="49" charset="-122"/>
                 <a:ea typeface="楷体" pitchFamily="49" charset="-122"/>
               </a:rPr>
-              <a:t>车</a:t>
-            </a:r>
-            <a:r>
-              <a:rPr lang="zh-CN" altLang="en-US" sz="3200" b="1" dirty="0" smtClean="0">
-                <a:latin typeface="楷体" pitchFamily="49" charset="-122"/>
-                <a:ea typeface="楷体" pitchFamily="49" charset="-122"/>
-              </a:rPr>
-              <a:t>任务</a:t>
-            </a:r>
-            <a:endParaRPr lang="en-US" altLang="zh-CN" sz="3200" b="1" dirty="0" smtClean="0">
+              <a:t>派车任务</a:t>
+            </a:r>
+            <a:endParaRPr lang="en-US" altLang="zh-CN" sz="3200" b="1" dirty="0">
               <a:latin typeface="楷体" pitchFamily="49" charset="-122"/>
               <a:ea typeface="楷体" pitchFamily="49" charset="-122"/>
             </a:endParaRPr>
@@ -9802,13 +12060,6 @@
   <p:clrMapOvr>
     <a:masterClrMapping/>
   </p:clrMapOvr>
-  <p:timing>
-    <p:tnLst>
-      <p:par>
-        <p:cTn id="1" dur="indefinite" restart="never" nodeType="tmRoot"/>
-      </p:par>
-    </p:tnLst>
-  </p:timing>
 </p:sld>
 </file>
 
@@ -9860,37 +12111,86 @@
       </p:sp>
       <p:pic>
         <p:nvPicPr>
-          <p:cNvPr id="3" name="图片 2" descr="C:\Users\ZHANGY~1\AppData\Local\Temp\WeChat Files\cb5fd450a985fb687cb93a296a25691.png"/>
-          <p:cNvPicPr/>
+          <p:cNvPr id="4" name="图片 3">
+            <a:extLst>
+              <a:ext uri="{FF2B5EF4-FFF2-40B4-BE49-F238E27FC236}">
+                <a16:creationId xmlns:a16="http://schemas.microsoft.com/office/drawing/2014/main" id="{95351B0D-8275-6B40-935D-EF67E4DE9F13}"/>
+              </a:ext>
+            </a:extLst>
+          </p:cNvPr>
+          <p:cNvPicPr>
+            <a:picLocks noChangeAspect="1"/>
+          </p:cNvPicPr>
           <p:nvPr/>
         </p:nvPicPr>
         <p:blipFill>
-          <a:blip r:embed="rId2" cstate="print">
-            <a:extLst>
-              <a:ext uri="{28A0092B-C50C-407E-A947-70E740481C1C}">
-                <a14:useLocalDpi xmlns:a14="http://schemas.microsoft.com/office/drawing/2010/main" val="0"/>
-              </a:ext>
-            </a:extLst>
-          </a:blip>
-          <a:srcRect/>
+          <a:blip r:embed="rId2"/>
           <a:stretch>
             <a:fillRect/>
           </a:stretch>
         </p:blipFill>
-        <p:spPr bwMode="auto">
+        <p:spPr>
           <a:xfrm>
-            <a:off x="0" y="-171400"/>
-            <a:ext cx="12360696" cy="7272808"/>
+            <a:off x="551384" y="1010915"/>
+            <a:ext cx="10553700" cy="5847085"/>
+          </a:xfrm>
+          <a:prstGeom prst="rect">
+            <a:avLst/>
+          </a:prstGeom>
+        </p:spPr>
+      </p:pic>
+      <p:sp>
+        <p:nvSpPr>
+          <p:cNvPr id="5" name="TextBox 3">
+            <a:extLst>
+              <a:ext uri="{FF2B5EF4-FFF2-40B4-BE49-F238E27FC236}">
+                <a16:creationId xmlns:a16="http://schemas.microsoft.com/office/drawing/2014/main" id="{11C3D423-D748-0F4F-820E-B73531C28DF9}"/>
+              </a:ext>
+            </a:extLst>
+          </p:cNvPr>
+          <p:cNvSpPr txBox="1"/>
+          <p:nvPr/>
+        </p:nvSpPr>
+        <p:spPr>
+          <a:xfrm>
+            <a:off x="263352" y="211287"/>
+            <a:ext cx="6840760" cy="769441"/>
           </a:xfrm>
           <a:prstGeom prst="rect">
             <a:avLst/>
           </a:prstGeom>
           <a:noFill/>
-          <a:ln>
-            <a:noFill/>
-          </a:ln>
         </p:spPr>
-      </p:pic>
+        <p:txBody>
+          <a:bodyPr wrap="square" rtlCol="0">
+            <a:spAutoFit/>
+          </a:bodyPr>
+          <a:lstStyle/>
+          <a:p>
+            <a:r>
+              <a:rPr lang="zh-CN" altLang="en-US" sz="4400" b="1" dirty="0">
+                <a:latin typeface="楷体" pitchFamily="49" charset="-122"/>
+                <a:ea typeface="楷体" pitchFamily="49" charset="-122"/>
+              </a:rPr>
+              <a:t>功能介绍 </a:t>
+            </a:r>
+            <a:r>
+              <a:rPr lang="en-US" altLang="zh-CN" sz="4400" b="1" dirty="0">
+                <a:latin typeface="楷体" pitchFamily="49" charset="-122"/>
+                <a:ea typeface="楷体" pitchFamily="49" charset="-122"/>
+              </a:rPr>
+              <a:t>--</a:t>
+            </a:r>
+            <a:r>
+              <a:rPr lang="zh-CN" altLang="en-US" sz="4400" b="1" dirty="0">
+                <a:latin typeface="楷体" pitchFamily="49" charset="-122"/>
+                <a:ea typeface="楷体" pitchFamily="49" charset="-122"/>
+              </a:rPr>
+              <a:t> 系统功能</a:t>
+            </a:r>
+          </a:p>
+        </p:txBody>
+      </p:sp>
     </p:spTree>
     <p:extLst>
       <p:ext uri="{BB962C8B-B14F-4D97-AF65-F5344CB8AC3E}">
@@ -9901,13 +12201,6 @@
   <p:clrMapOvr>
     <a:masterClrMapping/>
   </p:clrMapOvr>
-  <p:timing>
-    <p:tnLst>
-      <p:par>
-        <p:cTn id="1" dur="indefinite" restart="never" nodeType="tmRoot"/>
-      </p:par>
-    </p:tnLst>
-  </p:timing>
 </p:sld>
 </file>
 

--- a/doc/联通公务车管理系统.pptx
+++ b/doc/联通公务车管理系统.pptx
@@ -5,10 +5,10 @@
     <p:sldMasterId id="2147483648" r:id="rId1"/>
   </p:sldMasterIdLst>
   <p:notesMasterIdLst>
-    <p:notesMasterId r:id="rId22"/>
+    <p:notesMasterId r:id="rId23"/>
   </p:notesMasterIdLst>
   <p:handoutMasterIdLst>
-    <p:handoutMasterId r:id="rId23"/>
+    <p:handoutMasterId r:id="rId24"/>
   </p:handoutMasterIdLst>
   <p:sldIdLst>
     <p:sldId id="256" r:id="rId2"/>
@@ -21,16 +21,17 @@
     <p:sldId id="272" r:id="rId9"/>
     <p:sldId id="280" r:id="rId10"/>
     <p:sldId id="270" r:id="rId11"/>
-    <p:sldId id="271" r:id="rId12"/>
-    <p:sldId id="277" r:id="rId13"/>
-    <p:sldId id="274" r:id="rId14"/>
-    <p:sldId id="269" r:id="rId15"/>
-    <p:sldId id="283" r:id="rId16"/>
-    <p:sldId id="273" r:id="rId17"/>
-    <p:sldId id="285" r:id="rId18"/>
-    <p:sldId id="276" r:id="rId19"/>
-    <p:sldId id="275" r:id="rId20"/>
-    <p:sldId id="279" r:id="rId21"/>
+    <p:sldId id="277" r:id="rId12"/>
+    <p:sldId id="286" r:id="rId13"/>
+    <p:sldId id="287" r:id="rId14"/>
+    <p:sldId id="274" r:id="rId15"/>
+    <p:sldId id="269" r:id="rId16"/>
+    <p:sldId id="283" r:id="rId17"/>
+    <p:sldId id="273" r:id="rId18"/>
+    <p:sldId id="285" r:id="rId19"/>
+    <p:sldId id="276" r:id="rId20"/>
+    <p:sldId id="275" r:id="rId21"/>
+    <p:sldId id="279" r:id="rId22"/>
   </p:sldIdLst>
   <p:sldSz cx="12192000" cy="6858000"/>
   <p:notesSz cx="6797675" cy="9929813"/>
@@ -1220,7 +1221,7 @@
               <a:pPr>
                 <a:defRPr/>
               </a:pPr>
-              <a:t>10</a:t>
+              <a:t>11</a:t>
             </a:fld>
             <a:endParaRPr lang="en-US" altLang="zh-CN"/>
           </a:p>
@@ -1229,7 +1230,7 @@
     </p:spTree>
     <p:extLst>
       <p:ext uri="{BB962C8B-B14F-4D97-AF65-F5344CB8AC3E}">
-        <p14:creationId xmlns:p14="http://schemas.microsoft.com/office/powerpoint/2010/main" val="335028652"/>
+        <p14:creationId xmlns:p14="http://schemas.microsoft.com/office/powerpoint/2010/main" val="2108172273"/>
       </p:ext>
     </p:extLst>
   </p:cSld>
@@ -1240,6 +1241,96 @@
 </file>
 
 <file path=ppt/notesSlides/notesSlide5.xml><?xml version="1.0" encoding="utf-8"?>
+<p:notes xmlns:a="http://schemas.openxmlformats.org/drawingml/2006/main" xmlns:r="http://schemas.openxmlformats.org/officeDocument/2006/relationships" xmlns:p="http://schemas.openxmlformats.org/presentationml/2006/main">
+  <p:cSld>
+    <p:spTree>
+      <p:nvGrpSpPr>
+        <p:cNvPr id="1" name=""/>
+        <p:cNvGrpSpPr/>
+        <p:nvPr/>
+      </p:nvGrpSpPr>
+      <p:grpSpPr>
+        <a:xfrm>
+          <a:off x="0" y="0"/>
+          <a:ext cx="0" cy="0"/>
+          <a:chOff x="0" y="0"/>
+          <a:chExt cx="0" cy="0"/>
+        </a:xfrm>
+      </p:grpSpPr>
+      <p:sp>
+        <p:nvSpPr>
+          <p:cNvPr id="2" name="幻灯片图像占位符 1"/>
+          <p:cNvSpPr>
+            <a:spLocks noGrp="1" noRot="1" noChangeAspect="1"/>
+          </p:cNvSpPr>
+          <p:nvPr>
+            <p:ph type="sldImg"/>
+          </p:nvPr>
+        </p:nvSpPr>
+        <p:spPr/>
+      </p:sp>
+      <p:sp>
+        <p:nvSpPr>
+          <p:cNvPr id="3" name="备注占位符 2"/>
+          <p:cNvSpPr>
+            <a:spLocks noGrp="1"/>
+          </p:cNvSpPr>
+          <p:nvPr>
+            <p:ph type="body" idx="1"/>
+          </p:nvPr>
+        </p:nvSpPr>
+        <p:spPr/>
+        <p:txBody>
+          <a:bodyPr/>
+          <a:lstStyle/>
+          <a:p>
+            <a:endParaRPr kumimoji="1" lang="zh-CN" altLang="en-US" dirty="0"/>
+          </a:p>
+        </p:txBody>
+      </p:sp>
+      <p:sp>
+        <p:nvSpPr>
+          <p:cNvPr id="4" name="灯片编号占位符 3"/>
+          <p:cNvSpPr>
+            <a:spLocks noGrp="1"/>
+          </p:cNvSpPr>
+          <p:nvPr>
+            <p:ph type="sldNum" sz="quarter" idx="5"/>
+          </p:nvPr>
+        </p:nvSpPr>
+        <p:spPr/>
+        <p:txBody>
+          <a:bodyPr/>
+          <a:lstStyle/>
+          <a:p>
+            <a:pPr>
+              <a:defRPr/>
+            </a:pPr>
+            <a:fld id="{70BA8E35-B8E9-4701-9675-ECED45D5DBEE}" type="slidenum">
+              <a:rPr lang="zh-CN" altLang="en-US" smtClean="0"/>
+              <a:pPr>
+                <a:defRPr/>
+              </a:pPr>
+              <a:t>12</a:t>
+            </a:fld>
+            <a:endParaRPr lang="en-US" altLang="zh-CN"/>
+          </a:p>
+        </p:txBody>
+      </p:sp>
+    </p:spTree>
+    <p:extLst>
+      <p:ext uri="{BB962C8B-B14F-4D97-AF65-F5344CB8AC3E}">
+        <p14:creationId xmlns:p14="http://schemas.microsoft.com/office/powerpoint/2010/main" val="3183509804"/>
+      </p:ext>
+    </p:extLst>
+  </p:cSld>
+  <p:clrMapOvr>
+    <a:masterClrMapping/>
+  </p:clrMapOvr>
+</p:notes>
+</file>
+
+<file path=ppt/notesSlides/notesSlide6.xml><?xml version="1.0" encoding="utf-8"?>
 <p:notes xmlns:a="http://schemas.openxmlformats.org/drawingml/2006/main" xmlns:r="http://schemas.openxmlformats.org/officeDocument/2006/relationships" xmlns:p="http://schemas.openxmlformats.org/presentationml/2006/main">
   <p:cSld>
     <p:spTree>
@@ -4206,6 +4297,28 @@
           <a:chExt cx="0" cy="0"/>
         </a:xfrm>
       </p:grpSpPr>
+      <p:pic>
+        <p:nvPicPr>
+          <p:cNvPr id="3" name="图片 2"/>
+          <p:cNvPicPr/>
+          <p:nvPr/>
+        </p:nvPicPr>
+        <p:blipFill>
+          <a:blip r:embed="rId2"/>
+          <a:stretch>
+            <a:fillRect/>
+          </a:stretch>
+        </p:blipFill>
+        <p:spPr>
+          <a:xfrm>
+            <a:off x="0" y="1124744"/>
+            <a:ext cx="12288688" cy="5733256"/>
+          </a:xfrm>
+          <a:prstGeom prst="rect">
+            <a:avLst/>
+          </a:prstGeom>
+        </p:spPr>
+      </p:pic>
       <p:sp>
         <p:nvSpPr>
           <p:cNvPr id="2" name="灯片编号占位符 1"/>
@@ -4230,6 +4343,117 @@
                 <a:defRPr/>
               </a:pPr>
               <a:t>10</a:t>
+            </a:fld>
+            <a:endParaRPr lang="en-US" altLang="zh-CN"/>
+          </a:p>
+        </p:txBody>
+      </p:sp>
+      <p:sp>
+        <p:nvSpPr>
+          <p:cNvPr id="5" name="TextBox 3">
+            <a:extLst>
+              <a:ext uri="{FF2B5EF4-FFF2-40B4-BE49-F238E27FC236}">
+                <a16:creationId xmlns:a16="http://schemas.microsoft.com/office/drawing/2014/main" id="{384ADE1A-1101-F242-B113-958B1D04F3D0}"/>
+              </a:ext>
+            </a:extLst>
+          </p:cNvPr>
+          <p:cNvSpPr txBox="1"/>
+          <p:nvPr/>
+        </p:nvSpPr>
+        <p:spPr>
+          <a:xfrm>
+            <a:off x="263352" y="211287"/>
+            <a:ext cx="6840760" cy="769441"/>
+          </a:xfrm>
+          <a:prstGeom prst="rect">
+            <a:avLst/>
+          </a:prstGeom>
+          <a:noFill/>
+        </p:spPr>
+        <p:txBody>
+          <a:bodyPr wrap="square" rtlCol="0">
+            <a:spAutoFit/>
+          </a:bodyPr>
+          <a:lstStyle/>
+          <a:p>
+            <a:r>
+              <a:rPr lang="zh-CN" altLang="en-US" sz="4400" b="1" dirty="0">
+                <a:latin typeface="楷体" pitchFamily="49" charset="-122"/>
+                <a:ea typeface="楷体" pitchFamily="49" charset="-122"/>
+              </a:rPr>
+              <a:t>功能介绍 </a:t>
+            </a:r>
+            <a:r>
+              <a:rPr lang="en-US" altLang="zh-CN" sz="4400" b="1" dirty="0">
+                <a:latin typeface="楷体" pitchFamily="49" charset="-122"/>
+                <a:ea typeface="楷体" pitchFamily="49" charset="-122"/>
+              </a:rPr>
+              <a:t>--</a:t>
+            </a:r>
+            <a:r>
+              <a:rPr lang="zh-CN" altLang="en-US" sz="4400" b="1" dirty="0">
+                <a:latin typeface="楷体" pitchFamily="49" charset="-122"/>
+                <a:ea typeface="楷体" pitchFamily="49" charset="-122"/>
+              </a:rPr>
+              <a:t> 系统框架</a:t>
+            </a:r>
+          </a:p>
+        </p:txBody>
+      </p:sp>
+    </p:spTree>
+    <p:extLst>
+      <p:ext uri="{BB962C8B-B14F-4D97-AF65-F5344CB8AC3E}">
+        <p14:creationId xmlns:p14="http://schemas.microsoft.com/office/powerpoint/2010/main" val="2144997396"/>
+      </p:ext>
+    </p:extLst>
+  </p:cSld>
+  <p:clrMapOvr>
+    <a:masterClrMapping/>
+  </p:clrMapOvr>
+</p:sld>
+</file>
+
+<file path=ppt/slides/slide12.xml><?xml version="1.0" encoding="utf-8"?>
+<p:sld xmlns:a="http://schemas.openxmlformats.org/drawingml/2006/main" xmlns:r="http://schemas.openxmlformats.org/officeDocument/2006/relationships" xmlns:p="http://schemas.openxmlformats.org/presentationml/2006/main">
+  <p:cSld>
+    <p:spTree>
+      <p:nvGrpSpPr>
+        <p:cNvPr id="1" name=""/>
+        <p:cNvGrpSpPr/>
+        <p:nvPr/>
+      </p:nvGrpSpPr>
+      <p:grpSpPr>
+        <a:xfrm>
+          <a:off x="0" y="0"/>
+          <a:ext cx="0" cy="0"/>
+          <a:chOff x="0" y="0"/>
+          <a:chExt cx="0" cy="0"/>
+        </a:xfrm>
+      </p:grpSpPr>
+      <p:sp>
+        <p:nvSpPr>
+          <p:cNvPr id="2" name="灯片编号占位符 1"/>
+          <p:cNvSpPr>
+            <a:spLocks noGrp="1"/>
+          </p:cNvSpPr>
+          <p:nvPr>
+            <p:ph type="sldNum" sz="quarter" idx="10"/>
+          </p:nvPr>
+        </p:nvSpPr>
+        <p:spPr/>
+        <p:txBody>
+          <a:bodyPr/>
+          <a:lstStyle/>
+          <a:p>
+            <a:pPr>
+              <a:defRPr/>
+            </a:pPr>
+            <a:fld id="{37D1B2BE-3309-4792-8BE6-AC30C5FAF2D2}" type="slidenum">
+              <a:rPr lang="zh-CN" altLang="en-US" smtClean="0"/>
+              <a:pPr>
+                <a:defRPr/>
+              </a:pPr>
+              <a:t>11</a:t>
             </a:fld>
             <a:endParaRPr lang="en-US" altLang="zh-CN"/>
           </a:p>
@@ -4579,7 +4803,7 @@
         <p:spPr>
           <a:xfrm>
             <a:off x="423961" y="1078828"/>
-            <a:ext cx="8039700" cy="2015936"/>
+            <a:ext cx="8039700" cy="5847755"/>
           </a:xfrm>
           <a:prstGeom prst="rect">
             <a:avLst/>
@@ -4650,20 +4874,48 @@
               <a:t>	</a:t>
             </a:r>
             <a:r>
-              <a:rPr lang="zh-CN" altLang="zh-CN" sz="2600" dirty="0">
-                <a:latin typeface="楷体" pitchFamily="49" charset="-122"/>
-                <a:ea typeface="楷体" pitchFamily="49" charset="-122"/>
-              </a:rPr>
-              <a:t>单位人员</a:t>
-            </a:r>
-            <a:r>
               <a:rPr lang="zh-CN" altLang="en-US" sz="2600" dirty="0">
                 <a:latin typeface="楷体" pitchFamily="49" charset="-122"/>
                 <a:ea typeface="楷体" pitchFamily="49" charset="-122"/>
               </a:rPr>
-              <a:t>在系统内进行用车申请</a:t>
-            </a:r>
-            <a:endParaRPr lang="en-US" altLang="zh-CN" sz="2600" dirty="0">
+              <a:t>用户</a:t>
+            </a:r>
+            <a:r>
+              <a:rPr lang="zh-CN" altLang="en-US" sz="2600" dirty="0" smtClean="0">
+                <a:latin typeface="楷体" pitchFamily="49" charset="-122"/>
+                <a:ea typeface="楷体" pitchFamily="49" charset="-122"/>
+              </a:rPr>
+              <a:t>在</a:t>
+            </a:r>
+            <a:r>
+              <a:rPr lang="zh-CN" altLang="en-US" sz="2600" dirty="0">
+                <a:latin typeface="楷体" pitchFamily="49" charset="-122"/>
+                <a:ea typeface="楷体" pitchFamily="49" charset="-122"/>
+              </a:rPr>
+              <a:t>系统内进行用车</a:t>
+            </a:r>
+            <a:r>
+              <a:rPr lang="zh-CN" altLang="en-US" sz="2600" dirty="0" smtClean="0">
+                <a:latin typeface="楷体" pitchFamily="49" charset="-122"/>
+                <a:ea typeface="楷体" pitchFamily="49" charset="-122"/>
+              </a:rPr>
+              <a:t>申请。系统自动筛选出可用</a:t>
+            </a:r>
+            <a:r>
+              <a:rPr lang="zh-CN" altLang="en-US" sz="2600" dirty="0">
+                <a:latin typeface="楷体" pitchFamily="49" charset="-122"/>
+                <a:ea typeface="楷体" pitchFamily="49" charset="-122"/>
+              </a:rPr>
+              <a:t>车辆，并提供车辆的具体信息。用户根据</a:t>
+            </a:r>
+            <a:r>
+              <a:rPr lang="zh-CN" altLang="en-US" sz="2600" dirty="0" smtClean="0">
+                <a:latin typeface="楷体" pitchFamily="49" charset="-122"/>
+                <a:ea typeface="楷体" pitchFamily="49" charset="-122"/>
+              </a:rPr>
+              <a:t>时间以及可用车辆列表申请使用公车。</a:t>
+            </a:r>
+            <a:endParaRPr lang="en-US" altLang="zh-CN" sz="2600" dirty="0" smtClean="0">
               <a:latin typeface="楷体" pitchFamily="49" charset="-122"/>
               <a:ea typeface="楷体" pitchFamily="49" charset="-122"/>
             </a:endParaRPr>
@@ -4675,60 +4927,31 @@
               </a:spcBef>
             </a:pPr>
             <a:r>
-              <a:rPr lang="zh-CN" altLang="zh-CN" sz="2600" dirty="0">
+              <a:rPr lang="zh-CN" altLang="en-US" sz="2600" dirty="0" smtClean="0">
                 <a:latin typeface="楷体" pitchFamily="49" charset="-122"/>
                 <a:ea typeface="楷体" pitchFamily="49" charset="-122"/>
               </a:rPr>
               <a:t>（</a:t>
             </a:r>
             <a:r>
-              <a:rPr lang="en-US" altLang="zh-CN" sz="2600" dirty="0">
-                <a:latin typeface="楷体" pitchFamily="49" charset="-122"/>
-                <a:ea typeface="楷体" pitchFamily="49" charset="-122"/>
-              </a:rPr>
-              <a:t>2</a:t>
-            </a:r>
-            <a:r>
-              <a:rPr lang="zh-CN" altLang="zh-CN" sz="2600" dirty="0">
-                <a:latin typeface="楷体" pitchFamily="49" charset="-122"/>
-                <a:ea typeface="楷体" pitchFamily="49" charset="-122"/>
-              </a:rPr>
-              <a:t>）</a:t>
-            </a:r>
-            <a:r>
-              <a:rPr lang="zh-CN" altLang="en-US" sz="2600" dirty="0">
-                <a:latin typeface="楷体" pitchFamily="49" charset="-122"/>
-                <a:ea typeface="楷体" pitchFamily="49" charset="-122"/>
-              </a:rPr>
-              <a:t>用车审批</a:t>
-            </a:r>
-            <a:endParaRPr lang="en-US" altLang="zh-CN" sz="2600" dirty="0">
+              <a:rPr lang="en-US" altLang="zh-CN" sz="2600" dirty="0" smtClean="0">
+                <a:latin typeface="楷体" pitchFamily="49" charset="-122"/>
+                <a:ea typeface="楷体" pitchFamily="49" charset="-122"/>
+              </a:rPr>
+              <a:t>3</a:t>
+            </a:r>
+            <a:r>
+              <a:rPr lang="zh-CN" altLang="en-US" sz="2600" smtClean="0">
+                <a:latin typeface="楷体" pitchFamily="49" charset="-122"/>
+                <a:ea typeface="楷体" pitchFamily="49" charset="-122"/>
+              </a:rPr>
+              <a:t>）我的申请</a:t>
+            </a:r>
+            <a:endParaRPr lang="en-US" altLang="zh-CN" sz="2600" dirty="0" smtClean="0">
               <a:latin typeface="楷体" pitchFamily="49" charset="-122"/>
               <a:ea typeface="楷体" pitchFamily="49" charset="-122"/>
             </a:endParaRPr>
           </a:p>
-        </p:txBody>
-      </p:sp>
-      <p:sp>
-        <p:nvSpPr>
-          <p:cNvPr id="5" name="矩形 4"/>
-          <p:cNvSpPr/>
-          <p:nvPr/>
-        </p:nvSpPr>
-        <p:spPr>
-          <a:xfrm>
-            <a:off x="423961" y="3707784"/>
-            <a:ext cx="12028401" cy="2908489"/>
-          </a:xfrm>
-          <a:prstGeom prst="rect">
-            <a:avLst/>
-          </a:prstGeom>
-        </p:spPr>
-        <p:txBody>
-          <a:bodyPr wrap="square">
-            <a:spAutoFit/>
-          </a:bodyPr>
-          <a:lstStyle/>
           <a:p>
             <a:pPr>
               <a:spcBef>
@@ -4736,19 +4959,23 @@
               </a:spcBef>
             </a:pPr>
             <a:r>
-              <a:rPr lang="zh-CN" altLang="en-US" sz="3200" b="1" dirty="0">
-                <a:latin typeface="楷体" pitchFamily="49" charset="-122"/>
-                <a:ea typeface="楷体" pitchFamily="49" charset="-122"/>
-              </a:rPr>
-              <a:t>三、</a:t>
-            </a:r>
-            <a:r>
-              <a:rPr lang="zh-CN" altLang="zh-CN" sz="3200" b="1" dirty="0">
-                <a:latin typeface="楷体" pitchFamily="49" charset="-122"/>
-                <a:ea typeface="楷体" pitchFamily="49" charset="-122"/>
-              </a:rPr>
-              <a:t>统计分析</a:t>
-            </a:r>
+              <a:rPr lang="en-US" altLang="zh-CN" sz="2600" dirty="0">
+                <a:latin typeface="楷体" pitchFamily="49" charset="-122"/>
+                <a:ea typeface="楷体" pitchFamily="49" charset="-122"/>
+              </a:rPr>
+              <a:t>	</a:t>
+            </a:r>
+            <a:r>
+              <a:rPr lang="zh-CN" altLang="en-US" sz="2600" dirty="0" smtClean="0">
+                <a:latin typeface="楷体" pitchFamily="49" charset="-122"/>
+                <a:ea typeface="楷体" pitchFamily="49" charset="-122"/>
+              </a:rPr>
+              <a:t>单位个人可以查看到自己申请用车的所有记录，以及记录状态。如果当前时间不超过计划用车时间，用户可以撤销用车申请。</a:t>
+            </a:r>
+            <a:endParaRPr lang="en-US" altLang="zh-CN" sz="2600" dirty="0">
+              <a:latin typeface="楷体" pitchFamily="49" charset="-122"/>
+              <a:ea typeface="楷体" pitchFamily="49" charset="-122"/>
+            </a:endParaRPr>
           </a:p>
           <a:p>
             <a:pPr>
@@ -4757,33 +4984,44 @@
               </a:spcBef>
             </a:pPr>
             <a:r>
+              <a:rPr lang="zh-CN" altLang="zh-CN" sz="2600" dirty="0">
+                <a:latin typeface="楷体" pitchFamily="49" charset="-122"/>
+                <a:ea typeface="楷体" pitchFamily="49" charset="-122"/>
+              </a:rPr>
+              <a:t>（</a:t>
+            </a:r>
+            <a:r>
               <a:rPr lang="en-US" altLang="zh-CN" sz="2600" dirty="0">
                 <a:latin typeface="楷体" pitchFamily="49" charset="-122"/>
                 <a:ea typeface="楷体" pitchFamily="49" charset="-122"/>
               </a:rPr>
-              <a:t>    </a:t>
+              <a:t>2</a:t>
             </a:r>
             <a:r>
               <a:rPr lang="zh-CN" altLang="zh-CN" sz="2600" dirty="0">
                 <a:latin typeface="楷体" pitchFamily="49" charset="-122"/>
                 <a:ea typeface="楷体" pitchFamily="49" charset="-122"/>
               </a:rPr>
-              <a:t>对系统内的基础数据进行查询、汇总和分析。对车</a:t>
+              <a:t>）</a:t>
             </a:r>
             <a:r>
               <a:rPr lang="zh-CN" altLang="en-US" sz="2600" dirty="0">
                 <a:latin typeface="楷体" pitchFamily="49" charset="-122"/>
                 <a:ea typeface="楷体" pitchFamily="49" charset="-122"/>
               </a:rPr>
-              <a:t>型使用率、预约人员、违章人员、每月预约车辆、车辆加油维修违章的</a:t>
-            </a:r>
-            <a:r>
-              <a:rPr lang="zh-CN" altLang="zh-CN" sz="2600" dirty="0">
-                <a:latin typeface="楷体" pitchFamily="49" charset="-122"/>
-                <a:ea typeface="楷体" pitchFamily="49" charset="-122"/>
-              </a:rPr>
-              <a:t>统计和分析，可以生成各种常见的报表。</a:t>
-            </a:r>
+              <a:t>用车</a:t>
+            </a:r>
+            <a:r>
+              <a:rPr lang="zh-CN" altLang="en-US" sz="2600" dirty="0" smtClean="0">
+                <a:latin typeface="楷体" pitchFamily="49" charset="-122"/>
+                <a:ea typeface="楷体" pitchFamily="49" charset="-122"/>
+              </a:rPr>
+              <a:t>审批</a:t>
+            </a:r>
+            <a:endParaRPr lang="en-US" altLang="zh-CN" sz="2600" dirty="0" smtClean="0">
+              <a:latin typeface="楷体" pitchFamily="49" charset="-122"/>
+              <a:ea typeface="楷体" pitchFamily="49" charset="-122"/>
+            </a:endParaRPr>
           </a:p>
           <a:p>
             <a:pPr>
@@ -4792,90 +5030,37 @@
               </a:spcBef>
             </a:pPr>
             <a:r>
-              <a:rPr lang="zh-CN" altLang="en-US" sz="3200" b="1" dirty="0">
-                <a:latin typeface="楷体" pitchFamily="49" charset="-122"/>
-                <a:ea typeface="楷体" pitchFamily="49" charset="-122"/>
-              </a:rPr>
-              <a:t>四、</a:t>
-            </a:r>
-            <a:r>
-              <a:rPr lang="zh-CN" altLang="zh-CN" sz="3200" b="1" dirty="0">
-                <a:latin typeface="楷体" pitchFamily="49" charset="-122"/>
-                <a:ea typeface="楷体" pitchFamily="49" charset="-122"/>
-              </a:rPr>
-              <a:t>系统管理</a:t>
-            </a:r>
-          </a:p>
-          <a:p>
-            <a:pPr>
-              <a:spcBef>
-                <a:spcPts val="600"/>
-              </a:spcBef>
-            </a:pPr>
-            <a:r>
-              <a:rPr lang="en-US" altLang="zh-CN" sz="2600" dirty="0">
-                <a:latin typeface="楷体" pitchFamily="49" charset="-122"/>
-                <a:ea typeface="楷体" pitchFamily="49" charset="-122"/>
-              </a:rPr>
-              <a:t>    </a:t>
-            </a:r>
-            <a:r>
-              <a:rPr lang="zh-CN" altLang="zh-CN" sz="2600" dirty="0">
-                <a:latin typeface="楷体" pitchFamily="49" charset="-122"/>
-                <a:ea typeface="楷体" pitchFamily="49" charset="-122"/>
-              </a:rPr>
-              <a:t>系统设置：用户管理、角色管理</a:t>
+              <a:rPr lang="en-US" altLang="zh-CN" sz="2600" dirty="0" smtClean="0">
+                <a:latin typeface="楷体" pitchFamily="49" charset="-122"/>
+                <a:ea typeface="楷体" pitchFamily="49" charset="-122"/>
+              </a:rPr>
+              <a:t>	</a:t>
+            </a:r>
+            <a:r>
+              <a:rPr lang="zh-CN" altLang="en-US" sz="2600" dirty="0" smtClean="0">
+                <a:latin typeface="楷体" pitchFamily="49" charset="-122"/>
+                <a:ea typeface="楷体" pitchFamily="49" charset="-122"/>
+              </a:rPr>
+              <a:t>管理员可以看到所有用户的用车申请记录，并对问题记录进行回退撤销操作。</a:t>
             </a:r>
             <a:r>
               <a:rPr lang="zh-CN" altLang="en-US" sz="2600" dirty="0">
                 <a:latin typeface="楷体" pitchFamily="49" charset="-122"/>
                 <a:ea typeface="楷体" pitchFamily="49" charset="-122"/>
               </a:rPr>
-              <a:t>（普通用户</a:t>
-            </a:r>
-            <a:r>
-              <a:rPr lang="en-US" altLang="zh-CN" sz="2600" dirty="0">
-                <a:latin typeface="楷体" pitchFamily="49" charset="-122"/>
-                <a:ea typeface="楷体" pitchFamily="49" charset="-122"/>
-              </a:rPr>
-              <a:t>/</a:t>
-            </a:r>
-            <a:r>
-              <a:rPr lang="zh-CN" altLang="en-US" sz="2600" dirty="0">
-                <a:latin typeface="楷体" pitchFamily="49" charset="-122"/>
-                <a:ea typeface="楷体" pitchFamily="49" charset="-122"/>
-              </a:rPr>
-              <a:t>审核员</a:t>
-            </a:r>
-            <a:r>
-              <a:rPr lang="en-US" altLang="zh-CN" sz="2600" dirty="0">
-                <a:latin typeface="楷体" pitchFamily="49" charset="-122"/>
-                <a:ea typeface="楷体" pitchFamily="49" charset="-122"/>
-              </a:rPr>
-              <a:t>/</a:t>
-            </a:r>
-            <a:r>
-              <a:rPr lang="zh-CN" altLang="en-US" sz="2600" dirty="0">
-                <a:latin typeface="楷体" pitchFamily="49" charset="-122"/>
-                <a:ea typeface="楷体" pitchFamily="49" charset="-122"/>
-              </a:rPr>
-              <a:t>管理员</a:t>
-            </a:r>
-            <a:r>
-              <a:rPr lang="en-US" altLang="zh-CN" sz="2600" dirty="0">
-                <a:latin typeface="楷体" pitchFamily="49" charset="-122"/>
-                <a:ea typeface="楷体" pitchFamily="49" charset="-122"/>
-              </a:rPr>
-              <a:t>/</a:t>
-            </a:r>
-            <a:r>
-              <a:rPr lang="zh-CN" altLang="en-US" sz="2600" dirty="0">
-                <a:latin typeface="楷体" pitchFamily="49" charset="-122"/>
-                <a:ea typeface="楷体" pitchFamily="49" charset="-122"/>
-              </a:rPr>
-              <a:t>超级管理员）</a:t>
-            </a:r>
-            <a:endParaRPr lang="zh-CN" altLang="en-US" sz="2600" dirty="0"/>
+              <a:t>可以通过筛选不同的</a:t>
+            </a:r>
+            <a:r>
+              <a:rPr lang="zh-CN" altLang="en-US" sz="2600" dirty="0" smtClean="0">
+                <a:latin typeface="楷体" pitchFamily="49" charset="-122"/>
+                <a:ea typeface="楷体" pitchFamily="49" charset="-122"/>
+              </a:rPr>
+              <a:t>记录状态得到记录列表。</a:t>
+            </a:r>
+            <a:endParaRPr lang="en-US" altLang="zh-CN" sz="2600" dirty="0">
+              <a:latin typeface="楷体" pitchFamily="49" charset="-122"/>
+              <a:ea typeface="楷体" pitchFamily="49" charset="-122"/>
+            </a:endParaRPr>
           </a:p>
         </p:txBody>
       </p:sp>
@@ -4934,140 +5119,7 @@
     </p:spTree>
     <p:extLst>
       <p:ext uri="{BB962C8B-B14F-4D97-AF65-F5344CB8AC3E}">
-        <p14:creationId xmlns:p14="http://schemas.microsoft.com/office/powerpoint/2010/main" val="442489443"/>
-      </p:ext>
-    </p:extLst>
-  </p:cSld>
-  <p:clrMapOvr>
-    <a:masterClrMapping/>
-  </p:clrMapOvr>
-</p:sld>
-</file>
-
-<file path=ppt/slides/slide12.xml><?xml version="1.0" encoding="utf-8"?>
-<p:sld xmlns:a="http://schemas.openxmlformats.org/drawingml/2006/main" xmlns:r="http://schemas.openxmlformats.org/officeDocument/2006/relationships" xmlns:p="http://schemas.openxmlformats.org/presentationml/2006/main">
-  <p:cSld>
-    <p:spTree>
-      <p:nvGrpSpPr>
-        <p:cNvPr id="1" name=""/>
-        <p:cNvGrpSpPr/>
-        <p:nvPr/>
-      </p:nvGrpSpPr>
-      <p:grpSpPr>
-        <a:xfrm>
-          <a:off x="0" y="0"/>
-          <a:ext cx="0" cy="0"/>
-          <a:chOff x="0" y="0"/>
-          <a:chExt cx="0" cy="0"/>
-        </a:xfrm>
-      </p:grpSpPr>
-      <p:pic>
-        <p:nvPicPr>
-          <p:cNvPr id="3" name="图片 2"/>
-          <p:cNvPicPr/>
-          <p:nvPr/>
-        </p:nvPicPr>
-        <p:blipFill>
-          <a:blip r:embed="rId2"/>
-          <a:stretch>
-            <a:fillRect/>
-          </a:stretch>
-        </p:blipFill>
-        <p:spPr>
-          <a:xfrm>
-            <a:off x="0" y="1124744"/>
-            <a:ext cx="12288688" cy="5733256"/>
-          </a:xfrm>
-          <a:prstGeom prst="rect">
-            <a:avLst/>
-          </a:prstGeom>
-        </p:spPr>
-      </p:pic>
-      <p:sp>
-        <p:nvSpPr>
-          <p:cNvPr id="2" name="灯片编号占位符 1"/>
-          <p:cNvSpPr>
-            <a:spLocks noGrp="1"/>
-          </p:cNvSpPr>
-          <p:nvPr>
-            <p:ph type="sldNum" sz="quarter" idx="10"/>
-          </p:nvPr>
-        </p:nvSpPr>
-        <p:spPr/>
-        <p:txBody>
-          <a:bodyPr/>
-          <a:lstStyle/>
-          <a:p>
-            <a:pPr>
-              <a:defRPr/>
-            </a:pPr>
-            <a:fld id="{37D1B2BE-3309-4792-8BE6-AC30C5FAF2D2}" type="slidenum">
-              <a:rPr lang="zh-CN" altLang="en-US" smtClean="0"/>
-              <a:pPr>
-                <a:defRPr/>
-              </a:pPr>
-              <a:t>11</a:t>
-            </a:fld>
-            <a:endParaRPr lang="en-US" altLang="zh-CN"/>
-          </a:p>
-        </p:txBody>
-      </p:sp>
-      <p:sp>
-        <p:nvSpPr>
-          <p:cNvPr id="5" name="TextBox 3">
-            <a:extLst>
-              <a:ext uri="{FF2B5EF4-FFF2-40B4-BE49-F238E27FC236}">
-                <a16:creationId xmlns:a16="http://schemas.microsoft.com/office/drawing/2014/main" id="{384ADE1A-1101-F242-B113-958B1D04F3D0}"/>
-              </a:ext>
-            </a:extLst>
-          </p:cNvPr>
-          <p:cNvSpPr txBox="1"/>
-          <p:nvPr/>
-        </p:nvSpPr>
-        <p:spPr>
-          <a:xfrm>
-            <a:off x="263352" y="211287"/>
-            <a:ext cx="6840760" cy="769441"/>
-          </a:xfrm>
-          <a:prstGeom prst="rect">
-            <a:avLst/>
-          </a:prstGeom>
-          <a:noFill/>
-        </p:spPr>
-        <p:txBody>
-          <a:bodyPr wrap="square" rtlCol="0">
-            <a:spAutoFit/>
-          </a:bodyPr>
-          <a:lstStyle/>
-          <a:p>
-            <a:r>
-              <a:rPr lang="zh-CN" altLang="en-US" sz="4400" b="1" dirty="0">
-                <a:latin typeface="楷体" pitchFamily="49" charset="-122"/>
-                <a:ea typeface="楷体" pitchFamily="49" charset="-122"/>
-              </a:rPr>
-              <a:t>功能介绍 </a:t>
-            </a:r>
-            <a:r>
-              <a:rPr lang="en-US" altLang="zh-CN" sz="4400" b="1" dirty="0">
-                <a:latin typeface="楷体" pitchFamily="49" charset="-122"/>
-                <a:ea typeface="楷体" pitchFamily="49" charset="-122"/>
-              </a:rPr>
-              <a:t>--</a:t>
-            </a:r>
-            <a:r>
-              <a:rPr lang="zh-CN" altLang="en-US" sz="4400" b="1" dirty="0">
-                <a:latin typeface="楷体" pitchFamily="49" charset="-122"/>
-                <a:ea typeface="楷体" pitchFamily="49" charset="-122"/>
-              </a:rPr>
-              <a:t> 系统框架</a:t>
-            </a:r>
-          </a:p>
-        </p:txBody>
-      </p:sp>
-    </p:spTree>
-    <p:extLst>
-      <p:ext uri="{BB962C8B-B14F-4D97-AF65-F5344CB8AC3E}">
-        <p14:creationId xmlns:p14="http://schemas.microsoft.com/office/powerpoint/2010/main" val="2144997396"/>
+        <p14:creationId xmlns:p14="http://schemas.microsoft.com/office/powerpoint/2010/main" val="2700516026"/>
       </p:ext>
     </p:extLst>
   </p:cSld>
@@ -5118,6 +5170,622 @@
                 <a:defRPr/>
               </a:pPr>
               <a:t>12</a:t>
+            </a:fld>
+            <a:endParaRPr lang="en-US" altLang="zh-CN"/>
+          </a:p>
+        </p:txBody>
+      </p:sp>
+      <p:grpSp>
+        <p:nvGrpSpPr>
+          <p:cNvPr id="3" name="组合 2"/>
+          <p:cNvGrpSpPr/>
+          <p:nvPr/>
+        </p:nvGrpSpPr>
+        <p:grpSpPr>
+          <a:xfrm>
+            <a:off x="8695060" y="1373395"/>
+            <a:ext cx="3378431" cy="2388194"/>
+            <a:chOff x="6183830" y="1459683"/>
+            <a:chExt cx="5216801" cy="3421894"/>
+          </a:xfrm>
+        </p:grpSpPr>
+        <p:pic>
+          <p:nvPicPr>
+            <p:cNvPr id="3074" name="Picture 2"/>
+            <p:cNvPicPr>
+              <a:picLocks noChangeAspect="1" noChangeArrowheads="1"/>
+            </p:cNvPicPr>
+            <p:nvPr/>
+          </p:nvPicPr>
+          <p:blipFill>
+            <a:blip r:embed="rId3">
+              <a:extLst>
+                <a:ext uri="{28A0092B-C50C-407E-A947-70E740481C1C}">
+                  <a14:useLocalDpi xmlns:a14="http://schemas.microsoft.com/office/drawing/2010/main" val="0"/>
+                </a:ext>
+              </a:extLst>
+            </a:blip>
+            <a:srcRect/>
+            <a:stretch>
+              <a:fillRect/>
+            </a:stretch>
+          </p:blipFill>
+          <p:spPr bwMode="auto">
+            <a:xfrm>
+              <a:off x="8459696" y="1459683"/>
+              <a:ext cx="1447800" cy="1228725"/>
+            </a:xfrm>
+            <a:prstGeom prst="rect">
+              <a:avLst/>
+            </a:prstGeom>
+            <a:noFill/>
+            <a:ln>
+              <a:noFill/>
+            </a:ln>
+            <a:effectLst/>
+            <a:extLst>
+              <a:ext uri="{909E8E84-426E-40DD-AFC4-6F175D3DCCD1}">
+                <a14:hiddenFill xmlns:a14="http://schemas.microsoft.com/office/drawing/2010/main">
+                  <a:solidFill>
+                    <a:schemeClr val="accent1"/>
+                  </a:solidFill>
+                </a14:hiddenFill>
+              </a:ext>
+              <a:ext uri="{91240B29-F687-4F45-9708-019B960494DF}">
+                <a14:hiddenLine xmlns:a14="http://schemas.microsoft.com/office/drawing/2010/main" w="9525">
+                  <a:solidFill>
+                    <a:schemeClr val="tx1"/>
+                  </a:solidFill>
+                  <a:miter lim="800000"/>
+                  <a:headEnd/>
+                  <a:tailEnd/>
+                </a14:hiddenLine>
+              </a:ext>
+              <a:ext uri="{AF507438-7753-43E0-B8FC-AC1667EBCBE1}">
+                <a14:hiddenEffects xmlns:a14="http://schemas.microsoft.com/office/drawing/2010/main">
+                  <a:effectLst>
+                    <a:outerShdw dist="35921" dir="2700000" algn="ctr" rotWithShape="0">
+                      <a:schemeClr val="bg2"/>
+                    </a:outerShdw>
+                  </a:effectLst>
+                </a14:hiddenEffects>
+              </a:ext>
+            </a:extLst>
+          </p:spPr>
+        </p:pic>
+        <p:pic>
+          <p:nvPicPr>
+            <p:cNvPr id="3075" name="Picture 3"/>
+            <p:cNvPicPr>
+              <a:picLocks noChangeAspect="1" noChangeArrowheads="1"/>
+            </p:cNvPicPr>
+            <p:nvPr/>
+          </p:nvPicPr>
+          <p:blipFill>
+            <a:blip r:embed="rId4">
+              <a:extLst>
+                <a:ext uri="{28A0092B-C50C-407E-A947-70E740481C1C}">
+                  <a14:useLocalDpi xmlns:a14="http://schemas.microsoft.com/office/drawing/2010/main" val="0"/>
+                </a:ext>
+              </a:extLst>
+            </a:blip>
+            <a:srcRect/>
+            <a:stretch>
+              <a:fillRect/>
+            </a:stretch>
+          </p:blipFill>
+          <p:spPr bwMode="auto">
+            <a:xfrm>
+              <a:off x="9400381" y="2382589"/>
+              <a:ext cx="2000250" cy="1228725"/>
+            </a:xfrm>
+            <a:prstGeom prst="rect">
+              <a:avLst/>
+            </a:prstGeom>
+            <a:noFill/>
+            <a:ln>
+              <a:noFill/>
+            </a:ln>
+            <a:effectLst/>
+            <a:extLst>
+              <a:ext uri="{909E8E84-426E-40DD-AFC4-6F175D3DCCD1}">
+                <a14:hiddenFill xmlns:a14="http://schemas.microsoft.com/office/drawing/2010/main">
+                  <a:solidFill>
+                    <a:schemeClr val="accent1"/>
+                  </a:solidFill>
+                </a14:hiddenFill>
+              </a:ext>
+              <a:ext uri="{91240B29-F687-4F45-9708-019B960494DF}">
+                <a14:hiddenLine xmlns:a14="http://schemas.microsoft.com/office/drawing/2010/main" w="9525">
+                  <a:solidFill>
+                    <a:schemeClr val="tx1"/>
+                  </a:solidFill>
+                  <a:miter lim="800000"/>
+                  <a:headEnd/>
+                  <a:tailEnd/>
+                </a14:hiddenLine>
+              </a:ext>
+              <a:ext uri="{AF507438-7753-43E0-B8FC-AC1667EBCBE1}">
+                <a14:hiddenEffects xmlns:a14="http://schemas.microsoft.com/office/drawing/2010/main">
+                  <a:effectLst>
+                    <a:outerShdw dist="35921" dir="2700000" algn="ctr" rotWithShape="0">
+                      <a:schemeClr val="bg2"/>
+                    </a:outerShdw>
+                  </a:effectLst>
+                </a14:hiddenEffects>
+              </a:ext>
+            </a:extLst>
+          </p:spPr>
+        </p:pic>
+        <p:pic>
+          <p:nvPicPr>
+            <p:cNvPr id="3076" name="Picture 4"/>
+            <p:cNvPicPr>
+              <a:picLocks noChangeAspect="1" noChangeArrowheads="1"/>
+            </p:cNvPicPr>
+            <p:nvPr/>
+          </p:nvPicPr>
+          <p:blipFill>
+            <a:blip r:embed="rId5">
+              <a:extLst>
+                <a:ext uri="{28A0092B-C50C-407E-A947-70E740481C1C}">
+                  <a14:useLocalDpi xmlns:a14="http://schemas.microsoft.com/office/drawing/2010/main" val="0"/>
+                </a:ext>
+              </a:extLst>
+            </a:blip>
+            <a:srcRect/>
+            <a:stretch>
+              <a:fillRect/>
+            </a:stretch>
+          </p:blipFill>
+          <p:spPr bwMode="auto">
+            <a:xfrm>
+              <a:off x="7698456" y="2670818"/>
+              <a:ext cx="1933576" cy="1152524"/>
+            </a:xfrm>
+            <a:prstGeom prst="rect">
+              <a:avLst/>
+            </a:prstGeom>
+            <a:noFill/>
+            <a:ln>
+              <a:noFill/>
+            </a:ln>
+            <a:effectLst/>
+            <a:extLst>
+              <a:ext uri="{909E8E84-426E-40DD-AFC4-6F175D3DCCD1}">
+                <a14:hiddenFill xmlns:a14="http://schemas.microsoft.com/office/drawing/2010/main">
+                  <a:solidFill>
+                    <a:schemeClr val="accent1"/>
+                  </a:solidFill>
+                </a14:hiddenFill>
+              </a:ext>
+              <a:ext uri="{91240B29-F687-4F45-9708-019B960494DF}">
+                <a14:hiddenLine xmlns:a14="http://schemas.microsoft.com/office/drawing/2010/main" w="9525">
+                  <a:solidFill>
+                    <a:schemeClr val="tx1"/>
+                  </a:solidFill>
+                  <a:miter lim="800000"/>
+                  <a:headEnd/>
+                  <a:tailEnd/>
+                </a14:hiddenLine>
+              </a:ext>
+              <a:ext uri="{AF507438-7753-43E0-B8FC-AC1667EBCBE1}">
+                <a14:hiddenEffects xmlns:a14="http://schemas.microsoft.com/office/drawing/2010/main">
+                  <a:effectLst>
+                    <a:outerShdw dist="35921" dir="2700000" algn="ctr" rotWithShape="0">
+                      <a:schemeClr val="bg2"/>
+                    </a:outerShdw>
+                  </a:effectLst>
+                </a14:hiddenEffects>
+              </a:ext>
+            </a:extLst>
+          </p:spPr>
+        </p:pic>
+        <p:pic>
+          <p:nvPicPr>
+            <p:cNvPr id="3077" name="Picture 5"/>
+            <p:cNvPicPr>
+              <a:picLocks noChangeAspect="1" noChangeArrowheads="1"/>
+            </p:cNvPicPr>
+            <p:nvPr/>
+          </p:nvPicPr>
+          <p:blipFill>
+            <a:blip r:embed="rId6">
+              <a:extLst>
+                <a:ext uri="{28A0092B-C50C-407E-A947-70E740481C1C}">
+                  <a14:useLocalDpi xmlns:a14="http://schemas.microsoft.com/office/drawing/2010/main" val="0"/>
+                </a:ext>
+              </a:extLst>
+            </a:blip>
+            <a:srcRect/>
+            <a:stretch>
+              <a:fillRect/>
+            </a:stretch>
+          </p:blipFill>
+          <p:spPr bwMode="auto">
+            <a:xfrm>
+              <a:off x="6183830" y="2143417"/>
+              <a:ext cx="1800225" cy="1390650"/>
+            </a:xfrm>
+            <a:prstGeom prst="rect">
+              <a:avLst/>
+            </a:prstGeom>
+            <a:noFill/>
+            <a:ln>
+              <a:noFill/>
+            </a:ln>
+            <a:effectLst/>
+            <a:extLst>
+              <a:ext uri="{909E8E84-426E-40DD-AFC4-6F175D3DCCD1}">
+                <a14:hiddenFill xmlns:a14="http://schemas.microsoft.com/office/drawing/2010/main">
+                  <a:solidFill>
+                    <a:schemeClr val="accent1"/>
+                  </a:solidFill>
+                </a14:hiddenFill>
+              </a:ext>
+              <a:ext uri="{91240B29-F687-4F45-9708-019B960494DF}">
+                <a14:hiddenLine xmlns:a14="http://schemas.microsoft.com/office/drawing/2010/main" w="9525">
+                  <a:solidFill>
+                    <a:schemeClr val="tx1"/>
+                  </a:solidFill>
+                  <a:miter lim="800000"/>
+                  <a:headEnd/>
+                  <a:tailEnd/>
+                </a14:hiddenLine>
+              </a:ext>
+              <a:ext uri="{AF507438-7753-43E0-B8FC-AC1667EBCBE1}">
+                <a14:hiddenEffects xmlns:a14="http://schemas.microsoft.com/office/drawing/2010/main">
+                  <a:effectLst>
+                    <a:outerShdw dist="35921" dir="2700000" algn="ctr" rotWithShape="0">
+                      <a:schemeClr val="bg2"/>
+                    </a:outerShdw>
+                  </a:effectLst>
+                </a14:hiddenEffects>
+              </a:ext>
+            </a:extLst>
+          </p:spPr>
+        </p:pic>
+        <p:pic>
+          <p:nvPicPr>
+            <p:cNvPr id="7" name="Picture 2"/>
+            <p:cNvPicPr>
+              <a:picLocks noChangeAspect="1" noChangeArrowheads="1"/>
+            </p:cNvPicPr>
+            <p:nvPr/>
+          </p:nvPicPr>
+          <p:blipFill>
+            <a:blip r:embed="rId7">
+              <a:extLst>
+                <a:ext uri="{28A0092B-C50C-407E-A947-70E740481C1C}">
+                  <a14:useLocalDpi xmlns:a14="http://schemas.microsoft.com/office/drawing/2010/main" val="0"/>
+                </a:ext>
+              </a:extLst>
+            </a:blip>
+            <a:srcRect/>
+            <a:stretch>
+              <a:fillRect/>
+            </a:stretch>
+          </p:blipFill>
+          <p:spPr bwMode="auto">
+            <a:xfrm>
+              <a:off x="7527006" y="3738577"/>
+              <a:ext cx="2276475" cy="1143000"/>
+            </a:xfrm>
+            <a:prstGeom prst="rect">
+              <a:avLst/>
+            </a:prstGeom>
+            <a:noFill/>
+            <a:ln>
+              <a:noFill/>
+            </a:ln>
+            <a:effectLst/>
+            <a:extLst>
+              <a:ext uri="{909E8E84-426E-40DD-AFC4-6F175D3DCCD1}">
+                <a14:hiddenFill xmlns:a14="http://schemas.microsoft.com/office/drawing/2010/main">
+                  <a:solidFill>
+                    <a:schemeClr val="accent1"/>
+                  </a:solidFill>
+                </a14:hiddenFill>
+              </a:ext>
+              <a:ext uri="{91240B29-F687-4F45-9708-019B960494DF}">
+                <a14:hiddenLine xmlns:a14="http://schemas.microsoft.com/office/drawing/2010/main" w="9525">
+                  <a:solidFill>
+                    <a:schemeClr val="tx1"/>
+                  </a:solidFill>
+                  <a:miter lim="800000"/>
+                  <a:headEnd/>
+                  <a:tailEnd/>
+                </a14:hiddenLine>
+              </a:ext>
+              <a:ext uri="{AF507438-7753-43E0-B8FC-AC1667EBCBE1}">
+                <a14:hiddenEffects xmlns:a14="http://schemas.microsoft.com/office/drawing/2010/main">
+                  <a:effectLst>
+                    <a:outerShdw dist="35921" dir="2700000" algn="ctr" rotWithShape="0">
+                      <a:schemeClr val="bg2"/>
+                    </a:outerShdw>
+                  </a:effectLst>
+                </a14:hiddenEffects>
+              </a:ext>
+            </a:extLst>
+          </p:spPr>
+        </p:pic>
+      </p:grpSp>
+      <p:sp>
+        <p:nvSpPr>
+          <p:cNvPr id="5" name="矩形 4"/>
+          <p:cNvSpPr/>
+          <p:nvPr/>
+        </p:nvSpPr>
+        <p:spPr>
+          <a:xfrm>
+            <a:off x="504234" y="1447404"/>
+            <a:ext cx="8271099" cy="3708708"/>
+          </a:xfrm>
+          <a:prstGeom prst="rect">
+            <a:avLst/>
+          </a:prstGeom>
+        </p:spPr>
+        <p:txBody>
+          <a:bodyPr wrap="square">
+            <a:spAutoFit/>
+          </a:bodyPr>
+          <a:lstStyle/>
+          <a:p>
+            <a:pPr>
+              <a:spcBef>
+                <a:spcPts val="600"/>
+              </a:spcBef>
+            </a:pPr>
+            <a:r>
+              <a:rPr lang="zh-CN" altLang="en-US" sz="3200" b="1" dirty="0">
+                <a:latin typeface="楷体" pitchFamily="49" charset="-122"/>
+                <a:ea typeface="楷体" pitchFamily="49" charset="-122"/>
+              </a:rPr>
+              <a:t>三、</a:t>
+            </a:r>
+            <a:r>
+              <a:rPr lang="zh-CN" altLang="zh-CN" sz="3200" b="1" dirty="0">
+                <a:latin typeface="楷体" pitchFamily="49" charset="-122"/>
+                <a:ea typeface="楷体" pitchFamily="49" charset="-122"/>
+              </a:rPr>
+              <a:t>统计分析</a:t>
+            </a:r>
+          </a:p>
+          <a:p>
+            <a:pPr>
+              <a:spcBef>
+                <a:spcPts val="600"/>
+              </a:spcBef>
+            </a:pPr>
+            <a:r>
+              <a:rPr lang="en-US" altLang="zh-CN" sz="2600" dirty="0">
+                <a:latin typeface="楷体" pitchFamily="49" charset="-122"/>
+                <a:ea typeface="楷体" pitchFamily="49" charset="-122"/>
+              </a:rPr>
+              <a:t>    </a:t>
+            </a:r>
+            <a:r>
+              <a:rPr lang="zh-CN" altLang="zh-CN" sz="2600" dirty="0">
+                <a:latin typeface="楷体" pitchFamily="49" charset="-122"/>
+                <a:ea typeface="楷体" pitchFamily="49" charset="-122"/>
+              </a:rPr>
+              <a:t>对系统内的基础数据进行查询、汇总和分析。对车</a:t>
+            </a:r>
+            <a:r>
+              <a:rPr lang="zh-CN" altLang="en-US" sz="2600" dirty="0">
+                <a:latin typeface="楷体" pitchFamily="49" charset="-122"/>
+                <a:ea typeface="楷体" pitchFamily="49" charset="-122"/>
+              </a:rPr>
+              <a:t>型使用率、预约人员、违章人员、每月预约车辆、车辆加油维修违章的</a:t>
+            </a:r>
+            <a:r>
+              <a:rPr lang="zh-CN" altLang="zh-CN" sz="2600" dirty="0">
+                <a:latin typeface="楷体" pitchFamily="49" charset="-122"/>
+                <a:ea typeface="楷体" pitchFamily="49" charset="-122"/>
+              </a:rPr>
+              <a:t>统计和分析，可以生成各种常见的报表。</a:t>
+            </a:r>
+          </a:p>
+          <a:p>
+            <a:pPr>
+              <a:spcBef>
+                <a:spcPts val="600"/>
+              </a:spcBef>
+            </a:pPr>
+            <a:r>
+              <a:rPr lang="zh-CN" altLang="en-US" sz="3200" b="1" dirty="0">
+                <a:latin typeface="楷体" pitchFamily="49" charset="-122"/>
+                <a:ea typeface="楷体" pitchFamily="49" charset="-122"/>
+              </a:rPr>
+              <a:t>四、</a:t>
+            </a:r>
+            <a:r>
+              <a:rPr lang="zh-CN" altLang="zh-CN" sz="3200" b="1" dirty="0">
+                <a:latin typeface="楷体" pitchFamily="49" charset="-122"/>
+                <a:ea typeface="楷体" pitchFamily="49" charset="-122"/>
+              </a:rPr>
+              <a:t>系统管理</a:t>
+            </a:r>
+          </a:p>
+          <a:p>
+            <a:pPr>
+              <a:spcBef>
+                <a:spcPts val="600"/>
+              </a:spcBef>
+            </a:pPr>
+            <a:r>
+              <a:rPr lang="en-US" altLang="zh-CN" sz="2600" dirty="0">
+                <a:latin typeface="楷体" pitchFamily="49" charset="-122"/>
+                <a:ea typeface="楷体" pitchFamily="49" charset="-122"/>
+              </a:rPr>
+              <a:t>    </a:t>
+            </a:r>
+            <a:r>
+              <a:rPr lang="zh-CN" altLang="zh-CN" sz="2600" dirty="0">
+                <a:latin typeface="楷体" pitchFamily="49" charset="-122"/>
+                <a:ea typeface="楷体" pitchFamily="49" charset="-122"/>
+              </a:rPr>
+              <a:t>系统设置：用户管理、角色管理</a:t>
+            </a:r>
+            <a:r>
+              <a:rPr lang="zh-CN" altLang="en-US" sz="2600" dirty="0">
+                <a:latin typeface="楷体" pitchFamily="49" charset="-122"/>
+                <a:ea typeface="楷体" pitchFamily="49" charset="-122"/>
+              </a:rPr>
+              <a:t>（普通用户</a:t>
+            </a:r>
+            <a:r>
+              <a:rPr lang="en-US" altLang="zh-CN" sz="2600" dirty="0">
+                <a:latin typeface="楷体" pitchFamily="49" charset="-122"/>
+                <a:ea typeface="楷体" pitchFamily="49" charset="-122"/>
+              </a:rPr>
+              <a:t>/</a:t>
+            </a:r>
+            <a:r>
+              <a:rPr lang="zh-CN" altLang="en-US" sz="2600" dirty="0">
+                <a:latin typeface="楷体" pitchFamily="49" charset="-122"/>
+                <a:ea typeface="楷体" pitchFamily="49" charset="-122"/>
+              </a:rPr>
+              <a:t>审核员</a:t>
+            </a:r>
+            <a:r>
+              <a:rPr lang="en-US" altLang="zh-CN" sz="2600" dirty="0">
+                <a:latin typeface="楷体" pitchFamily="49" charset="-122"/>
+                <a:ea typeface="楷体" pitchFamily="49" charset="-122"/>
+              </a:rPr>
+              <a:t>/</a:t>
+            </a:r>
+            <a:r>
+              <a:rPr lang="zh-CN" altLang="en-US" sz="2600" dirty="0">
+                <a:latin typeface="楷体" pitchFamily="49" charset="-122"/>
+                <a:ea typeface="楷体" pitchFamily="49" charset="-122"/>
+              </a:rPr>
+              <a:t>管理员</a:t>
+            </a:r>
+            <a:r>
+              <a:rPr lang="en-US" altLang="zh-CN" sz="2600" dirty="0">
+                <a:latin typeface="楷体" pitchFamily="49" charset="-122"/>
+                <a:ea typeface="楷体" pitchFamily="49" charset="-122"/>
+              </a:rPr>
+              <a:t>/</a:t>
+            </a:r>
+            <a:r>
+              <a:rPr lang="zh-CN" altLang="en-US" sz="2600" dirty="0">
+                <a:latin typeface="楷体" pitchFamily="49" charset="-122"/>
+                <a:ea typeface="楷体" pitchFamily="49" charset="-122"/>
+              </a:rPr>
+              <a:t>超级管理员）</a:t>
+            </a:r>
+            <a:endParaRPr lang="zh-CN" altLang="en-US" sz="2600" dirty="0"/>
+          </a:p>
+        </p:txBody>
+      </p:sp>
+      <p:sp>
+        <p:nvSpPr>
+          <p:cNvPr id="12" name="TextBox 3">
+            <a:extLst>
+              <a:ext uri="{FF2B5EF4-FFF2-40B4-BE49-F238E27FC236}">
+                <a16:creationId xmlns:a16="http://schemas.microsoft.com/office/drawing/2014/main" id="{3446890C-54B4-304B-B379-71D948915F26}"/>
+              </a:ext>
+            </a:extLst>
+          </p:cNvPr>
+          <p:cNvSpPr txBox="1"/>
+          <p:nvPr/>
+        </p:nvSpPr>
+        <p:spPr>
+          <a:xfrm>
+            <a:off x="263352" y="211287"/>
+            <a:ext cx="6840760" cy="769441"/>
+          </a:xfrm>
+          <a:prstGeom prst="rect">
+            <a:avLst/>
+          </a:prstGeom>
+          <a:noFill/>
+        </p:spPr>
+        <p:txBody>
+          <a:bodyPr wrap="square" rtlCol="0">
+            <a:spAutoFit/>
+          </a:bodyPr>
+          <a:lstStyle/>
+          <a:p>
+            <a:r>
+              <a:rPr lang="zh-CN" altLang="en-US" sz="4400" b="1" dirty="0">
+                <a:latin typeface="楷体" pitchFamily="49" charset="-122"/>
+                <a:ea typeface="楷体" pitchFamily="49" charset="-122"/>
+              </a:rPr>
+              <a:t>功能介绍 </a:t>
+            </a:r>
+            <a:r>
+              <a:rPr lang="en-US" altLang="zh-CN" sz="4400" b="1" dirty="0">
+                <a:latin typeface="楷体" pitchFamily="49" charset="-122"/>
+                <a:ea typeface="楷体" pitchFamily="49" charset="-122"/>
+              </a:rPr>
+              <a:t>--</a:t>
+            </a:r>
+            <a:r>
+              <a:rPr lang="zh-CN" altLang="en-US" sz="4400" b="1" dirty="0">
+                <a:latin typeface="楷体" pitchFamily="49" charset="-122"/>
+                <a:ea typeface="楷体" pitchFamily="49" charset="-122"/>
+              </a:rPr>
+              <a:t> 系统功能</a:t>
+            </a:r>
+          </a:p>
+        </p:txBody>
+      </p:sp>
+    </p:spTree>
+    <p:extLst>
+      <p:ext uri="{BB962C8B-B14F-4D97-AF65-F5344CB8AC3E}">
+        <p14:creationId xmlns:p14="http://schemas.microsoft.com/office/powerpoint/2010/main" val="2792898070"/>
+      </p:ext>
+    </p:extLst>
+  </p:cSld>
+  <p:clrMapOvr>
+    <a:masterClrMapping/>
+  </p:clrMapOvr>
+</p:sld>
+</file>
+
+<file path=ppt/slides/slide14.xml><?xml version="1.0" encoding="utf-8"?>
+<p:sld xmlns:a="http://schemas.openxmlformats.org/drawingml/2006/main" xmlns:r="http://schemas.openxmlformats.org/officeDocument/2006/relationships" xmlns:p="http://schemas.openxmlformats.org/presentationml/2006/main">
+  <p:cSld>
+    <p:spTree>
+      <p:nvGrpSpPr>
+        <p:cNvPr id="1" name=""/>
+        <p:cNvGrpSpPr/>
+        <p:nvPr/>
+      </p:nvGrpSpPr>
+      <p:grpSpPr>
+        <a:xfrm>
+          <a:off x="0" y="0"/>
+          <a:ext cx="0" cy="0"/>
+          <a:chOff x="0" y="0"/>
+          <a:chExt cx="0" cy="0"/>
+        </a:xfrm>
+      </p:grpSpPr>
+      <p:sp>
+        <p:nvSpPr>
+          <p:cNvPr id="2" name="灯片编号占位符 1"/>
+          <p:cNvSpPr>
+            <a:spLocks noGrp="1"/>
+          </p:cNvSpPr>
+          <p:nvPr>
+            <p:ph type="sldNum" sz="quarter" idx="10"/>
+          </p:nvPr>
+        </p:nvSpPr>
+        <p:spPr/>
+        <p:txBody>
+          <a:bodyPr/>
+          <a:lstStyle/>
+          <a:p>
+            <a:pPr>
+              <a:defRPr/>
+            </a:pPr>
+            <a:fld id="{37D1B2BE-3309-4792-8BE6-AC30C5FAF2D2}" type="slidenum">
+              <a:rPr lang="zh-CN" altLang="en-US" smtClean="0"/>
+              <a:pPr>
+                <a:defRPr/>
+              </a:pPr>
+              <a:t>13</a:t>
             </a:fld>
             <a:endParaRPr lang="en-US" altLang="zh-CN"/>
           </a:p>
@@ -6139,7 +6807,7 @@
 </p:sld>
 </file>
 
-<file path=ppt/slides/slide14.xml><?xml version="1.0" encoding="utf-8"?>
+<file path=ppt/slides/slide15.xml><?xml version="1.0" encoding="utf-8"?>
 <p:sld xmlns:a="http://schemas.openxmlformats.org/drawingml/2006/main" xmlns:r="http://schemas.openxmlformats.org/officeDocument/2006/relationships" xmlns:p="http://schemas.openxmlformats.org/presentationml/2006/main">
   <p:cSld>
     <p:spTree>
@@ -6179,7 +6847,7 @@
               <a:pPr>
                 <a:defRPr/>
               </a:pPr>
-              <a:t>13</a:t>
+              <a:t>14</a:t>
             </a:fld>
             <a:endParaRPr lang="en-US" altLang="zh-CN"/>
           </a:p>
@@ -6357,7 +7025,7 @@
 </p:sld>
 </file>
 
-<file path=ppt/slides/slide15.xml><?xml version="1.0" encoding="utf-8"?>
+<file path=ppt/slides/slide16.xml><?xml version="1.0" encoding="utf-8"?>
 <p:sld xmlns:a="http://schemas.openxmlformats.org/drawingml/2006/main" xmlns:r="http://schemas.openxmlformats.org/officeDocument/2006/relationships" xmlns:p="http://schemas.openxmlformats.org/presentationml/2006/main">
   <p:cSld>
     <p:spTree>
@@ -6397,7 +7065,7 @@
               <a:pPr>
                 <a:defRPr/>
               </a:pPr>
-              <a:t>14</a:t>
+              <a:t>15</a:t>
             </a:fld>
             <a:endParaRPr lang="en-US" altLang="zh-CN"/>
           </a:p>
@@ -7099,7 +7767,7 @@
 </p:sld>
 </file>
 
-<file path=ppt/slides/slide16.xml><?xml version="1.0" encoding="utf-8"?>
+<file path=ppt/slides/slide17.xml><?xml version="1.0" encoding="utf-8"?>
 <p:sld xmlns:a="http://schemas.openxmlformats.org/drawingml/2006/main" xmlns:r="http://schemas.openxmlformats.org/officeDocument/2006/relationships" xmlns:p="http://schemas.openxmlformats.org/presentationml/2006/main">
   <p:cSld>
     <p:spTree>
@@ -7139,7 +7807,7 @@
               <a:pPr>
                 <a:defRPr/>
               </a:pPr>
-              <a:t>15</a:t>
+              <a:t>16</a:t>
             </a:fld>
             <a:endParaRPr lang="en-US" altLang="zh-CN"/>
           </a:p>
@@ -7317,7 +7985,7 @@
 </p:sld>
 </file>
 
-<file path=ppt/slides/slide17.xml><?xml version="1.0" encoding="utf-8"?>
+<file path=ppt/slides/slide18.xml><?xml version="1.0" encoding="utf-8"?>
 <p:sld xmlns:a="http://schemas.openxmlformats.org/drawingml/2006/main" xmlns:r="http://schemas.openxmlformats.org/officeDocument/2006/relationships" xmlns:p="http://schemas.openxmlformats.org/presentationml/2006/main">
   <p:cSld>
     <p:spTree>
@@ -7357,7 +8025,7 @@
               <a:pPr>
                 <a:defRPr/>
               </a:pPr>
-              <a:t>16</a:t>
+              <a:t>17</a:t>
             </a:fld>
             <a:endParaRPr lang="en-US" altLang="zh-CN"/>
           </a:p>
@@ -7879,7 +8547,7 @@
 </p:sld>
 </file>
 
-<file path=ppt/slides/slide18.xml><?xml version="1.0" encoding="utf-8"?>
+<file path=ppt/slides/slide19.xml><?xml version="1.0" encoding="utf-8"?>
 <p:sld xmlns:a="http://schemas.openxmlformats.org/drawingml/2006/main" xmlns:r="http://schemas.openxmlformats.org/officeDocument/2006/relationships" xmlns:p="http://schemas.openxmlformats.org/presentationml/2006/main">
   <p:cSld>
     <p:spTree>
@@ -7919,7 +8587,7 @@
               <a:pPr>
                 <a:defRPr/>
               </a:pPr>
-              <a:t>17</a:t>
+              <a:t>18</a:t>
             </a:fld>
             <a:endParaRPr lang="en-US" altLang="zh-CN"/>
           </a:p>
@@ -8088,65 +8756,6 @@
     <p:extLst>
       <p:ext uri="{BB962C8B-B14F-4D97-AF65-F5344CB8AC3E}">
         <p14:creationId xmlns:p14="http://schemas.microsoft.com/office/powerpoint/2010/main" val="940412991"/>
-      </p:ext>
-    </p:extLst>
-  </p:cSld>
-  <p:clrMapOvr>
-    <a:masterClrMapping/>
-  </p:clrMapOvr>
-</p:sld>
-</file>
-
-<file path=ppt/slides/slide19.xml><?xml version="1.0" encoding="utf-8"?>
-<p:sld xmlns:a="http://schemas.openxmlformats.org/drawingml/2006/main" xmlns:r="http://schemas.openxmlformats.org/officeDocument/2006/relationships" xmlns:p="http://schemas.openxmlformats.org/presentationml/2006/main">
-  <p:cSld>
-    <p:spTree>
-      <p:nvGrpSpPr>
-        <p:cNvPr id="1" name=""/>
-        <p:cNvGrpSpPr/>
-        <p:nvPr/>
-      </p:nvGrpSpPr>
-      <p:grpSpPr>
-        <a:xfrm>
-          <a:off x="0" y="0"/>
-          <a:ext cx="0" cy="0"/>
-          <a:chOff x="0" y="0"/>
-          <a:chExt cx="0" cy="0"/>
-        </a:xfrm>
-      </p:grpSpPr>
-      <p:sp>
-        <p:nvSpPr>
-          <p:cNvPr id="2" name="灯片编号占位符 1"/>
-          <p:cNvSpPr>
-            <a:spLocks noGrp="1"/>
-          </p:cNvSpPr>
-          <p:nvPr>
-            <p:ph type="sldNum" sz="quarter" idx="10"/>
-          </p:nvPr>
-        </p:nvSpPr>
-        <p:spPr/>
-        <p:txBody>
-          <a:bodyPr/>
-          <a:lstStyle/>
-          <a:p>
-            <a:pPr>
-              <a:defRPr/>
-            </a:pPr>
-            <a:fld id="{37D1B2BE-3309-4792-8BE6-AC30C5FAF2D2}" type="slidenum">
-              <a:rPr lang="zh-CN" altLang="en-US" smtClean="0"/>
-              <a:pPr>
-                <a:defRPr/>
-              </a:pPr>
-              <a:t>18</a:t>
-            </a:fld>
-            <a:endParaRPr lang="en-US" altLang="zh-CN"/>
-          </a:p>
-        </p:txBody>
-      </p:sp>
-    </p:spTree>
-    <p:extLst>
-      <p:ext uri="{BB962C8B-B14F-4D97-AF65-F5344CB8AC3E}">
-        <p14:creationId xmlns:p14="http://schemas.microsoft.com/office/powerpoint/2010/main" val="2044037289"/>
       </p:ext>
     </p:extLst>
   </p:cSld>
@@ -9001,6 +9610,65 @@
 </file>
 
 <file path=ppt/slides/slide20.xml><?xml version="1.0" encoding="utf-8"?>
+<p:sld xmlns:a="http://schemas.openxmlformats.org/drawingml/2006/main" xmlns:r="http://schemas.openxmlformats.org/officeDocument/2006/relationships" xmlns:p="http://schemas.openxmlformats.org/presentationml/2006/main">
+  <p:cSld>
+    <p:spTree>
+      <p:nvGrpSpPr>
+        <p:cNvPr id="1" name=""/>
+        <p:cNvGrpSpPr/>
+        <p:nvPr/>
+      </p:nvGrpSpPr>
+      <p:grpSpPr>
+        <a:xfrm>
+          <a:off x="0" y="0"/>
+          <a:ext cx="0" cy="0"/>
+          <a:chOff x="0" y="0"/>
+          <a:chExt cx="0" cy="0"/>
+        </a:xfrm>
+      </p:grpSpPr>
+      <p:sp>
+        <p:nvSpPr>
+          <p:cNvPr id="2" name="灯片编号占位符 1"/>
+          <p:cNvSpPr>
+            <a:spLocks noGrp="1"/>
+          </p:cNvSpPr>
+          <p:nvPr>
+            <p:ph type="sldNum" sz="quarter" idx="10"/>
+          </p:nvPr>
+        </p:nvSpPr>
+        <p:spPr/>
+        <p:txBody>
+          <a:bodyPr/>
+          <a:lstStyle/>
+          <a:p>
+            <a:pPr>
+              <a:defRPr/>
+            </a:pPr>
+            <a:fld id="{37D1B2BE-3309-4792-8BE6-AC30C5FAF2D2}" type="slidenum">
+              <a:rPr lang="zh-CN" altLang="en-US" smtClean="0"/>
+              <a:pPr>
+                <a:defRPr/>
+              </a:pPr>
+              <a:t>19</a:t>
+            </a:fld>
+            <a:endParaRPr lang="en-US" altLang="zh-CN"/>
+          </a:p>
+        </p:txBody>
+      </p:sp>
+    </p:spTree>
+    <p:extLst>
+      <p:ext uri="{BB962C8B-B14F-4D97-AF65-F5344CB8AC3E}">
+        <p14:creationId xmlns:p14="http://schemas.microsoft.com/office/powerpoint/2010/main" val="2044037289"/>
+      </p:ext>
+    </p:extLst>
+  </p:cSld>
+  <p:clrMapOvr>
+    <a:masterClrMapping/>
+  </p:clrMapOvr>
+</p:sld>
+</file>
+
+<file path=ppt/slides/slide21.xml><?xml version="1.0" encoding="utf-8"?>
 <p:sld xmlns:a="http://schemas.openxmlformats.org/drawingml/2006/main" xmlns:r="http://schemas.openxmlformats.org/officeDocument/2006/relationships" xmlns:p="http://schemas.openxmlformats.org/presentationml/2006/main">
   <p:cSld>
     <p:spTree>

--- a/doc/联通公务车管理系统.pptx
+++ b/doc/联通公务车管理系统.pptx
@@ -5,10 +5,10 @@
     <p:sldMasterId id="2147483648" r:id="rId1"/>
   </p:sldMasterIdLst>
   <p:notesMasterIdLst>
-    <p:notesMasterId r:id="rId23"/>
+    <p:notesMasterId r:id="rId22"/>
   </p:notesMasterIdLst>
   <p:handoutMasterIdLst>
-    <p:handoutMasterId r:id="rId24"/>
+    <p:handoutMasterId r:id="rId23"/>
   </p:handoutMasterIdLst>
   <p:sldIdLst>
     <p:sldId id="256" r:id="rId2"/>
@@ -16,22 +16,21 @@
     <p:sldId id="264" r:id="rId4"/>
     <p:sldId id="265" r:id="rId5"/>
     <p:sldId id="266" r:id="rId6"/>
-    <p:sldId id="268" r:id="rId7"/>
-    <p:sldId id="267" r:id="rId8"/>
-    <p:sldId id="272" r:id="rId9"/>
-    <p:sldId id="280" r:id="rId10"/>
-    <p:sldId id="270" r:id="rId11"/>
-    <p:sldId id="277" r:id="rId12"/>
-    <p:sldId id="286" r:id="rId13"/>
-    <p:sldId id="287" r:id="rId14"/>
-    <p:sldId id="274" r:id="rId15"/>
-    <p:sldId id="269" r:id="rId16"/>
-    <p:sldId id="283" r:id="rId17"/>
-    <p:sldId id="273" r:id="rId18"/>
-    <p:sldId id="285" r:id="rId19"/>
-    <p:sldId id="276" r:id="rId20"/>
-    <p:sldId id="275" r:id="rId21"/>
-    <p:sldId id="279" r:id="rId22"/>
+    <p:sldId id="267" r:id="rId7"/>
+    <p:sldId id="272" r:id="rId8"/>
+    <p:sldId id="280" r:id="rId9"/>
+    <p:sldId id="270" r:id="rId10"/>
+    <p:sldId id="286" r:id="rId11"/>
+    <p:sldId id="287" r:id="rId12"/>
+    <p:sldId id="289" r:id="rId13"/>
+    <p:sldId id="288" r:id="rId14"/>
+    <p:sldId id="269" r:id="rId15"/>
+    <p:sldId id="283" r:id="rId16"/>
+    <p:sldId id="273" r:id="rId17"/>
+    <p:sldId id="285" r:id="rId18"/>
+    <p:sldId id="276" r:id="rId19"/>
+    <p:sldId id="275" r:id="rId20"/>
+    <p:sldId id="279" r:id="rId21"/>
   </p:sldIdLst>
   <p:sldSz cx="12192000" cy="6858000"/>
   <p:notesSz cx="6797675" cy="9929813"/>
@@ -315,7 +314,7 @@
               <a:pPr>
                 <a:defRPr/>
               </a:pPr>
-              <a:t>2019/9/7</a:t>
+              <a:t>2019/9/8</a:t>
             </a:fld>
             <a:endParaRPr lang="zh-CN" altLang="en-US"/>
           </a:p>
@@ -535,7 +534,7 @@
               <a:pPr>
                 <a:defRPr/>
               </a:pPr>
-              <a:t>2019/9/7</a:t>
+              <a:t>2019/9/8</a:t>
             </a:fld>
             <a:endParaRPr lang="zh-CN" altLang="en-US"/>
           </a:p>
@@ -1221,7 +1220,7 @@
               <a:pPr>
                 <a:defRPr/>
               </a:pPr>
-              <a:t>11</a:t>
+              <a:t>9</a:t>
             </a:fld>
             <a:endParaRPr lang="en-US" altLang="zh-CN"/>
           </a:p>
@@ -1311,7 +1310,7 @@
               <a:pPr>
                 <a:defRPr/>
               </a:pPr>
-              <a:t>12</a:t>
+              <a:t>10</a:t>
             </a:fld>
             <a:endParaRPr lang="en-US" altLang="zh-CN"/>
           </a:p>
@@ -3502,7 +3501,7 @@
         <p:spPr>
           <a:xfrm>
             <a:off x="7007424" y="5589239"/>
-            <a:ext cx="5184576" cy="1066639"/>
+            <a:ext cx="5184576" cy="1107996"/>
           </a:xfrm>
           <a:prstGeom prst="rect">
             <a:avLst/>
@@ -3551,7 +3550,7 @@
                 <a:latin typeface="KaiTi" panose="02010609060101010101" pitchFamily="49" charset="-122"/>
                 <a:ea typeface="KaiTi" panose="02010609060101010101" pitchFamily="49" charset="-122"/>
               </a:rPr>
-              <a:t>组员：冯宣祯、张雨佳、吴佳辉</a:t>
+              <a:t>组员：冯宣祯、张雨佳、吴佳辉、赵殷豪</a:t>
             </a:r>
             <a:endParaRPr lang="en-US" altLang="zh-CN" sz="2000" dirty="0">
               <a:solidFill>
@@ -3585,835 +3584,17 @@
   <p:clrMapOvr>
     <a:masterClrMapping/>
   </p:clrMapOvr>
+  <p:timing>
+    <p:tnLst>
+      <p:par>
+        <p:cTn id="1" dur="indefinite" restart="never" nodeType="tmRoot"/>
+      </p:par>
+    </p:tnLst>
+  </p:timing>
 </p:sld>
 </file>
 
 <file path=ppt/slides/slide10.xml><?xml version="1.0" encoding="utf-8"?>
-<p:sld xmlns:a="http://schemas.openxmlformats.org/drawingml/2006/main" xmlns:r="http://schemas.openxmlformats.org/officeDocument/2006/relationships" xmlns:p="http://schemas.openxmlformats.org/presentationml/2006/main">
-  <p:cSld>
-    <p:spTree>
-      <p:nvGrpSpPr>
-        <p:cNvPr id="1" name=""/>
-        <p:cNvGrpSpPr/>
-        <p:nvPr/>
-      </p:nvGrpSpPr>
-      <p:grpSpPr>
-        <a:xfrm>
-          <a:off x="0" y="0"/>
-          <a:ext cx="0" cy="0"/>
-          <a:chOff x="0" y="0"/>
-          <a:chExt cx="0" cy="0"/>
-        </a:xfrm>
-      </p:grpSpPr>
-      <p:pic>
-        <p:nvPicPr>
-          <p:cNvPr id="7" name="Picture 5"/>
-          <p:cNvPicPr>
-            <a:picLocks noChangeAspect="1" noChangeArrowheads="1"/>
-          </p:cNvPicPr>
-          <p:nvPr/>
-        </p:nvPicPr>
-        <p:blipFill>
-          <a:blip r:embed="rId2">
-            <a:extLst>
-              <a:ext uri="{28A0092B-C50C-407E-A947-70E740481C1C}">
-                <a14:useLocalDpi xmlns:a14="http://schemas.microsoft.com/office/drawing/2010/main" val="0"/>
-              </a:ext>
-            </a:extLst>
-          </a:blip>
-          <a:srcRect/>
-          <a:stretch>
-            <a:fillRect/>
-          </a:stretch>
-        </p:blipFill>
-        <p:spPr bwMode="auto">
-          <a:xfrm>
-            <a:off x="8472264" y="3192911"/>
-            <a:ext cx="1336719" cy="1075410"/>
-          </a:xfrm>
-          <a:prstGeom prst="rect">
-            <a:avLst/>
-          </a:prstGeom>
-          <a:noFill/>
-          <a:ln>
-            <a:noFill/>
-          </a:ln>
-          <a:effectLst/>
-          <a:extLst>
-            <a:ext uri="{909E8E84-426E-40DD-AFC4-6F175D3DCCD1}">
-              <a14:hiddenFill xmlns:a14="http://schemas.microsoft.com/office/drawing/2010/main">
-                <a:solidFill>
-                  <a:schemeClr val="accent1"/>
-                </a:solidFill>
-              </a14:hiddenFill>
-            </a:ext>
-            <a:ext uri="{91240B29-F687-4F45-9708-019B960494DF}">
-              <a14:hiddenLine xmlns:a14="http://schemas.microsoft.com/office/drawing/2010/main" w="9525">
-                <a:solidFill>
-                  <a:schemeClr val="tx1"/>
-                </a:solidFill>
-                <a:miter lim="800000"/>
-                <a:headEnd/>
-                <a:tailEnd/>
-              </a14:hiddenLine>
-            </a:ext>
-            <a:ext uri="{AF507438-7753-43E0-B8FC-AC1667EBCBE1}">
-              <a14:hiddenEffects xmlns:a14="http://schemas.microsoft.com/office/drawing/2010/main">
-                <a:effectLst>
-                  <a:outerShdw dist="35921" dir="2700000" algn="ctr" rotWithShape="0">
-                    <a:schemeClr val="bg2"/>
-                  </a:outerShdw>
-                </a:effectLst>
-              </a14:hiddenEffects>
-            </a:ext>
-          </a:extLst>
-        </p:spPr>
-      </p:pic>
-      <p:pic>
-        <p:nvPicPr>
-          <p:cNvPr id="8" name="Picture 3"/>
-          <p:cNvPicPr>
-            <a:picLocks noChangeAspect="1" noChangeArrowheads="1"/>
-          </p:cNvPicPr>
-          <p:nvPr/>
-        </p:nvPicPr>
-        <p:blipFill>
-          <a:blip r:embed="rId3">
-            <a:extLst>
-              <a:ext uri="{28A0092B-C50C-407E-A947-70E740481C1C}">
-                <a14:useLocalDpi xmlns:a14="http://schemas.microsoft.com/office/drawing/2010/main" val="0"/>
-              </a:ext>
-            </a:extLst>
-          </a:blip>
-          <a:srcRect/>
-          <a:stretch>
-            <a:fillRect/>
-          </a:stretch>
-        </p:blipFill>
-        <p:spPr bwMode="auto">
-          <a:xfrm>
-            <a:off x="10200456" y="5143105"/>
-            <a:ext cx="1485243" cy="950191"/>
-          </a:xfrm>
-          <a:prstGeom prst="rect">
-            <a:avLst/>
-          </a:prstGeom>
-          <a:noFill/>
-          <a:ln>
-            <a:noFill/>
-          </a:ln>
-          <a:effectLst/>
-          <a:extLst>
-            <a:ext uri="{909E8E84-426E-40DD-AFC4-6F175D3DCCD1}">
-              <a14:hiddenFill xmlns:a14="http://schemas.microsoft.com/office/drawing/2010/main">
-                <a:solidFill>
-                  <a:schemeClr val="accent1"/>
-                </a:solidFill>
-              </a14:hiddenFill>
-            </a:ext>
-            <a:ext uri="{91240B29-F687-4F45-9708-019B960494DF}">
-              <a14:hiddenLine xmlns:a14="http://schemas.microsoft.com/office/drawing/2010/main" w="9525">
-                <a:solidFill>
-                  <a:schemeClr val="tx1"/>
-                </a:solidFill>
-                <a:miter lim="800000"/>
-                <a:headEnd/>
-                <a:tailEnd/>
-              </a14:hiddenLine>
-            </a:ext>
-            <a:ext uri="{AF507438-7753-43E0-B8FC-AC1667EBCBE1}">
-              <a14:hiddenEffects xmlns:a14="http://schemas.microsoft.com/office/drawing/2010/main">
-                <a:effectLst>
-                  <a:outerShdw dist="35921" dir="2700000" algn="ctr" rotWithShape="0">
-                    <a:schemeClr val="bg2"/>
-                  </a:outerShdw>
-                </a:effectLst>
-              </a14:hiddenEffects>
-            </a:ext>
-          </a:extLst>
-        </p:spPr>
-      </p:pic>
-      <p:sp>
-        <p:nvSpPr>
-          <p:cNvPr id="2" name="灯片编号占位符 1"/>
-          <p:cNvSpPr>
-            <a:spLocks noGrp="1"/>
-          </p:cNvSpPr>
-          <p:nvPr>
-            <p:ph type="sldNum" sz="quarter" idx="10"/>
-          </p:nvPr>
-        </p:nvSpPr>
-        <p:spPr/>
-        <p:txBody>
-          <a:bodyPr/>
-          <a:lstStyle/>
-          <a:p>
-            <a:pPr>
-              <a:defRPr/>
-            </a:pPr>
-            <a:fld id="{37D1B2BE-3309-4792-8BE6-AC30C5FAF2D2}" type="slidenum">
-              <a:rPr lang="zh-CN" altLang="en-US" smtClean="0"/>
-              <a:pPr>
-                <a:defRPr/>
-              </a:pPr>
-              <a:t>9</a:t>
-            </a:fld>
-            <a:endParaRPr lang="en-US" altLang="zh-CN"/>
-          </a:p>
-        </p:txBody>
-      </p:sp>
-      <p:sp>
-        <p:nvSpPr>
-          <p:cNvPr id="4" name="TextBox 3"/>
-          <p:cNvSpPr txBox="1"/>
-          <p:nvPr/>
-        </p:nvSpPr>
-        <p:spPr>
-          <a:xfrm>
-            <a:off x="263352" y="211287"/>
-            <a:ext cx="6840760" cy="769441"/>
-          </a:xfrm>
-          <a:prstGeom prst="rect">
-            <a:avLst/>
-          </a:prstGeom>
-          <a:noFill/>
-        </p:spPr>
-        <p:txBody>
-          <a:bodyPr wrap="square" rtlCol="0">
-            <a:spAutoFit/>
-          </a:bodyPr>
-          <a:lstStyle/>
-          <a:p>
-            <a:r>
-              <a:rPr lang="zh-CN" altLang="en-US" sz="4400" b="1" dirty="0">
-                <a:latin typeface="楷体" pitchFamily="49" charset="-122"/>
-                <a:ea typeface="楷体" pitchFamily="49" charset="-122"/>
-              </a:rPr>
-              <a:t>功能介绍 </a:t>
-            </a:r>
-            <a:r>
-              <a:rPr lang="en-US" altLang="zh-CN" sz="4400" b="1" dirty="0">
-                <a:latin typeface="楷体" pitchFamily="49" charset="-122"/>
-                <a:ea typeface="楷体" pitchFamily="49" charset="-122"/>
-              </a:rPr>
-              <a:t>--</a:t>
-            </a:r>
-            <a:r>
-              <a:rPr lang="zh-CN" altLang="en-US" sz="4400" b="1" dirty="0">
-                <a:latin typeface="楷体" pitchFamily="49" charset="-122"/>
-                <a:ea typeface="楷体" pitchFamily="49" charset="-122"/>
-              </a:rPr>
-              <a:t> 系统功能</a:t>
-            </a:r>
-          </a:p>
-        </p:txBody>
-      </p:sp>
-      <p:sp>
-        <p:nvSpPr>
-          <p:cNvPr id="5" name="矩形 4"/>
-          <p:cNvSpPr/>
-          <p:nvPr/>
-        </p:nvSpPr>
-        <p:spPr>
-          <a:xfrm>
-            <a:off x="247766" y="1052736"/>
-            <a:ext cx="10888794" cy="5109091"/>
-          </a:xfrm>
-          <a:prstGeom prst="rect">
-            <a:avLst/>
-          </a:prstGeom>
-        </p:spPr>
-        <p:txBody>
-          <a:bodyPr wrap="square">
-            <a:spAutoFit/>
-          </a:bodyPr>
-          <a:lstStyle/>
-          <a:p>
-            <a:r>
-              <a:rPr lang="zh-CN" altLang="en-US" sz="3200" b="1" dirty="0">
-                <a:latin typeface="楷体" pitchFamily="49" charset="-122"/>
-                <a:ea typeface="楷体" pitchFamily="49" charset="-122"/>
-              </a:rPr>
-              <a:t>一、</a:t>
-            </a:r>
-            <a:r>
-              <a:rPr lang="zh-CN" altLang="zh-CN" sz="3200" b="1" dirty="0">
-                <a:latin typeface="楷体" pitchFamily="49" charset="-122"/>
-                <a:ea typeface="楷体" pitchFamily="49" charset="-122"/>
-              </a:rPr>
-              <a:t>信息管理</a:t>
-            </a:r>
-            <a:endParaRPr lang="en-US" altLang="zh-CN" sz="3200" b="1" dirty="0">
-              <a:latin typeface="楷体" pitchFamily="49" charset="-122"/>
-              <a:ea typeface="楷体" pitchFamily="49" charset="-122"/>
-            </a:endParaRPr>
-          </a:p>
-          <a:p>
-            <a:pPr>
-              <a:spcBef>
-                <a:spcPts val="600"/>
-              </a:spcBef>
-            </a:pPr>
-            <a:r>
-              <a:rPr lang="zh-CN" altLang="en-US" sz="2800" dirty="0">
-                <a:latin typeface="楷体" pitchFamily="49" charset="-122"/>
-                <a:ea typeface="楷体" pitchFamily="49" charset="-122"/>
-              </a:rPr>
-              <a:t>    包括车型管理、车辆管理、车辆记录三个子模块。</a:t>
-            </a:r>
-            <a:endParaRPr lang="zh-CN" altLang="zh-CN" sz="2800" dirty="0">
-              <a:latin typeface="楷体" pitchFamily="49" charset="-122"/>
-              <a:ea typeface="楷体" pitchFamily="49" charset="-122"/>
-            </a:endParaRPr>
-          </a:p>
-          <a:p>
-            <a:pPr>
-              <a:spcBef>
-                <a:spcPts val="1200"/>
-              </a:spcBef>
-            </a:pPr>
-            <a:r>
-              <a:rPr lang="en-US" altLang="zh-CN" sz="2800" dirty="0">
-                <a:latin typeface="楷体" pitchFamily="49" charset="-122"/>
-                <a:ea typeface="楷体" pitchFamily="49" charset="-122"/>
-              </a:rPr>
-              <a:t>   </a:t>
-            </a:r>
-            <a:r>
-              <a:rPr lang="zh-CN" altLang="zh-CN" sz="2800" dirty="0">
-                <a:latin typeface="楷体" pitchFamily="49" charset="-122"/>
-                <a:ea typeface="楷体" pitchFamily="49" charset="-122"/>
-              </a:rPr>
-              <a:t>（</a:t>
-            </a:r>
-            <a:r>
-              <a:rPr lang="en-US" altLang="zh-CN" sz="2800" dirty="0">
-                <a:latin typeface="楷体" pitchFamily="49" charset="-122"/>
-                <a:ea typeface="楷体" pitchFamily="49" charset="-122"/>
-              </a:rPr>
-              <a:t>1</a:t>
-            </a:r>
-            <a:r>
-              <a:rPr lang="zh-CN" altLang="zh-CN" sz="2800" dirty="0">
-                <a:latin typeface="楷体" pitchFamily="49" charset="-122"/>
-                <a:ea typeface="楷体" pitchFamily="49" charset="-122"/>
-              </a:rPr>
-              <a:t>）</a:t>
-            </a:r>
-            <a:r>
-              <a:rPr lang="zh-CN" altLang="en-US" sz="2800" b="1" dirty="0">
-                <a:solidFill>
-                  <a:srgbClr val="FF0000"/>
-                </a:solidFill>
-                <a:latin typeface="楷体" pitchFamily="49" charset="-122"/>
-                <a:ea typeface="楷体" pitchFamily="49" charset="-122"/>
-              </a:rPr>
-              <a:t>车型管理</a:t>
-            </a:r>
-            <a:r>
-              <a:rPr lang="en-US" altLang="zh-CN" sz="2800" dirty="0">
-                <a:latin typeface="楷体" pitchFamily="49" charset="-122"/>
-                <a:ea typeface="楷体" pitchFamily="49" charset="-122"/>
-              </a:rPr>
-              <a:t>—</a:t>
-            </a:r>
-            <a:r>
-              <a:rPr lang="zh-CN" altLang="en-US" sz="2800" dirty="0">
-                <a:latin typeface="楷体" pitchFamily="49" charset="-122"/>
-                <a:ea typeface="楷体" pitchFamily="49" charset="-122"/>
-              </a:rPr>
-              <a:t>单位购入车辆车型的基础信息管理</a:t>
-            </a:r>
-            <a:endParaRPr lang="en-US" altLang="zh-CN" sz="2800" dirty="0">
-              <a:latin typeface="楷体" pitchFamily="49" charset="-122"/>
-              <a:ea typeface="楷体" pitchFamily="49" charset="-122"/>
-            </a:endParaRPr>
-          </a:p>
-          <a:p>
-            <a:pPr>
-              <a:spcBef>
-                <a:spcPts val="600"/>
-              </a:spcBef>
-            </a:pPr>
-            <a:r>
-              <a:rPr lang="en-US" altLang="zh-CN" sz="2800" dirty="0">
-                <a:latin typeface="楷体" pitchFamily="49" charset="-122"/>
-                <a:ea typeface="楷体" pitchFamily="49" charset="-122"/>
-              </a:rPr>
-              <a:t>    	</a:t>
-            </a:r>
-            <a:r>
-              <a:rPr lang="zh-CN" altLang="en-US" sz="2400" dirty="0">
-                <a:latin typeface="楷体" pitchFamily="49" charset="-122"/>
-                <a:ea typeface="楷体" pitchFamily="49" charset="-122"/>
-              </a:rPr>
-              <a:t>车型信息包括：品牌类型、汽车排量、购入价格、购入日期、燃油类型、   </a:t>
-            </a:r>
-            <a:endParaRPr lang="en-US" altLang="zh-CN" sz="2400" dirty="0">
-              <a:latin typeface="楷体" pitchFamily="49" charset="-122"/>
-              <a:ea typeface="楷体" pitchFamily="49" charset="-122"/>
-            </a:endParaRPr>
-          </a:p>
-          <a:p>
-            <a:pPr>
-              <a:spcBef>
-                <a:spcPts val="600"/>
-              </a:spcBef>
-            </a:pPr>
-            <a:r>
-              <a:rPr lang="en-US" altLang="zh-CN" sz="2400" dirty="0">
-                <a:latin typeface="楷体" pitchFamily="49" charset="-122"/>
-                <a:ea typeface="楷体" pitchFamily="49" charset="-122"/>
-              </a:rPr>
-              <a:t>                    </a:t>
-            </a:r>
-            <a:r>
-              <a:rPr lang="zh-CN" altLang="en-US" sz="2400" dirty="0">
-                <a:latin typeface="楷体" pitchFamily="49" charset="-122"/>
-                <a:ea typeface="楷体" pitchFamily="49" charset="-122"/>
-              </a:rPr>
-              <a:t>车座数；</a:t>
-            </a:r>
-            <a:endParaRPr lang="en-US" altLang="zh-CN" sz="2400" dirty="0">
-              <a:latin typeface="楷体" pitchFamily="49" charset="-122"/>
-              <a:ea typeface="楷体" pitchFamily="49" charset="-122"/>
-            </a:endParaRPr>
-          </a:p>
-          <a:p>
-            <a:pPr>
-              <a:spcBef>
-                <a:spcPts val="600"/>
-              </a:spcBef>
-            </a:pPr>
-            <a:r>
-              <a:rPr lang="en-US" altLang="zh-CN" sz="2800" dirty="0">
-                <a:latin typeface="楷体" pitchFamily="49" charset="-122"/>
-                <a:ea typeface="楷体" pitchFamily="49" charset="-122"/>
-              </a:rPr>
-              <a:t>   </a:t>
-            </a:r>
-            <a:r>
-              <a:rPr lang="zh-CN" altLang="zh-CN" sz="2800" dirty="0">
-                <a:latin typeface="楷体" pitchFamily="49" charset="-122"/>
-                <a:ea typeface="楷体" pitchFamily="49" charset="-122"/>
-              </a:rPr>
-              <a:t>（</a:t>
-            </a:r>
-            <a:r>
-              <a:rPr lang="en-US" altLang="zh-CN" sz="2800" dirty="0">
-                <a:latin typeface="楷体" pitchFamily="49" charset="-122"/>
-                <a:ea typeface="楷体" pitchFamily="49" charset="-122"/>
-              </a:rPr>
-              <a:t>2</a:t>
-            </a:r>
-            <a:r>
-              <a:rPr lang="zh-CN" altLang="zh-CN" sz="2800" dirty="0">
-                <a:latin typeface="楷体" pitchFamily="49" charset="-122"/>
-                <a:ea typeface="楷体" pitchFamily="49" charset="-122"/>
-              </a:rPr>
-              <a:t>）</a:t>
-            </a:r>
-            <a:r>
-              <a:rPr lang="zh-CN" altLang="en-US" sz="2800" b="1" dirty="0">
-                <a:solidFill>
-                  <a:srgbClr val="FF0000"/>
-                </a:solidFill>
-                <a:latin typeface="楷体" pitchFamily="49" charset="-122"/>
-                <a:ea typeface="楷体" pitchFamily="49" charset="-122"/>
-              </a:rPr>
-              <a:t>车辆管理</a:t>
-            </a:r>
-            <a:r>
-              <a:rPr lang="en-US" altLang="zh-CN" sz="2800" dirty="0">
-                <a:latin typeface="楷体" pitchFamily="49" charset="-122"/>
-                <a:ea typeface="楷体" pitchFamily="49" charset="-122"/>
-              </a:rPr>
-              <a:t>—</a:t>
-            </a:r>
-            <a:r>
-              <a:rPr lang="zh-CN" altLang="en-US" sz="2800" dirty="0">
-                <a:latin typeface="楷体" pitchFamily="49" charset="-122"/>
-                <a:ea typeface="楷体" pitchFamily="49" charset="-122"/>
-              </a:rPr>
-              <a:t>投入使用车辆的相关信息管理</a:t>
-            </a:r>
-            <a:endParaRPr lang="en-US" altLang="zh-CN" sz="2800" dirty="0">
-              <a:latin typeface="楷体" pitchFamily="49" charset="-122"/>
-              <a:ea typeface="楷体" pitchFamily="49" charset="-122"/>
-            </a:endParaRPr>
-          </a:p>
-          <a:p>
-            <a:pPr>
-              <a:spcBef>
-                <a:spcPts val="600"/>
-              </a:spcBef>
-            </a:pPr>
-            <a:r>
-              <a:rPr lang="en-US" altLang="zh-CN" sz="2800" dirty="0">
-                <a:latin typeface="楷体" pitchFamily="49" charset="-122"/>
-                <a:ea typeface="楷体" pitchFamily="49" charset="-122"/>
-              </a:rPr>
-              <a:t>     </a:t>
-            </a:r>
-            <a:r>
-              <a:rPr lang="zh-CN" altLang="en-US" sz="2400" dirty="0">
-                <a:latin typeface="楷体" pitchFamily="49" charset="-122"/>
-                <a:ea typeface="楷体" pitchFamily="49" charset="-122"/>
-              </a:rPr>
-              <a:t>车辆信息包括：品牌类型、车牌号、投入日期、车辆状态（使用中、维修</a:t>
-            </a:r>
-            <a:endParaRPr lang="en-US" altLang="zh-CN" sz="2400" dirty="0">
-              <a:latin typeface="楷体" pitchFamily="49" charset="-122"/>
-              <a:ea typeface="楷体" pitchFamily="49" charset="-122"/>
-            </a:endParaRPr>
-          </a:p>
-          <a:p>
-            <a:pPr>
-              <a:spcBef>
-                <a:spcPts val="600"/>
-              </a:spcBef>
-            </a:pPr>
-            <a:r>
-              <a:rPr lang="en-US" altLang="zh-CN" sz="2400" dirty="0">
-                <a:latin typeface="楷体" pitchFamily="49" charset="-122"/>
-                <a:ea typeface="楷体" pitchFamily="49" charset="-122"/>
-              </a:rPr>
-              <a:t>                    </a:t>
-            </a:r>
-            <a:r>
-              <a:rPr lang="zh-CN" altLang="en-US" sz="2400" dirty="0">
-                <a:latin typeface="楷体" pitchFamily="49" charset="-122"/>
-                <a:ea typeface="楷体" pitchFamily="49" charset="-122"/>
-              </a:rPr>
-              <a:t>中、空闲）、车辆用图（班车、公车）；</a:t>
-            </a:r>
-            <a:endParaRPr lang="en-US" altLang="zh-CN" sz="2400" dirty="0">
-              <a:latin typeface="楷体" pitchFamily="49" charset="-122"/>
-              <a:ea typeface="楷体" pitchFamily="49" charset="-122"/>
-            </a:endParaRPr>
-          </a:p>
-          <a:p>
-            <a:pPr>
-              <a:spcBef>
-                <a:spcPts val="600"/>
-              </a:spcBef>
-            </a:pPr>
-            <a:r>
-              <a:rPr lang="en-US" altLang="zh-CN" sz="2800" dirty="0">
-                <a:latin typeface="楷体" pitchFamily="49" charset="-122"/>
-                <a:ea typeface="楷体" pitchFamily="49" charset="-122"/>
-              </a:rPr>
-              <a:t>   </a:t>
-            </a:r>
-            <a:r>
-              <a:rPr lang="zh-CN" altLang="zh-CN" sz="2800" dirty="0">
-                <a:latin typeface="楷体" pitchFamily="49" charset="-122"/>
-                <a:ea typeface="楷体" pitchFamily="49" charset="-122"/>
-              </a:rPr>
-              <a:t>（</a:t>
-            </a:r>
-            <a:r>
-              <a:rPr lang="en-US" altLang="zh-CN" sz="2800" dirty="0">
-                <a:latin typeface="楷体" pitchFamily="49" charset="-122"/>
-                <a:ea typeface="楷体" pitchFamily="49" charset="-122"/>
-              </a:rPr>
-              <a:t>3</a:t>
-            </a:r>
-            <a:r>
-              <a:rPr lang="zh-CN" altLang="zh-CN" sz="2800" dirty="0">
-                <a:latin typeface="楷体" pitchFamily="49" charset="-122"/>
-                <a:ea typeface="楷体" pitchFamily="49" charset="-122"/>
-              </a:rPr>
-              <a:t>）</a:t>
-            </a:r>
-            <a:r>
-              <a:rPr lang="zh-CN" altLang="en-US" sz="2800" b="1" dirty="0">
-                <a:solidFill>
-                  <a:srgbClr val="FF0000"/>
-                </a:solidFill>
-                <a:latin typeface="楷体" pitchFamily="49" charset="-122"/>
-                <a:ea typeface="楷体" pitchFamily="49" charset="-122"/>
-              </a:rPr>
-              <a:t>车辆记录管理</a:t>
-            </a:r>
-            <a:r>
-              <a:rPr lang="en-US" altLang="zh-CN" sz="2800" dirty="0">
-                <a:latin typeface="楷体" pitchFamily="49" charset="-122"/>
-                <a:ea typeface="楷体" pitchFamily="49" charset="-122"/>
-              </a:rPr>
-              <a:t>—</a:t>
-            </a:r>
-            <a:r>
-              <a:rPr lang="zh-CN" altLang="en-US" sz="2800" dirty="0">
-                <a:latin typeface="楷体" pitchFamily="49" charset="-122"/>
-                <a:ea typeface="楷体" pitchFamily="49" charset="-122"/>
-              </a:rPr>
-              <a:t>车辆的加油、维修、违章记录信息管理。</a:t>
-            </a:r>
-            <a:endParaRPr lang="en-US" altLang="zh-CN" sz="2800" dirty="0">
-              <a:latin typeface="楷体" pitchFamily="49" charset="-122"/>
-              <a:ea typeface="楷体" pitchFamily="49" charset="-122"/>
-            </a:endParaRPr>
-          </a:p>
-          <a:p>
-            <a:pPr>
-              <a:spcBef>
-                <a:spcPts val="600"/>
-              </a:spcBef>
-            </a:pPr>
-            <a:r>
-              <a:rPr lang="en-US" altLang="zh-CN" sz="2800" dirty="0">
-                <a:latin typeface="楷体" pitchFamily="49" charset="-122"/>
-                <a:ea typeface="楷体" pitchFamily="49" charset="-122"/>
-              </a:rPr>
-              <a:t>	</a:t>
-            </a:r>
-            <a:r>
-              <a:rPr lang="zh-CN" altLang="en-US" sz="2400" dirty="0">
-                <a:latin typeface="楷体" pitchFamily="49" charset="-122"/>
-                <a:ea typeface="楷体" pitchFamily="49" charset="-122"/>
-              </a:rPr>
-              <a:t>车辆记录信息包括</a:t>
-            </a:r>
-            <a:r>
-              <a:rPr lang="zh-CN" altLang="zh-CN" sz="2400" dirty="0">
-                <a:latin typeface="楷体" pitchFamily="49" charset="-122"/>
-                <a:ea typeface="楷体" pitchFamily="49" charset="-122"/>
-              </a:rPr>
-              <a:t>车牌号、</a:t>
-            </a:r>
-            <a:r>
-              <a:rPr lang="zh-CN" altLang="en-US" sz="2400" dirty="0">
-                <a:latin typeface="楷体" pitchFamily="49" charset="-122"/>
-                <a:ea typeface="楷体" pitchFamily="49" charset="-122"/>
-              </a:rPr>
-              <a:t>责任人、事件时间、花费、备注信息</a:t>
-            </a:r>
-            <a:r>
-              <a:rPr lang="zh-CN" altLang="zh-CN" sz="2400" dirty="0">
-                <a:latin typeface="楷体" pitchFamily="49" charset="-122"/>
-                <a:ea typeface="楷体" pitchFamily="49" charset="-122"/>
-              </a:rPr>
-              <a:t>。</a:t>
-            </a:r>
-            <a:endParaRPr lang="zh-CN" altLang="zh-CN" sz="2800" dirty="0">
-              <a:latin typeface="楷体" pitchFamily="49" charset="-122"/>
-              <a:ea typeface="楷体" pitchFamily="49" charset="-122"/>
-            </a:endParaRPr>
-          </a:p>
-        </p:txBody>
-      </p:sp>
-      <p:pic>
-        <p:nvPicPr>
-          <p:cNvPr id="6" name="Picture 4"/>
-          <p:cNvPicPr>
-            <a:picLocks noChangeAspect="1" noChangeArrowheads="1"/>
-          </p:cNvPicPr>
-          <p:nvPr/>
-        </p:nvPicPr>
-        <p:blipFill>
-          <a:blip r:embed="rId4">
-            <a:extLst>
-              <a:ext uri="{28A0092B-C50C-407E-A947-70E740481C1C}">
-                <a14:useLocalDpi xmlns:a14="http://schemas.microsoft.com/office/drawing/2010/main" val="0"/>
-              </a:ext>
-            </a:extLst>
-          </a:blip>
-          <a:srcRect/>
-          <a:stretch>
-            <a:fillRect/>
-          </a:stretch>
-        </p:blipFill>
-        <p:spPr bwMode="auto">
-          <a:xfrm>
-            <a:off x="9552384" y="1628800"/>
-            <a:ext cx="1435735" cy="891265"/>
-          </a:xfrm>
-          <a:prstGeom prst="rect">
-            <a:avLst/>
-          </a:prstGeom>
-          <a:noFill/>
-          <a:ln>
-            <a:noFill/>
-          </a:ln>
-          <a:effectLst/>
-          <a:extLst>
-            <a:ext uri="{909E8E84-426E-40DD-AFC4-6F175D3DCCD1}">
-              <a14:hiddenFill xmlns:a14="http://schemas.microsoft.com/office/drawing/2010/main">
-                <a:solidFill>
-                  <a:schemeClr val="accent1"/>
-                </a:solidFill>
-              </a14:hiddenFill>
-            </a:ext>
-            <a:ext uri="{91240B29-F687-4F45-9708-019B960494DF}">
-              <a14:hiddenLine xmlns:a14="http://schemas.microsoft.com/office/drawing/2010/main" w="9525">
-                <a:solidFill>
-                  <a:schemeClr val="tx1"/>
-                </a:solidFill>
-                <a:miter lim="800000"/>
-                <a:headEnd/>
-                <a:tailEnd/>
-              </a14:hiddenLine>
-            </a:ext>
-            <a:ext uri="{AF507438-7753-43E0-B8FC-AC1667EBCBE1}">
-              <a14:hiddenEffects xmlns:a14="http://schemas.microsoft.com/office/drawing/2010/main">
-                <a:effectLst>
-                  <a:outerShdw dist="35921" dir="2700000" algn="ctr" rotWithShape="0">
-                    <a:schemeClr val="bg2"/>
-                  </a:outerShdw>
-                </a:effectLst>
-              </a14:hiddenEffects>
-            </a:ext>
-          </a:extLst>
-        </p:spPr>
-      </p:pic>
-    </p:spTree>
-    <p:extLst>
-      <p:ext uri="{BB962C8B-B14F-4D97-AF65-F5344CB8AC3E}">
-        <p14:creationId xmlns:p14="http://schemas.microsoft.com/office/powerpoint/2010/main" val="3241770552"/>
-      </p:ext>
-    </p:extLst>
-  </p:cSld>
-  <p:clrMapOvr>
-    <a:masterClrMapping/>
-  </p:clrMapOvr>
-</p:sld>
-</file>
-
-<file path=ppt/slides/slide11.xml><?xml version="1.0" encoding="utf-8"?>
-<p:sld xmlns:a="http://schemas.openxmlformats.org/drawingml/2006/main" xmlns:r="http://schemas.openxmlformats.org/officeDocument/2006/relationships" xmlns:p="http://schemas.openxmlformats.org/presentationml/2006/main">
-  <p:cSld>
-    <p:spTree>
-      <p:nvGrpSpPr>
-        <p:cNvPr id="1" name=""/>
-        <p:cNvGrpSpPr/>
-        <p:nvPr/>
-      </p:nvGrpSpPr>
-      <p:grpSpPr>
-        <a:xfrm>
-          <a:off x="0" y="0"/>
-          <a:ext cx="0" cy="0"/>
-          <a:chOff x="0" y="0"/>
-          <a:chExt cx="0" cy="0"/>
-        </a:xfrm>
-      </p:grpSpPr>
-      <p:pic>
-        <p:nvPicPr>
-          <p:cNvPr id="3" name="图片 2"/>
-          <p:cNvPicPr/>
-          <p:nvPr/>
-        </p:nvPicPr>
-        <p:blipFill>
-          <a:blip r:embed="rId2"/>
-          <a:stretch>
-            <a:fillRect/>
-          </a:stretch>
-        </p:blipFill>
-        <p:spPr>
-          <a:xfrm>
-            <a:off x="0" y="1124744"/>
-            <a:ext cx="12288688" cy="5733256"/>
-          </a:xfrm>
-          <a:prstGeom prst="rect">
-            <a:avLst/>
-          </a:prstGeom>
-        </p:spPr>
-      </p:pic>
-      <p:sp>
-        <p:nvSpPr>
-          <p:cNvPr id="2" name="灯片编号占位符 1"/>
-          <p:cNvSpPr>
-            <a:spLocks noGrp="1"/>
-          </p:cNvSpPr>
-          <p:nvPr>
-            <p:ph type="sldNum" sz="quarter" idx="10"/>
-          </p:nvPr>
-        </p:nvSpPr>
-        <p:spPr/>
-        <p:txBody>
-          <a:bodyPr/>
-          <a:lstStyle/>
-          <a:p>
-            <a:pPr>
-              <a:defRPr/>
-            </a:pPr>
-            <a:fld id="{37D1B2BE-3309-4792-8BE6-AC30C5FAF2D2}" type="slidenum">
-              <a:rPr lang="zh-CN" altLang="en-US" smtClean="0"/>
-              <a:pPr>
-                <a:defRPr/>
-              </a:pPr>
-              <a:t>10</a:t>
-            </a:fld>
-            <a:endParaRPr lang="en-US" altLang="zh-CN"/>
-          </a:p>
-        </p:txBody>
-      </p:sp>
-      <p:sp>
-        <p:nvSpPr>
-          <p:cNvPr id="5" name="TextBox 3">
-            <a:extLst>
-              <a:ext uri="{FF2B5EF4-FFF2-40B4-BE49-F238E27FC236}">
-                <a16:creationId xmlns:a16="http://schemas.microsoft.com/office/drawing/2014/main" id="{384ADE1A-1101-F242-B113-958B1D04F3D0}"/>
-              </a:ext>
-            </a:extLst>
-          </p:cNvPr>
-          <p:cNvSpPr txBox="1"/>
-          <p:nvPr/>
-        </p:nvSpPr>
-        <p:spPr>
-          <a:xfrm>
-            <a:off x="263352" y="211287"/>
-            <a:ext cx="6840760" cy="769441"/>
-          </a:xfrm>
-          <a:prstGeom prst="rect">
-            <a:avLst/>
-          </a:prstGeom>
-          <a:noFill/>
-        </p:spPr>
-        <p:txBody>
-          <a:bodyPr wrap="square" rtlCol="0">
-            <a:spAutoFit/>
-          </a:bodyPr>
-          <a:lstStyle/>
-          <a:p>
-            <a:r>
-              <a:rPr lang="zh-CN" altLang="en-US" sz="4400" b="1" dirty="0">
-                <a:latin typeface="楷体" pitchFamily="49" charset="-122"/>
-                <a:ea typeface="楷体" pitchFamily="49" charset="-122"/>
-              </a:rPr>
-              <a:t>功能介绍 </a:t>
-            </a:r>
-            <a:r>
-              <a:rPr lang="en-US" altLang="zh-CN" sz="4400" b="1" dirty="0">
-                <a:latin typeface="楷体" pitchFamily="49" charset="-122"/>
-                <a:ea typeface="楷体" pitchFamily="49" charset="-122"/>
-              </a:rPr>
-              <a:t>--</a:t>
-            </a:r>
-            <a:r>
-              <a:rPr lang="zh-CN" altLang="en-US" sz="4400" b="1" dirty="0">
-                <a:latin typeface="楷体" pitchFamily="49" charset="-122"/>
-                <a:ea typeface="楷体" pitchFamily="49" charset="-122"/>
-              </a:rPr>
-              <a:t> 系统框架</a:t>
-            </a:r>
-          </a:p>
-        </p:txBody>
-      </p:sp>
-    </p:spTree>
-    <p:extLst>
-      <p:ext uri="{BB962C8B-B14F-4D97-AF65-F5344CB8AC3E}">
-        <p14:creationId xmlns:p14="http://schemas.microsoft.com/office/powerpoint/2010/main" val="2144997396"/>
-      </p:ext>
-    </p:extLst>
-  </p:cSld>
-  <p:clrMapOvr>
-    <a:masterClrMapping/>
-  </p:clrMapOvr>
-</p:sld>
-</file>
-
-<file path=ppt/slides/slide12.xml><?xml version="1.0" encoding="utf-8"?>
 <p:sld xmlns:a="http://schemas.openxmlformats.org/drawingml/2006/main" xmlns:r="http://schemas.openxmlformats.org/officeDocument/2006/relationships" xmlns:p="http://schemas.openxmlformats.org/presentationml/2006/main">
   <p:cSld>
     <p:spTree>
@@ -4453,7 +3634,7 @@
               <a:pPr>
                 <a:defRPr/>
               </a:pPr>
-              <a:t>11</a:t>
+              <a:t>9</a:t>
             </a:fld>
             <a:endParaRPr lang="en-US" altLang="zh-CN"/>
           </a:p>
@@ -4803,7 +3984,7 @@
         <p:spPr>
           <a:xfrm>
             <a:off x="423961" y="1078828"/>
-            <a:ext cx="8039700" cy="5847755"/>
+            <a:ext cx="8039700" cy="4924425"/>
           </a:xfrm>
           <a:prstGeom prst="rect">
             <a:avLst/>
@@ -4825,9 +4006,16 @@
                 <a:latin typeface="楷体" pitchFamily="49" charset="-122"/>
                 <a:ea typeface="楷体" pitchFamily="49" charset="-122"/>
               </a:rPr>
-              <a:t>二、派车任务</a:t>
-            </a:r>
-            <a:endParaRPr lang="en-US" altLang="zh-CN" sz="3200" b="1" dirty="0">
+              <a:t>二、派车</a:t>
+            </a:r>
+            <a:r>
+              <a:rPr lang="zh-CN" altLang="en-US" sz="3200" b="1" dirty="0" smtClean="0">
+                <a:latin typeface="楷体" pitchFamily="49" charset="-122"/>
+                <a:ea typeface="楷体" pitchFamily="49" charset="-122"/>
+              </a:rPr>
+              <a:t>任务</a:t>
+            </a:r>
+            <a:endParaRPr lang="en-US" altLang="zh-CN" sz="3200" b="1" dirty="0" smtClean="0">
               <a:latin typeface="楷体" pitchFamily="49" charset="-122"/>
               <a:ea typeface="楷体" pitchFamily="49" charset="-122"/>
             </a:endParaRPr>
@@ -4839,26 +4027,30 @@
               </a:spcBef>
             </a:pPr>
             <a:r>
-              <a:rPr lang="zh-CN" altLang="zh-CN" sz="2600" dirty="0">
-                <a:latin typeface="楷体" pitchFamily="49" charset="-122"/>
-                <a:ea typeface="楷体" pitchFamily="49" charset="-122"/>
-              </a:rPr>
-              <a:t>（</a:t>
-            </a:r>
-            <a:r>
-              <a:rPr lang="en-US" altLang="zh-CN" sz="2600" dirty="0">
-                <a:latin typeface="楷体" pitchFamily="49" charset="-122"/>
-                <a:ea typeface="楷体" pitchFamily="49" charset="-122"/>
-              </a:rPr>
-              <a:t>1</a:t>
-            </a:r>
-            <a:r>
-              <a:rPr lang="zh-CN" altLang="zh-CN" sz="2600" dirty="0">
-                <a:latin typeface="楷体" pitchFamily="49" charset="-122"/>
-                <a:ea typeface="楷体" pitchFamily="49" charset="-122"/>
-              </a:rPr>
-              <a:t>）用车申请</a:t>
-            </a:r>
+              <a:rPr lang="zh-CN" altLang="en-US" sz="2800" dirty="0" smtClean="0">
+                <a:latin typeface="楷体" pitchFamily="49" charset="-122"/>
+                <a:ea typeface="楷体" pitchFamily="49" charset="-122"/>
+              </a:rPr>
+              <a:t>包括用车申请、我的申请、用车记录三</a:t>
+            </a:r>
+            <a:r>
+              <a:rPr lang="zh-CN" altLang="en-US" sz="2800" dirty="0">
+                <a:latin typeface="楷体" pitchFamily="49" charset="-122"/>
+                <a:ea typeface="楷体" pitchFamily="49" charset="-122"/>
+              </a:rPr>
+              <a:t>个子模块</a:t>
+            </a:r>
+            <a:r>
+              <a:rPr lang="zh-CN" altLang="en-US" sz="2800" dirty="0" smtClean="0">
+                <a:latin typeface="楷体" pitchFamily="49" charset="-122"/>
+                <a:ea typeface="楷体" pitchFamily="49" charset="-122"/>
+              </a:rPr>
+              <a:t>。</a:t>
+            </a:r>
+            <a:endParaRPr lang="en-US" altLang="zh-CN" sz="2800" b="1" dirty="0">
+              <a:latin typeface="楷体" pitchFamily="49" charset="-122"/>
+              <a:ea typeface="楷体" pitchFamily="49" charset="-122"/>
+            </a:endParaRPr>
           </a:p>
           <a:p>
             <a:pPr>
@@ -4867,53 +4059,101 @@
               </a:spcBef>
             </a:pPr>
             <a:r>
+              <a:rPr lang="zh-CN" altLang="zh-CN" sz="2600" dirty="0">
+                <a:latin typeface="楷体" pitchFamily="49" charset="-122"/>
+                <a:ea typeface="楷体" pitchFamily="49" charset="-122"/>
+              </a:rPr>
+              <a:t>（</a:t>
+            </a:r>
+            <a:r>
               <a:rPr lang="en-US" altLang="zh-CN" sz="2600" dirty="0">
                 <a:latin typeface="楷体" pitchFamily="49" charset="-122"/>
                 <a:ea typeface="楷体" pitchFamily="49" charset="-122"/>
               </a:rPr>
+              <a:t>1</a:t>
+            </a:r>
+            <a:r>
+              <a:rPr lang="zh-CN" altLang="zh-CN" sz="2600" dirty="0">
+                <a:latin typeface="楷体" pitchFamily="49" charset="-122"/>
+                <a:ea typeface="楷体" pitchFamily="49" charset="-122"/>
+              </a:rPr>
+              <a:t>）</a:t>
+            </a:r>
+            <a:r>
+              <a:rPr lang="zh-CN" altLang="zh-CN" sz="2600" b="1" dirty="0">
+                <a:solidFill>
+                  <a:srgbClr val="FF0000"/>
+                </a:solidFill>
+                <a:latin typeface="楷体" pitchFamily="49" charset="-122"/>
+                <a:ea typeface="楷体" pitchFamily="49" charset="-122"/>
+              </a:rPr>
+              <a:t>用车</a:t>
+            </a:r>
+            <a:r>
+              <a:rPr lang="zh-CN" altLang="zh-CN" sz="2600" b="1" dirty="0" smtClean="0">
+                <a:solidFill>
+                  <a:srgbClr val="FF0000"/>
+                </a:solidFill>
+                <a:latin typeface="楷体" pitchFamily="49" charset="-122"/>
+                <a:ea typeface="楷体" pitchFamily="49" charset="-122"/>
+              </a:rPr>
+              <a:t>申请</a:t>
+            </a:r>
+            <a:r>
+              <a:rPr lang="en-US" altLang="zh-CN" sz="2400" dirty="0" smtClean="0">
+                <a:latin typeface="楷体" pitchFamily="49" charset="-122"/>
+                <a:ea typeface="楷体" pitchFamily="49" charset="-122"/>
+              </a:rPr>
+              <a:t>—</a:t>
+            </a:r>
+            <a:r>
+              <a:rPr lang="zh-CN" altLang="en-US" sz="2600" dirty="0" smtClean="0">
+                <a:latin typeface="楷体" pitchFamily="49" charset="-122"/>
+                <a:ea typeface="楷体" pitchFamily="49" charset="-122"/>
+              </a:rPr>
+              <a:t>用户在</a:t>
+            </a:r>
+            <a:r>
+              <a:rPr lang="zh-CN" altLang="en-US" sz="2600" dirty="0">
+                <a:latin typeface="楷体" pitchFamily="49" charset="-122"/>
+                <a:ea typeface="楷体" pitchFamily="49" charset="-122"/>
+              </a:rPr>
+              <a:t>系统内进行用车</a:t>
+            </a:r>
+            <a:r>
+              <a:rPr lang="zh-CN" altLang="en-US" sz="2600" dirty="0" smtClean="0">
+                <a:latin typeface="楷体" pitchFamily="49" charset="-122"/>
+                <a:ea typeface="楷体" pitchFamily="49" charset="-122"/>
+              </a:rPr>
+              <a:t>申请。系统自</a:t>
+            </a:r>
+            <a:r>
+              <a:rPr lang="en-US" altLang="zh-CN" sz="2600" dirty="0" smtClean="0">
+                <a:latin typeface="楷体" pitchFamily="49" charset="-122"/>
+                <a:ea typeface="楷体" pitchFamily="49" charset="-122"/>
+              </a:rPr>
               <a:t>	</a:t>
             </a:r>
             <a:r>
-              <a:rPr lang="zh-CN" altLang="en-US" sz="2600" dirty="0">
-                <a:latin typeface="楷体" pitchFamily="49" charset="-122"/>
-                <a:ea typeface="楷体" pitchFamily="49" charset="-122"/>
-              </a:rPr>
-              <a:t>用户</a:t>
-            </a:r>
-            <a:r>
               <a:rPr lang="zh-CN" altLang="en-US" sz="2600" dirty="0" smtClean="0">
                 <a:latin typeface="楷体" pitchFamily="49" charset="-122"/>
                 <a:ea typeface="楷体" pitchFamily="49" charset="-122"/>
               </a:rPr>
-              <a:t>在</a:t>
-            </a:r>
-            <a:r>
-              <a:rPr lang="zh-CN" altLang="en-US" sz="2600" dirty="0">
-                <a:latin typeface="楷体" pitchFamily="49" charset="-122"/>
-                <a:ea typeface="楷体" pitchFamily="49" charset="-122"/>
-              </a:rPr>
-              <a:t>系统内进行用车</a:t>
+              <a:t>动筛选出可用车辆，并提供车辆的具体信息。用</a:t>
+            </a:r>
+            <a:r>
+              <a:rPr lang="en-US" altLang="zh-CN" sz="2600" dirty="0" smtClean="0">
+                <a:latin typeface="楷体" pitchFamily="49" charset="-122"/>
+                <a:ea typeface="楷体" pitchFamily="49" charset="-122"/>
+              </a:rPr>
+              <a:t>	</a:t>
             </a:r>
             <a:r>
               <a:rPr lang="zh-CN" altLang="en-US" sz="2600" dirty="0" smtClean="0">
                 <a:latin typeface="楷体" pitchFamily="49" charset="-122"/>
                 <a:ea typeface="楷体" pitchFamily="49" charset="-122"/>
               </a:rPr>
-              <a:t>申请。系统自动筛选出可用</a:t>
-            </a:r>
-            <a:r>
-              <a:rPr lang="zh-CN" altLang="en-US" sz="2600" dirty="0">
-                <a:latin typeface="楷体" pitchFamily="49" charset="-122"/>
-                <a:ea typeface="楷体" pitchFamily="49" charset="-122"/>
-              </a:rPr>
-              <a:t>车辆，并提供车辆的具体信息。用户根据</a:t>
-            </a:r>
-            <a:r>
-              <a:rPr lang="zh-CN" altLang="en-US" sz="2600" dirty="0" smtClean="0">
-                <a:latin typeface="楷体" pitchFamily="49" charset="-122"/>
-                <a:ea typeface="楷体" pitchFamily="49" charset="-122"/>
-              </a:rPr>
-              <a:t>时间以及可用车辆列表申请使用公车。</a:t>
+              <a:t>户根据时间以及可用车辆列表申请使用公车。</a:t>
             </a:r>
             <a:endParaRPr lang="en-US" altLang="zh-CN" sz="2600" dirty="0" smtClean="0">
               <a:latin typeface="楷体" pitchFamily="49" charset="-122"/>
@@ -4934,35 +4174,48 @@
               <a:t>（</a:t>
             </a:r>
             <a:r>
+              <a:rPr lang="en-US" altLang="zh-CN" sz="2600" dirty="0">
+                <a:latin typeface="楷体" pitchFamily="49" charset="-122"/>
+                <a:ea typeface="楷体" pitchFamily="49" charset="-122"/>
+              </a:rPr>
+              <a:t>2</a:t>
+            </a:r>
+            <a:r>
+              <a:rPr lang="zh-CN" altLang="en-US" sz="2600" dirty="0" smtClean="0">
+                <a:latin typeface="楷体" pitchFamily="49" charset="-122"/>
+                <a:ea typeface="楷体" pitchFamily="49" charset="-122"/>
+              </a:rPr>
+              <a:t>）</a:t>
+            </a:r>
+            <a:r>
+              <a:rPr lang="zh-CN" altLang="en-US" sz="2600" b="1" dirty="0" smtClean="0">
+                <a:solidFill>
+                  <a:srgbClr val="FF0000"/>
+                </a:solidFill>
+                <a:latin typeface="楷体" pitchFamily="49" charset="-122"/>
+                <a:ea typeface="楷体" pitchFamily="49" charset="-122"/>
+              </a:rPr>
+              <a:t>我的申请</a:t>
+            </a:r>
+            <a:r>
+              <a:rPr lang="en-US" altLang="zh-CN" sz="2400" dirty="0">
+                <a:latin typeface="楷体" pitchFamily="49" charset="-122"/>
+                <a:ea typeface="楷体" pitchFamily="49" charset="-122"/>
+              </a:rPr>
+              <a:t>—</a:t>
+            </a:r>
+            <a:r>
+              <a:rPr lang="zh-CN" altLang="en-US" sz="2600" dirty="0" smtClean="0">
+                <a:latin typeface="楷体" pitchFamily="49" charset="-122"/>
+                <a:ea typeface="楷体" pitchFamily="49" charset="-122"/>
+              </a:rPr>
+              <a:t>单位个人可以查看到自己申请用车的</a:t>
+            </a:r>
+            <a:r>
               <a:rPr lang="en-US" altLang="zh-CN" sz="2600" dirty="0" smtClean="0">
                 <a:latin typeface="楷体" pitchFamily="49" charset="-122"/>
                 <a:ea typeface="楷体" pitchFamily="49" charset="-122"/>
               </a:rPr>
-              <a:t>3</a:t>
-            </a:r>
-            <a:r>
-              <a:rPr lang="zh-CN" altLang="en-US" sz="2600" smtClean="0">
-                <a:latin typeface="楷体" pitchFamily="49" charset="-122"/>
-                <a:ea typeface="楷体" pitchFamily="49" charset="-122"/>
-              </a:rPr>
-              <a:t>）我的申请</a:t>
-            </a:r>
-            <a:endParaRPr lang="en-US" altLang="zh-CN" sz="2600" dirty="0" smtClean="0">
-              <a:latin typeface="楷体" pitchFamily="49" charset="-122"/>
-              <a:ea typeface="楷体" pitchFamily="49" charset="-122"/>
-            </a:endParaRPr>
-          </a:p>
-          <a:p>
-            <a:pPr>
-              <a:spcBef>
-                <a:spcPts val="600"/>
-              </a:spcBef>
-            </a:pPr>
-            <a:r>
-              <a:rPr lang="en-US" altLang="zh-CN" sz="2600" dirty="0">
-                <a:latin typeface="楷体" pitchFamily="49" charset="-122"/>
-                <a:ea typeface="楷体" pitchFamily="49" charset="-122"/>
-              </a:rPr>
               <a:t>	</a:t>
             </a:r>
             <a:r>
@@ -4970,7 +4223,21 @@
                 <a:latin typeface="楷体" pitchFamily="49" charset="-122"/>
                 <a:ea typeface="楷体" pitchFamily="49" charset="-122"/>
               </a:rPr>
-              <a:t>单位个人可以查看到自己申请用车的所有记录，以及记录状态。如果当前时间不超过计划用车时间，用户可以撤销用车申请。</a:t>
+              <a:t>所有记录，以及记录状态。如果当前时间不超过</a:t>
+            </a:r>
+            <a:r>
+              <a:rPr lang="en-US" altLang="zh-CN" sz="2600" dirty="0" smtClean="0">
+                <a:latin typeface="楷体" pitchFamily="49" charset="-122"/>
+                <a:ea typeface="楷体" pitchFamily="49" charset="-122"/>
+              </a:rPr>
+              <a:t>	</a:t>
+            </a:r>
+            <a:r>
+              <a:rPr lang="zh-CN" altLang="en-US" sz="2600" dirty="0" smtClean="0">
+                <a:latin typeface="楷体" pitchFamily="49" charset="-122"/>
+                <a:ea typeface="楷体" pitchFamily="49" charset="-122"/>
+              </a:rPr>
+              <a:t>计划用车时间，用户可以撤销用车申请。</a:t>
             </a:r>
             <a:endParaRPr lang="en-US" altLang="zh-CN" sz="2600" dirty="0">
               <a:latin typeface="楷体" pitchFamily="49" charset="-122"/>
@@ -4984,7 +4251,7 @@
               </a:spcBef>
             </a:pPr>
             <a:r>
-              <a:rPr lang="zh-CN" altLang="zh-CN" sz="2600" dirty="0">
+              <a:rPr lang="zh-CN" altLang="zh-CN" sz="2600" dirty="0" smtClean="0">
                 <a:latin typeface="楷体" pitchFamily="49" charset="-122"/>
                 <a:ea typeface="楷体" pitchFamily="49" charset="-122"/>
               </a:rPr>
@@ -4995,40 +4262,91 @@
                 <a:latin typeface="楷体" pitchFamily="49" charset="-122"/>
                 <a:ea typeface="楷体" pitchFamily="49" charset="-122"/>
               </a:rPr>
-              <a:t>2</a:t>
-            </a:r>
-            <a:r>
-              <a:rPr lang="zh-CN" altLang="zh-CN" sz="2600" dirty="0">
+              <a:t>3</a:t>
+            </a:r>
+            <a:r>
+              <a:rPr lang="zh-CN" altLang="zh-CN" sz="2600" dirty="0" smtClean="0">
                 <a:latin typeface="楷体" pitchFamily="49" charset="-122"/>
                 <a:ea typeface="楷体" pitchFamily="49" charset="-122"/>
               </a:rPr>
               <a:t>）</a:t>
             </a:r>
             <a:r>
+              <a:rPr lang="zh-CN" altLang="en-US" sz="2600" b="1" dirty="0">
+                <a:solidFill>
+                  <a:srgbClr val="FF0000"/>
+                </a:solidFill>
+                <a:latin typeface="楷体" pitchFamily="49" charset="-122"/>
+                <a:ea typeface="楷体" pitchFamily="49" charset="-122"/>
+              </a:rPr>
+              <a:t>用车</a:t>
+            </a:r>
+            <a:r>
+              <a:rPr lang="zh-CN" altLang="en-US" sz="2600" b="1" dirty="0" smtClean="0">
+                <a:solidFill>
+                  <a:srgbClr val="FF0000"/>
+                </a:solidFill>
+                <a:latin typeface="楷体" pitchFamily="49" charset="-122"/>
+                <a:ea typeface="楷体" pitchFamily="49" charset="-122"/>
+              </a:rPr>
+              <a:t>审批</a:t>
+            </a:r>
+            <a:r>
+              <a:rPr lang="en-US" altLang="zh-CN" sz="2400" dirty="0">
+                <a:latin typeface="楷体" pitchFamily="49" charset="-122"/>
+                <a:ea typeface="楷体" pitchFamily="49" charset="-122"/>
+              </a:rPr>
+              <a:t>—</a:t>
+            </a:r>
+            <a:r>
+              <a:rPr lang="zh-CN" altLang="en-US" sz="2600" dirty="0" smtClean="0">
+                <a:latin typeface="楷体" pitchFamily="49" charset="-122"/>
+                <a:ea typeface="楷体" pitchFamily="49" charset="-122"/>
+              </a:rPr>
+              <a:t>管理员可以看到所有用户的用车申请</a:t>
+            </a:r>
+            <a:r>
+              <a:rPr lang="en-US" altLang="zh-CN" sz="2600" dirty="0" smtClean="0">
+                <a:latin typeface="楷体" pitchFamily="49" charset="-122"/>
+                <a:ea typeface="楷体" pitchFamily="49" charset="-122"/>
+              </a:rPr>
+              <a:t>	</a:t>
+            </a:r>
+            <a:r>
+              <a:rPr lang="zh-CN" altLang="en-US" sz="2600" dirty="0" smtClean="0">
+                <a:latin typeface="楷体" pitchFamily="49" charset="-122"/>
+                <a:ea typeface="楷体" pitchFamily="49" charset="-122"/>
+              </a:rPr>
+              <a:t>记录，并对问题记录进行</a:t>
+            </a:r>
+            <a:r>
               <a:rPr lang="zh-CN" altLang="en-US" sz="2600" dirty="0">
                 <a:latin typeface="楷体" pitchFamily="49" charset="-122"/>
                 <a:ea typeface="楷体" pitchFamily="49" charset="-122"/>
               </a:rPr>
-              <a:t>用车</a:t>
+              <a:t>驳回</a:t>
             </a:r>
             <a:r>
               <a:rPr lang="zh-CN" altLang="en-US" sz="2600" dirty="0" smtClean="0">
                 <a:latin typeface="楷体" pitchFamily="49" charset="-122"/>
                 <a:ea typeface="楷体" pitchFamily="49" charset="-122"/>
               </a:rPr>
-              <a:t>审批</a:t>
-            </a:r>
-            <a:endParaRPr lang="en-US" altLang="zh-CN" sz="2600" dirty="0" smtClean="0">
-              <a:latin typeface="楷体" pitchFamily="49" charset="-122"/>
-              <a:ea typeface="楷体" pitchFamily="49" charset="-122"/>
-            </a:endParaRPr>
-          </a:p>
-          <a:p>
-            <a:pPr>
-              <a:spcBef>
-                <a:spcPts val="600"/>
-              </a:spcBef>
-            </a:pPr>
+              <a:t>操作。</a:t>
+            </a:r>
+            <a:r>
+              <a:rPr lang="zh-CN" altLang="en-US" sz="2600" dirty="0">
+                <a:latin typeface="楷体" pitchFamily="49" charset="-122"/>
+                <a:ea typeface="楷体" pitchFamily="49" charset="-122"/>
+              </a:rPr>
+              <a:t>可以</a:t>
+            </a:r>
+            <a:r>
+              <a:rPr lang="zh-CN" altLang="en-US" sz="2600" dirty="0" smtClean="0">
+                <a:latin typeface="楷体" pitchFamily="49" charset="-122"/>
+                <a:ea typeface="楷体" pitchFamily="49" charset="-122"/>
+              </a:rPr>
+              <a:t>通过</a:t>
+            </a:r>
             <a:r>
               <a:rPr lang="en-US" altLang="zh-CN" sz="2600" dirty="0" smtClean="0">
                 <a:latin typeface="楷体" pitchFamily="49" charset="-122"/>
@@ -5041,14 +4359,14 @@
                 <a:latin typeface="楷体" pitchFamily="49" charset="-122"/>
                 <a:ea typeface="楷体" pitchFamily="49" charset="-122"/>
               </a:rPr>
-              <a:t>管理员可以看到所有用户的用车申请记录，并对问题记录进行回退撤销操作。</a:t>
+              <a:t>筛选</a:t>
             </a:r>
             <a:r>
               <a:rPr lang="zh-CN" altLang="en-US" sz="2600" dirty="0">
                 <a:latin typeface="楷体" pitchFamily="49" charset="-122"/>
                 <a:ea typeface="楷体" pitchFamily="49" charset="-122"/>
               </a:rPr>
-              <a:t>可以通过筛选不同的</a:t>
+              <a:t>不同的</a:t>
             </a:r>
             <a:r>
               <a:rPr lang="zh-CN" altLang="en-US" sz="2600" dirty="0" smtClean="0">
@@ -5126,10 +4444,17 @@
   <p:clrMapOvr>
     <a:masterClrMapping/>
   </p:clrMapOvr>
+  <p:timing>
+    <p:tnLst>
+      <p:par>
+        <p:cTn id="1" dur="indefinite" restart="never" nodeType="tmRoot"/>
+      </p:par>
+    </p:tnLst>
+  </p:timing>
 </p:sld>
 </file>
 
-<file path=ppt/slides/slide13.xml><?xml version="1.0" encoding="utf-8"?>
+<file path=ppt/slides/slide11.xml><?xml version="1.0" encoding="utf-8"?>
 <p:sld xmlns:a="http://schemas.openxmlformats.org/drawingml/2006/main" xmlns:r="http://schemas.openxmlformats.org/officeDocument/2006/relationships" xmlns:p="http://schemas.openxmlformats.org/presentationml/2006/main">
   <p:cSld>
     <p:spTree>
@@ -5169,7 +4494,7 @@
               <a:pPr>
                 <a:defRPr/>
               </a:pPr>
-              <a:t>12</a:t>
+              <a:t>10</a:t>
             </a:fld>
             <a:endParaRPr lang="en-US" altLang="zh-CN"/>
           </a:p>
@@ -5519,7 +4844,7 @@
         <p:spPr>
           <a:xfrm>
             <a:off x="504234" y="1447404"/>
-            <a:ext cx="8271099" cy="3708708"/>
+            <a:ext cx="8271099" cy="3785652"/>
           </a:xfrm>
           <a:prstGeom prst="rect">
             <a:avLst/>
@@ -5583,8 +4908,30 @@
                 <a:latin typeface="楷体" pitchFamily="49" charset="-122"/>
                 <a:ea typeface="楷体" pitchFamily="49" charset="-122"/>
               </a:rPr>
-              <a:t>统计和分析，可以生成各种常见的报表。</a:t>
-            </a:r>
+              <a:t>统计和</a:t>
+            </a:r>
+            <a:r>
+              <a:rPr lang="zh-CN" altLang="zh-CN" sz="2600" dirty="0" smtClean="0">
+                <a:latin typeface="楷体" pitchFamily="49" charset="-122"/>
+                <a:ea typeface="楷体" pitchFamily="49" charset="-122"/>
+              </a:rPr>
+              <a:t>分析。</a:t>
+            </a:r>
+            <a:endParaRPr lang="en-US" altLang="zh-CN" sz="2600" dirty="0" smtClean="0">
+              <a:latin typeface="楷体" pitchFamily="49" charset="-122"/>
+              <a:ea typeface="楷体" pitchFamily="49" charset="-122"/>
+            </a:endParaRPr>
+          </a:p>
+          <a:p>
+            <a:pPr>
+              <a:spcBef>
+                <a:spcPts val="600"/>
+              </a:spcBef>
+            </a:pPr>
+            <a:endParaRPr lang="zh-CN" altLang="zh-CN" sz="2600" dirty="0">
+              <a:latin typeface="楷体" pitchFamily="49" charset="-122"/>
+              <a:ea typeface="楷体" pitchFamily="49" charset="-122"/>
+            </a:endParaRPr>
           </a:p>
           <a:p>
             <a:pPr>
@@ -5742,10 +5089,17 @@
   <p:clrMapOvr>
     <a:masterClrMapping/>
   </p:clrMapOvr>
+  <p:timing>
+    <p:tnLst>
+      <p:par>
+        <p:cTn id="1" dur="indefinite" restart="never" nodeType="tmRoot"/>
+      </p:par>
+    </p:tnLst>
+  </p:timing>
 </p:sld>
 </file>
 
-<file path=ppt/slides/slide14.xml><?xml version="1.0" encoding="utf-8"?>
+<file path=ppt/slides/slide12.xml><?xml version="1.0" encoding="utf-8"?>
 <p:sld xmlns:a="http://schemas.openxmlformats.org/drawingml/2006/main" xmlns:r="http://schemas.openxmlformats.org/officeDocument/2006/relationships" xmlns:p="http://schemas.openxmlformats.org/presentationml/2006/main">
   <p:cSld>
     <p:spTree>
@@ -5785,7 +5139,7 @@
               <a:pPr>
                 <a:defRPr/>
               </a:pPr>
-              <a:t>13</a:t>
+              <a:t>11</a:t>
             </a:fld>
             <a:endParaRPr lang="en-US" altLang="zh-CN"/>
           </a:p>
@@ -5798,11 +5152,7 @@
             <a:graphicFrameLocks noGrp="1"/>
           </p:cNvGraphicFramePr>
           <p:nvPr>
-            <p:extLst>
-              <p:ext uri="{D42A27DB-BD31-4B8C-83A1-F6EECF244321}">
-                <p14:modId xmlns:p14="http://schemas.microsoft.com/office/powerpoint/2010/main" val="2560202367"/>
-              </p:ext>
-            </p:extLst>
+            <p:extLst/>
           </p:nvPr>
         </p:nvGraphicFramePr>
         <p:xfrm>
@@ -6208,11 +5558,7 @@
             <a:graphicFrameLocks noGrp="1"/>
           </p:cNvGraphicFramePr>
           <p:nvPr>
-            <p:extLst>
-              <p:ext uri="{D42A27DB-BD31-4B8C-83A1-F6EECF244321}">
-                <p14:modId xmlns:p14="http://schemas.microsoft.com/office/powerpoint/2010/main" val="2246526347"/>
-              </p:ext>
-            </p:extLst>
+            <p:extLst/>
           </p:nvPr>
         </p:nvGraphicFramePr>
         <p:xfrm>
@@ -6797,17 +6143,164 @@
     </p:spTree>
     <p:extLst>
       <p:ext uri="{BB962C8B-B14F-4D97-AF65-F5344CB8AC3E}">
-        <p14:creationId xmlns:p14="http://schemas.microsoft.com/office/powerpoint/2010/main" val="4278893358"/>
+        <p14:creationId xmlns:p14="http://schemas.microsoft.com/office/powerpoint/2010/main" val="1929736333"/>
       </p:ext>
     </p:extLst>
   </p:cSld>
   <p:clrMapOvr>
     <a:masterClrMapping/>
   </p:clrMapOvr>
+  <p:timing>
+    <p:tnLst>
+      <p:par>
+        <p:cTn id="1" dur="indefinite" restart="never" nodeType="tmRoot"/>
+      </p:par>
+    </p:tnLst>
+  </p:timing>
 </p:sld>
 </file>
 
-<file path=ppt/slides/slide15.xml><?xml version="1.0" encoding="utf-8"?>
+<file path=ppt/slides/slide13.xml><?xml version="1.0" encoding="utf-8"?>
+<p:sld xmlns:a="http://schemas.openxmlformats.org/drawingml/2006/main" xmlns:r="http://schemas.openxmlformats.org/officeDocument/2006/relationships" xmlns:p="http://schemas.openxmlformats.org/presentationml/2006/main">
+  <p:cSld>
+    <p:spTree>
+      <p:nvGrpSpPr>
+        <p:cNvPr id="1" name=""/>
+        <p:cNvGrpSpPr/>
+        <p:nvPr/>
+      </p:nvGrpSpPr>
+      <p:grpSpPr>
+        <a:xfrm>
+          <a:off x="0" y="0"/>
+          <a:ext cx="0" cy="0"/>
+          <a:chOff x="0" y="0"/>
+          <a:chExt cx="0" cy="0"/>
+        </a:xfrm>
+      </p:grpSpPr>
+      <p:pic>
+        <p:nvPicPr>
+          <p:cNvPr id="3" name="图片 2"/>
+          <p:cNvPicPr/>
+          <p:nvPr/>
+        </p:nvPicPr>
+        <p:blipFill>
+          <a:blip r:embed="rId2"/>
+          <a:stretch>
+            <a:fillRect/>
+          </a:stretch>
+        </p:blipFill>
+        <p:spPr>
+          <a:xfrm>
+            <a:off x="0" y="1124744"/>
+            <a:ext cx="12288688" cy="5733256"/>
+          </a:xfrm>
+          <a:prstGeom prst="rect">
+            <a:avLst/>
+          </a:prstGeom>
+        </p:spPr>
+      </p:pic>
+      <p:sp>
+        <p:nvSpPr>
+          <p:cNvPr id="2" name="灯片编号占位符 1"/>
+          <p:cNvSpPr>
+            <a:spLocks noGrp="1"/>
+          </p:cNvSpPr>
+          <p:nvPr>
+            <p:ph type="sldNum" sz="quarter" idx="10"/>
+          </p:nvPr>
+        </p:nvSpPr>
+        <p:spPr/>
+        <p:txBody>
+          <a:bodyPr/>
+          <a:lstStyle/>
+          <a:p>
+            <a:pPr>
+              <a:defRPr/>
+            </a:pPr>
+            <a:fld id="{37D1B2BE-3309-4792-8BE6-AC30C5FAF2D2}" type="slidenum">
+              <a:rPr lang="zh-CN" altLang="en-US" smtClean="0"/>
+              <a:pPr>
+                <a:defRPr/>
+              </a:pPr>
+              <a:t>12</a:t>
+            </a:fld>
+            <a:endParaRPr lang="en-US" altLang="zh-CN"/>
+          </a:p>
+        </p:txBody>
+      </p:sp>
+      <p:sp>
+        <p:nvSpPr>
+          <p:cNvPr id="5" name="TextBox 3">
+            <a:extLst>
+              <a:ext uri="{FF2B5EF4-FFF2-40B4-BE49-F238E27FC236}">
+                <a16:creationId xmlns:a16="http://schemas.microsoft.com/office/drawing/2014/main" id="{384ADE1A-1101-F242-B113-958B1D04F3D0}"/>
+              </a:ext>
+            </a:extLst>
+          </p:cNvPr>
+          <p:cNvSpPr txBox="1"/>
+          <p:nvPr/>
+        </p:nvSpPr>
+        <p:spPr>
+          <a:xfrm>
+            <a:off x="263352" y="211287"/>
+            <a:ext cx="6840760" cy="769441"/>
+          </a:xfrm>
+          <a:prstGeom prst="rect">
+            <a:avLst/>
+          </a:prstGeom>
+          <a:noFill/>
+        </p:spPr>
+        <p:txBody>
+          <a:bodyPr wrap="square" rtlCol="0">
+            <a:spAutoFit/>
+          </a:bodyPr>
+          <a:lstStyle/>
+          <a:p>
+            <a:r>
+              <a:rPr lang="zh-CN" altLang="en-US" sz="4400" b="1" dirty="0">
+                <a:latin typeface="楷体" pitchFamily="49" charset="-122"/>
+                <a:ea typeface="楷体" pitchFamily="49" charset="-122"/>
+              </a:rPr>
+              <a:t>功能介绍 </a:t>
+            </a:r>
+            <a:r>
+              <a:rPr lang="en-US" altLang="zh-CN" sz="4400" b="1" dirty="0">
+                <a:latin typeface="楷体" pitchFamily="49" charset="-122"/>
+                <a:ea typeface="楷体" pitchFamily="49" charset="-122"/>
+              </a:rPr>
+              <a:t>--</a:t>
+            </a:r>
+            <a:r>
+              <a:rPr lang="zh-CN" altLang="en-US" sz="4400" b="1" dirty="0">
+                <a:latin typeface="楷体" pitchFamily="49" charset="-122"/>
+                <a:ea typeface="楷体" pitchFamily="49" charset="-122"/>
+              </a:rPr>
+              <a:t> 系统框架</a:t>
+            </a:r>
+          </a:p>
+        </p:txBody>
+      </p:sp>
+    </p:spTree>
+    <p:extLst>
+      <p:ext uri="{BB962C8B-B14F-4D97-AF65-F5344CB8AC3E}">
+        <p14:creationId xmlns:p14="http://schemas.microsoft.com/office/powerpoint/2010/main" val="1609655403"/>
+      </p:ext>
+    </p:extLst>
+  </p:cSld>
+  <p:clrMapOvr>
+    <a:masterClrMapping/>
+  </p:clrMapOvr>
+  <p:timing>
+    <p:tnLst>
+      <p:par>
+        <p:cTn id="1" dur="indefinite" restart="never" nodeType="tmRoot"/>
+      </p:par>
+    </p:tnLst>
+  </p:timing>
+</p:sld>
+</file>
+
+<file path=ppt/slides/slide14.xml><?xml version="1.0" encoding="utf-8"?>
 <p:sld xmlns:a="http://schemas.openxmlformats.org/drawingml/2006/main" xmlns:r="http://schemas.openxmlformats.org/officeDocument/2006/relationships" xmlns:p="http://schemas.openxmlformats.org/presentationml/2006/main">
   <p:cSld>
     <p:spTree>
@@ -6847,7 +6340,7 @@
               <a:pPr>
                 <a:defRPr/>
               </a:pPr>
-              <a:t>14</a:t>
+              <a:t>13</a:t>
             </a:fld>
             <a:endParaRPr lang="en-US" altLang="zh-CN"/>
           </a:p>
@@ -7022,10 +6515,17 @@
   <p:clrMapOvr>
     <a:masterClrMapping/>
   </p:clrMapOvr>
+  <p:timing>
+    <p:tnLst>
+      <p:par>
+        <p:cTn id="1" dur="indefinite" restart="never" nodeType="tmRoot"/>
+      </p:par>
+    </p:tnLst>
+  </p:timing>
 </p:sld>
 </file>
 
-<file path=ppt/slides/slide16.xml><?xml version="1.0" encoding="utf-8"?>
+<file path=ppt/slides/slide15.xml><?xml version="1.0" encoding="utf-8"?>
 <p:sld xmlns:a="http://schemas.openxmlformats.org/drawingml/2006/main" xmlns:r="http://schemas.openxmlformats.org/officeDocument/2006/relationships" xmlns:p="http://schemas.openxmlformats.org/presentationml/2006/main">
   <p:cSld>
     <p:spTree>
@@ -7065,7 +6565,7 @@
               <a:pPr>
                 <a:defRPr/>
               </a:pPr>
-              <a:t>15</a:t>
+              <a:t>14</a:t>
             </a:fld>
             <a:endParaRPr lang="en-US" altLang="zh-CN"/>
           </a:p>
@@ -7764,10 +7264,17 @@
   <p:clrMapOvr>
     <a:masterClrMapping/>
   </p:clrMapOvr>
+  <p:timing>
+    <p:tnLst>
+      <p:par>
+        <p:cTn id="1" dur="indefinite" restart="never" nodeType="tmRoot"/>
+      </p:par>
+    </p:tnLst>
+  </p:timing>
 </p:sld>
 </file>
 
-<file path=ppt/slides/slide17.xml><?xml version="1.0" encoding="utf-8"?>
+<file path=ppt/slides/slide16.xml><?xml version="1.0" encoding="utf-8"?>
 <p:sld xmlns:a="http://schemas.openxmlformats.org/drawingml/2006/main" xmlns:r="http://schemas.openxmlformats.org/officeDocument/2006/relationships" xmlns:p="http://schemas.openxmlformats.org/presentationml/2006/main">
   <p:cSld>
     <p:spTree>
@@ -7807,7 +7314,7 @@
               <a:pPr>
                 <a:defRPr/>
               </a:pPr>
-              <a:t>16</a:t>
+              <a:t>15</a:t>
             </a:fld>
             <a:endParaRPr lang="en-US" altLang="zh-CN"/>
           </a:p>
@@ -7982,10 +7489,17 @@
   <p:clrMapOvr>
     <a:masterClrMapping/>
   </p:clrMapOvr>
+  <p:timing>
+    <p:tnLst>
+      <p:par>
+        <p:cTn id="1" dur="indefinite" restart="never" nodeType="tmRoot"/>
+      </p:par>
+    </p:tnLst>
+  </p:timing>
 </p:sld>
 </file>
 
-<file path=ppt/slides/slide18.xml><?xml version="1.0" encoding="utf-8"?>
+<file path=ppt/slides/slide17.xml><?xml version="1.0" encoding="utf-8"?>
 <p:sld xmlns:a="http://schemas.openxmlformats.org/drawingml/2006/main" xmlns:r="http://schemas.openxmlformats.org/officeDocument/2006/relationships" xmlns:p="http://schemas.openxmlformats.org/presentationml/2006/main">
   <p:cSld>
     <p:spTree>
@@ -8025,7 +7539,7 @@
               <a:pPr>
                 <a:defRPr/>
               </a:pPr>
-              <a:t>17</a:t>
+              <a:t>16</a:t>
             </a:fld>
             <a:endParaRPr lang="en-US" altLang="zh-CN"/>
           </a:p>
@@ -8039,8 +7553,8 @@
         </p:nvSpPr>
         <p:spPr>
           <a:xfrm>
-            <a:off x="695400" y="1960840"/>
-            <a:ext cx="10817150" cy="952184"/>
+            <a:off x="695400" y="1772816"/>
+            <a:ext cx="10817150" cy="1477328"/>
           </a:xfrm>
           <a:prstGeom prst="rect">
             <a:avLst/>
@@ -8060,11 +7574,32 @@
               <a:buChar char="•"/>
             </a:pPr>
             <a:r>
+              <a:rPr lang="zh-CN" altLang="en-US" sz="2400" b="1" dirty="0" smtClean="0">
+                <a:latin typeface="楷体" pitchFamily="49" charset="-122"/>
+                <a:ea typeface="楷体" pitchFamily="49" charset="-122"/>
+              </a:rPr>
+              <a:t>公车申请采用</a:t>
+            </a:r>
+            <a:r>
               <a:rPr lang="zh-CN" altLang="en-US" sz="2400" b="1" dirty="0">
                 <a:latin typeface="楷体" pitchFamily="49" charset="-122"/>
                 <a:ea typeface="楷体" pitchFamily="49" charset="-122"/>
               </a:rPr>
-              <a:t>公车申请操作便捷，直接拖拽车辆到日历即可，使用不同颜色区分车辆。</a:t>
+              <a:t>图形化操作，</a:t>
+            </a:r>
+            <a:r>
+              <a:rPr lang="zh-CN" altLang="en-US" sz="2400" b="1" dirty="0" smtClean="0">
+                <a:latin typeface="楷体" pitchFamily="49" charset="-122"/>
+                <a:ea typeface="楷体" pitchFamily="49" charset="-122"/>
+              </a:rPr>
+              <a:t>省去大量</a:t>
+            </a:r>
+            <a:r>
+              <a:rPr lang="zh-CN" altLang="en-US" sz="2400" b="1" dirty="0">
+                <a:latin typeface="楷体" pitchFamily="49" charset="-122"/>
+                <a:ea typeface="楷体" pitchFamily="49" charset="-122"/>
+              </a:rPr>
+              <a:t>输入信息的流程，有效提升申请体验。</a:t>
             </a:r>
             <a:endParaRPr lang="en-US" altLang="zh-CN" sz="2400" b="1" dirty="0">
               <a:latin typeface="楷体" pitchFamily="49" charset="-122"/>
@@ -8080,11 +7615,73 @@
               <a:buChar char="•"/>
             </a:pPr>
             <a:r>
+              <a:rPr lang="zh-CN" altLang="en-US" sz="2400" b="1" dirty="0" smtClean="0">
+                <a:latin typeface="楷体" pitchFamily="49" charset="-122"/>
+                <a:ea typeface="楷体" pitchFamily="49" charset="-122"/>
+              </a:rPr>
+              <a:t>统计</a:t>
+            </a:r>
+            <a:r>
               <a:rPr lang="zh-CN" altLang="en-US" sz="2400" b="1" dirty="0">
                 <a:latin typeface="楷体" pitchFamily="49" charset="-122"/>
                 <a:ea typeface="楷体" pitchFamily="49" charset="-122"/>
               </a:rPr>
-              <a:t>统计分析清晰明了，方便提醒相关人员车辆更换、提醒用户违章情况等。</a:t>
+              <a:t>信息</a:t>
+            </a:r>
+            <a:r>
+              <a:rPr lang="zh-CN" altLang="en-US" sz="2400" b="1" dirty="0" smtClean="0">
+                <a:latin typeface="楷体" pitchFamily="49" charset="-122"/>
+                <a:ea typeface="楷体" pitchFamily="49" charset="-122"/>
+              </a:rPr>
+              <a:t>清晰</a:t>
+            </a:r>
+            <a:r>
+              <a:rPr lang="zh-CN" altLang="en-US" sz="2400" b="1" dirty="0">
+                <a:latin typeface="楷体" pitchFamily="49" charset="-122"/>
+                <a:ea typeface="楷体" pitchFamily="49" charset="-122"/>
+              </a:rPr>
+              <a:t>明了</a:t>
+            </a:r>
+            <a:r>
+              <a:rPr lang="zh-CN" altLang="en-US" sz="2400" b="1" dirty="0" smtClean="0">
+                <a:latin typeface="楷体" pitchFamily="49" charset="-122"/>
+                <a:ea typeface="楷体" pitchFamily="49" charset="-122"/>
+              </a:rPr>
+              <a:t>，统计下沉</a:t>
+            </a:r>
+            <a:r>
+              <a:rPr lang="zh-CN" altLang="en-US" sz="2400" b="1" dirty="0">
+                <a:latin typeface="楷体" pitchFamily="49" charset="-122"/>
+                <a:ea typeface="楷体" pitchFamily="49" charset="-122"/>
+              </a:rPr>
+              <a:t>粒度</a:t>
+            </a:r>
+            <a:r>
+              <a:rPr lang="zh-CN" altLang="en-US" sz="2400" b="1" dirty="0" smtClean="0">
+                <a:latin typeface="楷体" pitchFamily="49" charset="-122"/>
+                <a:ea typeface="楷体" pitchFamily="49" charset="-122"/>
+              </a:rPr>
+              <a:t>大，方便管理人员了解整体运行情况</a:t>
+            </a:r>
+            <a:endParaRPr lang="en-US" altLang="zh-CN" sz="2400" b="1" dirty="0" smtClean="0">
+              <a:latin typeface="楷体" pitchFamily="49" charset="-122"/>
+              <a:ea typeface="楷体" pitchFamily="49" charset="-122"/>
+            </a:endParaRPr>
+          </a:p>
+          <a:p>
+            <a:pPr marL="457200" indent="-457200">
+              <a:lnSpc>
+                <a:spcPct val="125000"/>
+              </a:lnSpc>
+              <a:buFont typeface="Arial" panose="020B0604020202020204" pitchFamily="34" charset="0"/>
+              <a:buChar char="•"/>
+            </a:pPr>
+            <a:r>
+              <a:rPr lang="zh-CN" altLang="en-US" sz="2400" b="1" dirty="0" smtClean="0">
+                <a:latin typeface="楷体" pitchFamily="49" charset="-122"/>
+                <a:ea typeface="楷体" pitchFamily="49" charset="-122"/>
+              </a:rPr>
+              <a:t>统计信息图片自动生成，方便共享以及记录。</a:t>
             </a:r>
             <a:endParaRPr lang="zh-CN" altLang="en-US" sz="2800" b="1" dirty="0">
               <a:latin typeface="楷体" pitchFamily="49" charset="-122"/>
@@ -8139,7 +7736,7 @@
         </p:nvSpPr>
         <p:spPr>
           <a:xfrm>
-            <a:off x="695400" y="3717032"/>
+            <a:off x="695400" y="3798509"/>
             <a:ext cx="10817150" cy="2798843"/>
           </a:xfrm>
           <a:prstGeom prst="rect">
@@ -8433,7 +8030,7 @@
         </p:nvSpPr>
         <p:spPr>
           <a:xfrm>
-            <a:off x="263352" y="3075429"/>
+            <a:off x="263352" y="3193812"/>
             <a:ext cx="2520280" cy="523220"/>
           </a:xfrm>
           <a:prstGeom prst="rect">
@@ -8544,10 +8141,17 @@
   <p:clrMapOvr>
     <a:masterClrMapping/>
   </p:clrMapOvr>
+  <p:timing>
+    <p:tnLst>
+      <p:par>
+        <p:cTn id="1" dur="indefinite" restart="never" nodeType="tmRoot"/>
+      </p:par>
+    </p:tnLst>
+  </p:timing>
 </p:sld>
 </file>
 
-<file path=ppt/slides/slide19.xml><?xml version="1.0" encoding="utf-8"?>
+<file path=ppt/slides/slide18.xml><?xml version="1.0" encoding="utf-8"?>
 <p:sld xmlns:a="http://schemas.openxmlformats.org/drawingml/2006/main" xmlns:r="http://schemas.openxmlformats.org/officeDocument/2006/relationships" xmlns:p="http://schemas.openxmlformats.org/presentationml/2006/main">
   <p:cSld>
     <p:spTree>
@@ -8587,7 +8191,7 @@
               <a:pPr>
                 <a:defRPr/>
               </a:pPr>
-              <a:t>18</a:t>
+              <a:t>17</a:t>
             </a:fld>
             <a:endParaRPr lang="en-US" altLang="zh-CN"/>
           </a:p>
@@ -8762,6 +8366,79 @@
   <p:clrMapOvr>
     <a:masterClrMapping/>
   </p:clrMapOvr>
+  <p:timing>
+    <p:tnLst>
+      <p:par>
+        <p:cTn id="1" dur="indefinite" restart="never" nodeType="tmRoot"/>
+      </p:par>
+    </p:tnLst>
+  </p:timing>
+</p:sld>
+</file>
+
+<file path=ppt/slides/slide19.xml><?xml version="1.0" encoding="utf-8"?>
+<p:sld xmlns:a="http://schemas.openxmlformats.org/drawingml/2006/main" xmlns:r="http://schemas.openxmlformats.org/officeDocument/2006/relationships" xmlns:p="http://schemas.openxmlformats.org/presentationml/2006/main">
+  <p:cSld>
+    <p:spTree>
+      <p:nvGrpSpPr>
+        <p:cNvPr id="1" name=""/>
+        <p:cNvGrpSpPr/>
+        <p:nvPr/>
+      </p:nvGrpSpPr>
+      <p:grpSpPr>
+        <a:xfrm>
+          <a:off x="0" y="0"/>
+          <a:ext cx="0" cy="0"/>
+          <a:chOff x="0" y="0"/>
+          <a:chExt cx="0" cy="0"/>
+        </a:xfrm>
+      </p:grpSpPr>
+      <p:sp>
+        <p:nvSpPr>
+          <p:cNvPr id="2" name="灯片编号占位符 1"/>
+          <p:cNvSpPr>
+            <a:spLocks noGrp="1"/>
+          </p:cNvSpPr>
+          <p:nvPr>
+            <p:ph type="sldNum" sz="quarter" idx="10"/>
+          </p:nvPr>
+        </p:nvSpPr>
+        <p:spPr/>
+        <p:txBody>
+          <a:bodyPr/>
+          <a:lstStyle/>
+          <a:p>
+            <a:pPr>
+              <a:defRPr/>
+            </a:pPr>
+            <a:fld id="{37D1B2BE-3309-4792-8BE6-AC30C5FAF2D2}" type="slidenum">
+              <a:rPr lang="zh-CN" altLang="en-US" smtClean="0"/>
+              <a:pPr>
+                <a:defRPr/>
+              </a:pPr>
+              <a:t>18</a:t>
+            </a:fld>
+            <a:endParaRPr lang="en-US" altLang="zh-CN"/>
+          </a:p>
+        </p:txBody>
+      </p:sp>
+    </p:spTree>
+    <p:extLst>
+      <p:ext uri="{BB962C8B-B14F-4D97-AF65-F5344CB8AC3E}">
+        <p14:creationId xmlns:p14="http://schemas.microsoft.com/office/powerpoint/2010/main" val="2044037289"/>
+      </p:ext>
+    </p:extLst>
+  </p:cSld>
+  <p:clrMapOvr>
+    <a:masterClrMapping/>
+  </p:clrMapOvr>
+  <p:timing>
+    <p:tnLst>
+      <p:par>
+        <p:cTn id="1" dur="indefinite" restart="never" nodeType="tmRoot"/>
+      </p:par>
+    </p:tnLst>
+  </p:timing>
 </p:sld>
 </file>
 
@@ -9606,69 +9283,17 @@
   <p:clrMapOvr>
     <a:masterClrMapping/>
   </p:clrMapOvr>
+  <p:timing>
+    <p:tnLst>
+      <p:par>
+        <p:cTn id="1" dur="indefinite" restart="never" nodeType="tmRoot"/>
+      </p:par>
+    </p:tnLst>
+  </p:timing>
 </p:sld>
 </file>
 
 <file path=ppt/slides/slide20.xml><?xml version="1.0" encoding="utf-8"?>
-<p:sld xmlns:a="http://schemas.openxmlformats.org/drawingml/2006/main" xmlns:r="http://schemas.openxmlformats.org/officeDocument/2006/relationships" xmlns:p="http://schemas.openxmlformats.org/presentationml/2006/main">
-  <p:cSld>
-    <p:spTree>
-      <p:nvGrpSpPr>
-        <p:cNvPr id="1" name=""/>
-        <p:cNvGrpSpPr/>
-        <p:nvPr/>
-      </p:nvGrpSpPr>
-      <p:grpSpPr>
-        <a:xfrm>
-          <a:off x="0" y="0"/>
-          <a:ext cx="0" cy="0"/>
-          <a:chOff x="0" y="0"/>
-          <a:chExt cx="0" cy="0"/>
-        </a:xfrm>
-      </p:grpSpPr>
-      <p:sp>
-        <p:nvSpPr>
-          <p:cNvPr id="2" name="灯片编号占位符 1"/>
-          <p:cNvSpPr>
-            <a:spLocks noGrp="1"/>
-          </p:cNvSpPr>
-          <p:nvPr>
-            <p:ph type="sldNum" sz="quarter" idx="10"/>
-          </p:nvPr>
-        </p:nvSpPr>
-        <p:spPr/>
-        <p:txBody>
-          <a:bodyPr/>
-          <a:lstStyle/>
-          <a:p>
-            <a:pPr>
-              <a:defRPr/>
-            </a:pPr>
-            <a:fld id="{37D1B2BE-3309-4792-8BE6-AC30C5FAF2D2}" type="slidenum">
-              <a:rPr lang="zh-CN" altLang="en-US" smtClean="0"/>
-              <a:pPr>
-                <a:defRPr/>
-              </a:pPr>
-              <a:t>19</a:t>
-            </a:fld>
-            <a:endParaRPr lang="en-US" altLang="zh-CN"/>
-          </a:p>
-        </p:txBody>
-      </p:sp>
-    </p:spTree>
-    <p:extLst>
-      <p:ext uri="{BB962C8B-B14F-4D97-AF65-F5344CB8AC3E}">
-        <p14:creationId xmlns:p14="http://schemas.microsoft.com/office/powerpoint/2010/main" val="2044037289"/>
-      </p:ext>
-    </p:extLst>
-  </p:cSld>
-  <p:clrMapOvr>
-    <a:masterClrMapping/>
-  </p:clrMapOvr>
-</p:sld>
-</file>
-
-<file path=ppt/slides/slide21.xml><?xml version="1.0" encoding="utf-8"?>
 <p:sld xmlns:a="http://schemas.openxmlformats.org/drawingml/2006/main" xmlns:r="http://schemas.openxmlformats.org/officeDocument/2006/relationships" xmlns:p="http://schemas.openxmlformats.org/presentationml/2006/main">
   <p:cSld>
     <p:spTree>
@@ -9931,6 +9556,13 @@
   <p:clrMapOvr>
     <a:masterClrMapping/>
   </p:clrMapOvr>
+  <p:timing>
+    <p:tnLst>
+      <p:par>
+        <p:cTn id="1" dur="indefinite" restart="never" nodeType="tmRoot"/>
+      </p:par>
+    </p:tnLst>
+  </p:timing>
 </p:sld>
 </file>
 
@@ -10483,6 +10115,13 @@
     <a:masterClrMapping/>
   </p:clrMapOvr>
   <p:transition/>
+  <p:timing>
+    <p:tnLst>
+      <p:par>
+        <p:cTn id="1" dur="indefinite" restart="never" nodeType="tmRoot"/>
+      </p:par>
+    </p:tnLst>
+  </p:timing>
 </p:sld>
 </file>
 
@@ -10701,6 +10340,13 @@
   <p:clrMapOvr>
     <a:masterClrMapping/>
   </p:clrMapOvr>
+  <p:timing>
+    <p:tnLst>
+      <p:par>
+        <p:cTn id="1" dur="indefinite" restart="never" nodeType="tmRoot"/>
+      </p:par>
+    </p:tnLst>
+  </p:timing>
 </p:sld>
 </file>
 
@@ -11241,6 +10887,13 @@
   <p:clrMapOvr>
     <a:masterClrMapping/>
   </p:clrMapOvr>
+  <p:timing>
+    <p:tnLst>
+      <p:par>
+        <p:cTn id="1" dur="indefinite" restart="never" nodeType="tmRoot"/>
+      </p:par>
+    </p:tnLst>
+  </p:timing>
 </p:sld>
 </file>
 
@@ -11285,477 +10938,6 @@
                 <a:defRPr/>
               </a:pPr>
               <a:t>5</a:t>
-            </a:fld>
-            <a:endParaRPr lang="en-US" altLang="zh-CN"/>
-          </a:p>
-        </p:txBody>
-      </p:sp>
-      <p:sp>
-        <p:nvSpPr>
-          <p:cNvPr id="4" name="矩形 3"/>
-          <p:cNvSpPr/>
-          <p:nvPr/>
-        </p:nvSpPr>
-        <p:spPr>
-          <a:xfrm>
-            <a:off x="695400" y="1398255"/>
-            <a:ext cx="10585176" cy="2246769"/>
-          </a:xfrm>
-          <a:prstGeom prst="rect">
-            <a:avLst/>
-          </a:prstGeom>
-        </p:spPr>
-        <p:txBody>
-          <a:bodyPr wrap="square">
-            <a:spAutoFit/>
-          </a:bodyPr>
-          <a:lstStyle/>
-          <a:p>
-            <a:pPr>
-              <a:spcBef>
-                <a:spcPts val="600"/>
-              </a:spcBef>
-            </a:pPr>
-            <a:r>
-              <a:rPr lang="zh-CN" altLang="en-US" sz="2800" dirty="0">
-                <a:latin typeface="楷体" pitchFamily="49" charset="-122"/>
-                <a:ea typeface="楷体" pitchFamily="49" charset="-122"/>
-                <a:cs typeface="Times New Roman" pitchFamily="18" charset="0"/>
-              </a:rPr>
-              <a:t>     </a:t>
-            </a:r>
-            <a:r>
-              <a:rPr lang="zh-CN" altLang="en-US" sz="2800" u="sng" dirty="0">
-                <a:latin typeface="楷体" pitchFamily="49" charset="-122"/>
-                <a:ea typeface="楷体" pitchFamily="49" charset="-122"/>
-                <a:cs typeface="Times New Roman" pitchFamily="18" charset="0"/>
-              </a:rPr>
-              <a:t>中央和各级政府</a:t>
-            </a:r>
-            <a:r>
-              <a:rPr lang="zh-CN" altLang="en-US" sz="2800" dirty="0">
-                <a:latin typeface="楷体" pitchFamily="49" charset="-122"/>
-                <a:ea typeface="楷体" pitchFamily="49" charset="-122"/>
-                <a:cs typeface="Times New Roman" pitchFamily="18" charset="0"/>
-              </a:rPr>
-              <a:t>也在针对公务用车不断做出</a:t>
-            </a:r>
-            <a:r>
-              <a:rPr lang="zh-CN" altLang="en-US" sz="2800" u="sng" dirty="0">
-                <a:latin typeface="楷体" pitchFamily="49" charset="-122"/>
-                <a:ea typeface="楷体" pitchFamily="49" charset="-122"/>
-                <a:cs typeface="Times New Roman" pitchFamily="18" charset="0"/>
-              </a:rPr>
-              <a:t>新的规定</a:t>
-            </a:r>
-            <a:r>
-              <a:rPr lang="zh-CN" altLang="en-US" sz="2800" dirty="0">
-                <a:latin typeface="楷体" pitchFamily="49" charset="-122"/>
-                <a:ea typeface="楷体" pitchFamily="49" charset="-122"/>
-                <a:cs typeface="Times New Roman" pitchFamily="18" charset="0"/>
-              </a:rPr>
-              <a:t>，中办</a:t>
-            </a:r>
-            <a:r>
-              <a:rPr lang="en-US" altLang="zh-CN" sz="2800" dirty="0">
-                <a:latin typeface="楷体" pitchFamily="49" charset="-122"/>
-                <a:ea typeface="楷体" pitchFamily="49" charset="-122"/>
-                <a:cs typeface="Times New Roman" pitchFamily="18" charset="0"/>
-              </a:rPr>
-              <a:t>《</a:t>
-            </a:r>
-            <a:r>
-              <a:rPr lang="zh-CN" altLang="en-US" sz="2800" dirty="0">
-                <a:latin typeface="楷体" pitchFamily="49" charset="-122"/>
-                <a:ea typeface="楷体" pitchFamily="49" charset="-122"/>
-                <a:cs typeface="Times New Roman" pitchFamily="18" charset="0"/>
-              </a:rPr>
-              <a:t>党政机关公务用车配备使用管理办法</a:t>
-            </a:r>
-            <a:r>
-              <a:rPr lang="en-US" altLang="zh-CN" sz="2800" dirty="0">
-                <a:latin typeface="楷体" pitchFamily="49" charset="-122"/>
-                <a:ea typeface="楷体" pitchFamily="49" charset="-122"/>
-                <a:cs typeface="Times New Roman" pitchFamily="18" charset="0"/>
-              </a:rPr>
-              <a:t>》</a:t>
-            </a:r>
-            <a:r>
-              <a:rPr lang="zh-CN" altLang="en-US" sz="2800" dirty="0">
-                <a:latin typeface="楷体" pitchFamily="49" charset="-122"/>
-                <a:ea typeface="楷体" pitchFamily="49" charset="-122"/>
-                <a:cs typeface="Times New Roman" pitchFamily="18" charset="0"/>
-              </a:rPr>
-              <a:t>、国务院</a:t>
-            </a:r>
-            <a:r>
-              <a:rPr lang="en-US" altLang="zh-CN" sz="2800" dirty="0">
-                <a:latin typeface="楷体" pitchFamily="49" charset="-122"/>
-                <a:ea typeface="楷体" pitchFamily="49" charset="-122"/>
-                <a:cs typeface="Times New Roman" pitchFamily="18" charset="0"/>
-              </a:rPr>
-              <a:t>《</a:t>
-            </a:r>
-            <a:r>
-              <a:rPr lang="zh-CN" altLang="en-US" sz="2800" dirty="0">
-                <a:latin typeface="楷体" pitchFamily="49" charset="-122"/>
-                <a:ea typeface="楷体" pitchFamily="49" charset="-122"/>
-                <a:cs typeface="Times New Roman" pitchFamily="18" charset="0"/>
-              </a:rPr>
-              <a:t>机关事务管理条例（征求意见稿）</a:t>
-            </a:r>
-            <a:r>
-              <a:rPr lang="en-US" altLang="zh-CN" sz="2800" dirty="0">
-                <a:latin typeface="楷体" pitchFamily="49" charset="-122"/>
-                <a:ea typeface="楷体" pitchFamily="49" charset="-122"/>
-                <a:cs typeface="Times New Roman" pitchFamily="18" charset="0"/>
-              </a:rPr>
-              <a:t>》</a:t>
-            </a:r>
-            <a:r>
-              <a:rPr lang="zh-CN" altLang="en-US" sz="2800" dirty="0">
-                <a:latin typeface="楷体" pitchFamily="49" charset="-122"/>
-                <a:ea typeface="楷体" pitchFamily="49" charset="-122"/>
-                <a:cs typeface="Times New Roman" pitchFamily="18" charset="0"/>
-              </a:rPr>
-              <a:t>、</a:t>
-            </a:r>
-            <a:r>
-              <a:rPr lang="en-US" altLang="zh-CN" sz="2800" dirty="0">
-                <a:latin typeface="楷体" pitchFamily="49" charset="-122"/>
-                <a:ea typeface="楷体" pitchFamily="49" charset="-122"/>
-                <a:cs typeface="Times New Roman" pitchFamily="18" charset="0"/>
-              </a:rPr>
-              <a:t>《</a:t>
-            </a:r>
-            <a:r>
-              <a:rPr lang="zh-CN" altLang="en-US" sz="2800" dirty="0">
-                <a:latin typeface="楷体" pitchFamily="49" charset="-122"/>
-                <a:ea typeface="楷体" pitchFamily="49" charset="-122"/>
-                <a:cs typeface="Times New Roman" pitchFamily="18" charset="0"/>
-              </a:rPr>
-              <a:t>轻型汽车燃料消耗量标示管理规定</a:t>
-            </a:r>
-            <a:r>
-              <a:rPr lang="en-US" altLang="zh-CN" sz="2800" dirty="0">
-                <a:latin typeface="楷体" pitchFamily="49" charset="-122"/>
-                <a:ea typeface="楷体" pitchFamily="49" charset="-122"/>
-                <a:cs typeface="Times New Roman" pitchFamily="18" charset="0"/>
-              </a:rPr>
-              <a:t>》</a:t>
-            </a:r>
-            <a:r>
-              <a:rPr lang="zh-CN" altLang="en-US" sz="2800" dirty="0">
-                <a:latin typeface="楷体" pitchFamily="49" charset="-122"/>
-                <a:ea typeface="楷体" pitchFamily="49" charset="-122"/>
-                <a:cs typeface="Times New Roman" pitchFamily="18" charset="0"/>
-              </a:rPr>
-              <a:t>、</a:t>
-            </a:r>
-            <a:r>
-              <a:rPr lang="en-US" altLang="zh-CN" sz="2800" dirty="0">
-                <a:latin typeface="楷体" pitchFamily="49" charset="-122"/>
-                <a:ea typeface="楷体" pitchFamily="49" charset="-122"/>
-                <a:cs typeface="Times New Roman" pitchFamily="18" charset="0"/>
-              </a:rPr>
-              <a:t>《</a:t>
-            </a:r>
-            <a:r>
-              <a:rPr lang="zh-CN" altLang="en-US" sz="2800" dirty="0">
-                <a:latin typeface="楷体" pitchFamily="49" charset="-122"/>
-                <a:ea typeface="楷体" pitchFamily="49" charset="-122"/>
-                <a:cs typeface="Times New Roman" pitchFamily="18" charset="0"/>
-              </a:rPr>
-              <a:t>乘用车燃料消耗量评价方法及指标</a:t>
-            </a:r>
-            <a:r>
-              <a:rPr lang="en-US" altLang="zh-CN" sz="2800" dirty="0">
-                <a:latin typeface="楷体" pitchFamily="49" charset="-122"/>
-                <a:ea typeface="楷体" pitchFamily="49" charset="-122"/>
-                <a:cs typeface="Times New Roman" pitchFamily="18" charset="0"/>
-              </a:rPr>
-              <a:t>》</a:t>
-            </a:r>
-            <a:r>
-              <a:rPr lang="zh-CN" altLang="en-US" sz="2800" dirty="0">
-                <a:latin typeface="楷体" pitchFamily="49" charset="-122"/>
-                <a:ea typeface="楷体" pitchFamily="49" charset="-122"/>
-                <a:cs typeface="Times New Roman" pitchFamily="18" charset="0"/>
-              </a:rPr>
-              <a:t>等规定不断出台，加大了对公车的配备和燃油消耗、维修保养等方面的硬性控制。</a:t>
-            </a:r>
-            <a:endParaRPr lang="en-US" altLang="zh-CN" sz="2800" dirty="0">
-              <a:latin typeface="楷体" pitchFamily="49" charset="-122"/>
-              <a:ea typeface="楷体" pitchFamily="49" charset="-122"/>
-              <a:cs typeface="Times New Roman" pitchFamily="18" charset="0"/>
-            </a:endParaRPr>
-          </a:p>
-        </p:txBody>
-      </p:sp>
-      <p:pic>
-        <p:nvPicPr>
-          <p:cNvPr id="5" name="Picture 2"/>
-          <p:cNvPicPr>
-            <a:picLocks noChangeAspect="1" noChangeArrowheads="1"/>
-          </p:cNvPicPr>
-          <p:nvPr/>
-        </p:nvPicPr>
-        <p:blipFill>
-          <a:blip r:embed="rId2">
-            <a:extLst>
-              <a:ext uri="{28A0092B-C50C-407E-A947-70E740481C1C}">
-                <a14:useLocalDpi xmlns:a14="http://schemas.microsoft.com/office/drawing/2010/main" val="0"/>
-              </a:ext>
-            </a:extLst>
-          </a:blip>
-          <a:srcRect/>
-          <a:stretch>
-            <a:fillRect/>
-          </a:stretch>
-        </p:blipFill>
-        <p:spPr bwMode="auto">
-          <a:xfrm>
-            <a:off x="620425" y="4760021"/>
-            <a:ext cx="2276475" cy="1143000"/>
-          </a:xfrm>
-          <a:prstGeom prst="rect">
-            <a:avLst/>
-          </a:prstGeom>
-          <a:noFill/>
-          <a:ln>
-            <a:noFill/>
-          </a:ln>
-          <a:effectLst/>
-          <a:extLst>
-            <a:ext uri="{909E8E84-426E-40DD-AFC4-6F175D3DCCD1}">
-              <a14:hiddenFill xmlns:a14="http://schemas.microsoft.com/office/drawing/2010/main">
-                <a:solidFill>
-                  <a:schemeClr val="accent1"/>
-                </a:solidFill>
-              </a14:hiddenFill>
-            </a:ext>
-            <a:ext uri="{91240B29-F687-4F45-9708-019B960494DF}">
-              <a14:hiddenLine xmlns:a14="http://schemas.microsoft.com/office/drawing/2010/main" w="9525">
-                <a:solidFill>
-                  <a:schemeClr val="tx1"/>
-                </a:solidFill>
-                <a:miter lim="800000"/>
-                <a:headEnd/>
-                <a:tailEnd/>
-              </a14:hiddenLine>
-            </a:ext>
-            <a:ext uri="{AF507438-7753-43E0-B8FC-AC1667EBCBE1}">
-              <a14:hiddenEffects xmlns:a14="http://schemas.microsoft.com/office/drawing/2010/main">
-                <a:effectLst>
-                  <a:outerShdw dist="35921" dir="2700000" algn="ctr" rotWithShape="0">
-                    <a:schemeClr val="bg2"/>
-                  </a:outerShdw>
-                </a:effectLst>
-              </a14:hiddenEffects>
-            </a:ext>
-          </a:extLst>
-        </p:spPr>
-      </p:pic>
-      <p:sp>
-        <p:nvSpPr>
-          <p:cNvPr id="6" name="矩形 5"/>
-          <p:cNvSpPr/>
-          <p:nvPr/>
-        </p:nvSpPr>
-        <p:spPr>
-          <a:xfrm>
-            <a:off x="3253176" y="4061390"/>
-            <a:ext cx="8016552" cy="1815882"/>
-          </a:xfrm>
-          <a:prstGeom prst="rect">
-            <a:avLst/>
-          </a:prstGeom>
-        </p:spPr>
-        <p:txBody>
-          <a:bodyPr wrap="square">
-            <a:spAutoFit/>
-          </a:bodyPr>
-          <a:lstStyle/>
-          <a:p>
-            <a:pPr>
-              <a:spcBef>
-                <a:spcPts val="600"/>
-              </a:spcBef>
-            </a:pPr>
-            <a:r>
-              <a:rPr lang="zh-CN" altLang="en-US" sz="2800" dirty="0">
-                <a:latin typeface="楷体" pitchFamily="49" charset="-122"/>
-                <a:ea typeface="楷体" pitchFamily="49" charset="-122"/>
-                <a:cs typeface="Times New Roman" pitchFamily="18" charset="0"/>
-              </a:rPr>
-              <a:t>    为加强</a:t>
-            </a:r>
-            <a:r>
-              <a:rPr lang="zh-CN" altLang="en-US" sz="2800" b="1" dirty="0">
-                <a:solidFill>
-                  <a:srgbClr val="FF0000"/>
-                </a:solidFill>
-                <a:latin typeface="楷体" pitchFamily="49" charset="-122"/>
-                <a:ea typeface="楷体" pitchFamily="49" charset="-122"/>
-                <a:cs typeface="Times New Roman" pitchFamily="18" charset="0"/>
-              </a:rPr>
-              <a:t>公车购置及运行费用控制与管理</a:t>
-            </a:r>
-            <a:r>
-              <a:rPr lang="zh-CN" altLang="en-US" sz="2800" dirty="0">
-                <a:latin typeface="楷体" pitchFamily="49" charset="-122"/>
-                <a:ea typeface="楷体" pitchFamily="49" charset="-122"/>
-                <a:cs typeface="Times New Roman" pitchFamily="18" charset="0"/>
-              </a:rPr>
-              <a:t>，使公车运行费用</a:t>
-            </a:r>
-            <a:r>
-              <a:rPr lang="zh-CN" altLang="en-US" sz="2800" dirty="0">
-                <a:solidFill>
-                  <a:srgbClr val="FF0000"/>
-                </a:solidFill>
-                <a:latin typeface="楷体" pitchFamily="49" charset="-122"/>
-                <a:ea typeface="楷体" pitchFamily="49" charset="-122"/>
-                <a:cs typeface="Times New Roman" pitchFamily="18" charset="0"/>
-              </a:rPr>
-              <a:t>更加合理、透明、可控</a:t>
-            </a:r>
-            <a:r>
-              <a:rPr lang="zh-CN" altLang="en-US" sz="2800" dirty="0">
-                <a:latin typeface="楷体" pitchFamily="49" charset="-122"/>
-                <a:ea typeface="楷体" pitchFamily="49" charset="-122"/>
-                <a:cs typeface="Times New Roman" pitchFamily="18" charset="0"/>
-              </a:rPr>
-              <a:t>，使</a:t>
-            </a:r>
-            <a:r>
-              <a:rPr lang="zh-CN" altLang="en-US" sz="2800" dirty="0">
-                <a:solidFill>
-                  <a:srgbClr val="FF0000"/>
-                </a:solidFill>
-                <a:latin typeface="楷体" pitchFamily="49" charset="-122"/>
-                <a:ea typeface="楷体" pitchFamily="49" charset="-122"/>
-                <a:cs typeface="Times New Roman" pitchFamily="18" charset="0"/>
-              </a:rPr>
-              <a:t>各项费用指标能够准确、快速统计分析</a:t>
-            </a:r>
-            <a:r>
-              <a:rPr lang="zh-CN" altLang="en-US" sz="2800" dirty="0">
-                <a:latin typeface="楷体" pitchFamily="49" charset="-122"/>
-                <a:ea typeface="楷体" pitchFamily="49" charset="-122"/>
-                <a:cs typeface="Times New Roman" pitchFamily="18" charset="0"/>
-              </a:rPr>
-              <a:t>，成为各级政府和用车单位迫切需要解决的问题。</a:t>
-            </a:r>
-          </a:p>
-        </p:txBody>
-      </p:sp>
-      <p:sp>
-        <p:nvSpPr>
-          <p:cNvPr id="7" name="TextBox 4">
-            <a:extLst>
-              <a:ext uri="{FF2B5EF4-FFF2-40B4-BE49-F238E27FC236}">
-                <a16:creationId xmlns:a16="http://schemas.microsoft.com/office/drawing/2014/main" id="{1B9FD0A4-AD8A-5049-935E-2EC6D56BC589}"/>
-              </a:ext>
-            </a:extLst>
-          </p:cNvPr>
-          <p:cNvSpPr txBox="1"/>
-          <p:nvPr/>
-        </p:nvSpPr>
-        <p:spPr>
-          <a:xfrm>
-            <a:off x="335360" y="124776"/>
-            <a:ext cx="6048672" cy="769441"/>
-          </a:xfrm>
-          <a:prstGeom prst="rect">
-            <a:avLst/>
-          </a:prstGeom>
-          <a:noFill/>
-        </p:spPr>
-        <p:txBody>
-          <a:bodyPr wrap="square" rtlCol="0">
-            <a:spAutoFit/>
-          </a:bodyPr>
-          <a:lstStyle/>
-          <a:p>
-            <a:r>
-              <a:rPr lang="zh-CN" altLang="en-US" sz="4400" b="1" dirty="0">
-                <a:latin typeface="楷体" pitchFamily="49" charset="-122"/>
-                <a:ea typeface="楷体" pitchFamily="49" charset="-122"/>
-              </a:rPr>
-              <a:t>需求分析 </a:t>
-            </a:r>
-            <a:r>
-              <a:rPr lang="en-US" altLang="zh-CN" sz="4400" b="1" dirty="0">
-                <a:latin typeface="楷体" pitchFamily="49" charset="-122"/>
-                <a:ea typeface="楷体" pitchFamily="49" charset="-122"/>
-              </a:rPr>
-              <a:t>--</a:t>
-            </a:r>
-            <a:r>
-              <a:rPr lang="zh-CN" altLang="en-US" sz="4400" b="1" dirty="0">
-                <a:latin typeface="楷体" pitchFamily="49" charset="-122"/>
-                <a:ea typeface="楷体" pitchFamily="49" charset="-122"/>
-              </a:rPr>
-              <a:t> 项目背景 </a:t>
-            </a:r>
-          </a:p>
-        </p:txBody>
-      </p:sp>
-    </p:spTree>
-    <p:extLst>
-      <p:ext uri="{BB962C8B-B14F-4D97-AF65-F5344CB8AC3E}">
-        <p14:creationId xmlns:p14="http://schemas.microsoft.com/office/powerpoint/2010/main" val="1622542153"/>
-      </p:ext>
-    </p:extLst>
-  </p:cSld>
-  <p:clrMapOvr>
-    <a:masterClrMapping/>
-  </p:clrMapOvr>
-</p:sld>
-</file>
-
-<file path=ppt/slides/slide7.xml><?xml version="1.0" encoding="utf-8"?>
-<p:sld xmlns:a="http://schemas.openxmlformats.org/drawingml/2006/main" xmlns:r="http://schemas.openxmlformats.org/officeDocument/2006/relationships" xmlns:p="http://schemas.openxmlformats.org/presentationml/2006/main">
-  <p:cSld>
-    <p:spTree>
-      <p:nvGrpSpPr>
-        <p:cNvPr id="1" name=""/>
-        <p:cNvGrpSpPr/>
-        <p:nvPr/>
-      </p:nvGrpSpPr>
-      <p:grpSpPr>
-        <a:xfrm>
-          <a:off x="0" y="0"/>
-          <a:ext cx="0" cy="0"/>
-          <a:chOff x="0" y="0"/>
-          <a:chExt cx="0" cy="0"/>
-        </a:xfrm>
-      </p:grpSpPr>
-      <p:sp>
-        <p:nvSpPr>
-          <p:cNvPr id="2" name="灯片编号占位符 1"/>
-          <p:cNvSpPr>
-            <a:spLocks noGrp="1"/>
-          </p:cNvSpPr>
-          <p:nvPr>
-            <p:ph type="sldNum" sz="quarter" idx="10"/>
-          </p:nvPr>
-        </p:nvSpPr>
-        <p:spPr/>
-        <p:txBody>
-          <a:bodyPr/>
-          <a:lstStyle/>
-          <a:p>
-            <a:pPr>
-              <a:defRPr/>
-            </a:pPr>
-            <a:fld id="{37D1B2BE-3309-4792-8BE6-AC30C5FAF2D2}" type="slidenum">
-              <a:rPr lang="zh-CN" altLang="en-US" smtClean="0"/>
-              <a:pPr>
-                <a:defRPr/>
-              </a:pPr>
-              <a:t>6</a:t>
             </a:fld>
             <a:endParaRPr lang="en-US" altLang="zh-CN"/>
           </a:p>
@@ -12386,10 +11568,17 @@
   <p:clrMapOvr>
     <a:masterClrMapping/>
   </p:clrMapOvr>
+  <p:timing>
+    <p:tnLst>
+      <p:par>
+        <p:cTn id="1" dur="indefinite" restart="never" nodeType="tmRoot"/>
+      </p:par>
+    </p:tnLst>
+  </p:timing>
 </p:sld>
 </file>
 
-<file path=ppt/slides/slide8.xml><?xml version="1.0" encoding="utf-8"?>
+<file path=ppt/slides/slide7.xml><?xml version="1.0" encoding="utf-8"?>
 <p:sld xmlns:a="http://schemas.openxmlformats.org/drawingml/2006/main" xmlns:r="http://schemas.openxmlformats.org/officeDocument/2006/relationships" xmlns:p="http://schemas.openxmlformats.org/presentationml/2006/main">
   <p:cSld>
     <p:spTree>
@@ -12429,7 +11618,7 @@
               <a:pPr>
                 <a:defRPr/>
               </a:pPr>
-              <a:t>7</a:t>
+              <a:t>6</a:t>
             </a:fld>
             <a:endParaRPr lang="en-US" altLang="zh-CN"/>
           </a:p>
@@ -12507,10 +11696,10 @@
         </p:nvGrpSpPr>
         <p:grpSpPr>
           <a:xfrm>
-            <a:off x="4830853" y="2269427"/>
-            <a:ext cx="5688632" cy="923330"/>
+            <a:off x="4830852" y="2269427"/>
+            <a:ext cx="6681697" cy="923330"/>
             <a:chOff x="5519936" y="3153742"/>
-            <a:chExt cx="5688632" cy="923330"/>
+            <a:chExt cx="6122896" cy="923330"/>
           </a:xfrm>
         </p:grpSpPr>
         <p:sp>
@@ -12521,8 +11710,8 @@
           </p:nvSpPr>
           <p:spPr>
             <a:xfrm>
-              <a:off x="6384032" y="3153742"/>
-              <a:ext cx="4824536" cy="923330"/>
+              <a:off x="6384031" y="3153742"/>
+              <a:ext cx="5258801" cy="923330"/>
             </a:xfrm>
             <a:prstGeom prst="rect">
               <a:avLst/>
@@ -12536,12 +11725,16 @@
             <a:lstStyle/>
             <a:p>
               <a:r>
-                <a:rPr lang="zh-CN" altLang="en-US" sz="5400" b="1" dirty="0">
+                <a:rPr lang="zh-CN" altLang="en-US" sz="5400" b="1" dirty="0" smtClean="0">
                   <a:latin typeface="楷体" pitchFamily="49" charset="-122"/>
                   <a:ea typeface="楷体" pitchFamily="49" charset="-122"/>
                 </a:rPr>
                 <a:t>功能介绍</a:t>
               </a:r>
+              <a:endParaRPr lang="zh-CN" altLang="en-US" sz="5400" b="1" dirty="0">
+                <a:latin typeface="楷体" pitchFamily="49" charset="-122"/>
+                <a:ea typeface="楷体" pitchFamily="49" charset="-122"/>
+              </a:endParaRPr>
             </a:p>
           </p:txBody>
         </p:sp>
@@ -12728,10 +11921,17 @@
   <p:clrMapOvr>
     <a:masterClrMapping/>
   </p:clrMapOvr>
+  <p:timing>
+    <p:tnLst>
+      <p:par>
+        <p:cTn id="1" dur="indefinite" restart="never" nodeType="tmRoot"/>
+      </p:par>
+    </p:tnLst>
+  </p:timing>
 </p:sld>
 </file>
 
-<file path=ppt/slides/slide9.xml><?xml version="1.0" encoding="utf-8"?>
+<file path=ppt/slides/slide8.xml><?xml version="1.0" encoding="utf-8"?>
 <p:sld xmlns:a="http://schemas.openxmlformats.org/drawingml/2006/main" xmlns:r="http://schemas.openxmlformats.org/officeDocument/2006/relationships" xmlns:p="http://schemas.openxmlformats.org/presentationml/2006/main">
   <p:cSld>
     <p:spTree>
@@ -12771,7 +11971,7 @@
               <a:pPr>
                 <a:defRPr/>
               </a:pPr>
-              <a:t>8</a:t>
+              <a:t>7</a:t>
             </a:fld>
             <a:endParaRPr lang="en-US" altLang="zh-CN"/>
           </a:p>
@@ -12869,6 +12069,740 @@
   <p:clrMapOvr>
     <a:masterClrMapping/>
   </p:clrMapOvr>
+  <p:timing>
+    <p:tnLst>
+      <p:par>
+        <p:cTn id="1" dur="indefinite" restart="never" nodeType="tmRoot"/>
+      </p:par>
+    </p:tnLst>
+  </p:timing>
+</p:sld>
+</file>
+
+<file path=ppt/slides/slide9.xml><?xml version="1.0" encoding="utf-8"?>
+<p:sld xmlns:a="http://schemas.openxmlformats.org/drawingml/2006/main" xmlns:r="http://schemas.openxmlformats.org/officeDocument/2006/relationships" xmlns:p="http://schemas.openxmlformats.org/presentationml/2006/main">
+  <p:cSld>
+    <p:spTree>
+      <p:nvGrpSpPr>
+        <p:cNvPr id="1" name=""/>
+        <p:cNvGrpSpPr/>
+        <p:nvPr/>
+      </p:nvGrpSpPr>
+      <p:grpSpPr>
+        <a:xfrm>
+          <a:off x="0" y="0"/>
+          <a:ext cx="0" cy="0"/>
+          <a:chOff x="0" y="0"/>
+          <a:chExt cx="0" cy="0"/>
+        </a:xfrm>
+      </p:grpSpPr>
+      <p:pic>
+        <p:nvPicPr>
+          <p:cNvPr id="7" name="Picture 5"/>
+          <p:cNvPicPr>
+            <a:picLocks noChangeAspect="1" noChangeArrowheads="1"/>
+          </p:cNvPicPr>
+          <p:nvPr/>
+        </p:nvPicPr>
+        <p:blipFill>
+          <a:blip r:embed="rId2">
+            <a:extLst>
+              <a:ext uri="{28A0092B-C50C-407E-A947-70E740481C1C}">
+                <a14:useLocalDpi xmlns:a14="http://schemas.microsoft.com/office/drawing/2010/main" val="0"/>
+              </a:ext>
+            </a:extLst>
+          </a:blip>
+          <a:srcRect/>
+          <a:stretch>
+            <a:fillRect/>
+          </a:stretch>
+        </p:blipFill>
+        <p:spPr bwMode="auto">
+          <a:xfrm>
+            <a:off x="8472264" y="3192911"/>
+            <a:ext cx="1336719" cy="1075410"/>
+          </a:xfrm>
+          <a:prstGeom prst="rect">
+            <a:avLst/>
+          </a:prstGeom>
+          <a:noFill/>
+          <a:ln>
+            <a:noFill/>
+          </a:ln>
+          <a:effectLst/>
+          <a:extLst>
+            <a:ext uri="{909E8E84-426E-40DD-AFC4-6F175D3DCCD1}">
+              <a14:hiddenFill xmlns:a14="http://schemas.microsoft.com/office/drawing/2010/main">
+                <a:solidFill>
+                  <a:schemeClr val="accent1"/>
+                </a:solidFill>
+              </a14:hiddenFill>
+            </a:ext>
+            <a:ext uri="{91240B29-F687-4F45-9708-019B960494DF}">
+              <a14:hiddenLine xmlns:a14="http://schemas.microsoft.com/office/drawing/2010/main" w="9525">
+                <a:solidFill>
+                  <a:schemeClr val="tx1"/>
+                </a:solidFill>
+                <a:miter lim="800000"/>
+                <a:headEnd/>
+                <a:tailEnd/>
+              </a14:hiddenLine>
+            </a:ext>
+            <a:ext uri="{AF507438-7753-43E0-B8FC-AC1667EBCBE1}">
+              <a14:hiddenEffects xmlns:a14="http://schemas.microsoft.com/office/drawing/2010/main">
+                <a:effectLst>
+                  <a:outerShdw dist="35921" dir="2700000" algn="ctr" rotWithShape="0">
+                    <a:schemeClr val="bg2"/>
+                  </a:outerShdw>
+                </a:effectLst>
+              </a14:hiddenEffects>
+            </a:ext>
+          </a:extLst>
+        </p:spPr>
+      </p:pic>
+      <p:pic>
+        <p:nvPicPr>
+          <p:cNvPr id="8" name="Picture 3"/>
+          <p:cNvPicPr>
+            <a:picLocks noChangeAspect="1" noChangeArrowheads="1"/>
+          </p:cNvPicPr>
+          <p:nvPr/>
+        </p:nvPicPr>
+        <p:blipFill>
+          <a:blip r:embed="rId3">
+            <a:extLst>
+              <a:ext uri="{28A0092B-C50C-407E-A947-70E740481C1C}">
+                <a14:useLocalDpi xmlns:a14="http://schemas.microsoft.com/office/drawing/2010/main" val="0"/>
+              </a:ext>
+            </a:extLst>
+          </a:blip>
+          <a:srcRect/>
+          <a:stretch>
+            <a:fillRect/>
+          </a:stretch>
+        </p:blipFill>
+        <p:spPr bwMode="auto">
+          <a:xfrm>
+            <a:off x="10200456" y="5143105"/>
+            <a:ext cx="1485243" cy="950191"/>
+          </a:xfrm>
+          <a:prstGeom prst="rect">
+            <a:avLst/>
+          </a:prstGeom>
+          <a:noFill/>
+          <a:ln>
+            <a:noFill/>
+          </a:ln>
+          <a:effectLst/>
+          <a:extLst>
+            <a:ext uri="{909E8E84-426E-40DD-AFC4-6F175D3DCCD1}">
+              <a14:hiddenFill xmlns:a14="http://schemas.microsoft.com/office/drawing/2010/main">
+                <a:solidFill>
+                  <a:schemeClr val="accent1"/>
+                </a:solidFill>
+              </a14:hiddenFill>
+            </a:ext>
+            <a:ext uri="{91240B29-F687-4F45-9708-019B960494DF}">
+              <a14:hiddenLine xmlns:a14="http://schemas.microsoft.com/office/drawing/2010/main" w="9525">
+                <a:solidFill>
+                  <a:schemeClr val="tx1"/>
+                </a:solidFill>
+                <a:miter lim="800000"/>
+                <a:headEnd/>
+                <a:tailEnd/>
+              </a14:hiddenLine>
+            </a:ext>
+            <a:ext uri="{AF507438-7753-43E0-B8FC-AC1667EBCBE1}">
+              <a14:hiddenEffects xmlns:a14="http://schemas.microsoft.com/office/drawing/2010/main">
+                <a:effectLst>
+                  <a:outerShdw dist="35921" dir="2700000" algn="ctr" rotWithShape="0">
+                    <a:schemeClr val="bg2"/>
+                  </a:outerShdw>
+                </a:effectLst>
+              </a14:hiddenEffects>
+            </a:ext>
+          </a:extLst>
+        </p:spPr>
+      </p:pic>
+      <p:sp>
+        <p:nvSpPr>
+          <p:cNvPr id="2" name="灯片编号占位符 1"/>
+          <p:cNvSpPr>
+            <a:spLocks noGrp="1"/>
+          </p:cNvSpPr>
+          <p:nvPr>
+            <p:ph type="sldNum" sz="quarter" idx="10"/>
+          </p:nvPr>
+        </p:nvSpPr>
+        <p:spPr/>
+        <p:txBody>
+          <a:bodyPr/>
+          <a:lstStyle/>
+          <a:p>
+            <a:pPr>
+              <a:defRPr/>
+            </a:pPr>
+            <a:fld id="{37D1B2BE-3309-4792-8BE6-AC30C5FAF2D2}" type="slidenum">
+              <a:rPr lang="zh-CN" altLang="en-US" smtClean="0"/>
+              <a:pPr>
+                <a:defRPr/>
+              </a:pPr>
+              <a:t>8</a:t>
+            </a:fld>
+            <a:endParaRPr lang="en-US" altLang="zh-CN"/>
+          </a:p>
+        </p:txBody>
+      </p:sp>
+      <p:sp>
+        <p:nvSpPr>
+          <p:cNvPr id="4" name="TextBox 3"/>
+          <p:cNvSpPr txBox="1"/>
+          <p:nvPr/>
+        </p:nvSpPr>
+        <p:spPr>
+          <a:xfrm>
+            <a:off x="263352" y="211287"/>
+            <a:ext cx="6840760" cy="769441"/>
+          </a:xfrm>
+          <a:prstGeom prst="rect">
+            <a:avLst/>
+          </a:prstGeom>
+          <a:noFill/>
+        </p:spPr>
+        <p:txBody>
+          <a:bodyPr wrap="square" rtlCol="0">
+            <a:spAutoFit/>
+          </a:bodyPr>
+          <a:lstStyle/>
+          <a:p>
+            <a:r>
+              <a:rPr lang="zh-CN" altLang="en-US" sz="4400" b="1" dirty="0">
+                <a:latin typeface="楷体" pitchFamily="49" charset="-122"/>
+                <a:ea typeface="楷体" pitchFamily="49" charset="-122"/>
+              </a:rPr>
+              <a:t>功能介绍 </a:t>
+            </a:r>
+            <a:r>
+              <a:rPr lang="en-US" altLang="zh-CN" sz="4400" b="1" dirty="0">
+                <a:latin typeface="楷体" pitchFamily="49" charset="-122"/>
+                <a:ea typeface="楷体" pitchFamily="49" charset="-122"/>
+              </a:rPr>
+              <a:t>--</a:t>
+            </a:r>
+            <a:r>
+              <a:rPr lang="zh-CN" altLang="en-US" sz="4400" b="1" dirty="0">
+                <a:latin typeface="楷体" pitchFamily="49" charset="-122"/>
+                <a:ea typeface="楷体" pitchFamily="49" charset="-122"/>
+              </a:rPr>
+              <a:t> 系统功能</a:t>
+            </a:r>
+          </a:p>
+        </p:txBody>
+      </p:sp>
+      <p:sp>
+        <p:nvSpPr>
+          <p:cNvPr id="5" name="矩形 4"/>
+          <p:cNvSpPr/>
+          <p:nvPr/>
+        </p:nvSpPr>
+        <p:spPr>
+          <a:xfrm>
+            <a:off x="247766" y="1052736"/>
+            <a:ext cx="10888794" cy="5109091"/>
+          </a:xfrm>
+          <a:prstGeom prst="rect">
+            <a:avLst/>
+          </a:prstGeom>
+        </p:spPr>
+        <p:txBody>
+          <a:bodyPr wrap="square">
+            <a:spAutoFit/>
+          </a:bodyPr>
+          <a:lstStyle/>
+          <a:p>
+            <a:r>
+              <a:rPr lang="zh-CN" altLang="en-US" sz="3200" b="1" dirty="0">
+                <a:latin typeface="楷体" pitchFamily="49" charset="-122"/>
+                <a:ea typeface="楷体" pitchFamily="49" charset="-122"/>
+              </a:rPr>
+              <a:t>一、</a:t>
+            </a:r>
+            <a:r>
+              <a:rPr lang="zh-CN" altLang="zh-CN" sz="3200" b="1" dirty="0">
+                <a:latin typeface="楷体" pitchFamily="49" charset="-122"/>
+                <a:ea typeface="楷体" pitchFamily="49" charset="-122"/>
+              </a:rPr>
+              <a:t>信息管理</a:t>
+            </a:r>
+            <a:endParaRPr lang="en-US" altLang="zh-CN" sz="3200" b="1" dirty="0">
+              <a:latin typeface="楷体" pitchFamily="49" charset="-122"/>
+              <a:ea typeface="楷体" pitchFamily="49" charset="-122"/>
+            </a:endParaRPr>
+          </a:p>
+          <a:p>
+            <a:pPr>
+              <a:spcBef>
+                <a:spcPts val="600"/>
+              </a:spcBef>
+            </a:pPr>
+            <a:r>
+              <a:rPr lang="zh-CN" altLang="en-US" sz="2800" dirty="0">
+                <a:latin typeface="楷体" pitchFamily="49" charset="-122"/>
+                <a:ea typeface="楷体" pitchFamily="49" charset="-122"/>
+              </a:rPr>
+              <a:t>    包括车型管理、车辆管理、车辆记录三个子模块。</a:t>
+            </a:r>
+            <a:endParaRPr lang="zh-CN" altLang="zh-CN" sz="2800" dirty="0">
+              <a:latin typeface="楷体" pitchFamily="49" charset="-122"/>
+              <a:ea typeface="楷体" pitchFamily="49" charset="-122"/>
+            </a:endParaRPr>
+          </a:p>
+          <a:p>
+            <a:pPr>
+              <a:spcBef>
+                <a:spcPts val="1200"/>
+              </a:spcBef>
+            </a:pPr>
+            <a:r>
+              <a:rPr lang="en-US" altLang="zh-CN" sz="2800" dirty="0">
+                <a:latin typeface="楷体" pitchFamily="49" charset="-122"/>
+                <a:ea typeface="楷体" pitchFamily="49" charset="-122"/>
+              </a:rPr>
+              <a:t>   </a:t>
+            </a:r>
+            <a:r>
+              <a:rPr lang="zh-CN" altLang="zh-CN" sz="2800" dirty="0">
+                <a:latin typeface="楷体" pitchFamily="49" charset="-122"/>
+                <a:ea typeface="楷体" pitchFamily="49" charset="-122"/>
+              </a:rPr>
+              <a:t>（</a:t>
+            </a:r>
+            <a:r>
+              <a:rPr lang="en-US" altLang="zh-CN" sz="2800" dirty="0">
+                <a:latin typeface="楷体" pitchFamily="49" charset="-122"/>
+                <a:ea typeface="楷体" pitchFamily="49" charset="-122"/>
+              </a:rPr>
+              <a:t>1</a:t>
+            </a:r>
+            <a:r>
+              <a:rPr lang="zh-CN" altLang="zh-CN" sz="2800" dirty="0">
+                <a:latin typeface="楷体" pitchFamily="49" charset="-122"/>
+                <a:ea typeface="楷体" pitchFamily="49" charset="-122"/>
+              </a:rPr>
+              <a:t>）</a:t>
+            </a:r>
+            <a:r>
+              <a:rPr lang="zh-CN" altLang="en-US" sz="2800" b="1" dirty="0">
+                <a:solidFill>
+                  <a:srgbClr val="FF0000"/>
+                </a:solidFill>
+                <a:latin typeface="楷体" pitchFamily="49" charset="-122"/>
+                <a:ea typeface="楷体" pitchFamily="49" charset="-122"/>
+              </a:rPr>
+              <a:t>车型管理</a:t>
+            </a:r>
+            <a:r>
+              <a:rPr lang="en-US" altLang="zh-CN" sz="2800" dirty="0">
+                <a:latin typeface="楷体" pitchFamily="49" charset="-122"/>
+                <a:ea typeface="楷体" pitchFamily="49" charset="-122"/>
+              </a:rPr>
+              <a:t>—</a:t>
+            </a:r>
+            <a:r>
+              <a:rPr lang="zh-CN" altLang="en-US" sz="2800" dirty="0">
+                <a:latin typeface="楷体" pitchFamily="49" charset="-122"/>
+                <a:ea typeface="楷体" pitchFamily="49" charset="-122"/>
+              </a:rPr>
+              <a:t>单位购入车辆车型的基础信息管理</a:t>
+            </a:r>
+            <a:endParaRPr lang="en-US" altLang="zh-CN" sz="2800" dirty="0">
+              <a:latin typeface="楷体" pitchFamily="49" charset="-122"/>
+              <a:ea typeface="楷体" pitchFamily="49" charset="-122"/>
+            </a:endParaRPr>
+          </a:p>
+          <a:p>
+            <a:pPr>
+              <a:spcBef>
+                <a:spcPts val="600"/>
+              </a:spcBef>
+            </a:pPr>
+            <a:r>
+              <a:rPr lang="en-US" altLang="zh-CN" sz="2800" dirty="0">
+                <a:latin typeface="楷体" pitchFamily="49" charset="-122"/>
+                <a:ea typeface="楷体" pitchFamily="49" charset="-122"/>
+              </a:rPr>
+              <a:t>    	</a:t>
+            </a:r>
+            <a:r>
+              <a:rPr lang="zh-CN" altLang="en-US" sz="2400" dirty="0">
+                <a:latin typeface="楷体" pitchFamily="49" charset="-122"/>
+                <a:ea typeface="楷体" pitchFamily="49" charset="-122"/>
+              </a:rPr>
+              <a:t>车型信息包括：品牌类型、汽车排量、购入价格、购入日期、燃油类型、   </a:t>
+            </a:r>
+            <a:endParaRPr lang="en-US" altLang="zh-CN" sz="2400" dirty="0">
+              <a:latin typeface="楷体" pitchFamily="49" charset="-122"/>
+              <a:ea typeface="楷体" pitchFamily="49" charset="-122"/>
+            </a:endParaRPr>
+          </a:p>
+          <a:p>
+            <a:pPr>
+              <a:spcBef>
+                <a:spcPts val="600"/>
+              </a:spcBef>
+            </a:pPr>
+            <a:r>
+              <a:rPr lang="en-US" altLang="zh-CN" sz="2400" dirty="0">
+                <a:latin typeface="楷体" pitchFamily="49" charset="-122"/>
+                <a:ea typeface="楷体" pitchFamily="49" charset="-122"/>
+              </a:rPr>
+              <a:t>                    </a:t>
+            </a:r>
+            <a:r>
+              <a:rPr lang="zh-CN" altLang="en-US" sz="2400" dirty="0">
+                <a:latin typeface="楷体" pitchFamily="49" charset="-122"/>
+                <a:ea typeface="楷体" pitchFamily="49" charset="-122"/>
+              </a:rPr>
+              <a:t>车座数；</a:t>
+            </a:r>
+            <a:endParaRPr lang="en-US" altLang="zh-CN" sz="2400" dirty="0">
+              <a:latin typeface="楷体" pitchFamily="49" charset="-122"/>
+              <a:ea typeface="楷体" pitchFamily="49" charset="-122"/>
+            </a:endParaRPr>
+          </a:p>
+          <a:p>
+            <a:pPr>
+              <a:spcBef>
+                <a:spcPts val="600"/>
+              </a:spcBef>
+            </a:pPr>
+            <a:r>
+              <a:rPr lang="en-US" altLang="zh-CN" sz="2800" dirty="0">
+                <a:latin typeface="楷体" pitchFamily="49" charset="-122"/>
+                <a:ea typeface="楷体" pitchFamily="49" charset="-122"/>
+              </a:rPr>
+              <a:t>   </a:t>
+            </a:r>
+            <a:r>
+              <a:rPr lang="zh-CN" altLang="zh-CN" sz="2800" dirty="0">
+                <a:latin typeface="楷体" pitchFamily="49" charset="-122"/>
+                <a:ea typeface="楷体" pitchFamily="49" charset="-122"/>
+              </a:rPr>
+              <a:t>（</a:t>
+            </a:r>
+            <a:r>
+              <a:rPr lang="en-US" altLang="zh-CN" sz="2800" dirty="0">
+                <a:latin typeface="楷体" pitchFamily="49" charset="-122"/>
+                <a:ea typeface="楷体" pitchFamily="49" charset="-122"/>
+              </a:rPr>
+              <a:t>2</a:t>
+            </a:r>
+            <a:r>
+              <a:rPr lang="zh-CN" altLang="zh-CN" sz="2800" dirty="0">
+                <a:latin typeface="楷体" pitchFamily="49" charset="-122"/>
+                <a:ea typeface="楷体" pitchFamily="49" charset="-122"/>
+              </a:rPr>
+              <a:t>）</a:t>
+            </a:r>
+            <a:r>
+              <a:rPr lang="zh-CN" altLang="en-US" sz="2800" b="1" dirty="0">
+                <a:solidFill>
+                  <a:srgbClr val="FF0000"/>
+                </a:solidFill>
+                <a:latin typeface="楷体" pitchFamily="49" charset="-122"/>
+                <a:ea typeface="楷体" pitchFamily="49" charset="-122"/>
+              </a:rPr>
+              <a:t>车辆管理</a:t>
+            </a:r>
+            <a:r>
+              <a:rPr lang="en-US" altLang="zh-CN" sz="2800" dirty="0">
+                <a:latin typeface="楷体" pitchFamily="49" charset="-122"/>
+                <a:ea typeface="楷体" pitchFamily="49" charset="-122"/>
+              </a:rPr>
+              <a:t>—</a:t>
+            </a:r>
+            <a:r>
+              <a:rPr lang="zh-CN" altLang="en-US" sz="2800" dirty="0">
+                <a:latin typeface="楷体" pitchFamily="49" charset="-122"/>
+                <a:ea typeface="楷体" pitchFamily="49" charset="-122"/>
+              </a:rPr>
+              <a:t>投入使用车辆的相关信息管理</a:t>
+            </a:r>
+            <a:endParaRPr lang="en-US" altLang="zh-CN" sz="2800" dirty="0">
+              <a:latin typeface="楷体" pitchFamily="49" charset="-122"/>
+              <a:ea typeface="楷体" pitchFamily="49" charset="-122"/>
+            </a:endParaRPr>
+          </a:p>
+          <a:p>
+            <a:pPr>
+              <a:spcBef>
+                <a:spcPts val="600"/>
+              </a:spcBef>
+            </a:pPr>
+            <a:r>
+              <a:rPr lang="en-US" altLang="zh-CN" sz="2800" dirty="0">
+                <a:latin typeface="楷体" pitchFamily="49" charset="-122"/>
+                <a:ea typeface="楷体" pitchFamily="49" charset="-122"/>
+              </a:rPr>
+              <a:t>     </a:t>
+            </a:r>
+            <a:r>
+              <a:rPr lang="zh-CN" altLang="en-US" sz="2400" dirty="0">
+                <a:latin typeface="楷体" pitchFamily="49" charset="-122"/>
+                <a:ea typeface="楷体" pitchFamily="49" charset="-122"/>
+              </a:rPr>
+              <a:t>车辆信息包括：品牌类型、车牌号、投入日期、车辆状态（使用中、维修</a:t>
+            </a:r>
+            <a:endParaRPr lang="en-US" altLang="zh-CN" sz="2400" dirty="0">
+              <a:latin typeface="楷体" pitchFamily="49" charset="-122"/>
+              <a:ea typeface="楷体" pitchFamily="49" charset="-122"/>
+            </a:endParaRPr>
+          </a:p>
+          <a:p>
+            <a:pPr>
+              <a:spcBef>
+                <a:spcPts val="600"/>
+              </a:spcBef>
+            </a:pPr>
+            <a:r>
+              <a:rPr lang="en-US" altLang="zh-CN" sz="2400" dirty="0">
+                <a:latin typeface="楷体" pitchFamily="49" charset="-122"/>
+                <a:ea typeface="楷体" pitchFamily="49" charset="-122"/>
+              </a:rPr>
+              <a:t>                    </a:t>
+            </a:r>
+            <a:r>
+              <a:rPr lang="zh-CN" altLang="en-US" sz="2400" dirty="0">
+                <a:latin typeface="楷体" pitchFamily="49" charset="-122"/>
+                <a:ea typeface="楷体" pitchFamily="49" charset="-122"/>
+              </a:rPr>
+              <a:t>中、空闲）、</a:t>
+            </a:r>
+            <a:r>
+              <a:rPr lang="zh-CN" altLang="en-US" sz="2400" dirty="0" smtClean="0">
+                <a:latin typeface="楷体" pitchFamily="49" charset="-122"/>
+                <a:ea typeface="楷体" pitchFamily="49" charset="-122"/>
+              </a:rPr>
+              <a:t>车辆</a:t>
+            </a:r>
+            <a:r>
+              <a:rPr lang="zh-CN" altLang="en-US" sz="2400" dirty="0">
+                <a:latin typeface="楷体" pitchFamily="49" charset="-122"/>
+                <a:ea typeface="楷体" pitchFamily="49" charset="-122"/>
+              </a:rPr>
+              <a:t>用途</a:t>
+            </a:r>
+            <a:r>
+              <a:rPr lang="zh-CN" altLang="en-US" sz="2400" dirty="0" smtClean="0">
+                <a:latin typeface="楷体" pitchFamily="49" charset="-122"/>
+                <a:ea typeface="楷体" pitchFamily="49" charset="-122"/>
+              </a:rPr>
+              <a:t>（</a:t>
+            </a:r>
+            <a:r>
+              <a:rPr lang="zh-CN" altLang="en-US" sz="2400" dirty="0">
+                <a:latin typeface="楷体" pitchFamily="49" charset="-122"/>
+                <a:ea typeface="楷体" pitchFamily="49" charset="-122"/>
+              </a:rPr>
+              <a:t>班车、公车）；</a:t>
+            </a:r>
+            <a:endParaRPr lang="en-US" altLang="zh-CN" sz="2400" dirty="0">
+              <a:latin typeface="楷体" pitchFamily="49" charset="-122"/>
+              <a:ea typeface="楷体" pitchFamily="49" charset="-122"/>
+            </a:endParaRPr>
+          </a:p>
+          <a:p>
+            <a:pPr>
+              <a:spcBef>
+                <a:spcPts val="600"/>
+              </a:spcBef>
+            </a:pPr>
+            <a:r>
+              <a:rPr lang="en-US" altLang="zh-CN" sz="2800" dirty="0">
+                <a:latin typeface="楷体" pitchFamily="49" charset="-122"/>
+                <a:ea typeface="楷体" pitchFamily="49" charset="-122"/>
+              </a:rPr>
+              <a:t>   </a:t>
+            </a:r>
+            <a:r>
+              <a:rPr lang="zh-CN" altLang="zh-CN" sz="2800" dirty="0">
+                <a:latin typeface="楷体" pitchFamily="49" charset="-122"/>
+                <a:ea typeface="楷体" pitchFamily="49" charset="-122"/>
+              </a:rPr>
+              <a:t>（</a:t>
+            </a:r>
+            <a:r>
+              <a:rPr lang="en-US" altLang="zh-CN" sz="2800" dirty="0">
+                <a:latin typeface="楷体" pitchFamily="49" charset="-122"/>
+                <a:ea typeface="楷体" pitchFamily="49" charset="-122"/>
+              </a:rPr>
+              <a:t>3</a:t>
+            </a:r>
+            <a:r>
+              <a:rPr lang="zh-CN" altLang="zh-CN" sz="2800" dirty="0">
+                <a:latin typeface="楷体" pitchFamily="49" charset="-122"/>
+                <a:ea typeface="楷体" pitchFamily="49" charset="-122"/>
+              </a:rPr>
+              <a:t>）</a:t>
+            </a:r>
+            <a:r>
+              <a:rPr lang="zh-CN" altLang="en-US" sz="2800" b="1" dirty="0">
+                <a:solidFill>
+                  <a:srgbClr val="FF0000"/>
+                </a:solidFill>
+                <a:latin typeface="楷体" pitchFamily="49" charset="-122"/>
+                <a:ea typeface="楷体" pitchFamily="49" charset="-122"/>
+              </a:rPr>
+              <a:t>车辆记录管理</a:t>
+            </a:r>
+            <a:r>
+              <a:rPr lang="en-US" altLang="zh-CN" sz="2800" dirty="0">
+                <a:latin typeface="楷体" pitchFamily="49" charset="-122"/>
+                <a:ea typeface="楷体" pitchFamily="49" charset="-122"/>
+              </a:rPr>
+              <a:t>—</a:t>
+            </a:r>
+            <a:r>
+              <a:rPr lang="zh-CN" altLang="en-US" sz="2800" dirty="0">
+                <a:latin typeface="楷体" pitchFamily="49" charset="-122"/>
+                <a:ea typeface="楷体" pitchFamily="49" charset="-122"/>
+              </a:rPr>
+              <a:t>车辆的加油、维修、违章记录信息管理。</a:t>
+            </a:r>
+            <a:endParaRPr lang="en-US" altLang="zh-CN" sz="2800" dirty="0">
+              <a:latin typeface="楷体" pitchFamily="49" charset="-122"/>
+              <a:ea typeface="楷体" pitchFamily="49" charset="-122"/>
+            </a:endParaRPr>
+          </a:p>
+          <a:p>
+            <a:pPr>
+              <a:spcBef>
+                <a:spcPts val="600"/>
+              </a:spcBef>
+            </a:pPr>
+            <a:r>
+              <a:rPr lang="en-US" altLang="zh-CN" sz="2800" dirty="0">
+                <a:latin typeface="楷体" pitchFamily="49" charset="-122"/>
+                <a:ea typeface="楷体" pitchFamily="49" charset="-122"/>
+              </a:rPr>
+              <a:t>	</a:t>
+            </a:r>
+            <a:r>
+              <a:rPr lang="zh-CN" altLang="en-US" sz="2400" dirty="0">
+                <a:latin typeface="楷体" pitchFamily="49" charset="-122"/>
+                <a:ea typeface="楷体" pitchFamily="49" charset="-122"/>
+              </a:rPr>
+              <a:t>车辆记录信息包括</a:t>
+            </a:r>
+            <a:r>
+              <a:rPr lang="zh-CN" altLang="zh-CN" sz="2400" dirty="0">
+                <a:latin typeface="楷体" pitchFamily="49" charset="-122"/>
+                <a:ea typeface="楷体" pitchFamily="49" charset="-122"/>
+              </a:rPr>
+              <a:t>车牌号、</a:t>
+            </a:r>
+            <a:r>
+              <a:rPr lang="zh-CN" altLang="en-US" sz="2400" dirty="0">
+                <a:latin typeface="楷体" pitchFamily="49" charset="-122"/>
+                <a:ea typeface="楷体" pitchFamily="49" charset="-122"/>
+              </a:rPr>
+              <a:t>责任人、事件时间、花费、备注信息</a:t>
+            </a:r>
+            <a:r>
+              <a:rPr lang="zh-CN" altLang="zh-CN" sz="2400" dirty="0">
+                <a:latin typeface="楷体" pitchFamily="49" charset="-122"/>
+                <a:ea typeface="楷体" pitchFamily="49" charset="-122"/>
+              </a:rPr>
+              <a:t>。</a:t>
+            </a:r>
+            <a:endParaRPr lang="zh-CN" altLang="zh-CN" sz="2800" dirty="0">
+              <a:latin typeface="楷体" pitchFamily="49" charset="-122"/>
+              <a:ea typeface="楷体" pitchFamily="49" charset="-122"/>
+            </a:endParaRPr>
+          </a:p>
+        </p:txBody>
+      </p:sp>
+      <p:pic>
+        <p:nvPicPr>
+          <p:cNvPr id="6" name="Picture 4"/>
+          <p:cNvPicPr>
+            <a:picLocks noChangeAspect="1" noChangeArrowheads="1"/>
+          </p:cNvPicPr>
+          <p:nvPr/>
+        </p:nvPicPr>
+        <p:blipFill>
+          <a:blip r:embed="rId4">
+            <a:extLst>
+              <a:ext uri="{28A0092B-C50C-407E-A947-70E740481C1C}">
+                <a14:useLocalDpi xmlns:a14="http://schemas.microsoft.com/office/drawing/2010/main" val="0"/>
+              </a:ext>
+            </a:extLst>
+          </a:blip>
+          <a:srcRect/>
+          <a:stretch>
+            <a:fillRect/>
+          </a:stretch>
+        </p:blipFill>
+        <p:spPr bwMode="auto">
+          <a:xfrm>
+            <a:off x="9552384" y="1628800"/>
+            <a:ext cx="1435735" cy="891265"/>
+          </a:xfrm>
+          <a:prstGeom prst="rect">
+            <a:avLst/>
+          </a:prstGeom>
+          <a:noFill/>
+          <a:ln>
+            <a:noFill/>
+          </a:ln>
+          <a:effectLst/>
+          <a:extLst>
+            <a:ext uri="{909E8E84-426E-40DD-AFC4-6F175D3DCCD1}">
+              <a14:hiddenFill xmlns:a14="http://schemas.microsoft.com/office/drawing/2010/main">
+                <a:solidFill>
+                  <a:schemeClr val="accent1"/>
+                </a:solidFill>
+              </a14:hiddenFill>
+            </a:ext>
+            <a:ext uri="{91240B29-F687-4F45-9708-019B960494DF}">
+              <a14:hiddenLine xmlns:a14="http://schemas.microsoft.com/office/drawing/2010/main" w="9525">
+                <a:solidFill>
+                  <a:schemeClr val="tx1"/>
+                </a:solidFill>
+                <a:miter lim="800000"/>
+                <a:headEnd/>
+                <a:tailEnd/>
+              </a14:hiddenLine>
+            </a:ext>
+            <a:ext uri="{AF507438-7753-43E0-B8FC-AC1667EBCBE1}">
+              <a14:hiddenEffects xmlns:a14="http://schemas.microsoft.com/office/drawing/2010/main">
+                <a:effectLst>
+                  <a:outerShdw dist="35921" dir="2700000" algn="ctr" rotWithShape="0">
+                    <a:schemeClr val="bg2"/>
+                  </a:outerShdw>
+                </a:effectLst>
+              </a14:hiddenEffects>
+            </a:ext>
+          </a:extLst>
+        </p:spPr>
+      </p:pic>
+    </p:spTree>
+    <p:extLst>
+      <p:ext uri="{BB962C8B-B14F-4D97-AF65-F5344CB8AC3E}">
+        <p14:creationId xmlns:p14="http://schemas.microsoft.com/office/powerpoint/2010/main" val="3241770552"/>
+      </p:ext>
+    </p:extLst>
+  </p:cSld>
+  <p:clrMapOvr>
+    <a:masterClrMapping/>
+  </p:clrMapOvr>
+  <p:timing>
+    <p:tnLst>
+      <p:par>
+        <p:cTn id="1" dur="indefinite" restart="never" nodeType="tmRoot"/>
+      </p:par>
+    </p:tnLst>
+  </p:timing>
 </p:sld>
 </file>
 
